--- a/Workshop/Content/3. Storage/Azure Storage and Cognitive Services.pptx
+++ b/Workshop/Content/3. Storage/Azure Storage and Cognitive Services.pptx
@@ -225,7 +225,7 @@
           <a:p>
             <a:fld id="{49B60EF2-7028-489F-85D8-FE86CD7CF2A0}" type="datetimeFigureOut">
               <a:rPr lang="en-US" smtClean="0"/>
-              <a:t>6/9/2016</a:t>
+              <a:t>6/21/2016</a:t>
             </a:fld>
             <a:endParaRPr lang="en-US"/>
           </a:p>
@@ -1016,7 +1016,7 @@
           <a:p>
             <a:fld id="{0459C166-16D3-4A25-A2F8-C51E0E346B22}" type="datetimeFigureOut">
               <a:rPr lang="en-US" smtClean="0"/>
-              <a:t>6/9/2016</a:t>
+              <a:t>6/21/2016</a:t>
             </a:fld>
             <a:endParaRPr lang="en-US"/>
           </a:p>
@@ -1111,7 +1111,7 @@
           <a:p>
             <a:fld id="{0459C166-16D3-4A25-A2F8-C51E0E346B22}" type="datetimeFigureOut">
               <a:rPr lang="en-US" smtClean="0"/>
-              <a:t>6/9/2016</a:t>
+              <a:t>6/21/2016</a:t>
             </a:fld>
             <a:endParaRPr lang="en-US"/>
           </a:p>
@@ -1386,7 +1386,7 @@
           <a:p>
             <a:fld id="{0459C166-16D3-4A25-A2F8-C51E0E346B22}" type="datetimeFigureOut">
               <a:rPr lang="en-US" smtClean="0"/>
-              <a:t>6/9/2016</a:t>
+              <a:t>6/21/2016</a:t>
             </a:fld>
             <a:endParaRPr lang="en-US"/>
           </a:p>
@@ -1638,7 +1638,7 @@
           <a:p>
             <a:fld id="{0459C166-16D3-4A25-A2F8-C51E0E346B22}" type="datetimeFigureOut">
               <a:rPr lang="en-US" smtClean="0"/>
-              <a:t>6/9/2016</a:t>
+              <a:t>6/21/2016</a:t>
             </a:fld>
             <a:endParaRPr lang="en-US"/>
           </a:p>
@@ -1806,7 +1806,7 @@
           <a:p>
             <a:fld id="{0459C166-16D3-4A25-A2F8-C51E0E346B22}" type="datetimeFigureOut">
               <a:rPr lang="en-US" smtClean="0"/>
-              <a:t>6/9/2016</a:t>
+              <a:t>6/21/2016</a:t>
             </a:fld>
             <a:endParaRPr lang="en-US"/>
           </a:p>
@@ -1984,7 +1984,7 @@
           <a:p>
             <a:fld id="{0459C166-16D3-4A25-A2F8-C51E0E346B22}" type="datetimeFigureOut">
               <a:rPr lang="en-US" smtClean="0"/>
-              <a:t>6/9/2016</a:t>
+              <a:t>6/21/2016</a:t>
             </a:fld>
             <a:endParaRPr lang="en-US"/>
           </a:p>
@@ -3911,7 +3911,7 @@
           <a:p>
             <a:fld id="{0459C166-16D3-4A25-A2F8-C51E0E346B22}" type="datetimeFigureOut">
               <a:rPr lang="en-US" smtClean="0"/>
-              <a:t>6/9/2016</a:t>
+              <a:t>6/21/2016</a:t>
             </a:fld>
             <a:endParaRPr lang="en-US"/>
           </a:p>
@@ -9538,7 +9538,7 @@
             <a:fld id="{0459C166-16D3-4A25-A2F8-C51E0E346B22}" type="datetimeFigureOut">
               <a:rPr lang="en-US" smtClean="0"/>
               <a:pPr/>
-              <a:t>6/9/2016</a:t>
+              <a:t>6/21/2016</a:t>
             </a:fld>
             <a:endParaRPr lang="en-US"/>
           </a:p>
@@ -13600,7 +13600,7 @@
           <a:p>
             <a:fld id="{0459C166-16D3-4A25-A2F8-C51E0E346B22}" type="datetimeFigureOut">
               <a:rPr lang="en-US" smtClean="0"/>
-              <a:t>6/9/2016</a:t>
+              <a:t>6/21/2016</a:t>
             </a:fld>
             <a:endParaRPr lang="en-US"/>
           </a:p>
@@ -13964,7 +13964,7 @@
           <a:p>
             <a:fld id="{0459C166-16D3-4A25-A2F8-C51E0E346B22}" type="datetimeFigureOut">
               <a:rPr lang="en-US" smtClean="0"/>
-              <a:t>6/9/2016</a:t>
+              <a:t>6/21/2016</a:t>
             </a:fld>
             <a:endParaRPr lang="en-US"/>
           </a:p>
@@ -14081,7 +14081,7 @@
           <a:p>
             <a:fld id="{0459C166-16D3-4A25-A2F8-C51E0E346B22}" type="datetimeFigureOut">
               <a:rPr lang="en-US" smtClean="0"/>
-              <a:t>6/9/2016</a:t>
+              <a:t>6/21/2016</a:t>
             </a:fld>
             <a:endParaRPr lang="en-US"/>
           </a:p>
@@ -14292,7 +14292,7 @@
           <a:p>
             <a:fld id="{0459C166-16D3-4A25-A2F8-C51E0E346B22}" type="datetimeFigureOut">
               <a:rPr lang="en-US" smtClean="0"/>
-              <a:t>6/9/2016</a:t>
+              <a:t>6/21/2016</a:t>
             </a:fld>
             <a:endParaRPr lang="en-US"/>
           </a:p>
@@ -16615,13 +16615,8 @@
           <a:p>
             <a:r>
               <a:rPr lang="en-US" dirty="0" smtClean="0"/>
-              <a:t>Add metadata properties named "Property1," "Property2," and "Property3" to a </a:t>
-            </a:r>
-            <a:r>
-              <a:rPr lang="en-US" dirty="0" smtClean="0"/>
-              <a:t>blob</a:t>
-            </a:r>
-            <a:endParaRPr lang="en-US" dirty="0" smtClean="0"/>
+              <a:t>Add metadata properties named "Property1," "Property2," and "Property3" to a blob</a:t>
+            </a:r>
           </a:p>
         </p:txBody>
       </p:sp>
@@ -16783,13 +16778,8 @@
           <a:p>
             <a:r>
               <a:rPr lang="en-US" dirty="0" smtClean="0"/>
-              <a:t>Read metadata properties named "Property1," "Property2," and "Property3" from a </a:t>
-            </a:r>
-            <a:r>
-              <a:rPr lang="en-US" dirty="0" smtClean="0"/>
-              <a:t>blob</a:t>
-            </a:r>
-            <a:endParaRPr lang="en-US" dirty="0" smtClean="0"/>
+              <a:t>Read metadata properties named "Property1," "Property2," and "Property3" from a blob</a:t>
+            </a:r>
           </a:p>
         </p:txBody>
       </p:sp>
@@ -16846,13 +16836,65 @@
             </a:r>
             <a:r>
               <a:rPr lang="en-US" dirty="0" smtClean="0"/>
-              <a:t>["Property1"] : </a:t>
+              <a:t>["Property1"] : null;</a:t>
+            </a:r>
+          </a:p>
+          <a:p>
+            <a:r>
+              <a:rPr lang="en-US" dirty="0"/>
+              <a:t>string </a:t>
+            </a:r>
+            <a:r>
+              <a:rPr lang="en-US" dirty="0" smtClean="0"/>
+              <a:t>p2 </a:t>
+            </a:r>
+            <a:r>
+              <a:rPr lang="en-US" dirty="0"/>
+              <a:t>= </a:t>
+            </a:r>
+            <a:r>
+              <a:rPr lang="en-US" dirty="0" err="1"/>
+              <a:t>blob.Metadata.ContainsKey</a:t>
+            </a:r>
+            <a:r>
+              <a:rPr lang="en-US" dirty="0"/>
+              <a:t>("</a:t>
+            </a:r>
+            <a:r>
+              <a:rPr lang="en-US" dirty="0" smtClean="0"/>
+              <a:t>Property2") </a:t>
+            </a:r>
+            <a:r>
+              <a:rPr lang="en-US" dirty="0"/>
+              <a:t>?</a:t>
+            </a:r>
+          </a:p>
+          <a:p>
+            <a:r>
+              <a:rPr lang="en-US" dirty="0"/>
+              <a:t>    </a:t>
+            </a:r>
+            <a:r>
+              <a:rPr lang="en-US" dirty="0" err="1"/>
+              <a:t>blob.Metadata</a:t>
+            </a:r>
+            <a:r>
+              <a:rPr lang="en-US" dirty="0"/>
+              <a:t>["</a:t>
+            </a:r>
+            <a:r>
+              <a:rPr lang="en-US" dirty="0" smtClean="0"/>
+              <a:t>Property2"] </a:t>
+            </a:r>
+            <a:r>
+              <a:rPr lang="en-US" dirty="0"/>
+              <a:t>: </a:t>
             </a:r>
             <a:r>
               <a:rPr lang="en-US" dirty="0" smtClean="0"/>
               <a:t>null;</a:t>
             </a:r>
-            <a:endParaRPr lang="en-US" dirty="0" smtClean="0"/>
+            <a:endParaRPr lang="en-US" dirty="0"/>
           </a:p>
           <a:p>
             <a:r>
@@ -16861,7 +16903,7 @@
             </a:r>
             <a:r>
               <a:rPr lang="en-US" dirty="0" smtClean="0"/>
-              <a:t>p2 </a:t>
+              <a:t>p3 </a:t>
             </a:r>
             <a:r>
               <a:rPr lang="en-US" dirty="0"/>
@@ -16877,7 +16919,7 @@
             </a:r>
             <a:r>
               <a:rPr lang="en-US" dirty="0" smtClean="0"/>
-              <a:t>Property2") </a:t>
+              <a:t>Property3") </a:t>
             </a:r>
             <a:r>
               <a:rPr lang="en-US" dirty="0"/>
@@ -16899,7 +16941,7 @@
             </a:r>
             <a:r>
               <a:rPr lang="en-US" dirty="0" smtClean="0"/>
-              <a:t>Property2"] </a:t>
+              <a:t>Property3"] </a:t>
             </a:r>
             <a:r>
               <a:rPr lang="en-US" dirty="0"/>
@@ -16907,72 +16949,7 @@
             </a:r>
             <a:r>
               <a:rPr lang="en-US" dirty="0" smtClean="0"/>
-              <a:t>null</a:t>
-            </a:r>
-            <a:r>
-              <a:rPr lang="en-US" dirty="0" smtClean="0"/>
-              <a:t>;</a:t>
-            </a:r>
-            <a:endParaRPr lang="en-US" dirty="0"/>
-          </a:p>
-          <a:p>
-            <a:r>
-              <a:rPr lang="en-US" dirty="0"/>
-              <a:t>string </a:t>
-            </a:r>
-            <a:r>
-              <a:rPr lang="en-US" dirty="0" smtClean="0"/>
-              <a:t>p3 </a:t>
-            </a:r>
-            <a:r>
-              <a:rPr lang="en-US" dirty="0"/>
-              <a:t>= </a:t>
-            </a:r>
-            <a:r>
-              <a:rPr lang="en-US" dirty="0" err="1"/>
-              <a:t>blob.Metadata.ContainsKey</a:t>
-            </a:r>
-            <a:r>
-              <a:rPr lang="en-US" dirty="0"/>
-              <a:t>("</a:t>
-            </a:r>
-            <a:r>
-              <a:rPr lang="en-US" dirty="0" smtClean="0"/>
-              <a:t>Property3") </a:t>
-            </a:r>
-            <a:r>
-              <a:rPr lang="en-US" dirty="0"/>
-              <a:t>?</a:t>
-            </a:r>
-          </a:p>
-          <a:p>
-            <a:r>
-              <a:rPr lang="en-US" dirty="0"/>
-              <a:t>    </a:t>
-            </a:r>
-            <a:r>
-              <a:rPr lang="en-US" dirty="0" err="1"/>
-              <a:t>blob.Metadata</a:t>
-            </a:r>
-            <a:r>
-              <a:rPr lang="en-US" dirty="0"/>
-              <a:t>["</a:t>
-            </a:r>
-            <a:r>
-              <a:rPr lang="en-US" dirty="0" smtClean="0"/>
-              <a:t>Property3"] </a:t>
-            </a:r>
-            <a:r>
-              <a:rPr lang="en-US" dirty="0"/>
-              <a:t>: </a:t>
-            </a:r>
-            <a:r>
-              <a:rPr lang="en-US" dirty="0" smtClean="0"/>
-              <a:t>null</a:t>
-            </a:r>
-            <a:r>
-              <a:rPr lang="en-US" dirty="0" smtClean="0"/>
-              <a:t>;</a:t>
+              <a:t>null;</a:t>
             </a:r>
             <a:endParaRPr lang="en-US" dirty="0"/>
           </a:p>
@@ -22114,10 +22091,24 @@
             </a:r>
           </a:p>
           <a:p>
+            <a:pPr lvl="1"/>
             <a:r>
               <a:rPr lang="en-US" dirty="0"/>
-              <a:t>Optionally submit a stream instead </a:t>
-            </a:r>
+              <a:t>Optionally </a:t>
+            </a:r>
+            <a:r>
+              <a:rPr lang="en-US" dirty="0" smtClean="0"/>
+              <a:t>pass a </a:t>
+            </a:r>
+            <a:r>
+              <a:rPr lang="en-US" dirty="0"/>
+              <a:t>stream instead </a:t>
+            </a:r>
+            <a:r>
+              <a:rPr lang="en-US" dirty="0" smtClean="0"/>
+              <a:t>of a URI</a:t>
+            </a:r>
+            <a:endParaRPr lang="en-US" dirty="0"/>
           </a:p>
           <a:p>
             <a:r>
@@ -22161,7 +22152,179 @@
           <a:bodyPr/>
           <a:lstStyle/>
           <a:p>
-            <a:endParaRPr lang="en-US"/>
+            <a:r>
+              <a:rPr lang="en-US" dirty="0" err="1"/>
+              <a:t>var</a:t>
+            </a:r>
+            <a:r>
+              <a:rPr lang="en-US" dirty="0"/>
+              <a:t> options = {</a:t>
+            </a:r>
+          </a:p>
+          <a:p>
+            <a:r>
+              <a:rPr lang="en-US" dirty="0"/>
+              <a:t>  </a:t>
+            </a:r>
+            <a:r>
+              <a:rPr lang="en-US" dirty="0" smtClean="0"/>
+              <a:t>  url</a:t>
+            </a:r>
+            <a:r>
+              <a:rPr lang="en-US" dirty="0"/>
+              <a:t>: "</a:t>
+            </a:r>
+            <a:r>
+              <a:rPr lang="en-US" sz="1500" dirty="0"/>
+              <a:t>https://api.projectoxford.ai/vision/v1.0/analyze</a:t>
+            </a:r>
+            <a:r>
+              <a:rPr lang="en-US" dirty="0"/>
+              <a:t>",</a:t>
+            </a:r>
+          </a:p>
+          <a:p>
+            <a:r>
+              <a:rPr lang="en-US" dirty="0"/>
+              <a:t>    </a:t>
+            </a:r>
+            <a:r>
+              <a:rPr lang="en-US" dirty="0" err="1"/>
+              <a:t>qs</a:t>
+            </a:r>
+            <a:r>
+              <a:rPr lang="en-US" dirty="0"/>
+              <a:t>: { </a:t>
+            </a:r>
+            <a:r>
+              <a:rPr lang="en-US" dirty="0" err="1"/>
+              <a:t>visualFeatures</a:t>
+            </a:r>
+            <a:r>
+              <a:rPr lang="en-US" dirty="0"/>
+              <a:t>: "Description" },</a:t>
+            </a:r>
+          </a:p>
+          <a:p>
+            <a:r>
+              <a:rPr lang="en-US" dirty="0"/>
+              <a:t>    method: 'POST',</a:t>
+            </a:r>
+          </a:p>
+          <a:p>
+            <a:r>
+              <a:rPr lang="en-US" dirty="0"/>
+              <a:t>    headers: {</a:t>
+            </a:r>
+          </a:p>
+          <a:p>
+            <a:r>
+              <a:rPr lang="en-US" dirty="0"/>
+              <a:t>        'Content-Type': 'application/</a:t>
+            </a:r>
+            <a:r>
+              <a:rPr lang="en-US" dirty="0" err="1"/>
+              <a:t>json</a:t>
+            </a:r>
+            <a:r>
+              <a:rPr lang="en-US" dirty="0"/>
+              <a:t>',</a:t>
+            </a:r>
+          </a:p>
+          <a:p>
+            <a:r>
+              <a:rPr lang="en-US" dirty="0"/>
+              <a:t>        '</a:t>
+            </a:r>
+            <a:r>
+              <a:rPr lang="en-US" dirty="0" err="1"/>
+              <a:t>Ocp</a:t>
+            </a:r>
+            <a:r>
+              <a:rPr lang="en-US" dirty="0"/>
+              <a:t>-</a:t>
+            </a:r>
+            <a:r>
+              <a:rPr lang="en-US" dirty="0" err="1"/>
+              <a:t>Apim</a:t>
+            </a:r>
+            <a:r>
+              <a:rPr lang="en-US" dirty="0"/>
+              <a:t>-Subscription-Key': '</a:t>
+            </a:r>
+            <a:r>
+              <a:rPr lang="en-US" dirty="0" err="1"/>
+              <a:t>subscription_key</a:t>
+            </a:r>
+            <a:r>
+              <a:rPr lang="en-US" dirty="0"/>
+              <a:t>'</a:t>
+            </a:r>
+          </a:p>
+          <a:p>
+            <a:r>
+              <a:rPr lang="en-US" dirty="0"/>
+              <a:t>    },</a:t>
+            </a:r>
+          </a:p>
+          <a:p>
+            <a:r>
+              <a:rPr lang="en-US" dirty="0"/>
+              <a:t>  ...   </a:t>
+            </a:r>
+          </a:p>
+          <a:p>
+            <a:r>
+              <a:rPr lang="en-US" dirty="0"/>
+              <a:t>};</a:t>
+            </a:r>
+          </a:p>
+          <a:p>
+            <a:r>
+              <a:rPr lang="en-US" dirty="0"/>
+              <a:t>request(options, function(err, response, result) {</a:t>
+            </a:r>
+          </a:p>
+          <a:p>
+            <a:r>
+              <a:rPr lang="en-US" dirty="0"/>
+              <a:t>    if(!err) {</a:t>
+            </a:r>
+          </a:p>
+          <a:p>
+            <a:r>
+              <a:rPr lang="en-US" dirty="0"/>
+              <a:t>        </a:t>
+            </a:r>
+            <a:r>
+              <a:rPr lang="en-US" dirty="0" err="1"/>
+              <a:t>var</a:t>
+            </a:r>
+            <a:r>
+              <a:rPr lang="en-US" dirty="0"/>
+              <a:t> caption = </a:t>
+            </a:r>
+            <a:r>
+              <a:rPr lang="en-US" dirty="0" err="1"/>
+              <a:t>result.description.captions</a:t>
+            </a:r>
+            <a:r>
+              <a:rPr lang="en-US" dirty="0"/>
+              <a:t>[0].text;</a:t>
+            </a:r>
+          </a:p>
+          <a:p>
+            <a:r>
+              <a:rPr lang="en-US" dirty="0"/>
+              <a:t>    }</a:t>
+            </a:r>
+          </a:p>
+          <a:p>
+            <a:r>
+              <a:rPr lang="en-US" dirty="0"/>
+              <a:t>});</a:t>
+            </a:r>
+            <a:endParaRPr lang="en-US" dirty="0"/>
           </a:p>
         </p:txBody>
       </p:sp>

--- a/Workshop/Content/3. Storage/Azure Storage and Cognitive Services.pptx
+++ b/Workshop/Content/3. Storage/Azure Storage and Cognitive Services.pptx
@@ -6,7 +6,7 @@
     <p:sldMasterId id="2147483663" r:id="rId2"/>
   </p:sldMasterIdLst>
   <p:notesMasterIdLst>
-    <p:notesMasterId r:id="rId31"/>
+    <p:notesMasterId r:id="rId27"/>
   </p:notesMasterIdLst>
   <p:sldIdLst>
     <p:sldId id="256" r:id="rId3"/>
@@ -14,29 +14,25 @@
     <p:sldId id="320" r:id="rId5"/>
     <p:sldId id="355" r:id="rId6"/>
     <p:sldId id="349" r:id="rId7"/>
-    <p:sldId id="350" r:id="rId8"/>
-    <p:sldId id="351" r:id="rId9"/>
-    <p:sldId id="344" r:id="rId10"/>
-    <p:sldId id="321" r:id="rId11"/>
-    <p:sldId id="332" r:id="rId12"/>
-    <p:sldId id="345" r:id="rId13"/>
-    <p:sldId id="333" r:id="rId14"/>
-    <p:sldId id="334" r:id="rId15"/>
-    <p:sldId id="335" r:id="rId16"/>
-    <p:sldId id="352" r:id="rId17"/>
-    <p:sldId id="340" r:id="rId18"/>
-    <p:sldId id="346" r:id="rId19"/>
-    <p:sldId id="341" r:id="rId20"/>
-    <p:sldId id="342" r:id="rId21"/>
-    <p:sldId id="343" r:id="rId22"/>
-    <p:sldId id="353" r:id="rId23"/>
-    <p:sldId id="323" r:id="rId24"/>
-    <p:sldId id="354" r:id="rId25"/>
-    <p:sldId id="356" r:id="rId26"/>
-    <p:sldId id="336" r:id="rId27"/>
-    <p:sldId id="337" r:id="rId28"/>
-    <p:sldId id="295" r:id="rId29"/>
-    <p:sldId id="299" r:id="rId30"/>
+    <p:sldId id="357" r:id="rId8"/>
+    <p:sldId id="358" r:id="rId9"/>
+    <p:sldId id="350" r:id="rId10"/>
+    <p:sldId id="351" r:id="rId11"/>
+    <p:sldId id="344" r:id="rId12"/>
+    <p:sldId id="321" r:id="rId13"/>
+    <p:sldId id="332" r:id="rId14"/>
+    <p:sldId id="346" r:id="rId15"/>
+    <p:sldId id="333" r:id="rId16"/>
+    <p:sldId id="342" r:id="rId17"/>
+    <p:sldId id="335" r:id="rId18"/>
+    <p:sldId id="353" r:id="rId19"/>
+    <p:sldId id="323" r:id="rId20"/>
+    <p:sldId id="354" r:id="rId21"/>
+    <p:sldId id="356" r:id="rId22"/>
+    <p:sldId id="336" r:id="rId23"/>
+    <p:sldId id="337" r:id="rId24"/>
+    <p:sldId id="295" r:id="rId25"/>
+    <p:sldId id="299" r:id="rId26"/>
   </p:sldIdLst>
   <p:sldSz cx="12192000" cy="6858000"/>
   <p:notesSz cx="6858000" cy="9144000"/>
@@ -737,7 +733,36 @@
           <a:bodyPr/>
           <a:lstStyle/>
           <a:p>
-            <a:endParaRPr lang="en-US" dirty="0"/>
+            <a:pPr marL="0" marR="0" indent="0" algn="l" defTabSz="914400" rtl="0" eaLnBrk="1" fontAlgn="auto" latinLnBrk="0" hangingPunct="1">
+              <a:lnSpc>
+                <a:spcPct val="100000"/>
+              </a:lnSpc>
+              <a:spcBef>
+                <a:spcPts val="0"/>
+              </a:spcBef>
+              <a:spcAft>
+                <a:spcPts val="0"/>
+              </a:spcAft>
+              <a:buClrTx/>
+              <a:buSzTx/>
+              <a:buFontTx/>
+              <a:buNone/>
+              <a:tabLst/>
+              <a:defRPr/>
+            </a:pPr>
+            <a:r>
+              <a:rPr lang="en-US" dirty="0" smtClean="0"/>
+              <a:t>Access keys should </a:t>
+            </a:r>
+            <a:r>
+              <a:rPr lang="en-US" u="sng" dirty="0" smtClean="0"/>
+              <a:t>never</a:t>
+            </a:r>
+            <a:r>
+              <a:rPr lang="en-US" baseline="0" dirty="0" smtClean="0"/>
+              <a:t> be handed out to other people because they provide unlimited access to a storage account. SAS tokens are safer because they can be time-limited and set to provide read-only access. The best way to generate a SAS token is with Microsoft's cross-platform Azure Storage Explorer.</a:t>
+            </a:r>
+            <a:endParaRPr lang="en-US" dirty="0" smtClean="0"/>
           </a:p>
         </p:txBody>
       </p:sp>
@@ -758,7 +783,7 @@
           <a:p>
             <a:fld id="{01283FAC-A721-45A3-BBDE-EAF2B09B7CD9}" type="slidenum">
               <a:rPr lang="en-US" smtClean="0"/>
-              <a:t>16</a:t>
+              <a:t>6</a:t>
             </a:fld>
             <a:endParaRPr lang="en-US"/>
           </a:p>
@@ -767,7 +792,7 @@
     </p:spTree>
     <p:extLst>
       <p:ext uri="{BB962C8B-B14F-4D97-AF65-F5344CB8AC3E}">
-        <p14:creationId xmlns:p14="http://schemas.microsoft.com/office/powerpoint/2010/main" val="3245671054"/>
+        <p14:creationId xmlns:p14="http://schemas.microsoft.com/office/powerpoint/2010/main" val="1448603169"/>
       </p:ext>
     </p:extLst>
   </p:cSld>
@@ -821,15 +846,32 @@
           <a:bodyPr/>
           <a:lstStyle/>
           <a:p>
+            <a:pPr marL="0" marR="0" indent="0" algn="l" defTabSz="914400" rtl="0" eaLnBrk="1" fontAlgn="auto" latinLnBrk="0" hangingPunct="1">
+              <a:lnSpc>
+                <a:spcPct val="100000"/>
+              </a:lnSpc>
+              <a:spcBef>
+                <a:spcPts val="0"/>
+              </a:spcBef>
+              <a:spcAft>
+                <a:spcPts val="0"/>
+              </a:spcAft>
+              <a:buClrTx/>
+              <a:buSzTx/>
+              <a:buFontTx/>
+              <a:buNone/>
+              <a:tabLst/>
+              <a:defRPr/>
+            </a:pPr>
             <a:r>
               <a:rPr lang="en-US" dirty="0" smtClean="0"/>
-              <a:t>Cognitive</a:t>
+              <a:t>The Microsoft Azure Storage Explorer provides an easy-to-use</a:t>
             </a:r>
             <a:r>
               <a:rPr lang="en-US" baseline="0" dirty="0" smtClean="0"/>
-              <a:t> Services includes 21 APIs that fall into five categories: vision, speech, language, knowledge, and search.</a:t>
-            </a:r>
-            <a:endParaRPr lang="en-US" dirty="0"/>
+              <a:t> GUI interface for creating containers, uploading and downloading blobs, generating SAS tokens, and more. But if you want to use a scripting language such as Bash or PowerShell to script storage operations, the Azure CLI is the way to go.</a:t>
+            </a:r>
+            <a:endParaRPr lang="en-US" dirty="0" smtClean="0"/>
           </a:p>
         </p:txBody>
       </p:sp>
@@ -850,7 +892,99 @@
           <a:p>
             <a:fld id="{01283FAC-A721-45A3-BBDE-EAF2B09B7CD9}" type="slidenum">
               <a:rPr lang="en-US" smtClean="0"/>
-              <a:t>22</a:t>
+              <a:t>10</a:t>
+            </a:fld>
+            <a:endParaRPr lang="en-US"/>
+          </a:p>
+        </p:txBody>
+      </p:sp>
+    </p:spTree>
+    <p:extLst>
+      <p:ext uri="{BB962C8B-B14F-4D97-AF65-F5344CB8AC3E}">
+        <p14:creationId xmlns:p14="http://schemas.microsoft.com/office/powerpoint/2010/main" val="2058981737"/>
+      </p:ext>
+    </p:extLst>
+  </p:cSld>
+  <p:clrMapOvr>
+    <a:masterClrMapping/>
+  </p:clrMapOvr>
+</p:notes>
+</file>
+
+<file path=ppt/notesSlides/notesSlide5.xml><?xml version="1.0" encoding="utf-8"?>
+<p:notes xmlns:a="http://schemas.openxmlformats.org/drawingml/2006/main" xmlns:r="http://schemas.openxmlformats.org/officeDocument/2006/relationships" xmlns:p="http://schemas.openxmlformats.org/presentationml/2006/main">
+  <p:cSld>
+    <p:spTree>
+      <p:nvGrpSpPr>
+        <p:cNvPr id="1" name=""/>
+        <p:cNvGrpSpPr/>
+        <p:nvPr/>
+      </p:nvGrpSpPr>
+      <p:grpSpPr>
+        <a:xfrm>
+          <a:off x="0" y="0"/>
+          <a:ext cx="0" cy="0"/>
+          <a:chOff x="0" y="0"/>
+          <a:chExt cx="0" cy="0"/>
+        </a:xfrm>
+      </p:grpSpPr>
+      <p:sp>
+        <p:nvSpPr>
+          <p:cNvPr id="2" name="Slide Image Placeholder 1"/>
+          <p:cNvSpPr>
+            <a:spLocks noGrp="1" noRot="1" noChangeAspect="1"/>
+          </p:cNvSpPr>
+          <p:nvPr>
+            <p:ph type="sldImg"/>
+          </p:nvPr>
+        </p:nvSpPr>
+        <p:spPr/>
+      </p:sp>
+      <p:sp>
+        <p:nvSpPr>
+          <p:cNvPr id="3" name="Notes Placeholder 2"/>
+          <p:cNvSpPr>
+            <a:spLocks noGrp="1"/>
+          </p:cNvSpPr>
+          <p:nvPr>
+            <p:ph type="body" idx="1"/>
+          </p:nvPr>
+        </p:nvSpPr>
+        <p:spPr/>
+        <p:txBody>
+          <a:bodyPr/>
+          <a:lstStyle/>
+          <a:p>
+            <a:r>
+              <a:rPr lang="en-US" dirty="0" smtClean="0"/>
+              <a:t>Cognitive</a:t>
+            </a:r>
+            <a:r>
+              <a:rPr lang="en-US" baseline="0" dirty="0" smtClean="0"/>
+              <a:t> Services includes 21 APIs that fall into five categories: vision, speech, language, knowledge, and search.</a:t>
+            </a:r>
+            <a:endParaRPr lang="en-US" dirty="0"/>
+          </a:p>
+        </p:txBody>
+      </p:sp>
+      <p:sp>
+        <p:nvSpPr>
+          <p:cNvPr id="4" name="Slide Number Placeholder 3"/>
+          <p:cNvSpPr>
+            <a:spLocks noGrp="1"/>
+          </p:cNvSpPr>
+          <p:nvPr>
+            <p:ph type="sldNum" sz="quarter" idx="10"/>
+          </p:nvPr>
+        </p:nvSpPr>
+        <p:spPr/>
+        <p:txBody>
+          <a:bodyPr/>
+          <a:lstStyle/>
+          <a:p>
+            <a:fld id="{01283FAC-A721-45A3-BBDE-EAF2B09B7CD9}" type="slidenum">
+              <a:rPr lang="en-US" smtClean="0"/>
+              <a:t>18</a:t>
             </a:fld>
             <a:endParaRPr lang="en-US"/>
           </a:p>
@@ -15695,14 +15829,12 @@
         </p:nvSpPr>
         <p:spPr/>
         <p:txBody>
-          <a:bodyPr>
-            <a:normAutofit fontScale="90000"/>
-          </a:bodyPr>
+          <a:bodyPr/>
           <a:lstStyle/>
           <a:p>
             <a:r>
               <a:rPr lang="en-US" dirty="0" smtClean="0"/>
-              <a:t>Uploading a Blob (C#)</a:t>
+              <a:t>Azure Storage Tools</a:t>
             </a:r>
             <a:endParaRPr lang="en-US" dirty="0"/>
           </a:p>
@@ -15715,7 +15847,7 @@
             <a:spLocks noGrp="1"/>
           </p:cNvSpPr>
           <p:nvPr>
-            <p:ph sz="half" idx="1"/>
+            <p:ph idx="1"/>
           </p:nvPr>
         </p:nvSpPr>
         <p:spPr/>
@@ -15724,241 +15856,197 @@
           <a:lstStyle/>
           <a:p>
             <a:r>
+              <a:rPr lang="en-US" dirty="0"/>
+              <a:t>Portal doesn't provide functionality for uploading </a:t>
+            </a:r>
+            <a:r>
               <a:rPr lang="en-US" dirty="0" smtClean="0"/>
-              <a:t>Create a blob in the specified storage account and specified container using the Azure Storage SDK for .NET</a:t>
-            </a:r>
-          </a:p>
-          <a:p>
-            <a:r>
-              <a:rPr lang="en-US" dirty="0" smtClean="0"/>
-              <a:t>Upload the contents of a local file to the blob</a:t>
-            </a:r>
-          </a:p>
-          <a:p>
-            <a:r>
-              <a:rPr lang="en-US" dirty="0" smtClean="0"/>
-              <a:t>Get the connection string for the storage account from the Azure portal</a:t>
-            </a:r>
-          </a:p>
-        </p:txBody>
-      </p:sp>
-      <p:sp>
-        <p:nvSpPr>
-          <p:cNvPr id="4" name="Content Placeholder 3"/>
-          <p:cNvSpPr>
-            <a:spLocks noGrp="1"/>
-          </p:cNvSpPr>
-          <p:nvPr>
-            <p:ph idx="13"/>
-          </p:nvPr>
-        </p:nvSpPr>
-        <p:spPr/>
-        <p:txBody>
-          <a:bodyPr/>
+              <a:t>blobs</a:t>
+            </a:r>
+            <a:endParaRPr lang="en-US" dirty="0"/>
+          </a:p>
+          <a:p>
+            <a:r>
+              <a:rPr lang="en-US" dirty="0"/>
+              <a:t>Use free, third-party, cross-platform tools instead</a:t>
+            </a:r>
+          </a:p>
+          <a:p>
+            <a:endParaRPr lang="en-US" dirty="0"/>
+          </a:p>
+        </p:txBody>
+      </p:sp>
+      <p:pic>
+        <p:nvPicPr>
+          <p:cNvPr id="4" name="Picture 3"/>
+          <p:cNvPicPr>
+            <a:picLocks noChangeAspect="1"/>
+          </p:cNvPicPr>
+          <p:nvPr/>
+        </p:nvPicPr>
+        <p:blipFill>
+          <a:blip r:embed="rId3"/>
+          <a:stretch>
+            <a:fillRect/>
+          </a:stretch>
+        </p:blipFill>
+        <p:spPr>
+          <a:xfrm>
+            <a:off x="5917739" y="3516896"/>
+            <a:ext cx="5045393" cy="2557149"/>
+          </a:xfrm>
+          <a:prstGeom prst="rect">
+            <a:avLst/>
+          </a:prstGeom>
+          <a:ln>
+            <a:noFill/>
+          </a:ln>
+          <a:effectLst>
+            <a:outerShdw blurRad="292100" dist="139700" dir="2700000" algn="tl" rotWithShape="0">
+              <a:srgbClr val="333333">
+                <a:alpha val="65000"/>
+              </a:srgbClr>
+            </a:outerShdw>
+          </a:effectLst>
+        </p:spPr>
+      </p:pic>
+      <p:sp>
+        <p:nvSpPr>
+          <p:cNvPr id="5" name="TextBox 4"/>
+          <p:cNvSpPr txBox="1"/>
+          <p:nvPr/>
+        </p:nvSpPr>
+        <p:spPr>
+          <a:xfrm>
+            <a:off x="5917738" y="3178342"/>
+            <a:ext cx="5045394" cy="276999"/>
+          </a:xfrm>
+          <a:prstGeom prst="rect">
+            <a:avLst/>
+          </a:prstGeom>
+          <a:noFill/>
+        </p:spPr>
+        <p:txBody>
+          <a:bodyPr wrap="square" lIns="0" tIns="0" rIns="0" bIns="0" rtlCol="0">
+            <a:spAutoFit/>
+          </a:bodyPr>
           <a:lstStyle/>
           <a:p>
-            <a:r>
-              <a:rPr lang="en-US" dirty="0" err="1"/>
-              <a:t>CloudStorageAccount</a:t>
-            </a:r>
-            <a:r>
-              <a:rPr lang="en-US" dirty="0"/>
-              <a:t> account </a:t>
-            </a:r>
-            <a:r>
-              <a:rPr lang="en-US" dirty="0" smtClean="0"/>
-              <a:t>=</a:t>
-            </a:r>
-          </a:p>
-          <a:p>
-            <a:r>
-              <a:rPr lang="en-US" dirty="0"/>
-              <a:t> </a:t>
-            </a:r>
-            <a:r>
-              <a:rPr lang="en-US" dirty="0" smtClean="0"/>
-              <a:t>   </a:t>
-            </a:r>
-            <a:r>
-              <a:rPr lang="en-US" dirty="0" err="1" smtClean="0"/>
-              <a:t>CloudStorageAccount.Parse</a:t>
-            </a:r>
-            <a:r>
-              <a:rPr lang="en-US" dirty="0" smtClean="0"/>
-              <a:t>("</a:t>
-            </a:r>
-            <a:r>
-              <a:rPr lang="en-US" dirty="0" err="1" smtClean="0"/>
-              <a:t>connection_string</a:t>
-            </a:r>
-            <a:r>
-              <a:rPr lang="en-US" dirty="0" smtClean="0"/>
-              <a:t>);</a:t>
-            </a:r>
-            <a:endParaRPr lang="en-US" dirty="0"/>
-          </a:p>
-          <a:p>
-            <a:r>
-              <a:rPr lang="en-US" dirty="0" err="1"/>
-              <a:t>CloudBlobClient</a:t>
-            </a:r>
-            <a:r>
-              <a:rPr lang="en-US" dirty="0"/>
-              <a:t> client = </a:t>
-            </a:r>
-            <a:r>
-              <a:rPr lang="en-US" dirty="0" err="1"/>
-              <a:t>account.CreateCloudBlobClient</a:t>
-            </a:r>
-            <a:r>
-              <a:rPr lang="en-US" dirty="0"/>
-              <a:t>();</a:t>
-            </a:r>
-          </a:p>
-          <a:p>
-            <a:r>
-              <a:rPr lang="en-US" dirty="0" err="1"/>
-              <a:t>CloudBlobContainer</a:t>
-            </a:r>
-            <a:r>
-              <a:rPr lang="en-US" dirty="0"/>
-              <a:t> container </a:t>
-            </a:r>
-            <a:r>
-              <a:rPr lang="en-US" dirty="0" smtClean="0"/>
-              <a:t>=</a:t>
-            </a:r>
-          </a:p>
-          <a:p>
-            <a:r>
-              <a:rPr lang="en-US" dirty="0"/>
-              <a:t> </a:t>
-            </a:r>
-            <a:r>
-              <a:rPr lang="en-US" dirty="0" smtClean="0"/>
-              <a:t>   </a:t>
-            </a:r>
-            <a:r>
-              <a:rPr lang="en-US" dirty="0" err="1" smtClean="0"/>
-              <a:t>client.GetContainerReference</a:t>
-            </a:r>
-            <a:r>
-              <a:rPr lang="en-US" dirty="0" smtClean="0"/>
-              <a:t>("</a:t>
-            </a:r>
-            <a:r>
-              <a:rPr lang="en-US" dirty="0" err="1" smtClean="0"/>
-              <a:t>container_name</a:t>
-            </a:r>
-            <a:r>
-              <a:rPr lang="en-US" dirty="0" smtClean="0"/>
-              <a:t>");</a:t>
-            </a:r>
-            <a:endParaRPr lang="en-US" dirty="0"/>
-          </a:p>
-          <a:p>
-            <a:r>
-              <a:rPr lang="en-US" dirty="0" err="1"/>
-              <a:t>CloudBlockBlob</a:t>
-            </a:r>
-            <a:r>
-              <a:rPr lang="en-US" dirty="0"/>
-              <a:t> </a:t>
-            </a:r>
-            <a:r>
-              <a:rPr lang="en-US" dirty="0" smtClean="0"/>
-              <a:t>blob =</a:t>
-            </a:r>
-          </a:p>
-          <a:p>
-            <a:r>
-              <a:rPr lang="en-US" dirty="0"/>
-              <a:t> </a:t>
-            </a:r>
-            <a:r>
-              <a:rPr lang="en-US" dirty="0" smtClean="0"/>
-              <a:t>   </a:t>
-            </a:r>
-            <a:r>
-              <a:rPr lang="en-US" dirty="0" err="1" smtClean="0"/>
-              <a:t>container.GetBlockBlobReference</a:t>
-            </a:r>
-            <a:r>
-              <a:rPr lang="en-US" dirty="0" smtClean="0"/>
-              <a:t>("</a:t>
-            </a:r>
-            <a:r>
-              <a:rPr lang="en-US" dirty="0" err="1" smtClean="0"/>
-              <a:t>blob_name</a:t>
-            </a:r>
-            <a:r>
-              <a:rPr lang="en-US" dirty="0" smtClean="0"/>
-              <a:t>"));</a:t>
-            </a:r>
-            <a:endParaRPr lang="en-US" dirty="0"/>
-          </a:p>
-          <a:p>
-            <a:r>
-              <a:rPr lang="en-US" dirty="0"/>
-              <a:t>await </a:t>
-            </a:r>
-            <a:r>
-              <a:rPr lang="en-US" dirty="0" err="1" smtClean="0"/>
-              <a:t>blob.UploadFromFileAsync</a:t>
-            </a:r>
-            <a:r>
-              <a:rPr lang="en-US" dirty="0" smtClean="0"/>
-              <a:t>("</a:t>
-            </a:r>
-            <a:r>
-              <a:rPr lang="en-US" dirty="0" err="1" smtClean="0"/>
-              <a:t>file_name</a:t>
-            </a:r>
-            <a:r>
-              <a:rPr lang="en-US" dirty="0" smtClean="0"/>
-              <a:t>");</a:t>
-            </a:r>
-          </a:p>
-          <a:p>
-            <a:endParaRPr lang="en-US" dirty="0"/>
-          </a:p>
-          <a:p>
-            <a:r>
-              <a:rPr lang="en-US" dirty="0" smtClean="0"/>
-              <a:t>// Or use </a:t>
-            </a:r>
-            <a:r>
-              <a:rPr lang="en-US" dirty="0" err="1" smtClean="0"/>
-              <a:t>UploadFromStreamAsync</a:t>
-            </a:r>
-            <a:r>
-              <a:rPr lang="en-US" dirty="0" smtClean="0"/>
-              <a:t> or</a:t>
-            </a:r>
-          </a:p>
-          <a:p>
-            <a:r>
-              <a:rPr lang="en-US" dirty="0" smtClean="0"/>
-              <a:t>// </a:t>
-            </a:r>
-            <a:r>
-              <a:rPr lang="en-US" dirty="0" err="1" smtClean="0"/>
-              <a:t>UploadFromByteArrayAsync</a:t>
-            </a:r>
-            <a:endParaRPr lang="en-US" dirty="0" smtClean="0"/>
+            <a:pPr algn="ctr">
+              <a:lnSpc>
+                <a:spcPct val="90000"/>
+              </a:lnSpc>
+              <a:spcBef>
+                <a:spcPct val="20000"/>
+              </a:spcBef>
+              <a:buSzPct val="80000"/>
+            </a:pPr>
+            <a:r>
+              <a:rPr lang="en-US" sz="2000" dirty="0" smtClean="0">
+                <a:latin typeface="Segoe UI Light" panose="020B0502040204020203" pitchFamily="34" charset="0"/>
+                <a:cs typeface="Segoe UI Light" panose="020B0502040204020203" pitchFamily="34" charset="0"/>
+              </a:rPr>
+              <a:t>Azure Command-Line Interface (CLI)</a:t>
+            </a:r>
+          </a:p>
+        </p:txBody>
+      </p:sp>
+      <p:pic>
+        <p:nvPicPr>
+          <p:cNvPr id="6" name="Picture 5"/>
+          <p:cNvPicPr>
+            <a:picLocks noChangeAspect="1"/>
+          </p:cNvPicPr>
+          <p:nvPr/>
+        </p:nvPicPr>
+        <p:blipFill>
+          <a:blip r:embed="rId4"/>
+          <a:stretch>
+            <a:fillRect/>
+          </a:stretch>
+        </p:blipFill>
+        <p:spPr>
+          <a:xfrm>
+            <a:off x="1014518" y="3516896"/>
+            <a:ext cx="4110142" cy="2561686"/>
+          </a:xfrm>
+          <a:prstGeom prst="rect">
+            <a:avLst/>
+          </a:prstGeom>
+          <a:ln>
+            <a:noFill/>
+          </a:ln>
+          <a:effectLst>
+            <a:outerShdw blurRad="292100" dist="139700" dir="2700000" algn="tl" rotWithShape="0">
+              <a:srgbClr val="333333">
+                <a:alpha val="65000"/>
+              </a:srgbClr>
+            </a:outerShdw>
+          </a:effectLst>
+        </p:spPr>
+      </p:pic>
+      <p:sp>
+        <p:nvSpPr>
+          <p:cNvPr id="7" name="TextBox 6"/>
+          <p:cNvSpPr txBox="1"/>
+          <p:nvPr/>
+        </p:nvSpPr>
+        <p:spPr>
+          <a:xfrm>
+            <a:off x="1049812" y="3178341"/>
+            <a:ext cx="4074848" cy="276999"/>
+          </a:xfrm>
+          <a:prstGeom prst="rect">
+            <a:avLst/>
+          </a:prstGeom>
+          <a:noFill/>
+        </p:spPr>
+        <p:txBody>
+          <a:bodyPr wrap="square" lIns="0" tIns="0" rIns="0" bIns="0" rtlCol="0">
+            <a:spAutoFit/>
+          </a:bodyPr>
+          <a:lstStyle/>
+          <a:p>
+            <a:pPr algn="ctr">
+              <a:lnSpc>
+                <a:spcPct val="90000"/>
+              </a:lnSpc>
+              <a:spcBef>
+                <a:spcPct val="20000"/>
+              </a:spcBef>
+              <a:buSzPct val="80000"/>
+            </a:pPr>
+            <a:r>
+              <a:rPr lang="en-US" sz="2000" dirty="0" smtClean="0">
+                <a:latin typeface="Segoe UI Light" panose="020B0502040204020203" pitchFamily="34" charset="0"/>
+                <a:cs typeface="Segoe UI Light" panose="020B0502040204020203" pitchFamily="34" charset="0"/>
+              </a:rPr>
+              <a:t>Microsoft Azure Storage Explorer</a:t>
+            </a:r>
+            <a:endParaRPr lang="en-US" sz="2000" dirty="0">
+              <a:latin typeface="Segoe UI Light" panose="020B0502040204020203" pitchFamily="34" charset="0"/>
+              <a:cs typeface="Segoe UI Light" panose="020B0502040204020203" pitchFamily="34" charset="0"/>
+            </a:endParaRPr>
           </a:p>
         </p:txBody>
       </p:sp>
     </p:spTree>
     <p:extLst>
       <p:ext uri="{BB962C8B-B14F-4D97-AF65-F5344CB8AC3E}">
-        <p14:creationId xmlns:p14="http://schemas.microsoft.com/office/powerpoint/2010/main" val="1006135964"/>
+        <p14:creationId xmlns:p14="http://schemas.microsoft.com/office/powerpoint/2010/main" val="723309786"/>
       </p:ext>
     </p:extLst>
   </p:cSld>
   <p:clrMapOvr>
     <a:masterClrMapping/>
   </p:clrMapOvr>
+  <p:timing>
+    <p:tnLst>
+      <p:par>
+        <p:cTn id="1" dur="indefinite" restart="never" nodeType="tmRoot"/>
+      </p:par>
+    </p:tnLst>
+  </p:timing>
 </p:sld>
 </file>
 
@@ -15991,14 +16079,12 @@
         </p:nvSpPr>
         <p:spPr/>
         <p:txBody>
-          <a:bodyPr>
-            <a:normAutofit fontScale="90000"/>
-          </a:bodyPr>
+          <a:bodyPr/>
           <a:lstStyle/>
           <a:p>
             <a:r>
               <a:rPr lang="en-US" dirty="0" smtClean="0"/>
-              <a:t>Downloading a Blob (C#)</a:t>
+              <a:t>Accessing Blob Storage Programmatically</a:t>
             </a:r>
             <a:endParaRPr lang="en-US" dirty="0"/>
           </a:p>
@@ -16011,7 +16097,7 @@
             <a:spLocks noGrp="1"/>
           </p:cNvSpPr>
           <p:nvPr>
-            <p:ph sz="half" idx="1"/>
+            <p:ph idx="1"/>
           </p:nvPr>
         </p:nvSpPr>
         <p:spPr/>
@@ -16021,211 +16107,534 @@
           <a:p>
             <a:r>
               <a:rPr lang="en-US" dirty="0" smtClean="0"/>
-              <a:t>Get a reference to a specified blob in a specified container in a specified storage account</a:t>
-            </a:r>
-          </a:p>
-          <a:p>
+              <a:t>Blob service can be accessed using REST APIs</a:t>
+            </a:r>
+          </a:p>
+          <a:p>
+            <a:pPr lvl="1"/>
             <a:r>
               <a:rPr lang="en-US" dirty="0" smtClean="0"/>
-              <a:t>Download the blob and store its contents in a local file</a:t>
-            </a:r>
+              <a:t>Accessible to any programming language that supports HTTP(S)</a:t>
+            </a:r>
+          </a:p>
+          <a:p>
+            <a:r>
+              <a:rPr lang="en-US" dirty="0" smtClean="0"/>
+              <a:t>Blob service can also be accessed using Azure Storage SDKs available for popular languages and platforms</a:t>
+            </a:r>
+          </a:p>
+          <a:p>
             <a:endParaRPr lang="en-US" dirty="0"/>
           </a:p>
-        </p:txBody>
-      </p:sp>
-      <p:sp>
-        <p:nvSpPr>
-          <p:cNvPr id="4" name="Content Placeholder 3"/>
-          <p:cNvSpPr>
-            <a:spLocks noGrp="1"/>
-          </p:cNvSpPr>
-          <p:nvPr>
-            <p:ph idx="13"/>
-          </p:nvPr>
-        </p:nvSpPr>
-        <p:spPr/>
-        <p:txBody>
-          <a:bodyPr/>
+          <a:p>
+            <a:endParaRPr lang="en-US" dirty="0" smtClean="0"/>
+          </a:p>
+          <a:p>
+            <a:endParaRPr lang="en-US" dirty="0" smtClean="0"/>
+          </a:p>
+          <a:p>
+            <a:r>
+              <a:rPr lang="en-US" dirty="0" smtClean="0"/>
+              <a:t>Also available from </a:t>
+            </a:r>
+            <a:r>
+              <a:rPr lang="en-US" dirty="0" err="1" smtClean="0"/>
+              <a:t>NuGet</a:t>
+            </a:r>
+            <a:r>
+              <a:rPr lang="en-US" dirty="0" smtClean="0"/>
+              <a:t>, NPM, and other package managers</a:t>
+            </a:r>
+            <a:endParaRPr lang="en-US" dirty="0"/>
+          </a:p>
+        </p:txBody>
+      </p:sp>
+      <p:sp>
+        <p:nvSpPr>
+          <p:cNvPr id="4" name="Rectangle 3"/>
+          <p:cNvSpPr/>
+          <p:nvPr/>
+        </p:nvSpPr>
+        <p:spPr>
+          <a:xfrm>
+            <a:off x="1182029" y="3869473"/>
+            <a:ext cx="1014761" cy="947854"/>
+          </a:xfrm>
+          <a:prstGeom prst="rect">
+            <a:avLst/>
+          </a:prstGeom>
+          <a:solidFill>
+            <a:srgbClr val="5095D1"/>
+          </a:solidFill>
+          <a:ln>
+            <a:noFill/>
+          </a:ln>
+        </p:spPr>
+        <p:style>
+          <a:lnRef idx="2">
+            <a:schemeClr val="accent1">
+              <a:shade val="50000"/>
+            </a:schemeClr>
+          </a:lnRef>
+          <a:fillRef idx="1">
+            <a:schemeClr val="accent1"/>
+          </a:fillRef>
+          <a:effectRef idx="0">
+            <a:schemeClr val="accent1"/>
+          </a:effectRef>
+          <a:fontRef idx="minor">
+            <a:schemeClr val="lt1"/>
+          </a:fontRef>
+        </p:style>
+        <p:txBody>
+          <a:bodyPr rtlCol="0" anchor="ctr"/>
           <a:lstStyle/>
           <a:p>
-            <a:r>
-              <a:rPr lang="en-US" dirty="0" err="1"/>
-              <a:t>CloudStorageAccount</a:t>
-            </a:r>
-            <a:r>
-              <a:rPr lang="en-US" dirty="0"/>
-              <a:t> account =</a:t>
-            </a:r>
-          </a:p>
-          <a:p>
-            <a:r>
-              <a:rPr lang="en-US" dirty="0"/>
-              <a:t>    </a:t>
-            </a:r>
-            <a:r>
-              <a:rPr lang="en-US" dirty="0" err="1"/>
-              <a:t>CloudStorageAccount.Parse</a:t>
-            </a:r>
-            <a:r>
-              <a:rPr lang="en-US" dirty="0"/>
-              <a:t>("</a:t>
-            </a:r>
-            <a:r>
-              <a:rPr lang="en-US" dirty="0" err="1"/>
-              <a:t>connection_string</a:t>
-            </a:r>
-            <a:r>
-              <a:rPr lang="en-US" dirty="0"/>
-              <a:t>);</a:t>
-            </a:r>
-          </a:p>
-          <a:p>
-            <a:r>
-              <a:rPr lang="en-US" dirty="0" err="1"/>
-              <a:t>CloudBlobClient</a:t>
-            </a:r>
-            <a:r>
-              <a:rPr lang="en-US" dirty="0"/>
-              <a:t> client = </a:t>
-            </a:r>
-            <a:r>
-              <a:rPr lang="en-US" dirty="0" err="1"/>
-              <a:t>account.CreateCloudBlobClient</a:t>
-            </a:r>
-            <a:r>
-              <a:rPr lang="en-US" dirty="0"/>
-              <a:t>();</a:t>
-            </a:r>
-          </a:p>
-          <a:p>
-            <a:r>
-              <a:rPr lang="en-US" dirty="0" err="1"/>
-              <a:t>CloudBlobContainer</a:t>
-            </a:r>
-            <a:r>
-              <a:rPr lang="en-US" dirty="0"/>
-              <a:t> container =</a:t>
-            </a:r>
-          </a:p>
-          <a:p>
-            <a:r>
-              <a:rPr lang="en-US" dirty="0"/>
-              <a:t>    </a:t>
-            </a:r>
-            <a:r>
-              <a:rPr lang="en-US" dirty="0" err="1"/>
-              <a:t>client.GetContainerReference</a:t>
-            </a:r>
-            <a:r>
-              <a:rPr lang="en-US" dirty="0"/>
-              <a:t>("</a:t>
-            </a:r>
-            <a:r>
-              <a:rPr lang="en-US" dirty="0" err="1"/>
-              <a:t>container_name</a:t>
-            </a:r>
-            <a:r>
-              <a:rPr lang="en-US" dirty="0"/>
-              <a:t>");</a:t>
-            </a:r>
-          </a:p>
-          <a:p>
-            <a:r>
-              <a:rPr lang="en-US" dirty="0" err="1"/>
-              <a:t>CloudBlockBlob</a:t>
-            </a:r>
-            <a:r>
-              <a:rPr lang="en-US" dirty="0"/>
-              <a:t> blob =</a:t>
-            </a:r>
-          </a:p>
-          <a:p>
-            <a:r>
-              <a:rPr lang="en-US" dirty="0"/>
-              <a:t>    </a:t>
-            </a:r>
-            <a:r>
-              <a:rPr lang="en-US" dirty="0" err="1"/>
-              <a:t>container.GetBlockBlobReference</a:t>
-            </a:r>
-            <a:r>
-              <a:rPr lang="en-US" dirty="0"/>
-              <a:t>("</a:t>
-            </a:r>
-            <a:r>
-              <a:rPr lang="en-US" dirty="0" err="1"/>
-              <a:t>blob_name</a:t>
-            </a:r>
-            <a:r>
-              <a:rPr lang="en-US" dirty="0"/>
-              <a:t>"));</a:t>
-            </a:r>
-          </a:p>
-          <a:p>
-            <a:r>
-              <a:rPr lang="en-US" dirty="0" smtClean="0"/>
-              <a:t>await </a:t>
-            </a:r>
-            <a:r>
-              <a:rPr lang="en-US" dirty="0" err="1" smtClean="0"/>
-              <a:t>blob.DownloadToFileAsync</a:t>
-            </a:r>
-            <a:r>
-              <a:rPr lang="en-US" dirty="0" smtClean="0"/>
-              <a:t>("</a:t>
-            </a:r>
-            <a:r>
-              <a:rPr lang="en-US" dirty="0" err="1" smtClean="0"/>
-              <a:t>file_name</a:t>
-            </a:r>
-            <a:r>
-              <a:rPr lang="en-US" dirty="0" smtClean="0"/>
-              <a:t>");</a:t>
-            </a:r>
-            <a:endParaRPr lang="en-US" dirty="0"/>
-          </a:p>
-          <a:p>
-            <a:endParaRPr lang="en-US" dirty="0"/>
-          </a:p>
-          <a:p>
-            <a:r>
-              <a:rPr lang="en-US" dirty="0" smtClean="0"/>
-              <a:t>// Or use Download[Range]</a:t>
-            </a:r>
-            <a:r>
-              <a:rPr lang="en-US" dirty="0" err="1" smtClean="0"/>
-              <a:t>ToByteArrayAsync</a:t>
-            </a:r>
-            <a:r>
-              <a:rPr lang="en-US" dirty="0" smtClean="0"/>
-              <a:t>,</a:t>
-            </a:r>
-          </a:p>
-          <a:p>
-            <a:r>
-              <a:rPr lang="en-US" dirty="0" smtClean="0"/>
-              <a:t>// Download[Range]</a:t>
-            </a:r>
-            <a:r>
-              <a:rPr lang="en-US" dirty="0" err="1" smtClean="0"/>
-              <a:t>ToStreamAsync</a:t>
-            </a:r>
-            <a:r>
-              <a:rPr lang="en-US" dirty="0" smtClean="0"/>
-              <a:t>, or </a:t>
-            </a:r>
-            <a:r>
-              <a:rPr lang="en-US" dirty="0" err="1" smtClean="0"/>
-              <a:t>DownloadTextAsync</a:t>
-            </a:r>
-            <a:endParaRPr lang="en-US" dirty="0"/>
+            <a:pPr algn="ctr"/>
+            <a:r>
+              <a:rPr lang="en-US" dirty="0" smtClean="0">
+                <a:solidFill>
+                  <a:schemeClr val="bg1"/>
+                </a:solidFill>
+              </a:rPr>
+              <a:t>.NET</a:t>
+            </a:r>
+          </a:p>
+        </p:txBody>
+      </p:sp>
+      <p:sp>
+        <p:nvSpPr>
+          <p:cNvPr id="11" name="Rectangle 10"/>
+          <p:cNvSpPr/>
+          <p:nvPr/>
+        </p:nvSpPr>
+        <p:spPr>
+          <a:xfrm>
+            <a:off x="2297151" y="3869473"/>
+            <a:ext cx="1014761" cy="947854"/>
+          </a:xfrm>
+          <a:prstGeom prst="rect">
+            <a:avLst/>
+          </a:prstGeom>
+          <a:solidFill>
+            <a:srgbClr val="5095D1"/>
+          </a:solidFill>
+          <a:ln>
+            <a:noFill/>
+          </a:ln>
+        </p:spPr>
+        <p:style>
+          <a:lnRef idx="2">
+            <a:schemeClr val="accent1">
+              <a:shade val="50000"/>
+            </a:schemeClr>
+          </a:lnRef>
+          <a:fillRef idx="1">
+            <a:schemeClr val="accent1"/>
+          </a:fillRef>
+          <a:effectRef idx="0">
+            <a:schemeClr val="accent1"/>
+          </a:effectRef>
+          <a:fontRef idx="minor">
+            <a:schemeClr val="lt1"/>
+          </a:fontRef>
+        </p:style>
+        <p:txBody>
+          <a:bodyPr rtlCol="0" anchor="ctr"/>
+          <a:lstStyle/>
+          <a:p>
+            <a:pPr algn="ctr"/>
+            <a:r>
+              <a:rPr lang="en-US" dirty="0" smtClean="0">
+                <a:solidFill>
+                  <a:schemeClr val="bg1"/>
+                </a:solidFill>
+              </a:rPr>
+              <a:t>Node.js</a:t>
+            </a:r>
+          </a:p>
+        </p:txBody>
+      </p:sp>
+      <p:sp>
+        <p:nvSpPr>
+          <p:cNvPr id="12" name="Rectangle 11"/>
+          <p:cNvSpPr/>
+          <p:nvPr/>
+        </p:nvSpPr>
+        <p:spPr>
+          <a:xfrm>
+            <a:off x="3412273" y="3869473"/>
+            <a:ext cx="1014761" cy="947854"/>
+          </a:xfrm>
+          <a:prstGeom prst="rect">
+            <a:avLst/>
+          </a:prstGeom>
+          <a:solidFill>
+            <a:srgbClr val="5095D1"/>
+          </a:solidFill>
+          <a:ln>
+            <a:noFill/>
+          </a:ln>
+        </p:spPr>
+        <p:style>
+          <a:lnRef idx="2">
+            <a:schemeClr val="accent1">
+              <a:shade val="50000"/>
+            </a:schemeClr>
+          </a:lnRef>
+          <a:fillRef idx="1">
+            <a:schemeClr val="accent1"/>
+          </a:fillRef>
+          <a:effectRef idx="0">
+            <a:schemeClr val="accent1"/>
+          </a:effectRef>
+          <a:fontRef idx="minor">
+            <a:schemeClr val="lt1"/>
+          </a:fontRef>
+        </p:style>
+        <p:txBody>
+          <a:bodyPr rtlCol="0" anchor="ctr"/>
+          <a:lstStyle/>
+          <a:p>
+            <a:pPr algn="ctr"/>
+            <a:r>
+              <a:rPr lang="en-US" dirty="0" smtClean="0">
+                <a:solidFill>
+                  <a:schemeClr val="bg1"/>
+                </a:solidFill>
+              </a:rPr>
+              <a:t>Java</a:t>
+            </a:r>
+          </a:p>
+        </p:txBody>
+      </p:sp>
+      <p:sp>
+        <p:nvSpPr>
+          <p:cNvPr id="13" name="Rectangle 12"/>
+          <p:cNvSpPr/>
+          <p:nvPr/>
+        </p:nvSpPr>
+        <p:spPr>
+          <a:xfrm>
+            <a:off x="4527395" y="3869473"/>
+            <a:ext cx="1014761" cy="947854"/>
+          </a:xfrm>
+          <a:prstGeom prst="rect">
+            <a:avLst/>
+          </a:prstGeom>
+          <a:solidFill>
+            <a:srgbClr val="5095D1"/>
+          </a:solidFill>
+          <a:ln>
+            <a:noFill/>
+          </a:ln>
+        </p:spPr>
+        <p:style>
+          <a:lnRef idx="2">
+            <a:schemeClr val="accent1">
+              <a:shade val="50000"/>
+            </a:schemeClr>
+          </a:lnRef>
+          <a:fillRef idx="1">
+            <a:schemeClr val="accent1"/>
+          </a:fillRef>
+          <a:effectRef idx="0">
+            <a:schemeClr val="accent1"/>
+          </a:effectRef>
+          <a:fontRef idx="minor">
+            <a:schemeClr val="lt1"/>
+          </a:fontRef>
+        </p:style>
+        <p:txBody>
+          <a:bodyPr rtlCol="0" anchor="ctr"/>
+          <a:lstStyle/>
+          <a:p>
+            <a:pPr algn="ctr"/>
+            <a:r>
+              <a:rPr lang="en-US" dirty="0" smtClean="0">
+                <a:solidFill>
+                  <a:schemeClr val="bg1"/>
+                </a:solidFill>
+              </a:rPr>
+              <a:t>C++</a:t>
+            </a:r>
+          </a:p>
+        </p:txBody>
+      </p:sp>
+      <p:sp>
+        <p:nvSpPr>
+          <p:cNvPr id="14" name="Rectangle 13"/>
+          <p:cNvSpPr/>
+          <p:nvPr/>
+        </p:nvSpPr>
+        <p:spPr>
+          <a:xfrm>
+            <a:off x="5642517" y="3869473"/>
+            <a:ext cx="1014761" cy="947854"/>
+          </a:xfrm>
+          <a:prstGeom prst="rect">
+            <a:avLst/>
+          </a:prstGeom>
+          <a:solidFill>
+            <a:srgbClr val="5095D1"/>
+          </a:solidFill>
+          <a:ln>
+            <a:noFill/>
+          </a:ln>
+        </p:spPr>
+        <p:style>
+          <a:lnRef idx="2">
+            <a:schemeClr val="accent1">
+              <a:shade val="50000"/>
+            </a:schemeClr>
+          </a:lnRef>
+          <a:fillRef idx="1">
+            <a:schemeClr val="accent1"/>
+          </a:fillRef>
+          <a:effectRef idx="0">
+            <a:schemeClr val="accent1"/>
+          </a:effectRef>
+          <a:fontRef idx="minor">
+            <a:schemeClr val="lt1"/>
+          </a:fontRef>
+        </p:style>
+        <p:txBody>
+          <a:bodyPr rtlCol="0" anchor="ctr"/>
+          <a:lstStyle/>
+          <a:p>
+            <a:pPr algn="ctr"/>
+            <a:r>
+              <a:rPr lang="en-US" dirty="0" smtClean="0">
+                <a:solidFill>
+                  <a:schemeClr val="bg1"/>
+                </a:solidFill>
+              </a:rPr>
+              <a:t>PHP</a:t>
+            </a:r>
+          </a:p>
+        </p:txBody>
+      </p:sp>
+      <p:sp>
+        <p:nvSpPr>
+          <p:cNvPr id="15" name="Rectangle 14"/>
+          <p:cNvSpPr/>
+          <p:nvPr/>
+        </p:nvSpPr>
+        <p:spPr>
+          <a:xfrm>
+            <a:off x="6757639" y="3869473"/>
+            <a:ext cx="1014761" cy="947854"/>
+          </a:xfrm>
+          <a:prstGeom prst="rect">
+            <a:avLst/>
+          </a:prstGeom>
+          <a:solidFill>
+            <a:srgbClr val="5095D1"/>
+          </a:solidFill>
+          <a:ln>
+            <a:noFill/>
+          </a:ln>
+        </p:spPr>
+        <p:style>
+          <a:lnRef idx="2">
+            <a:schemeClr val="accent1">
+              <a:shade val="50000"/>
+            </a:schemeClr>
+          </a:lnRef>
+          <a:fillRef idx="1">
+            <a:schemeClr val="accent1"/>
+          </a:fillRef>
+          <a:effectRef idx="0">
+            <a:schemeClr val="accent1"/>
+          </a:effectRef>
+          <a:fontRef idx="minor">
+            <a:schemeClr val="lt1"/>
+          </a:fontRef>
+        </p:style>
+        <p:txBody>
+          <a:bodyPr rtlCol="0" anchor="ctr"/>
+          <a:lstStyle/>
+          <a:p>
+            <a:pPr algn="ctr"/>
+            <a:r>
+              <a:rPr lang="en-US" dirty="0" smtClean="0">
+                <a:solidFill>
+                  <a:schemeClr val="bg1"/>
+                </a:solidFill>
+              </a:rPr>
+              <a:t>Ruby</a:t>
+            </a:r>
+          </a:p>
+        </p:txBody>
+      </p:sp>
+      <p:sp>
+        <p:nvSpPr>
+          <p:cNvPr id="16" name="Rectangle 15"/>
+          <p:cNvSpPr/>
+          <p:nvPr/>
+        </p:nvSpPr>
+        <p:spPr>
+          <a:xfrm>
+            <a:off x="7872761" y="3869473"/>
+            <a:ext cx="1014761" cy="947854"/>
+          </a:xfrm>
+          <a:prstGeom prst="rect">
+            <a:avLst/>
+          </a:prstGeom>
+          <a:solidFill>
+            <a:srgbClr val="5095D1"/>
+          </a:solidFill>
+          <a:ln>
+            <a:noFill/>
+          </a:ln>
+        </p:spPr>
+        <p:style>
+          <a:lnRef idx="2">
+            <a:schemeClr val="accent1">
+              <a:shade val="50000"/>
+            </a:schemeClr>
+          </a:lnRef>
+          <a:fillRef idx="1">
+            <a:schemeClr val="accent1"/>
+          </a:fillRef>
+          <a:effectRef idx="0">
+            <a:schemeClr val="accent1"/>
+          </a:effectRef>
+          <a:fontRef idx="minor">
+            <a:schemeClr val="lt1"/>
+          </a:fontRef>
+        </p:style>
+        <p:txBody>
+          <a:bodyPr rtlCol="0" anchor="ctr"/>
+          <a:lstStyle/>
+          <a:p>
+            <a:pPr algn="ctr"/>
+            <a:r>
+              <a:rPr lang="en-US" dirty="0" smtClean="0">
+                <a:solidFill>
+                  <a:schemeClr val="bg1"/>
+                </a:solidFill>
+              </a:rPr>
+              <a:t>Python</a:t>
+            </a:r>
+          </a:p>
+        </p:txBody>
+      </p:sp>
+      <p:sp>
+        <p:nvSpPr>
+          <p:cNvPr id="17" name="Rectangle 16"/>
+          <p:cNvSpPr/>
+          <p:nvPr/>
+        </p:nvSpPr>
+        <p:spPr>
+          <a:xfrm>
+            <a:off x="8987883" y="3869473"/>
+            <a:ext cx="1014761" cy="947854"/>
+          </a:xfrm>
+          <a:prstGeom prst="rect">
+            <a:avLst/>
+          </a:prstGeom>
+          <a:solidFill>
+            <a:srgbClr val="5095D1"/>
+          </a:solidFill>
+          <a:ln>
+            <a:noFill/>
+          </a:ln>
+        </p:spPr>
+        <p:style>
+          <a:lnRef idx="2">
+            <a:schemeClr val="accent1">
+              <a:shade val="50000"/>
+            </a:schemeClr>
+          </a:lnRef>
+          <a:fillRef idx="1">
+            <a:schemeClr val="accent1"/>
+          </a:fillRef>
+          <a:effectRef idx="0">
+            <a:schemeClr val="accent1"/>
+          </a:effectRef>
+          <a:fontRef idx="minor">
+            <a:schemeClr val="lt1"/>
+          </a:fontRef>
+        </p:style>
+        <p:txBody>
+          <a:bodyPr rtlCol="0" anchor="ctr"/>
+          <a:lstStyle/>
+          <a:p>
+            <a:pPr algn="ctr"/>
+            <a:r>
+              <a:rPr lang="en-US" dirty="0" smtClean="0">
+                <a:solidFill>
+                  <a:schemeClr val="bg1"/>
+                </a:solidFill>
+              </a:rPr>
+              <a:t>iOS</a:t>
+            </a:r>
+          </a:p>
+        </p:txBody>
+      </p:sp>
+      <p:sp>
+        <p:nvSpPr>
+          <p:cNvPr id="18" name="Rectangle 17"/>
+          <p:cNvSpPr/>
+          <p:nvPr/>
+        </p:nvSpPr>
+        <p:spPr>
+          <a:xfrm>
+            <a:off x="10103005" y="3869473"/>
+            <a:ext cx="1014761" cy="947854"/>
+          </a:xfrm>
+          <a:prstGeom prst="rect">
+            <a:avLst/>
+          </a:prstGeom>
+          <a:solidFill>
+            <a:srgbClr val="5095D1"/>
+          </a:solidFill>
+          <a:ln>
+            <a:noFill/>
+          </a:ln>
+        </p:spPr>
+        <p:style>
+          <a:lnRef idx="2">
+            <a:schemeClr val="accent1">
+              <a:shade val="50000"/>
+            </a:schemeClr>
+          </a:lnRef>
+          <a:fillRef idx="1">
+            <a:schemeClr val="accent1"/>
+          </a:fillRef>
+          <a:effectRef idx="0">
+            <a:schemeClr val="accent1"/>
+          </a:effectRef>
+          <a:fontRef idx="minor">
+            <a:schemeClr val="lt1"/>
+          </a:fontRef>
+        </p:style>
+        <p:txBody>
+          <a:bodyPr rtlCol="0" anchor="ctr"/>
+          <a:lstStyle/>
+          <a:p>
+            <a:pPr algn="ctr"/>
+            <a:r>
+              <a:rPr lang="en-US" dirty="0" err="1" smtClean="0">
+                <a:solidFill>
+                  <a:schemeClr val="bg1"/>
+                </a:solidFill>
+              </a:rPr>
+              <a:t>Xamarin</a:t>
+            </a:r>
+            <a:endParaRPr lang="en-US" dirty="0" smtClean="0">
+              <a:solidFill>
+                <a:schemeClr val="bg1"/>
+              </a:solidFill>
+            </a:endParaRPr>
           </a:p>
         </p:txBody>
       </p:sp>
     </p:spTree>
     <p:extLst>
       <p:ext uri="{BB962C8B-B14F-4D97-AF65-F5344CB8AC3E}">
-        <p14:creationId xmlns:p14="http://schemas.microsoft.com/office/powerpoint/2010/main" val="1967181550"/>
+        <p14:creationId xmlns:p14="http://schemas.microsoft.com/office/powerpoint/2010/main" val="2058508489"/>
       </p:ext>
     </p:extLst>
   </p:cSld>
@@ -16271,7 +16680,7 @@
           <a:p>
             <a:r>
               <a:rPr lang="en-US" dirty="0" smtClean="0"/>
-              <a:t>Enumerating Blobs in a Container (C#)</a:t>
+              <a:t>Uploading a Blob (C#)</a:t>
             </a:r>
             <a:endParaRPr lang="en-US" dirty="0"/>
           </a:p>
@@ -16294,45 +16703,20 @@
           <a:p>
             <a:r>
               <a:rPr lang="en-US" dirty="0" smtClean="0"/>
-              <a:t>Enumerate all the block blobs in a specified container in a specified storage account</a:t>
+              <a:t>Create a blob in the specified storage account and specified container using the Azure Storage SDK for .NET</a:t>
             </a:r>
           </a:p>
           <a:p>
             <a:r>
               <a:rPr lang="en-US" dirty="0" smtClean="0"/>
-              <a:t>Retrieve the name of each blob</a:t>
-            </a:r>
-          </a:p>
-          <a:p>
-            <a:r>
-              <a:rPr lang="en-US" dirty="0" err="1" smtClean="0"/>
-              <a:t>IListBlobItem</a:t>
-            </a:r>
+              <a:t>Upload the contents of a local file to the blob</a:t>
+            </a:r>
+          </a:p>
+          <a:p>
             <a:r>
               <a:rPr lang="en-US" dirty="0" smtClean="0"/>
-              <a:t> could </a:t>
-            </a:r>
-            <a:r>
-              <a:rPr lang="en-US" dirty="0" err="1" smtClean="0"/>
-              <a:t>CloudBlockBlob</a:t>
-            </a:r>
-            <a:r>
-              <a:rPr lang="en-US" dirty="0" smtClean="0"/>
-              <a:t>, Cloud-</a:t>
-            </a:r>
-            <a:r>
-              <a:rPr lang="en-US" dirty="0" err="1" smtClean="0"/>
-              <a:t>PageBlob</a:t>
-            </a:r>
-            <a:r>
-              <a:rPr lang="en-US" dirty="0" smtClean="0"/>
-              <a:t>, or Cloud-</a:t>
-            </a:r>
-            <a:r>
-              <a:rPr lang="en-US" dirty="0" err="1" smtClean="0"/>
-              <a:t>AppendBlob</a:t>
-            </a:r>
-            <a:endParaRPr lang="en-US" dirty="0"/>
+              <a:t>Get the connection string for the storage account from the Azure portal</a:t>
+            </a:r>
           </a:p>
         </p:txBody>
       </p:sp>
@@ -16357,30 +16741,39 @@
             </a:r>
             <a:r>
               <a:rPr lang="en-US" dirty="0"/>
-              <a:t> account =</a:t>
+              <a:t> account </a:t>
+            </a:r>
+            <a:r>
+              <a:rPr lang="en-US" dirty="0" smtClean="0"/>
+              <a:t>=</a:t>
             </a:r>
           </a:p>
           <a:p>
             <a:r>
               <a:rPr lang="en-US" dirty="0"/>
-              <a:t>    </a:t>
-            </a:r>
-            <a:r>
-              <a:rPr lang="en-US" dirty="0" err="1"/>
+              <a:t> </a:t>
+            </a:r>
+            <a:r>
+              <a:rPr lang="en-US" dirty="0" smtClean="0"/>
+              <a:t>   </a:t>
+            </a:r>
+            <a:r>
+              <a:rPr lang="en-US" dirty="0" err="1" smtClean="0"/>
               <a:t>CloudStorageAccount.Parse</a:t>
             </a:r>
             <a:r>
-              <a:rPr lang="en-US" dirty="0"/>
+              <a:rPr lang="en-US" dirty="0" smtClean="0"/>
               <a:t>("</a:t>
             </a:r>
             <a:r>
-              <a:rPr lang="en-US" dirty="0" err="1"/>
+              <a:rPr lang="en-US" dirty="0" err="1" smtClean="0"/>
               <a:t>connection_string</a:t>
             </a:r>
             <a:r>
-              <a:rPr lang="en-US" dirty="0"/>
+              <a:rPr lang="en-US" dirty="0" smtClean="0"/>
               <a:t>);</a:t>
             </a:r>
+            <a:endParaRPr lang="en-US" dirty="0"/>
           </a:p>
           <a:p>
             <a:r>
@@ -16407,106 +16800,52 @@
             </a:r>
             <a:r>
               <a:rPr lang="en-US" dirty="0"/>
-              <a:t> container =</a:t>
+              <a:t> container </a:t>
+            </a:r>
+            <a:r>
+              <a:rPr lang="en-US" dirty="0" smtClean="0"/>
+              <a:t>=</a:t>
             </a:r>
           </a:p>
           <a:p>
             <a:r>
               <a:rPr lang="en-US" dirty="0"/>
-              <a:t>    </a:t>
-            </a:r>
-            <a:r>
-              <a:rPr lang="en-US" dirty="0" err="1"/>
+              <a:t> </a:t>
+            </a:r>
+            <a:r>
+              <a:rPr lang="en-US" dirty="0" smtClean="0"/>
+              <a:t>   </a:t>
+            </a:r>
+            <a:r>
+              <a:rPr lang="en-US" dirty="0" err="1" smtClean="0"/>
               <a:t>client.GetContainerReference</a:t>
             </a:r>
             <a:r>
-              <a:rPr lang="en-US" dirty="0"/>
+              <a:rPr lang="en-US" dirty="0" smtClean="0"/>
               <a:t>("</a:t>
             </a:r>
             <a:r>
-              <a:rPr lang="en-US" dirty="0" err="1"/>
+              <a:rPr lang="en-US" dirty="0" err="1" smtClean="0"/>
               <a:t>container_name</a:t>
             </a:r>
             <a:r>
               <a:rPr lang="en-US" dirty="0" smtClean="0"/>
               <a:t>");</a:t>
             </a:r>
-          </a:p>
-          <a:p>
             <a:endParaRPr lang="en-US" dirty="0"/>
           </a:p>
           <a:p>
-            <a:r>
-              <a:rPr lang="en-US" dirty="0" err="1"/>
-              <a:t>foreach</a:t>
-            </a:r>
-            <a:r>
-              <a:rPr lang="en-US" dirty="0"/>
-              <a:t> (</a:t>
-            </a:r>
-            <a:r>
-              <a:rPr lang="en-US" dirty="0" err="1"/>
-              <a:t>IListBlobItem</a:t>
-            </a:r>
-            <a:r>
-              <a:rPr lang="en-US" dirty="0"/>
-              <a:t> item in </a:t>
-            </a:r>
-            <a:r>
-              <a:rPr lang="en-US" dirty="0" err="1"/>
-              <a:t>container.ListBlobs</a:t>
-            </a:r>
-            <a:r>
-              <a:rPr lang="en-US" dirty="0"/>
-              <a:t>())</a:t>
-            </a:r>
-          </a:p>
-          <a:p>
-            <a:r>
-              <a:rPr lang="en-US" dirty="0"/>
-              <a:t>{</a:t>
-            </a:r>
-          </a:p>
-          <a:p>
-            <a:r>
-              <a:rPr lang="en-US" dirty="0"/>
-              <a:t>    </a:t>
-            </a:r>
-            <a:r>
-              <a:rPr lang="en-US" dirty="0" err="1"/>
-              <a:t>var</a:t>
-            </a:r>
-            <a:r>
-              <a:rPr lang="en-US" dirty="0"/>
-              <a:t> blob = item as </a:t>
-            </a:r>
             <a:r>
               <a:rPr lang="en-US" dirty="0" err="1"/>
               <a:t>CloudBlockBlob</a:t>
             </a:r>
             <a:r>
               <a:rPr lang="en-US" dirty="0"/>
-              <a:t>;</a:t>
-            </a:r>
-          </a:p>
-          <a:p>
+              <a:t> </a:t>
+            </a:r>
             <a:r>
               <a:rPr lang="en-US" dirty="0" smtClean="0"/>
-              <a:t>    </a:t>
-            </a:r>
-            <a:r>
-              <a:rPr lang="en-US" dirty="0"/>
-              <a:t>if (blob != null)</a:t>
-            </a:r>
-          </a:p>
-          <a:p>
-            <a:r>
-              <a:rPr lang="en-US" dirty="0"/>
-              <a:t>    </a:t>
-            </a:r>
-            <a:r>
-              <a:rPr lang="en-US" dirty="0" smtClean="0"/>
-              <a:t>{</a:t>
+              <a:t>blob =</a:t>
             </a:r>
           </a:p>
           <a:p>
@@ -16516,37 +16855,82 @@
             </a:r>
             <a:r>
               <a:rPr lang="en-US" dirty="0" smtClean="0"/>
-              <a:t>       string name = </a:t>
+              <a:t>   </a:t>
             </a:r>
             <a:r>
               <a:rPr lang="en-US" dirty="0" err="1" smtClean="0"/>
-              <a:t>blob.Name</a:t>
+              <a:t>container.GetBlockBlobReference</a:t>
             </a:r>
             <a:r>
               <a:rPr lang="en-US" dirty="0" smtClean="0"/>
-              <a:t>;</a:t>
+              <a:t>("</a:t>
+            </a:r>
+            <a:r>
+              <a:rPr lang="en-US" dirty="0" err="1" smtClean="0"/>
+              <a:t>blob_name</a:t>
+            </a:r>
+            <a:r>
+              <a:rPr lang="en-US" dirty="0" smtClean="0"/>
+              <a:t>"));</a:t>
             </a:r>
             <a:endParaRPr lang="en-US" dirty="0"/>
           </a:p>
           <a:p>
             <a:r>
+              <a:rPr lang="en-US" dirty="0"/>
+              <a:t>await </a:t>
+            </a:r>
+            <a:r>
+              <a:rPr lang="en-US" dirty="0" err="1" smtClean="0"/>
+              <a:t>blob.UploadFromFileAsync</a:t>
+            </a:r>
+            <a:r>
               <a:rPr lang="en-US" dirty="0" smtClean="0"/>
-              <a:t>    }</a:t>
-            </a:r>
-          </a:p>
-          <a:p>
+              <a:t>("</a:t>
+            </a:r>
+            <a:r>
+              <a:rPr lang="en-US" dirty="0" err="1" smtClean="0"/>
+              <a:t>file_name</a:t>
+            </a:r>
             <a:r>
               <a:rPr lang="en-US" dirty="0" smtClean="0"/>
-              <a:t>}</a:t>
-            </a:r>
+              <a:t>");</a:t>
+            </a:r>
+          </a:p>
+          <a:p>
             <a:endParaRPr lang="en-US" dirty="0"/>
+          </a:p>
+          <a:p>
+            <a:r>
+              <a:rPr lang="en-US" dirty="0" smtClean="0"/>
+              <a:t>// Or use </a:t>
+            </a:r>
+            <a:r>
+              <a:rPr lang="en-US" dirty="0" err="1" smtClean="0"/>
+              <a:t>UploadFromStreamAsync</a:t>
+            </a:r>
+            <a:r>
+              <a:rPr lang="en-US" dirty="0" smtClean="0"/>
+              <a:t> or</a:t>
+            </a:r>
+          </a:p>
+          <a:p>
+            <a:r>
+              <a:rPr lang="en-US" dirty="0" smtClean="0"/>
+              <a:t>// </a:t>
+            </a:r>
+            <a:r>
+              <a:rPr lang="en-US" dirty="0" err="1" smtClean="0"/>
+              <a:t>UploadFromByteArrayAsync</a:t>
+            </a:r>
+            <a:endParaRPr lang="en-US" dirty="0" smtClean="0"/>
           </a:p>
         </p:txBody>
       </p:sp>
     </p:spTree>
     <p:extLst>
       <p:ext uri="{BB962C8B-B14F-4D97-AF65-F5344CB8AC3E}">
-        <p14:creationId xmlns:p14="http://schemas.microsoft.com/office/powerpoint/2010/main" val="1205896171"/>
+        <p14:creationId xmlns:p14="http://schemas.microsoft.com/office/powerpoint/2010/main" val="1006135964"/>
       </p:ext>
     </p:extLst>
   </p:cSld>
@@ -16592,7 +16976,7 @@
           <a:p>
             <a:r>
               <a:rPr lang="en-US" dirty="0" smtClean="0"/>
-              <a:t>Writing Blob Metadata (C#)</a:t>
+              <a:t>Downloading a Blob (Node.js)</a:t>
             </a:r>
             <a:endParaRPr lang="en-US" dirty="0"/>
           </a:p>
@@ -16614,9 +16998,28 @@
           <a:lstStyle/>
           <a:p>
             <a:r>
+              <a:rPr lang="en-US" dirty="0"/>
+              <a:t>Get a reference to a specified blob in a specified container in a specified storage account</a:t>
+            </a:r>
+          </a:p>
+          <a:p>
+            <a:r>
+              <a:rPr lang="en-US" dirty="0"/>
+              <a:t>Download the blob </a:t>
+            </a:r>
+            <a:r>
               <a:rPr lang="en-US" dirty="0" smtClean="0"/>
-              <a:t>Add metadata properties named "Property1," "Property2," and "Property3" to a blob</a:t>
-            </a:r>
+              <a:t>and </a:t>
+            </a:r>
+            <a:r>
+              <a:rPr lang="en-US" dirty="0"/>
+              <a:t>store its contents in a local </a:t>
+            </a:r>
+            <a:r>
+              <a:rPr lang="en-US" dirty="0" smtClean="0"/>
+              <a:t>file</a:t>
+            </a:r>
+            <a:endParaRPr lang="en-US" dirty="0"/>
           </a:p>
         </p:txBody>
       </p:sp>
@@ -16636,72 +17039,162 @@
           <a:lstStyle/>
           <a:p>
             <a:r>
-              <a:rPr lang="en-US" dirty="0" err="1" smtClean="0"/>
-              <a:t>blob.Metadata.Add</a:t>
-            </a:r>
-            <a:r>
-              <a:rPr lang="en-US" dirty="0" smtClean="0"/>
-              <a:t>("Property1", "Value1");</a:t>
-            </a:r>
-          </a:p>
-          <a:p>
-            <a:r>
               <a:rPr lang="en-US" dirty="0" err="1"/>
-              <a:t>blob.Metadata.Add</a:t>
+              <a:t>var</a:t>
+            </a:r>
+            <a:r>
+              <a:rPr lang="en-US" dirty="0"/>
+              <a:t> storage = require("azure-storage");</a:t>
+            </a:r>
+          </a:p>
+          <a:p>
+            <a:r>
+              <a:rPr lang="en-US" dirty="0" err="1"/>
+              <a:t>var</a:t>
+            </a:r>
+            <a:r>
+              <a:rPr lang="en-US" dirty="0"/>
+              <a:t> service =</a:t>
+            </a:r>
+          </a:p>
+          <a:p>
+            <a:r>
+              <a:rPr lang="en-US" dirty="0"/>
+              <a:t>    </a:t>
+            </a:r>
+            <a:r>
+              <a:rPr lang="en-US" dirty="0" err="1"/>
+              <a:t>storage.createBlobService</a:t>
             </a:r>
             <a:r>
               <a:rPr lang="en-US" dirty="0"/>
               <a:t>("</a:t>
             </a:r>
             <a:r>
+              <a:rPr lang="en-US" dirty="0" err="1"/>
+              <a:t>connection_string</a:t>
+            </a:r>
+            <a:r>
               <a:rPr lang="en-US" dirty="0" smtClean="0"/>
-              <a:t>Property2", </a:t>
-            </a:r>
+              <a:t>");</a:t>
+            </a:r>
+          </a:p>
+          <a:p>
+            <a:r>
+              <a:rPr lang="en-US" dirty="0" err="1" smtClean="0"/>
+              <a:t>service.getBlobToLocalFile</a:t>
+            </a:r>
+            <a:r>
+              <a:rPr lang="en-US" dirty="0" smtClean="0"/>
+              <a:t>(</a:t>
+            </a:r>
+          </a:p>
+          <a:p>
             <a:r>
               <a:rPr lang="en-US" dirty="0"/>
-              <a:t>"</a:t>
+              <a:t> </a:t>
             </a:r>
             <a:r>
               <a:rPr lang="en-US" dirty="0" smtClean="0"/>
-              <a:t>Value2");</a:t>
+              <a:t>   "</a:t>
+            </a:r>
+            <a:r>
+              <a:rPr lang="en-US" dirty="0" err="1" smtClean="0"/>
+              <a:t>container_name</a:t>
+            </a:r>
+            <a:r>
+              <a:rPr lang="en-US" dirty="0" smtClean="0"/>
+              <a:t>", "</a:t>
+            </a:r>
+            <a:r>
+              <a:rPr lang="en-US" dirty="0" err="1" smtClean="0"/>
+              <a:t>blob_name</a:t>
+            </a:r>
+            <a:r>
+              <a:rPr lang="en-US" dirty="0" smtClean="0"/>
+              <a:t>", "</a:t>
+            </a:r>
+            <a:r>
+              <a:rPr lang="en-US" dirty="0" err="1" smtClean="0"/>
+              <a:t>file_name</a:t>
+            </a:r>
+            <a:r>
+              <a:rPr lang="en-US" dirty="0" smtClean="0"/>
+              <a:t>",</a:t>
+            </a:r>
+          </a:p>
+          <a:p>
+            <a:r>
+              <a:rPr lang="en-US" dirty="0"/>
+              <a:t> function(error, result, response) {</a:t>
+            </a:r>
+          </a:p>
+          <a:p>
+            <a:r>
+              <a:rPr lang="en-US" dirty="0"/>
+              <a:t>    if (!error) {</a:t>
+            </a:r>
+          </a:p>
+          <a:p>
+            <a:r>
+              <a:rPr lang="en-US" dirty="0"/>
+              <a:t>        // File </a:t>
+            </a:r>
+            <a:r>
+              <a:rPr lang="en-US" dirty="0" smtClean="0"/>
+              <a:t>downloaded</a:t>
             </a:r>
             <a:endParaRPr lang="en-US" dirty="0"/>
           </a:p>
           <a:p>
             <a:r>
-              <a:rPr lang="en-US" dirty="0" err="1"/>
-              <a:t>blob.Metadata.Add</a:t>
-            </a:r>
-            <a:r>
               <a:rPr lang="en-US" dirty="0"/>
-              <a:t>("</a:t>
-            </a:r>
+              <a:t>    }</a:t>
+            </a:r>
+          </a:p>
+          <a:p>
             <a:r>
               <a:rPr lang="en-US" dirty="0" smtClean="0"/>
-              <a:t>Property3", </a:t>
-            </a:r>
-            <a:r>
-              <a:rPr lang="en-US" dirty="0"/>
-              <a:t>"</a:t>
-            </a:r>
+              <a:t>});</a:t>
+            </a:r>
+          </a:p>
+          <a:p>
+            <a:endParaRPr lang="en-US" dirty="0"/>
+          </a:p>
+          <a:p>
             <a:r>
               <a:rPr lang="en-US" dirty="0" smtClean="0"/>
-              <a:t>Value3");</a:t>
-            </a:r>
-          </a:p>
-          <a:p>
+              <a:t>// Or use </a:t>
+            </a:r>
+            <a:r>
+              <a:rPr lang="en-US" dirty="0" err="1" smtClean="0"/>
+              <a:t>getBlobToStream</a:t>
+            </a:r>
             <a:r>
               <a:rPr lang="en-US" dirty="0" smtClean="0"/>
-              <a:t>await </a:t>
+              <a:t>, </a:t>
             </a:r>
             <a:r>
               <a:rPr lang="en-US" dirty="0" err="1" smtClean="0"/>
-              <a:t>blob.SetMetadataAsync</a:t>
+              <a:t>getBlobToTest</a:t>
             </a:r>
             <a:r>
               <a:rPr lang="en-US" dirty="0" smtClean="0"/>
-              <a:t>();</a:t>
-            </a:r>
+              <a:t>, or</a:t>
+            </a:r>
+          </a:p>
+          <a:p>
+            <a:r>
+              <a:rPr lang="en-US" dirty="0" smtClean="0"/>
+              <a:t>// </a:t>
+            </a:r>
+            <a:r>
+              <a:rPr lang="en-US" dirty="0" err="1" smtClean="0"/>
+              <a:t>createReadStream</a:t>
+            </a:r>
+            <a:endParaRPr lang="en-US" dirty="0"/>
+          </a:p>
+          <a:p>
             <a:endParaRPr lang="en-US" dirty="0"/>
           </a:p>
         </p:txBody>
@@ -16709,7 +17202,7 @@
     </p:spTree>
     <p:extLst>
       <p:ext uri="{BB962C8B-B14F-4D97-AF65-F5344CB8AC3E}">
-        <p14:creationId xmlns:p14="http://schemas.microsoft.com/office/powerpoint/2010/main" val="338658924"/>
+        <p14:creationId xmlns:p14="http://schemas.microsoft.com/office/powerpoint/2010/main" val="54502761"/>
       </p:ext>
     </p:extLst>
   </p:cSld>
@@ -16755,7 +17248,7 @@
           <a:p>
             <a:r>
               <a:rPr lang="en-US" dirty="0" smtClean="0"/>
-              <a:t>Reading Blob Metadata (C#)</a:t>
+              <a:t>Enumerating Blobs in a Container (C#)</a:t>
             </a:r>
             <a:endParaRPr lang="en-US" dirty="0"/>
           </a:p>
@@ -16778,8 +17271,45 @@
           <a:p>
             <a:r>
               <a:rPr lang="en-US" dirty="0" smtClean="0"/>
-              <a:t>Read metadata properties named "Property1," "Property2," and "Property3" from a blob</a:t>
-            </a:r>
+              <a:t>Enumerate all the block blobs in a specified container in a specified storage account</a:t>
+            </a:r>
+          </a:p>
+          <a:p>
+            <a:r>
+              <a:rPr lang="en-US" dirty="0" smtClean="0"/>
+              <a:t>Retrieve the name of each blob</a:t>
+            </a:r>
+          </a:p>
+          <a:p>
+            <a:r>
+              <a:rPr lang="en-US" dirty="0" err="1" smtClean="0"/>
+              <a:t>IListBlobItem</a:t>
+            </a:r>
+            <a:r>
+              <a:rPr lang="en-US" dirty="0" smtClean="0"/>
+              <a:t> could </a:t>
+            </a:r>
+            <a:r>
+              <a:rPr lang="en-US" dirty="0" err="1" smtClean="0"/>
+              <a:t>CloudBlockBlob</a:t>
+            </a:r>
+            <a:r>
+              <a:rPr lang="en-US" dirty="0" smtClean="0"/>
+              <a:t>, Cloud-</a:t>
+            </a:r>
+            <a:r>
+              <a:rPr lang="en-US" dirty="0" err="1" smtClean="0"/>
+              <a:t>PageBlob</a:t>
+            </a:r>
+            <a:r>
+              <a:rPr lang="en-US" dirty="0" smtClean="0"/>
+              <a:t>, or Cloud-</a:t>
+            </a:r>
+            <a:r>
+              <a:rPr lang="en-US" dirty="0" err="1" smtClean="0"/>
+              <a:t>AppendBlob</a:t>
+            </a:r>
+            <a:endParaRPr lang="en-US" dirty="0"/>
           </a:p>
         </p:txBody>
       </p:sp>
@@ -16799,26 +17329,161 @@
           <a:lstStyle/>
           <a:p>
             <a:r>
-              <a:rPr lang="en-US" dirty="0" err="1" smtClean="0"/>
-              <a:t>blob.FetchAttributes</a:t>
+              <a:rPr lang="en-US" dirty="0" err="1"/>
+              <a:t>CloudStorageAccount</a:t>
+            </a:r>
+            <a:r>
+              <a:rPr lang="en-US" dirty="0"/>
+              <a:t> account =</a:t>
+            </a:r>
+          </a:p>
+          <a:p>
+            <a:r>
+              <a:rPr lang="en-US" dirty="0"/>
+              <a:t>    </a:t>
+            </a:r>
+            <a:r>
+              <a:rPr lang="en-US" dirty="0" err="1"/>
+              <a:t>CloudStorageAccount.Parse</a:t>
+            </a:r>
+            <a:r>
+              <a:rPr lang="en-US" dirty="0"/>
+              <a:t>("</a:t>
+            </a:r>
+            <a:r>
+              <a:rPr lang="en-US" dirty="0" err="1"/>
+              <a:t>connection_string</a:t>
+            </a:r>
+            <a:r>
+              <a:rPr lang="en-US" dirty="0"/>
+              <a:t>);</a:t>
+            </a:r>
+          </a:p>
+          <a:p>
+            <a:r>
+              <a:rPr lang="en-US" dirty="0" err="1"/>
+              <a:t>CloudBlobClient</a:t>
+            </a:r>
+            <a:r>
+              <a:rPr lang="en-US" dirty="0"/>
+              <a:t> client = </a:t>
+            </a:r>
+            <a:r>
+              <a:rPr lang="en-US" dirty="0" err="1"/>
+              <a:t>account.CreateCloudBlobClient</a:t>
+            </a:r>
+            <a:r>
+              <a:rPr lang="en-US" dirty="0"/>
+              <a:t>();</a:t>
+            </a:r>
+          </a:p>
+          <a:p>
+            <a:r>
+              <a:rPr lang="en-US" dirty="0" err="1"/>
+              <a:t>CloudBlobContainer</a:t>
+            </a:r>
+            <a:r>
+              <a:rPr lang="en-US" dirty="0"/>
+              <a:t> container =</a:t>
+            </a:r>
+          </a:p>
+          <a:p>
+            <a:r>
+              <a:rPr lang="en-US" dirty="0"/>
+              <a:t>    </a:t>
+            </a:r>
+            <a:r>
+              <a:rPr lang="en-US" dirty="0" err="1"/>
+              <a:t>client.GetContainerReference</a:t>
+            </a:r>
+            <a:r>
+              <a:rPr lang="en-US" dirty="0"/>
+              <a:t>("</a:t>
+            </a:r>
+            <a:r>
+              <a:rPr lang="en-US" dirty="0" err="1"/>
+              <a:t>container_name</a:t>
             </a:r>
             <a:r>
               <a:rPr lang="en-US" dirty="0" smtClean="0"/>
-              <a:t>();</a:t>
+              <a:t>");</a:t>
+            </a:r>
+          </a:p>
+          <a:p>
+            <a:endParaRPr lang="en-US" dirty="0"/>
+          </a:p>
+          <a:p>
+            <a:r>
+              <a:rPr lang="en-US" dirty="0" err="1"/>
+              <a:t>foreach</a:t>
+            </a:r>
+            <a:r>
+              <a:rPr lang="en-US" dirty="0"/>
+              <a:t> (</a:t>
+            </a:r>
+            <a:r>
+              <a:rPr lang="en-US" dirty="0" err="1"/>
+              <a:t>IListBlobItem</a:t>
+            </a:r>
+            <a:r>
+              <a:rPr lang="en-US" dirty="0"/>
+              <a:t> item in </a:t>
+            </a:r>
+            <a:r>
+              <a:rPr lang="en-US" dirty="0" err="1"/>
+              <a:t>container.ListBlobs</a:t>
+            </a:r>
+            <a:r>
+              <a:rPr lang="en-US" dirty="0"/>
+              <a:t>())</a:t>
+            </a:r>
+          </a:p>
+          <a:p>
+            <a:r>
+              <a:rPr lang="en-US" dirty="0"/>
+              <a:t>{</a:t>
+            </a:r>
+          </a:p>
+          <a:p>
+            <a:r>
+              <a:rPr lang="en-US" dirty="0"/>
+              <a:t>    </a:t>
+            </a:r>
+            <a:r>
+              <a:rPr lang="en-US" dirty="0" err="1"/>
+              <a:t>var</a:t>
+            </a:r>
+            <a:r>
+              <a:rPr lang="en-US" dirty="0"/>
+              <a:t> blob = item as </a:t>
+            </a:r>
+            <a:r>
+              <a:rPr lang="en-US" dirty="0" err="1"/>
+              <a:t>CloudBlockBlob</a:t>
+            </a:r>
+            <a:r>
+              <a:rPr lang="en-US" dirty="0"/>
+              <a:t>;</a:t>
             </a:r>
           </a:p>
           <a:p>
             <a:r>
               <a:rPr lang="en-US" dirty="0" smtClean="0"/>
-              <a:t>string p1 = </a:t>
-            </a:r>
-            <a:r>
-              <a:rPr lang="en-US" dirty="0" err="1" smtClean="0"/>
-              <a:t>blob.Metadata.ContainsKey</a:t>
+              <a:t>    </a:t>
+            </a:r>
+            <a:r>
+              <a:rPr lang="en-US" dirty="0"/>
+              <a:t>if (blob != null)</a:t>
+            </a:r>
+          </a:p>
+          <a:p>
+            <a:r>
+              <a:rPr lang="en-US" dirty="0"/>
+              <a:t>    </a:t>
             </a:r>
             <a:r>
               <a:rPr lang="en-US" dirty="0" smtClean="0"/>
-              <a:t>("Property1") ?</a:t>
+              <a:t>{</a:t>
             </a:r>
           </a:p>
           <a:p>
@@ -16828,128 +17493,28 @@
             </a:r>
             <a:r>
               <a:rPr lang="en-US" dirty="0" smtClean="0"/>
-              <a:t>   </a:t>
+              <a:t>       string name = </a:t>
             </a:r>
             <a:r>
               <a:rPr lang="en-US" dirty="0" err="1" smtClean="0"/>
-              <a:t>blob.Metadata</a:t>
+              <a:t>blob.Name</a:t>
             </a:r>
             <a:r>
               <a:rPr lang="en-US" dirty="0" smtClean="0"/>
-              <a:t>["Property1"] : null;</a:t>
-            </a:r>
-          </a:p>
-          <a:p>
-            <a:r>
-              <a:rPr lang="en-US" dirty="0"/>
-              <a:t>string </a:t>
-            </a:r>
+              <a:t>;</a:t>
+            </a:r>
+            <a:endParaRPr lang="en-US" dirty="0"/>
+          </a:p>
+          <a:p>
             <a:r>
               <a:rPr lang="en-US" dirty="0" smtClean="0"/>
-              <a:t>p2 </a:t>
-            </a:r>
-            <a:r>
-              <a:rPr lang="en-US" dirty="0"/>
-              <a:t>= </a:t>
-            </a:r>
-            <a:r>
-              <a:rPr lang="en-US" dirty="0" err="1"/>
-              <a:t>blob.Metadata.ContainsKey</a:t>
-            </a:r>
-            <a:r>
-              <a:rPr lang="en-US" dirty="0"/>
-              <a:t>("</a:t>
-            </a:r>
+              <a:t>    }</a:t>
+            </a:r>
+          </a:p>
+          <a:p>
             <a:r>
               <a:rPr lang="en-US" dirty="0" smtClean="0"/>
-              <a:t>Property2") </a:t>
-            </a:r>
-            <a:r>
-              <a:rPr lang="en-US" dirty="0"/>
-              <a:t>?</a:t>
-            </a:r>
-          </a:p>
-          <a:p>
-            <a:r>
-              <a:rPr lang="en-US" dirty="0"/>
-              <a:t>    </a:t>
-            </a:r>
-            <a:r>
-              <a:rPr lang="en-US" dirty="0" err="1"/>
-              <a:t>blob.Metadata</a:t>
-            </a:r>
-            <a:r>
-              <a:rPr lang="en-US" dirty="0"/>
-              <a:t>["</a:t>
-            </a:r>
-            <a:r>
-              <a:rPr lang="en-US" dirty="0" smtClean="0"/>
-              <a:t>Property2"] </a:t>
-            </a:r>
-            <a:r>
-              <a:rPr lang="en-US" dirty="0"/>
-              <a:t>: </a:t>
-            </a:r>
-            <a:r>
-              <a:rPr lang="en-US" dirty="0" smtClean="0"/>
-              <a:t>null;</a:t>
-            </a:r>
-            <a:endParaRPr lang="en-US" dirty="0"/>
-          </a:p>
-          <a:p>
-            <a:r>
-              <a:rPr lang="en-US" dirty="0"/>
-              <a:t>string </a:t>
-            </a:r>
-            <a:r>
-              <a:rPr lang="en-US" dirty="0" smtClean="0"/>
-              <a:t>p3 </a:t>
-            </a:r>
-            <a:r>
-              <a:rPr lang="en-US" dirty="0"/>
-              <a:t>= </a:t>
-            </a:r>
-            <a:r>
-              <a:rPr lang="en-US" dirty="0" err="1"/>
-              <a:t>blob.Metadata.ContainsKey</a:t>
-            </a:r>
-            <a:r>
-              <a:rPr lang="en-US" dirty="0"/>
-              <a:t>("</a:t>
-            </a:r>
-            <a:r>
-              <a:rPr lang="en-US" dirty="0" smtClean="0"/>
-              <a:t>Property3") </a:t>
-            </a:r>
-            <a:r>
-              <a:rPr lang="en-US" dirty="0"/>
-              <a:t>?</a:t>
-            </a:r>
-          </a:p>
-          <a:p>
-            <a:r>
-              <a:rPr lang="en-US" dirty="0"/>
-              <a:t>    </a:t>
-            </a:r>
-            <a:r>
-              <a:rPr lang="en-US" dirty="0" err="1"/>
-              <a:t>blob.Metadata</a:t>
-            </a:r>
-            <a:r>
-              <a:rPr lang="en-US" dirty="0"/>
-              <a:t>["</a:t>
-            </a:r>
-            <a:r>
-              <a:rPr lang="en-US" dirty="0" smtClean="0"/>
-              <a:t>Property3"] </a:t>
-            </a:r>
-            <a:r>
-              <a:rPr lang="en-US" dirty="0"/>
-              <a:t>: </a:t>
-            </a:r>
-            <a:r>
-              <a:rPr lang="en-US" dirty="0" smtClean="0"/>
-              <a:t>null;</a:t>
+              <a:t>}</a:t>
             </a:r>
             <a:endParaRPr lang="en-US" dirty="0"/>
           </a:p>
@@ -16958,7 +17523,7 @@
     </p:spTree>
     <p:extLst>
       <p:ext uri="{BB962C8B-B14F-4D97-AF65-F5344CB8AC3E}">
-        <p14:creationId xmlns:p14="http://schemas.microsoft.com/office/powerpoint/2010/main" val="2042781137"/>
+        <p14:creationId xmlns:p14="http://schemas.microsoft.com/office/powerpoint/2010/main" val="1205896171"/>
       </p:ext>
     </p:extLst>
   </p:cSld>
@@ -17004,7 +17569,15 @@
           <a:p>
             <a:r>
               <a:rPr lang="en-US" dirty="0" smtClean="0"/>
-              <a:t>Deleting a Blob (C#)</a:t>
+              <a:t>Writing Blob Metadata (</a:t>
+            </a:r>
+            <a:r>
+              <a:rPr lang="en-US" dirty="0"/>
+              <a:t>Node.js</a:t>
+            </a:r>
+            <a:r>
+              <a:rPr lang="en-US" dirty="0" smtClean="0"/>
+              <a:t>)</a:t>
             </a:r>
             <a:endParaRPr lang="en-US" dirty="0"/>
           </a:p>
@@ -17027,14 +17600,15 @@
           <a:p>
             <a:r>
               <a:rPr lang="en-US" dirty="0"/>
-              <a:t>Get a reference to a specified blob in a specified container in a specified storage account</a:t>
-            </a:r>
-          </a:p>
-          <a:p>
+              <a:t>Add metadata properties named "Property1," "Property2," and "Property3" to a </a:t>
+            </a:r>
             <a:r>
               <a:rPr lang="en-US" dirty="0" smtClean="0"/>
-              <a:t>Delete the blob</a:t>
-            </a:r>
+              <a:t>blob</a:t>
+            </a:r>
+            <a:endParaRPr lang="en-US" dirty="0"/>
+          </a:p>
+          <a:p>
             <a:endParaRPr lang="en-US" dirty="0"/>
           </a:p>
         </p:txBody>
@@ -17051,16 +17625,28 @@
         </p:nvSpPr>
         <p:spPr/>
         <p:txBody>
-          <a:bodyPr/>
+          <a:bodyPr>
+            <a:normAutofit lnSpcReduction="10000"/>
+          </a:bodyPr>
           <a:lstStyle/>
           <a:p>
             <a:r>
               <a:rPr lang="en-US" dirty="0" err="1"/>
-              <a:t>CloudStorageAccount</a:t>
+              <a:t>var</a:t>
             </a:r>
             <a:r>
               <a:rPr lang="en-US" dirty="0"/>
-              <a:t> account =</a:t>
+              <a:t> storage = require("azure-storage");</a:t>
+            </a:r>
+          </a:p>
+          <a:p>
+            <a:r>
+              <a:rPr lang="en-US" dirty="0" err="1"/>
+              <a:t>var</a:t>
+            </a:r>
+            <a:r>
+              <a:rPr lang="en-US" dirty="0"/>
+              <a:t> service =</a:t>
             </a:r>
           </a:p>
           <a:p>
@@ -17070,7 +17656,7 @@
             </a:r>
             <a:r>
               <a:rPr lang="en-US" dirty="0" err="1"/>
-              <a:t>CloudStorageAccount.Parse</a:t>
+              <a:t>storage.createBlobService</a:t>
             </a:r>
             <a:r>
               <a:rPr lang="en-US" dirty="0"/>
@@ -17082,99 +17668,145 @@
             </a:r>
             <a:r>
               <a:rPr lang="en-US" dirty="0"/>
-              <a:t>);</a:t>
-            </a:r>
+              <a:t>");</a:t>
+            </a:r>
+          </a:p>
+          <a:p>
+            <a:endParaRPr lang="en-US" dirty="0" smtClean="0"/>
           </a:p>
           <a:p>
             <a:r>
               <a:rPr lang="en-US" dirty="0" err="1"/>
-              <a:t>CloudBlobClient</a:t>
+              <a:t>var</a:t>
             </a:r>
             <a:r>
               <a:rPr lang="en-US" dirty="0"/>
-              <a:t> client = </a:t>
-            </a:r>
-            <a:r>
-              <a:rPr lang="en-US" dirty="0" err="1"/>
-              <a:t>account.CreateCloudBlobClient</a:t>
-            </a:r>
+              <a:t> metadata = {</a:t>
+            </a:r>
+          </a:p>
+          <a:p>
             <a:r>
               <a:rPr lang="en-US" dirty="0"/>
-              <a:t>();</a:t>
-            </a:r>
-          </a:p>
-          <a:p>
-            <a:r>
-              <a:rPr lang="en-US" dirty="0" err="1"/>
-              <a:t>CloudBlobContainer</a:t>
+              <a:t>    "Property1", </a:t>
+            </a:r>
+            <a:r>
+              <a:rPr lang="en-US" dirty="0" smtClean="0"/>
+              <a:t>"Value1",</a:t>
+            </a:r>
+            <a:endParaRPr lang="en-US" dirty="0"/>
+          </a:p>
+          <a:p>
+            <a:r>
+              <a:rPr lang="en-US" dirty="0" smtClean="0"/>
+              <a:t>    </a:t>
             </a:r>
             <a:r>
               <a:rPr lang="en-US" dirty="0"/>
-              <a:t> container =</a:t>
+              <a:t>"Property1", "</a:t>
+            </a:r>
+            <a:r>
+              <a:rPr lang="en-US" dirty="0" smtClean="0"/>
+              <a:t>Value2",</a:t>
             </a:r>
           </a:p>
           <a:p>
             <a:r>
               <a:rPr lang="en-US" dirty="0"/>
-              <a:t>    </a:t>
-            </a:r>
-            <a:r>
-              <a:rPr lang="en-US" dirty="0" err="1"/>
-              <a:t>client.GetContainerReference</a:t>
+              <a:t> </a:t>
+            </a:r>
+            <a:r>
+              <a:rPr lang="en-US" dirty="0" smtClean="0"/>
+              <a:t>   "</a:t>
             </a:r>
             <a:r>
               <a:rPr lang="en-US" dirty="0"/>
+              <a:t>Property1", "</a:t>
+            </a:r>
+            <a:r>
+              <a:rPr lang="en-US" dirty="0" smtClean="0"/>
+              <a:t>Value3"</a:t>
+            </a:r>
+          </a:p>
+          <a:p>
+            <a:r>
+              <a:rPr lang="en-US" dirty="0" smtClean="0"/>
+              <a:t>};</a:t>
+            </a:r>
+          </a:p>
+          <a:p>
+            <a:endParaRPr lang="en-US" dirty="0"/>
+          </a:p>
+          <a:p>
+            <a:r>
+              <a:rPr lang="en-US" dirty="0" err="1" smtClean="0"/>
+              <a:t>service.setBlobMetaData</a:t>
+            </a:r>
+            <a:r>
+              <a:rPr lang="en-US" dirty="0" smtClean="0"/>
               <a:t>("</a:t>
             </a:r>
             <a:r>
-              <a:rPr lang="en-US" dirty="0" err="1"/>
+              <a:rPr lang="en-US" dirty="0" err="1" smtClean="0"/>
               <a:t>container_name</a:t>
             </a:r>
             <a:r>
+              <a:rPr lang="en-US" dirty="0" smtClean="0"/>
+              <a:t>", "</a:t>
+            </a:r>
+            <a:r>
+              <a:rPr lang="en-US" dirty="0" err="1" smtClean="0"/>
+              <a:t>blob_name</a:t>
+            </a:r>
+            <a:r>
+              <a:rPr lang="en-US" dirty="0" smtClean="0"/>
+              <a:t>",</a:t>
+            </a:r>
+          </a:p>
+          <a:p>
+            <a:r>
               <a:rPr lang="en-US" dirty="0"/>
-              <a:t>");</a:t>
-            </a:r>
-          </a:p>
-          <a:p>
-            <a:r>
-              <a:rPr lang="en-US" dirty="0" err="1"/>
-              <a:t>CloudBlockBlob</a:t>
+              <a:t> </a:t>
+            </a:r>
+            <a:r>
+              <a:rPr lang="en-US" dirty="0" smtClean="0"/>
+              <a:t>   metadata, function(error</a:t>
             </a:r>
             <a:r>
               <a:rPr lang="en-US" dirty="0"/>
-              <a:t> blob =</a:t>
-            </a:r>
-          </a:p>
-          <a:p>
+              <a:t>, result, response) {</a:t>
+            </a:r>
+          </a:p>
+          <a:p>
+            <a:r>
+              <a:rPr lang="en-US" dirty="0" smtClean="0"/>
+              <a:t>    if </a:t>
+            </a:r>
             <a:r>
               <a:rPr lang="en-US" dirty="0"/>
-              <a:t>    </a:t>
-            </a:r>
-            <a:r>
-              <a:rPr lang="en-US" dirty="0" err="1"/>
-              <a:t>container.GetBlockBlobReference</a:t>
-            </a:r>
+              <a:t>(!error) {</a:t>
+            </a:r>
+          </a:p>
+          <a:p>
+            <a:r>
+              <a:rPr lang="en-US" dirty="0" smtClean="0"/>
+              <a:t>        // Succeeded</a:t>
+            </a:r>
+          </a:p>
+          <a:p>
             <a:r>
               <a:rPr lang="en-US" dirty="0"/>
-              <a:t>("</a:t>
-            </a:r>
-            <a:r>
-              <a:rPr lang="en-US" dirty="0" err="1"/>
-              <a:t>blob_name</a:t>
-            </a:r>
-            <a:r>
-              <a:rPr lang="en-US" dirty="0"/>
-              <a:t>"));</a:t>
-            </a:r>
-          </a:p>
-          <a:p>
-            <a:r>
-              <a:rPr lang="en-US" dirty="0" err="1" smtClean="0"/>
-              <a:t>blob.Delete</a:t>
+              <a:t> </a:t>
             </a:r>
             <a:r>
               <a:rPr lang="en-US" dirty="0" smtClean="0"/>
-              <a:t>();</a:t>
+              <a:t>   }</a:t>
+            </a:r>
+            <a:endParaRPr lang="en-US" dirty="0"/>
+          </a:p>
+          <a:p>
+            <a:r>
+              <a:rPr lang="en-US" dirty="0" smtClean="0"/>
+              <a:t>});</a:t>
             </a:r>
             <a:endParaRPr lang="en-US" dirty="0"/>
           </a:p>
@@ -17183,7 +17815,7 @@
     </p:spTree>
     <p:extLst>
       <p:ext uri="{BB962C8B-B14F-4D97-AF65-F5344CB8AC3E}">
-        <p14:creationId xmlns:p14="http://schemas.microsoft.com/office/powerpoint/2010/main" val="2719440197"/>
+        <p14:creationId xmlns:p14="http://schemas.microsoft.com/office/powerpoint/2010/main" val="1337825353"/>
       </p:ext>
     </p:extLst>
   </p:cSld>
@@ -17229,7 +17861,7 @@
           <a:p>
             <a:r>
               <a:rPr lang="en-US" dirty="0" smtClean="0"/>
-              <a:t>Uploading a Blob (Node.js)</a:t>
+              <a:t>Reading Blob Metadata (C#)</a:t>
             </a:r>
             <a:endParaRPr lang="en-US" dirty="0"/>
           </a:p>
@@ -17251,46 +17883,9 @@
           <a:lstStyle/>
           <a:p>
             <a:r>
-              <a:rPr lang="en-US" dirty="0"/>
-              <a:t>Create a blob in the specified storage account and specified container using the Azure Storage SDK for </a:t>
-            </a:r>
-            <a:r>
               <a:rPr lang="en-US" dirty="0" smtClean="0"/>
-              <a:t>Node.js</a:t>
-            </a:r>
-            <a:endParaRPr lang="en-US" dirty="0"/>
-          </a:p>
-          <a:p>
-            <a:r>
-              <a:rPr lang="en-US" dirty="0"/>
-              <a:t>Upload the contents of a local </a:t>
-            </a:r>
-            <a:r>
-              <a:rPr lang="en-US" dirty="0" smtClean="0"/>
-              <a:t>file to </a:t>
-            </a:r>
-            <a:r>
-              <a:rPr lang="en-US" dirty="0"/>
-              <a:t>the </a:t>
-            </a:r>
-            <a:r>
-              <a:rPr lang="en-US" dirty="0" smtClean="0"/>
-              <a:t>blob</a:t>
-            </a:r>
-          </a:p>
-          <a:p>
-            <a:r>
-              <a:rPr lang="en-US" dirty="0"/>
-              <a:t>Get the connection string for the storage account from the Azure </a:t>
-            </a:r>
-            <a:r>
-              <a:rPr lang="en-US" dirty="0" smtClean="0"/>
-              <a:t>portal</a:t>
-            </a:r>
-            <a:endParaRPr lang="en-US" dirty="0"/>
-          </a:p>
-          <a:p>
-            <a:endParaRPr lang="en-US" dirty="0"/>
+              <a:t>Read metadata properties named "Property1," "Property2," and "Property3" from a blob</a:t>
+            </a:r>
           </a:p>
         </p:txBody>
       </p:sp>
@@ -17310,26 +17905,26 @@
           <a:lstStyle/>
           <a:p>
             <a:r>
-              <a:rPr lang="en-US" dirty="0" err="1"/>
-              <a:t>var</a:t>
-            </a:r>
-            <a:r>
-              <a:rPr lang="en-US" dirty="0"/>
-              <a:t> storage = </a:t>
+              <a:rPr lang="en-US" dirty="0" err="1" smtClean="0"/>
+              <a:t>blob.FetchAttributes</a:t>
             </a:r>
             <a:r>
               <a:rPr lang="en-US" dirty="0" smtClean="0"/>
-              <a:t>require("azure-storage");</a:t>
-            </a:r>
-          </a:p>
-          <a:p>
+              <a:t>();</a:t>
+            </a:r>
+          </a:p>
+          <a:p>
+            <a:r>
+              <a:rPr lang="en-US" dirty="0" smtClean="0"/>
+              <a:t>string p1 = </a:t>
+            </a:r>
             <a:r>
               <a:rPr lang="en-US" dirty="0" err="1" smtClean="0"/>
-              <a:t>var</a:t>
+              <a:t>blob.Metadata.ContainsKey</a:t>
             </a:r>
             <a:r>
               <a:rPr lang="en-US" dirty="0" smtClean="0"/>
-              <a:t> service =</a:t>
+              <a:t>("Property1") ?</a:t>
             </a:r>
           </a:p>
           <a:p>
@@ -17343,172 +17938,124 @@
             </a:r>
             <a:r>
               <a:rPr lang="en-US" dirty="0" err="1" smtClean="0"/>
-              <a:t>storage.createBlobService</a:t>
+              <a:t>blob.Metadata</a:t>
             </a:r>
             <a:r>
               <a:rPr lang="en-US" dirty="0" smtClean="0"/>
+              <a:t>["Property1"] : null;</a:t>
+            </a:r>
+          </a:p>
+          <a:p>
+            <a:r>
+              <a:rPr lang="en-US" dirty="0"/>
+              <a:t>string </a:t>
+            </a:r>
+            <a:r>
+              <a:rPr lang="en-US" dirty="0" smtClean="0"/>
+              <a:t>p2 </a:t>
+            </a:r>
+            <a:r>
+              <a:rPr lang="en-US" dirty="0"/>
+              <a:t>= </a:t>
+            </a:r>
+            <a:r>
+              <a:rPr lang="en-US" dirty="0" err="1"/>
+              <a:t>blob.Metadata.ContainsKey</a:t>
+            </a:r>
+            <a:r>
+              <a:rPr lang="en-US" dirty="0"/>
               <a:t>("</a:t>
             </a:r>
             <a:r>
-              <a:rPr lang="en-US" dirty="0" err="1" smtClean="0"/>
-              <a:t>connection_string</a:t>
-            </a:r>
-            <a:r>
               <a:rPr lang="en-US" dirty="0" smtClean="0"/>
-              <a:t>");</a:t>
-            </a:r>
-          </a:p>
-          <a:p>
-            <a:r>
-              <a:rPr lang="en-US" dirty="0" err="1" smtClean="0"/>
-              <a:t>service.createBlockBlobFromLocalFile</a:t>
+              <a:t>Property2") </a:t>
+            </a:r>
+            <a:r>
+              <a:rPr lang="en-US" dirty="0"/>
+              <a:t>?</a:t>
+            </a:r>
+          </a:p>
+          <a:p>
+            <a:r>
+              <a:rPr lang="en-US" dirty="0"/>
+              <a:t>    </a:t>
+            </a:r>
+            <a:r>
+              <a:rPr lang="en-US" dirty="0" err="1"/>
+              <a:t>blob.Metadata</a:t>
+            </a:r>
+            <a:r>
+              <a:rPr lang="en-US" dirty="0"/>
+              <a:t>["</a:t>
             </a:r>
             <a:r>
               <a:rPr lang="en-US" dirty="0" smtClean="0"/>
-              <a:t>(</a:t>
-            </a:r>
-          </a:p>
-          <a:p>
+              <a:t>Property2"] </a:t>
+            </a:r>
             <a:r>
               <a:rPr lang="en-US" dirty="0"/>
-              <a:t> </a:t>
+              <a:t>: </a:t>
             </a:r>
             <a:r>
               <a:rPr lang="en-US" dirty="0" smtClean="0"/>
-              <a:t>   "</a:t>
-            </a:r>
-            <a:r>
-              <a:rPr lang="en-US" dirty="0" err="1" smtClean="0"/>
-              <a:t>container_name</a:t>
+              <a:t>null;</a:t>
+            </a:r>
+            <a:endParaRPr lang="en-US" dirty="0"/>
+          </a:p>
+          <a:p>
+            <a:r>
+              <a:rPr lang="en-US" dirty="0"/>
+              <a:t>string </a:t>
             </a:r>
             <a:r>
               <a:rPr lang="en-US" dirty="0" smtClean="0"/>
-              <a:t>", "</a:t>
-            </a:r>
-            <a:r>
-              <a:rPr lang="en-US" dirty="0" err="1" smtClean="0"/>
-              <a:t>blob_name</a:t>
+              <a:t>p3 </a:t>
+            </a:r>
+            <a:r>
+              <a:rPr lang="en-US" dirty="0"/>
+              <a:t>= </a:t>
+            </a:r>
+            <a:r>
+              <a:rPr lang="en-US" dirty="0" err="1"/>
+              <a:t>blob.Metadata.ContainsKey</a:t>
+            </a:r>
+            <a:r>
+              <a:rPr lang="en-US" dirty="0"/>
+              <a:t>("</a:t>
             </a:r>
             <a:r>
               <a:rPr lang="en-US" dirty="0" smtClean="0"/>
-              <a:t>", "</a:t>
-            </a:r>
-            <a:r>
-              <a:rPr lang="en-US" dirty="0" err="1" smtClean="0"/>
-              <a:t>file_name</a:t>
+              <a:t>Property3") </a:t>
+            </a:r>
+            <a:r>
+              <a:rPr lang="en-US" dirty="0"/>
+              <a:t>?</a:t>
+            </a:r>
+          </a:p>
+          <a:p>
+            <a:r>
+              <a:rPr lang="en-US" dirty="0"/>
+              <a:t>    </a:t>
+            </a:r>
+            <a:r>
+              <a:rPr lang="en-US" dirty="0" err="1"/>
+              <a:t>blob.Metadata</a:t>
+            </a:r>
+            <a:r>
+              <a:rPr lang="en-US" dirty="0"/>
+              <a:t>["</a:t>
             </a:r>
             <a:r>
               <a:rPr lang="en-US" dirty="0" smtClean="0"/>
-              <a:t>",</a:t>
-            </a:r>
-          </a:p>
-          <a:p>
+              <a:t>Property3"] </a:t>
+            </a:r>
             <a:r>
               <a:rPr lang="en-US" dirty="0"/>
-              <a:t> </a:t>
+              <a:t>: </a:t>
             </a:r>
             <a:r>
               <a:rPr lang="en-US" dirty="0" smtClean="0"/>
-              <a:t>   function(error</a:t>
-            </a:r>
-            <a:r>
-              <a:rPr lang="en-US" dirty="0"/>
-              <a:t>, </a:t>
-            </a:r>
-            <a:r>
-              <a:rPr lang="en-US" dirty="0" smtClean="0"/>
-              <a:t>result, response) {</a:t>
-            </a:r>
-            <a:endParaRPr lang="en-US" dirty="0"/>
-          </a:p>
-          <a:p>
-            <a:r>
-              <a:rPr lang="en-US" dirty="0" smtClean="0"/>
-              <a:t>    if (!</a:t>
-            </a:r>
-            <a:r>
-              <a:rPr lang="en-US" dirty="0"/>
-              <a:t>error</a:t>
-            </a:r>
-            <a:r>
-              <a:rPr lang="en-US" dirty="0" smtClean="0"/>
-              <a:t>) {</a:t>
-            </a:r>
-            <a:endParaRPr lang="en-US" dirty="0"/>
-          </a:p>
-          <a:p>
-            <a:r>
-              <a:rPr lang="en-US" dirty="0" smtClean="0"/>
-              <a:t>        </a:t>
-            </a:r>
-            <a:r>
-              <a:rPr lang="en-US" dirty="0"/>
-              <a:t>// </a:t>
-            </a:r>
-            <a:r>
-              <a:rPr lang="en-US" dirty="0" smtClean="0"/>
-              <a:t>File </a:t>
-            </a:r>
-            <a:r>
-              <a:rPr lang="en-US" dirty="0"/>
-              <a:t>uploaded</a:t>
-            </a:r>
-          </a:p>
-          <a:p>
-            <a:r>
-              <a:rPr lang="en-US" dirty="0" smtClean="0"/>
-              <a:t>    </a:t>
-            </a:r>
-            <a:r>
-              <a:rPr lang="en-US" dirty="0"/>
-              <a:t>}</a:t>
-            </a:r>
-          </a:p>
-          <a:p>
-            <a:r>
-              <a:rPr lang="en-US" dirty="0" smtClean="0"/>
-              <a:t>});</a:t>
-            </a:r>
-          </a:p>
-          <a:p>
-            <a:endParaRPr lang="en-US" dirty="0"/>
-          </a:p>
-          <a:p>
-            <a:r>
-              <a:rPr lang="en-US" dirty="0" smtClean="0"/>
-              <a:t>// Or use </a:t>
-            </a:r>
-            <a:r>
-              <a:rPr lang="en-US" dirty="0" err="1" smtClean="0"/>
-              <a:t>createBlockBlobFromStream</a:t>
-            </a:r>
-            <a:r>
-              <a:rPr lang="en-US" dirty="0" smtClean="0"/>
-              <a:t>,</a:t>
-            </a:r>
-          </a:p>
-          <a:p>
-            <a:r>
-              <a:rPr lang="en-US" dirty="0" smtClean="0"/>
-              <a:t>// </a:t>
-            </a:r>
-            <a:r>
-              <a:rPr lang="en-US" dirty="0" err="1" smtClean="0"/>
-              <a:t>createBlockBlobFromText</a:t>
-            </a:r>
-            <a:r>
-              <a:rPr lang="en-US" dirty="0" smtClean="0"/>
-              <a:t>, or</a:t>
-            </a:r>
-          </a:p>
-          <a:p>
-            <a:r>
-              <a:rPr lang="en-US" dirty="0" smtClean="0"/>
-              <a:t>// </a:t>
-            </a:r>
-            <a:r>
-              <a:rPr lang="en-US" dirty="0" err="1" smtClean="0"/>
-              <a:t>createWriteStreamToBlockBlob</a:t>
+              <a:t>null;</a:t>
             </a:r>
             <a:endParaRPr lang="en-US" dirty="0"/>
           </a:p>
@@ -17517,7 +18064,7 @@
     </p:spTree>
     <p:extLst>
       <p:ext uri="{BB962C8B-B14F-4D97-AF65-F5344CB8AC3E}">
-        <p14:creationId xmlns:p14="http://schemas.microsoft.com/office/powerpoint/2010/main" val="190016873"/>
+        <p14:creationId xmlns:p14="http://schemas.microsoft.com/office/powerpoint/2010/main" val="2042781137"/>
       </p:ext>
     </p:extLst>
   </p:cSld>
@@ -17563,7 +18110,7 @@
           <a:p>
             <a:r>
               <a:rPr lang="en-US" dirty="0" smtClean="0"/>
-              <a:t>Downloading a Blob (Node.js)</a:t>
+              <a:t>Deleting a Blob (Node.js)</a:t>
             </a:r>
             <a:endParaRPr lang="en-US" dirty="0"/>
           </a:p>
@@ -17592,19 +18139,11 @@
           <a:p>
             <a:r>
               <a:rPr lang="en-US" dirty="0"/>
-              <a:t>Download the blob </a:t>
+              <a:t>Delete the </a:t>
             </a:r>
             <a:r>
               <a:rPr lang="en-US" dirty="0" smtClean="0"/>
-              <a:t>and </a:t>
-            </a:r>
-            <a:r>
-              <a:rPr lang="en-US" dirty="0"/>
-              <a:t>store its contents in a local </a:t>
-            </a:r>
-            <a:r>
-              <a:rPr lang="en-US" dirty="0" smtClean="0"/>
-              <a:t>file</a:t>
+              <a:t>blob</a:t>
             </a:r>
             <a:endParaRPr lang="en-US" dirty="0"/>
           </a:p>
@@ -17662,18 +18201,34 @@
               <a:t>connection_string</a:t>
             </a:r>
             <a:r>
+              <a:rPr lang="en-US" dirty="0"/>
+              <a:t>");</a:t>
+            </a:r>
+          </a:p>
+          <a:p>
+            <a:r>
+              <a:rPr lang="en-US" dirty="0" err="1" smtClean="0"/>
+              <a:t>service.deleteBlob</a:t>
+            </a:r>
+            <a:r>
               <a:rPr lang="en-US" dirty="0" smtClean="0"/>
-              <a:t>");</a:t>
-            </a:r>
-          </a:p>
-          <a:p>
+              <a:t>("</a:t>
+            </a:r>
             <a:r>
               <a:rPr lang="en-US" dirty="0" err="1" smtClean="0"/>
-              <a:t>service.getBlobToLocalFile</a:t>
+              <a:t>container_name</a:t>
             </a:r>
             <a:r>
               <a:rPr lang="en-US" dirty="0" smtClean="0"/>
-              <a:t>(</a:t>
+              <a:t>", "</a:t>
+            </a:r>
+            <a:r>
+              <a:rPr lang="en-US" dirty="0" err="1" smtClean="0"/>
+              <a:t>blob_name</a:t>
+            </a:r>
+            <a:r>
+              <a:rPr lang="en-US" dirty="0" smtClean="0"/>
+              <a:t>",</a:t>
             </a:r>
           </a:p>
           <a:p>
@@ -17683,113 +18238,70 @@
             </a:r>
             <a:r>
               <a:rPr lang="en-US" dirty="0" smtClean="0"/>
-              <a:t>   "</a:t>
-            </a:r>
-            <a:r>
-              <a:rPr lang="en-US" dirty="0" err="1" smtClean="0"/>
-              <a:t>container_name</a:t>
+              <a:t>   function(error</a:t>
+            </a:r>
+            <a:r>
+              <a:rPr lang="en-US" dirty="0"/>
+              <a:t>, response</a:t>
             </a:r>
             <a:r>
               <a:rPr lang="en-US" dirty="0" smtClean="0"/>
-              <a:t>", "</a:t>
-            </a:r>
-            <a:r>
-              <a:rPr lang="en-US" dirty="0" err="1" smtClean="0"/>
-              <a:t>blob_name</a:t>
-            </a:r>
+              <a:t>) {</a:t>
+            </a:r>
+            <a:endParaRPr lang="en-US" dirty="0"/>
+          </a:p>
+          <a:p>
             <a:r>
               <a:rPr lang="en-US" dirty="0" smtClean="0"/>
-              <a:t>", "</a:t>
-            </a:r>
-            <a:r>
-              <a:rPr lang="en-US" dirty="0" err="1" smtClean="0"/>
-              <a:t>file_name</a:t>
+              <a:t>    if (!</a:t>
+            </a:r>
+            <a:r>
+              <a:rPr lang="en-US" dirty="0"/>
+              <a:t>error</a:t>
             </a:r>
             <a:r>
               <a:rPr lang="en-US" dirty="0" smtClean="0"/>
-              <a:t>",</a:t>
-            </a:r>
-          </a:p>
-          <a:p>
+              <a:t>) {</a:t>
+            </a:r>
+            <a:endParaRPr lang="en-US" dirty="0"/>
+          </a:p>
+          <a:p>
+            <a:r>
+              <a:rPr lang="en-US" dirty="0" smtClean="0"/>
+              <a:t>        </a:t>
+            </a:r>
             <a:r>
               <a:rPr lang="en-US" dirty="0"/>
-              <a:t> function(error, result, response) {</a:t>
-            </a:r>
-          </a:p>
-          <a:p>
+              <a:t>// Blob </a:t>
+            </a:r>
+            <a:r>
+              <a:rPr lang="en-US" dirty="0" smtClean="0"/>
+              <a:t>deleted</a:t>
+            </a:r>
+            <a:endParaRPr lang="en-US" dirty="0"/>
+          </a:p>
+          <a:p>
+            <a:r>
+              <a:rPr lang="en-US" dirty="0" smtClean="0"/>
+              <a:t>    </a:t>
+            </a:r>
             <a:r>
               <a:rPr lang="en-US" dirty="0"/>
-              <a:t>    if (!error) {</a:t>
+              <a:t>}</a:t>
             </a:r>
           </a:p>
           <a:p>
             <a:r>
               <a:rPr lang="en-US" dirty="0"/>
-              <a:t>        // File </a:t>
-            </a:r>
-            <a:r>
-              <a:rPr lang="en-US" dirty="0" smtClean="0"/>
-              <a:t>downloaded</a:t>
-            </a:r>
-            <a:endParaRPr lang="en-US" dirty="0"/>
-          </a:p>
-          <a:p>
-            <a:r>
-              <a:rPr lang="en-US" dirty="0"/>
-              <a:t>    }</a:t>
-            </a:r>
-          </a:p>
-          <a:p>
-            <a:r>
-              <a:rPr lang="en-US" dirty="0" smtClean="0"/>
               <a:t>});</a:t>
             </a:r>
-          </a:p>
-          <a:p>
-            <a:endParaRPr lang="en-US" dirty="0"/>
-          </a:p>
-          <a:p>
-            <a:r>
-              <a:rPr lang="en-US" dirty="0" smtClean="0"/>
-              <a:t>// Or use </a:t>
-            </a:r>
-            <a:r>
-              <a:rPr lang="en-US" dirty="0" err="1" smtClean="0"/>
-              <a:t>getBlobToStream</a:t>
-            </a:r>
-            <a:r>
-              <a:rPr lang="en-US" dirty="0" smtClean="0"/>
-              <a:t>, </a:t>
-            </a:r>
-            <a:r>
-              <a:rPr lang="en-US" dirty="0" err="1" smtClean="0"/>
-              <a:t>getBlobToTest</a:t>
-            </a:r>
-            <a:r>
-              <a:rPr lang="en-US" dirty="0" smtClean="0"/>
-              <a:t>, or</a:t>
-            </a:r>
-          </a:p>
-          <a:p>
-            <a:r>
-              <a:rPr lang="en-US" dirty="0" smtClean="0"/>
-              <a:t>// </a:t>
-            </a:r>
-            <a:r>
-              <a:rPr lang="en-US" dirty="0" err="1" smtClean="0"/>
-              <a:t>createReadStream</a:t>
-            </a:r>
-            <a:endParaRPr lang="en-US" dirty="0"/>
-          </a:p>
-          <a:p>
-            <a:endParaRPr lang="en-US" dirty="0"/>
           </a:p>
         </p:txBody>
       </p:sp>
     </p:spTree>
     <p:extLst>
       <p:ext uri="{BB962C8B-B14F-4D97-AF65-F5344CB8AC3E}">
-        <p14:creationId xmlns:p14="http://schemas.microsoft.com/office/powerpoint/2010/main" val="54502761"/>
+        <p14:creationId xmlns:p14="http://schemas.microsoft.com/office/powerpoint/2010/main" val="1018055750"/>
       </p:ext>
     </p:extLst>
   </p:cSld>
@@ -17828,22 +18340,12 @@
         </p:nvSpPr>
         <p:spPr/>
         <p:txBody>
-          <a:bodyPr>
-            <a:normAutofit fontScale="90000"/>
-          </a:bodyPr>
+          <a:bodyPr/>
           <a:lstStyle/>
           <a:p>
             <a:r>
               <a:rPr lang="en-US" dirty="0" smtClean="0"/>
-              <a:t>Enumerating Blobs in a Container (</a:t>
-            </a:r>
-            <a:r>
-              <a:rPr lang="en-US" dirty="0"/>
-              <a:t>Node.js</a:t>
-            </a:r>
-            <a:r>
-              <a:rPr lang="en-US" dirty="0" smtClean="0"/>
-              <a:t>)</a:t>
+              <a:t>Microsoft Cognitive Services</a:t>
             </a:r>
             <a:endParaRPr lang="en-US" dirty="0"/>
           </a:p>
@@ -17856,7 +18358,7 @@
             <a:spLocks noGrp="1"/>
           </p:cNvSpPr>
           <p:nvPr>
-            <p:ph sz="half" idx="1"/>
+            <p:ph idx="1"/>
           </p:nvPr>
         </p:nvSpPr>
         <p:spPr/>
@@ -17865,193 +18367,41 @@
           <a:lstStyle/>
           <a:p>
             <a:r>
-              <a:rPr lang="en-US" dirty="0"/>
-              <a:t>Enumerate all the block blobs in a specified container in a specified storage account</a:t>
-            </a:r>
-          </a:p>
-          <a:p>
-            <a:r>
-              <a:rPr lang="en-US" dirty="0"/>
-              <a:t>Retrieve the name of each </a:t>
-            </a:r>
-            <a:r>
               <a:rPr lang="en-US" dirty="0" smtClean="0"/>
-              <a:t>blob</a:t>
+              <a:t>Intelligence APIs for building intelligent apps</a:t>
             </a:r>
             <a:endParaRPr lang="en-US" dirty="0"/>
           </a:p>
         </p:txBody>
       </p:sp>
-      <p:sp>
-        <p:nvSpPr>
-          <p:cNvPr id="4" name="Content Placeholder 3"/>
-          <p:cNvSpPr>
-            <a:spLocks noGrp="1"/>
-          </p:cNvSpPr>
-          <p:nvPr>
-            <p:ph idx="13"/>
-          </p:nvPr>
-        </p:nvSpPr>
-        <p:spPr/>
-        <p:txBody>
-          <a:bodyPr/>
-          <a:lstStyle/>
-          <a:p>
-            <a:r>
-              <a:rPr lang="en-US" dirty="0" err="1"/>
-              <a:t>var</a:t>
-            </a:r>
-            <a:r>
-              <a:rPr lang="en-US" dirty="0"/>
-              <a:t> storage = require("azure-storage");</a:t>
-            </a:r>
-          </a:p>
-          <a:p>
-            <a:r>
-              <a:rPr lang="en-US" dirty="0" err="1"/>
-              <a:t>var</a:t>
-            </a:r>
-            <a:r>
-              <a:rPr lang="en-US" dirty="0"/>
-              <a:t> service =</a:t>
-            </a:r>
-          </a:p>
-          <a:p>
-            <a:r>
-              <a:rPr lang="en-US" dirty="0"/>
-              <a:t>    </a:t>
-            </a:r>
-            <a:r>
-              <a:rPr lang="en-US" dirty="0" err="1"/>
-              <a:t>storage.createBlobService</a:t>
-            </a:r>
-            <a:r>
-              <a:rPr lang="en-US" dirty="0"/>
-              <a:t>("</a:t>
-            </a:r>
-            <a:r>
-              <a:rPr lang="en-US" dirty="0" err="1"/>
-              <a:t>connection_string</a:t>
-            </a:r>
-            <a:r>
-              <a:rPr lang="en-US" dirty="0"/>
-              <a:t>");</a:t>
-            </a:r>
-          </a:p>
-          <a:p>
-            <a:r>
-              <a:rPr lang="en-US" dirty="0" err="1" smtClean="0"/>
-              <a:t>service.listBlobsSegmented</a:t>
-            </a:r>
-            <a:r>
-              <a:rPr lang="en-US" dirty="0" smtClean="0"/>
-              <a:t>("</a:t>
-            </a:r>
-            <a:r>
-              <a:rPr lang="en-US" dirty="0" err="1" smtClean="0"/>
-              <a:t>container_name</a:t>
-            </a:r>
-            <a:r>
-              <a:rPr lang="en-US" dirty="0" smtClean="0"/>
-              <a:t>", null,</a:t>
-            </a:r>
-          </a:p>
-          <a:p>
-            <a:r>
-              <a:rPr lang="en-US" dirty="0"/>
-              <a:t> </a:t>
-            </a:r>
-            <a:r>
-              <a:rPr lang="en-US" dirty="0" smtClean="0"/>
-              <a:t>   function(error, result, response) {</a:t>
-            </a:r>
-          </a:p>
-          <a:p>
-            <a:r>
-              <a:rPr lang="en-US" dirty="0" smtClean="0"/>
-              <a:t>    if (!error) {</a:t>
-            </a:r>
-          </a:p>
-          <a:p>
-            <a:r>
-              <a:rPr lang="en-US" dirty="0" smtClean="0"/>
-              <a:t>        for (i=0; i&lt;</a:t>
-            </a:r>
-            <a:r>
-              <a:rPr lang="en-US" dirty="0" err="1" smtClean="0"/>
-              <a:t>result.entries.length</a:t>
-            </a:r>
-            <a:r>
-              <a:rPr lang="en-US" dirty="0" smtClean="0"/>
-              <a:t>; i++) {</a:t>
-            </a:r>
-          </a:p>
-          <a:p>
-            <a:r>
-              <a:rPr lang="en-US" dirty="0" smtClean="0"/>
-              <a:t>            </a:t>
-            </a:r>
-            <a:r>
-              <a:rPr lang="en-US" dirty="0" err="1" smtClean="0"/>
-              <a:t>var</a:t>
-            </a:r>
-            <a:r>
-              <a:rPr lang="en-US" dirty="0" smtClean="0"/>
-              <a:t> blob = </a:t>
-            </a:r>
-            <a:r>
-              <a:rPr lang="en-US" dirty="0" err="1" smtClean="0"/>
-              <a:t>result.entries</a:t>
-            </a:r>
-            <a:r>
-              <a:rPr lang="en-US" dirty="0" smtClean="0"/>
-              <a:t>[i];</a:t>
-            </a:r>
-          </a:p>
-          <a:p>
-            <a:r>
-              <a:rPr lang="en-US" dirty="0"/>
-              <a:t> </a:t>
-            </a:r>
-            <a:r>
-              <a:rPr lang="en-US" dirty="0" smtClean="0"/>
-              <a:t>           </a:t>
-            </a:r>
-            <a:r>
-              <a:rPr lang="en-US" dirty="0" err="1" smtClean="0"/>
-              <a:t>var</a:t>
-            </a:r>
-            <a:r>
-              <a:rPr lang="en-US" dirty="0" smtClean="0"/>
-              <a:t> name = blob.name;</a:t>
-            </a:r>
-          </a:p>
-          <a:p>
-            <a:r>
-              <a:rPr lang="en-US" dirty="0" smtClean="0"/>
-              <a:t>        }</a:t>
-            </a:r>
-          </a:p>
-          <a:p>
-            <a:r>
-              <a:rPr lang="en-US" dirty="0" smtClean="0"/>
-              <a:t>    }</a:t>
-            </a:r>
-            <a:endParaRPr lang="en-US" dirty="0"/>
-          </a:p>
-          <a:p>
-            <a:r>
-              <a:rPr lang="en-US" dirty="0" smtClean="0"/>
-              <a:t>});</a:t>
-            </a:r>
-            <a:endParaRPr lang="en-US" dirty="0"/>
-          </a:p>
-        </p:txBody>
-      </p:sp>
+      <p:pic>
+        <p:nvPicPr>
+          <p:cNvPr id="4" name="Picture 3"/>
+          <p:cNvPicPr>
+            <a:picLocks noChangeAspect="1"/>
+          </p:cNvPicPr>
+          <p:nvPr/>
+        </p:nvPicPr>
+        <p:blipFill>
+          <a:blip r:embed="rId3"/>
+          <a:stretch>
+            <a:fillRect/>
+          </a:stretch>
+        </p:blipFill>
+        <p:spPr>
+          <a:xfrm>
+            <a:off x="381000" y="2521454"/>
+            <a:ext cx="11430000" cy="3933825"/>
+          </a:xfrm>
+          <a:prstGeom prst="rect">
+            <a:avLst/>
+          </a:prstGeom>
+        </p:spPr>
+      </p:pic>
     </p:spTree>
     <p:extLst>
       <p:ext uri="{BB962C8B-B14F-4D97-AF65-F5344CB8AC3E}">
-        <p14:creationId xmlns:p14="http://schemas.microsoft.com/office/powerpoint/2010/main" val="863137172"/>
+        <p14:creationId xmlns:p14="http://schemas.microsoft.com/office/powerpoint/2010/main" val="1330345493"/>
       </p:ext>
     </p:extLst>
   </p:cSld>
@@ -18090,260 +18440,1289 @@
         </p:nvSpPr>
         <p:spPr/>
         <p:txBody>
-          <a:bodyPr>
-            <a:normAutofit fontScale="90000"/>
+          <a:bodyPr/>
+          <a:lstStyle/>
+          <a:p>
+            <a:r>
+              <a:rPr lang="en-US" dirty="0" smtClean="0"/>
+              <a:t>Cognitive Services APIs</a:t>
+            </a:r>
+            <a:endParaRPr lang="en-US" dirty="0"/>
+          </a:p>
+        </p:txBody>
+      </p:sp>
+      <p:sp>
+        <p:nvSpPr>
+          <p:cNvPr id="4" name="TextBox 3"/>
+          <p:cNvSpPr txBox="1"/>
+          <p:nvPr/>
+        </p:nvSpPr>
+        <p:spPr>
+          <a:xfrm>
+            <a:off x="1150434" y="2110989"/>
+            <a:ext cx="1146468" cy="523220"/>
+          </a:xfrm>
+          <a:prstGeom prst="rect">
+            <a:avLst/>
+          </a:prstGeom>
+          <a:noFill/>
+        </p:spPr>
+        <p:txBody>
+          <a:bodyPr wrap="none" rtlCol="0">
+            <a:spAutoFit/>
           </a:bodyPr>
           <a:lstStyle/>
           <a:p>
             <a:r>
-              <a:rPr lang="en-US" dirty="0" smtClean="0"/>
-              <a:t>Writing Blob Metadata (</a:t>
-            </a:r>
-            <a:r>
-              <a:rPr lang="en-US" dirty="0"/>
-              <a:t>Node.js</a:t>
-            </a:r>
-            <a:r>
-              <a:rPr lang="en-US" dirty="0" smtClean="0"/>
-              <a:t>)</a:t>
-            </a:r>
-            <a:endParaRPr lang="en-US" dirty="0"/>
-          </a:p>
-        </p:txBody>
-      </p:sp>
-      <p:sp>
-        <p:nvSpPr>
-          <p:cNvPr id="3" name="Content Placeholder 2"/>
-          <p:cNvSpPr>
-            <a:spLocks noGrp="1"/>
-          </p:cNvSpPr>
-          <p:nvPr>
-            <p:ph sz="half" idx="1"/>
-          </p:nvPr>
-        </p:nvSpPr>
-        <p:spPr/>
-        <p:txBody>
-          <a:bodyPr/>
-          <a:lstStyle/>
-          <a:p>
-            <a:r>
-              <a:rPr lang="en-US" dirty="0"/>
-              <a:t>Add metadata properties named "Property1," "Property2," and "Property3" to a </a:t>
-            </a:r>
-            <a:r>
-              <a:rPr lang="en-US" dirty="0" smtClean="0"/>
-              <a:t>blob</a:t>
-            </a:r>
-            <a:endParaRPr lang="en-US" dirty="0"/>
-          </a:p>
-          <a:p>
-            <a:endParaRPr lang="en-US" dirty="0"/>
-          </a:p>
-        </p:txBody>
-      </p:sp>
-      <p:sp>
-        <p:nvSpPr>
-          <p:cNvPr id="4" name="Content Placeholder 3"/>
-          <p:cNvSpPr>
-            <a:spLocks noGrp="1"/>
-          </p:cNvSpPr>
-          <p:nvPr>
-            <p:ph idx="13"/>
-          </p:nvPr>
-        </p:nvSpPr>
-        <p:spPr/>
-        <p:txBody>
-          <a:bodyPr>
-            <a:normAutofit lnSpcReduction="10000"/>
+              <a:rPr lang="en-US" sz="2800" dirty="0" smtClean="0"/>
+              <a:t>Vision</a:t>
+            </a:r>
+            <a:endParaRPr lang="en-US" sz="2800" dirty="0"/>
+          </a:p>
+        </p:txBody>
+      </p:sp>
+      <p:sp>
+        <p:nvSpPr>
+          <p:cNvPr id="5" name="TextBox 4"/>
+          <p:cNvSpPr txBox="1"/>
+          <p:nvPr/>
+        </p:nvSpPr>
+        <p:spPr>
+          <a:xfrm>
+            <a:off x="1150434" y="2925029"/>
+            <a:ext cx="1330814" cy="523220"/>
+          </a:xfrm>
+          <a:prstGeom prst="rect">
+            <a:avLst/>
+          </a:prstGeom>
+          <a:noFill/>
+        </p:spPr>
+        <p:txBody>
+          <a:bodyPr wrap="none" rtlCol="0">
+            <a:spAutoFit/>
           </a:bodyPr>
           <a:lstStyle/>
           <a:p>
             <a:r>
-              <a:rPr lang="en-US" dirty="0" err="1"/>
-              <a:t>var</a:t>
-            </a:r>
-            <a:r>
-              <a:rPr lang="en-US" dirty="0"/>
-              <a:t> storage = require("azure-storage");</a:t>
-            </a:r>
-          </a:p>
-          <a:p>
-            <a:r>
-              <a:rPr lang="en-US" dirty="0" err="1"/>
-              <a:t>var</a:t>
-            </a:r>
-            <a:r>
-              <a:rPr lang="en-US" dirty="0"/>
-              <a:t> service =</a:t>
-            </a:r>
-          </a:p>
-          <a:p>
-            <a:r>
-              <a:rPr lang="en-US" dirty="0"/>
-              <a:t>    </a:t>
-            </a:r>
-            <a:r>
-              <a:rPr lang="en-US" dirty="0" err="1"/>
-              <a:t>storage.createBlobService</a:t>
-            </a:r>
-            <a:r>
-              <a:rPr lang="en-US" dirty="0"/>
-              <a:t>("</a:t>
-            </a:r>
-            <a:r>
-              <a:rPr lang="en-US" dirty="0" err="1"/>
-              <a:t>connection_string</a:t>
-            </a:r>
-            <a:r>
-              <a:rPr lang="en-US" dirty="0"/>
-              <a:t>");</a:t>
-            </a:r>
-          </a:p>
-          <a:p>
-            <a:endParaRPr lang="en-US" dirty="0" smtClean="0"/>
-          </a:p>
-          <a:p>
-            <a:r>
-              <a:rPr lang="en-US" dirty="0" err="1"/>
-              <a:t>var</a:t>
-            </a:r>
-            <a:r>
-              <a:rPr lang="en-US" dirty="0"/>
-              <a:t> metadata = {</a:t>
-            </a:r>
-          </a:p>
-          <a:p>
-            <a:r>
-              <a:rPr lang="en-US" dirty="0"/>
-              <a:t>    "Property1", </a:t>
-            </a:r>
-            <a:r>
-              <a:rPr lang="en-US" dirty="0" smtClean="0"/>
-              <a:t>"Value1",</a:t>
-            </a:r>
-            <a:endParaRPr lang="en-US" dirty="0"/>
-          </a:p>
-          <a:p>
-            <a:r>
-              <a:rPr lang="en-US" dirty="0" smtClean="0"/>
-              <a:t>    </a:t>
-            </a:r>
-            <a:r>
-              <a:rPr lang="en-US" dirty="0"/>
-              <a:t>"Property1", "</a:t>
-            </a:r>
-            <a:r>
-              <a:rPr lang="en-US" dirty="0" smtClean="0"/>
-              <a:t>Value2",</a:t>
-            </a:r>
-          </a:p>
-          <a:p>
-            <a:r>
-              <a:rPr lang="en-US" dirty="0"/>
-              <a:t> </a:t>
-            </a:r>
-            <a:r>
-              <a:rPr lang="en-US" dirty="0" smtClean="0"/>
-              <a:t>   "</a:t>
-            </a:r>
-            <a:r>
-              <a:rPr lang="en-US" dirty="0"/>
-              <a:t>Property1", "</a:t>
-            </a:r>
-            <a:r>
-              <a:rPr lang="en-US" dirty="0" smtClean="0"/>
-              <a:t>Value3"</a:t>
-            </a:r>
-          </a:p>
-          <a:p>
-            <a:r>
-              <a:rPr lang="en-US" dirty="0" smtClean="0"/>
-              <a:t>};</a:t>
-            </a:r>
-          </a:p>
-          <a:p>
-            <a:endParaRPr lang="en-US" dirty="0"/>
-          </a:p>
-          <a:p>
-            <a:r>
-              <a:rPr lang="en-US" dirty="0" err="1" smtClean="0"/>
-              <a:t>service.setBlobMetaData</a:t>
-            </a:r>
-            <a:r>
-              <a:rPr lang="en-US" dirty="0" smtClean="0"/>
-              <a:t>("</a:t>
-            </a:r>
-            <a:r>
-              <a:rPr lang="en-US" dirty="0" err="1" smtClean="0"/>
-              <a:t>container_name</a:t>
-            </a:r>
-            <a:r>
-              <a:rPr lang="en-US" dirty="0" smtClean="0"/>
-              <a:t>", "</a:t>
-            </a:r>
-            <a:r>
-              <a:rPr lang="en-US" dirty="0" err="1" smtClean="0"/>
-              <a:t>blob_name</a:t>
-            </a:r>
-            <a:r>
-              <a:rPr lang="en-US" dirty="0" smtClean="0"/>
-              <a:t>",</a:t>
-            </a:r>
-          </a:p>
-          <a:p>
-            <a:r>
-              <a:rPr lang="en-US" dirty="0"/>
-              <a:t> </a:t>
-            </a:r>
-            <a:r>
-              <a:rPr lang="en-US" dirty="0" smtClean="0"/>
-              <a:t>   metadata, function(error</a:t>
-            </a:r>
-            <a:r>
-              <a:rPr lang="en-US" dirty="0"/>
-              <a:t>, result, response) {</a:t>
-            </a:r>
-          </a:p>
-          <a:p>
-            <a:r>
-              <a:rPr lang="en-US" dirty="0" smtClean="0"/>
-              <a:t>    if </a:t>
-            </a:r>
-            <a:r>
-              <a:rPr lang="en-US" dirty="0"/>
-              <a:t>(!error) {</a:t>
-            </a:r>
-          </a:p>
-          <a:p>
-            <a:r>
-              <a:rPr lang="en-US" dirty="0" smtClean="0"/>
-              <a:t>        // Succeeded</a:t>
-            </a:r>
-          </a:p>
-          <a:p>
-            <a:r>
-              <a:rPr lang="en-US" dirty="0"/>
-              <a:t> </a:t>
-            </a:r>
-            <a:r>
-              <a:rPr lang="en-US" dirty="0" smtClean="0"/>
-              <a:t>   }</a:t>
-            </a:r>
-            <a:endParaRPr lang="en-US" dirty="0"/>
-          </a:p>
-          <a:p>
-            <a:r>
-              <a:rPr lang="en-US" dirty="0" smtClean="0"/>
-              <a:t>});</a:t>
-            </a:r>
-            <a:endParaRPr lang="en-US" dirty="0"/>
+              <a:rPr lang="en-US" sz="2800" dirty="0" smtClean="0"/>
+              <a:t>Speech</a:t>
+            </a:r>
+            <a:endParaRPr lang="en-US" sz="2800" dirty="0"/>
+          </a:p>
+        </p:txBody>
+      </p:sp>
+      <p:sp>
+        <p:nvSpPr>
+          <p:cNvPr id="6" name="TextBox 5"/>
+          <p:cNvSpPr txBox="1"/>
+          <p:nvPr/>
+        </p:nvSpPr>
+        <p:spPr>
+          <a:xfrm>
+            <a:off x="1150434" y="3739069"/>
+            <a:ext cx="1736373" cy="523220"/>
+          </a:xfrm>
+          <a:prstGeom prst="rect">
+            <a:avLst/>
+          </a:prstGeom>
+          <a:noFill/>
+        </p:spPr>
+        <p:txBody>
+          <a:bodyPr wrap="none" rtlCol="0">
+            <a:spAutoFit/>
+          </a:bodyPr>
+          <a:lstStyle/>
+          <a:p>
+            <a:r>
+              <a:rPr lang="en-US" sz="2800" dirty="0" smtClean="0"/>
+              <a:t>Language</a:t>
+            </a:r>
+            <a:endParaRPr lang="en-US" sz="2800" dirty="0"/>
+          </a:p>
+        </p:txBody>
+      </p:sp>
+      <p:sp>
+        <p:nvSpPr>
+          <p:cNvPr id="7" name="TextBox 6"/>
+          <p:cNvSpPr txBox="1"/>
+          <p:nvPr/>
+        </p:nvSpPr>
+        <p:spPr>
+          <a:xfrm>
+            <a:off x="1150434" y="4553109"/>
+            <a:ext cx="1951175" cy="523220"/>
+          </a:xfrm>
+          <a:prstGeom prst="rect">
+            <a:avLst/>
+          </a:prstGeom>
+          <a:noFill/>
+        </p:spPr>
+        <p:txBody>
+          <a:bodyPr wrap="none" rtlCol="0">
+            <a:spAutoFit/>
+          </a:bodyPr>
+          <a:lstStyle/>
+          <a:p>
+            <a:r>
+              <a:rPr lang="en-US" sz="2800" dirty="0" smtClean="0"/>
+              <a:t>Knowledge</a:t>
+            </a:r>
+            <a:endParaRPr lang="en-US" sz="2800" dirty="0"/>
+          </a:p>
+        </p:txBody>
+      </p:sp>
+      <p:sp>
+        <p:nvSpPr>
+          <p:cNvPr id="8" name="TextBox 7"/>
+          <p:cNvSpPr txBox="1"/>
+          <p:nvPr/>
+        </p:nvSpPr>
+        <p:spPr>
+          <a:xfrm>
+            <a:off x="1150434" y="5362850"/>
+            <a:ext cx="1234697" cy="523220"/>
+          </a:xfrm>
+          <a:prstGeom prst="rect">
+            <a:avLst/>
+          </a:prstGeom>
+          <a:noFill/>
+        </p:spPr>
+        <p:txBody>
+          <a:bodyPr wrap="none" rtlCol="0">
+            <a:spAutoFit/>
+          </a:bodyPr>
+          <a:lstStyle/>
+          <a:p>
+            <a:r>
+              <a:rPr lang="en-US" sz="2800" dirty="0" smtClean="0"/>
+              <a:t>Search</a:t>
+            </a:r>
+            <a:endParaRPr lang="en-US" sz="2800" dirty="0"/>
+          </a:p>
+        </p:txBody>
+      </p:sp>
+      <p:sp>
+        <p:nvSpPr>
+          <p:cNvPr id="9" name="Rectangle 8"/>
+          <p:cNvSpPr/>
+          <p:nvPr/>
+        </p:nvSpPr>
+        <p:spPr>
+          <a:xfrm>
+            <a:off x="3357838" y="2061599"/>
+            <a:ext cx="1392581" cy="629379"/>
+          </a:xfrm>
+          <a:prstGeom prst="rect">
+            <a:avLst/>
+          </a:prstGeom>
+          <a:solidFill>
+            <a:srgbClr val="5095D1"/>
+          </a:solidFill>
+          <a:ln>
+            <a:noFill/>
+          </a:ln>
+        </p:spPr>
+        <p:style>
+          <a:lnRef idx="2">
+            <a:schemeClr val="accent1">
+              <a:shade val="50000"/>
+            </a:schemeClr>
+          </a:lnRef>
+          <a:fillRef idx="1">
+            <a:schemeClr val="accent1"/>
+          </a:fillRef>
+          <a:effectRef idx="0">
+            <a:schemeClr val="accent1"/>
+          </a:effectRef>
+          <a:fontRef idx="minor">
+            <a:schemeClr val="lt1"/>
+          </a:fontRef>
+        </p:style>
+        <p:txBody>
+          <a:bodyPr rtlCol="0" anchor="ctr"/>
+          <a:lstStyle/>
+          <a:p>
+            <a:pPr algn="ctr"/>
+            <a:r>
+              <a:rPr lang="en-US" dirty="0" smtClean="0">
+                <a:solidFill>
+                  <a:schemeClr val="bg1"/>
+                </a:solidFill>
+              </a:rPr>
+              <a:t>Computer Vision</a:t>
+            </a:r>
+          </a:p>
+        </p:txBody>
+      </p:sp>
+      <p:sp>
+        <p:nvSpPr>
+          <p:cNvPr id="19" name="Rectangle 18"/>
+          <p:cNvSpPr/>
+          <p:nvPr/>
+        </p:nvSpPr>
+        <p:spPr>
+          <a:xfrm>
+            <a:off x="3357838" y="2871949"/>
+            <a:ext cx="1392581" cy="629379"/>
+          </a:xfrm>
+          <a:prstGeom prst="rect">
+            <a:avLst/>
+          </a:prstGeom>
+          <a:solidFill>
+            <a:srgbClr val="5095D1"/>
+          </a:solidFill>
+          <a:ln>
+            <a:noFill/>
+          </a:ln>
+        </p:spPr>
+        <p:style>
+          <a:lnRef idx="2">
+            <a:schemeClr val="accent1">
+              <a:shade val="50000"/>
+            </a:schemeClr>
+          </a:lnRef>
+          <a:fillRef idx="1">
+            <a:schemeClr val="accent1"/>
+          </a:fillRef>
+          <a:effectRef idx="0">
+            <a:schemeClr val="accent1"/>
+          </a:effectRef>
+          <a:fontRef idx="minor">
+            <a:schemeClr val="lt1"/>
+          </a:fontRef>
+        </p:style>
+        <p:txBody>
+          <a:bodyPr rtlCol="0" anchor="ctr"/>
+          <a:lstStyle/>
+          <a:p>
+            <a:pPr algn="ctr"/>
+            <a:r>
+              <a:rPr lang="en-US" dirty="0" smtClean="0">
+                <a:solidFill>
+                  <a:schemeClr val="bg1"/>
+                </a:solidFill>
+              </a:rPr>
+              <a:t>Bing Speech</a:t>
+            </a:r>
+          </a:p>
+        </p:txBody>
+      </p:sp>
+      <p:sp>
+        <p:nvSpPr>
+          <p:cNvPr id="24" name="Rectangle 23"/>
+          <p:cNvSpPr/>
+          <p:nvPr/>
+        </p:nvSpPr>
+        <p:spPr>
+          <a:xfrm>
+            <a:off x="3357838" y="3681690"/>
+            <a:ext cx="1392581" cy="629379"/>
+          </a:xfrm>
+          <a:prstGeom prst="rect">
+            <a:avLst/>
+          </a:prstGeom>
+          <a:solidFill>
+            <a:srgbClr val="5095D1"/>
+          </a:solidFill>
+          <a:ln>
+            <a:noFill/>
+          </a:ln>
+        </p:spPr>
+        <p:style>
+          <a:lnRef idx="2">
+            <a:schemeClr val="accent1">
+              <a:shade val="50000"/>
+            </a:schemeClr>
+          </a:lnRef>
+          <a:fillRef idx="1">
+            <a:schemeClr val="accent1"/>
+          </a:fillRef>
+          <a:effectRef idx="0">
+            <a:schemeClr val="accent1"/>
+          </a:effectRef>
+          <a:fontRef idx="minor">
+            <a:schemeClr val="lt1"/>
+          </a:fontRef>
+        </p:style>
+        <p:txBody>
+          <a:bodyPr rtlCol="0" anchor="ctr"/>
+          <a:lstStyle/>
+          <a:p>
+            <a:pPr algn="ctr"/>
+            <a:r>
+              <a:rPr lang="en-US" dirty="0" smtClean="0">
+                <a:solidFill>
+                  <a:schemeClr val="bg1"/>
+                </a:solidFill>
+              </a:rPr>
+              <a:t>Bing Spell Check</a:t>
+            </a:r>
+          </a:p>
+        </p:txBody>
+      </p:sp>
+      <p:sp>
+        <p:nvSpPr>
+          <p:cNvPr id="29" name="Rectangle 28"/>
+          <p:cNvSpPr/>
+          <p:nvPr/>
+        </p:nvSpPr>
+        <p:spPr>
+          <a:xfrm>
+            <a:off x="3357838" y="4500029"/>
+            <a:ext cx="1392581" cy="629379"/>
+          </a:xfrm>
+          <a:prstGeom prst="rect">
+            <a:avLst/>
+          </a:prstGeom>
+          <a:solidFill>
+            <a:srgbClr val="5095D1"/>
+          </a:solidFill>
+          <a:ln>
+            <a:noFill/>
+          </a:ln>
+        </p:spPr>
+        <p:style>
+          <a:lnRef idx="2">
+            <a:schemeClr val="accent1">
+              <a:shade val="50000"/>
+            </a:schemeClr>
+          </a:lnRef>
+          <a:fillRef idx="1">
+            <a:schemeClr val="accent1"/>
+          </a:fillRef>
+          <a:effectRef idx="0">
+            <a:schemeClr val="accent1"/>
+          </a:effectRef>
+          <a:fontRef idx="minor">
+            <a:schemeClr val="lt1"/>
+          </a:fontRef>
+        </p:style>
+        <p:txBody>
+          <a:bodyPr rtlCol="0" anchor="ctr"/>
+          <a:lstStyle/>
+          <a:p>
+            <a:pPr algn="ctr"/>
+            <a:r>
+              <a:rPr lang="en-US" dirty="0" smtClean="0">
+                <a:solidFill>
+                  <a:schemeClr val="bg1"/>
+                </a:solidFill>
+              </a:rPr>
+              <a:t>Academic Knowledge</a:t>
+            </a:r>
+          </a:p>
+        </p:txBody>
+      </p:sp>
+      <p:sp>
+        <p:nvSpPr>
+          <p:cNvPr id="34" name="Rectangle 33"/>
+          <p:cNvSpPr/>
+          <p:nvPr/>
+        </p:nvSpPr>
+        <p:spPr>
+          <a:xfrm>
+            <a:off x="3357838" y="5309770"/>
+            <a:ext cx="1392581" cy="629379"/>
+          </a:xfrm>
+          <a:prstGeom prst="rect">
+            <a:avLst/>
+          </a:prstGeom>
+          <a:solidFill>
+            <a:srgbClr val="5095D1"/>
+          </a:solidFill>
+          <a:ln>
+            <a:noFill/>
+          </a:ln>
+        </p:spPr>
+        <p:style>
+          <a:lnRef idx="2">
+            <a:schemeClr val="accent1">
+              <a:shade val="50000"/>
+            </a:schemeClr>
+          </a:lnRef>
+          <a:fillRef idx="1">
+            <a:schemeClr val="accent1"/>
+          </a:fillRef>
+          <a:effectRef idx="0">
+            <a:schemeClr val="accent1"/>
+          </a:effectRef>
+          <a:fontRef idx="minor">
+            <a:schemeClr val="lt1"/>
+          </a:fontRef>
+        </p:style>
+        <p:txBody>
+          <a:bodyPr rtlCol="0" anchor="ctr"/>
+          <a:lstStyle/>
+          <a:p>
+            <a:pPr algn="ctr"/>
+            <a:r>
+              <a:rPr lang="en-US" dirty="0" smtClean="0">
+                <a:solidFill>
+                  <a:schemeClr val="bg1"/>
+                </a:solidFill>
+              </a:rPr>
+              <a:t>Bing Auto-suggest</a:t>
+            </a:r>
+          </a:p>
+        </p:txBody>
+      </p:sp>
+      <p:sp>
+        <p:nvSpPr>
+          <p:cNvPr id="39" name="Rectangle 38"/>
+          <p:cNvSpPr/>
+          <p:nvPr/>
+        </p:nvSpPr>
+        <p:spPr>
+          <a:xfrm>
+            <a:off x="4874403" y="2061599"/>
+            <a:ext cx="1392581" cy="629379"/>
+          </a:xfrm>
+          <a:prstGeom prst="rect">
+            <a:avLst/>
+          </a:prstGeom>
+          <a:solidFill>
+            <a:srgbClr val="5095D1"/>
+          </a:solidFill>
+          <a:ln>
+            <a:noFill/>
+          </a:ln>
+        </p:spPr>
+        <p:style>
+          <a:lnRef idx="2">
+            <a:schemeClr val="accent1">
+              <a:shade val="50000"/>
+            </a:schemeClr>
+          </a:lnRef>
+          <a:fillRef idx="1">
+            <a:schemeClr val="accent1"/>
+          </a:fillRef>
+          <a:effectRef idx="0">
+            <a:schemeClr val="accent1"/>
+          </a:effectRef>
+          <a:fontRef idx="minor">
+            <a:schemeClr val="lt1"/>
+          </a:fontRef>
+        </p:style>
+        <p:txBody>
+          <a:bodyPr rtlCol="0" anchor="ctr"/>
+          <a:lstStyle/>
+          <a:p>
+            <a:pPr algn="ctr"/>
+            <a:r>
+              <a:rPr lang="en-US" dirty="0" smtClean="0">
+                <a:solidFill>
+                  <a:schemeClr val="bg1"/>
+                </a:solidFill>
+              </a:rPr>
+              <a:t>Emotion</a:t>
+            </a:r>
+          </a:p>
+        </p:txBody>
+      </p:sp>
+      <p:sp>
+        <p:nvSpPr>
+          <p:cNvPr id="40" name="Rectangle 39"/>
+          <p:cNvSpPr/>
+          <p:nvPr/>
+        </p:nvSpPr>
+        <p:spPr>
+          <a:xfrm>
+            <a:off x="4874403" y="2871949"/>
+            <a:ext cx="1392581" cy="629379"/>
+          </a:xfrm>
+          <a:prstGeom prst="rect">
+            <a:avLst/>
+          </a:prstGeom>
+          <a:solidFill>
+            <a:srgbClr val="5095D1"/>
+          </a:solidFill>
+          <a:ln>
+            <a:noFill/>
+          </a:ln>
+        </p:spPr>
+        <p:style>
+          <a:lnRef idx="2">
+            <a:schemeClr val="accent1">
+              <a:shade val="50000"/>
+            </a:schemeClr>
+          </a:lnRef>
+          <a:fillRef idx="1">
+            <a:schemeClr val="accent1"/>
+          </a:fillRef>
+          <a:effectRef idx="0">
+            <a:schemeClr val="accent1"/>
+          </a:effectRef>
+          <a:fontRef idx="minor">
+            <a:schemeClr val="lt1"/>
+          </a:fontRef>
+        </p:style>
+        <p:txBody>
+          <a:bodyPr rtlCol="0" anchor="ctr"/>
+          <a:lstStyle/>
+          <a:p>
+            <a:pPr algn="ctr"/>
+            <a:r>
+              <a:rPr lang="en-US" dirty="0">
+                <a:solidFill>
+                  <a:schemeClr val="bg1"/>
+                </a:solidFill>
+              </a:rPr>
+              <a:t>Custom Recognition</a:t>
+            </a:r>
+          </a:p>
+        </p:txBody>
+      </p:sp>
+      <p:sp>
+        <p:nvSpPr>
+          <p:cNvPr id="41" name="Rectangle 40"/>
+          <p:cNvSpPr/>
+          <p:nvPr/>
+        </p:nvSpPr>
+        <p:spPr>
+          <a:xfrm>
+            <a:off x="4874403" y="3681690"/>
+            <a:ext cx="1392581" cy="629379"/>
+          </a:xfrm>
+          <a:prstGeom prst="rect">
+            <a:avLst/>
+          </a:prstGeom>
+          <a:solidFill>
+            <a:srgbClr val="5095D1"/>
+          </a:solidFill>
+          <a:ln>
+            <a:noFill/>
+          </a:ln>
+        </p:spPr>
+        <p:style>
+          <a:lnRef idx="2">
+            <a:schemeClr val="accent1">
+              <a:shade val="50000"/>
+            </a:schemeClr>
+          </a:lnRef>
+          <a:fillRef idx="1">
+            <a:schemeClr val="accent1"/>
+          </a:fillRef>
+          <a:effectRef idx="0">
+            <a:schemeClr val="accent1"/>
+          </a:effectRef>
+          <a:fontRef idx="minor">
+            <a:schemeClr val="lt1"/>
+          </a:fontRef>
+        </p:style>
+        <p:txBody>
+          <a:bodyPr rtlCol="0" anchor="ctr"/>
+          <a:lstStyle/>
+          <a:p>
+            <a:pPr algn="ctr"/>
+            <a:r>
+              <a:rPr lang="en-US" sz="1400" dirty="0" smtClean="0">
+                <a:solidFill>
+                  <a:schemeClr val="bg1"/>
+                </a:solidFill>
+              </a:rPr>
+              <a:t>Language Understanding</a:t>
+            </a:r>
+          </a:p>
+        </p:txBody>
+      </p:sp>
+      <p:sp>
+        <p:nvSpPr>
+          <p:cNvPr id="42" name="Rectangle 41"/>
+          <p:cNvSpPr/>
+          <p:nvPr/>
+        </p:nvSpPr>
+        <p:spPr>
+          <a:xfrm>
+            <a:off x="4874403" y="4500029"/>
+            <a:ext cx="1392581" cy="629379"/>
+          </a:xfrm>
+          <a:prstGeom prst="rect">
+            <a:avLst/>
+          </a:prstGeom>
+          <a:solidFill>
+            <a:srgbClr val="5095D1"/>
+          </a:solidFill>
+          <a:ln>
+            <a:noFill/>
+          </a:ln>
+        </p:spPr>
+        <p:style>
+          <a:lnRef idx="2">
+            <a:schemeClr val="accent1">
+              <a:shade val="50000"/>
+            </a:schemeClr>
+          </a:lnRef>
+          <a:fillRef idx="1">
+            <a:schemeClr val="accent1"/>
+          </a:fillRef>
+          <a:effectRef idx="0">
+            <a:schemeClr val="accent1"/>
+          </a:effectRef>
+          <a:fontRef idx="minor">
+            <a:schemeClr val="lt1"/>
+          </a:fontRef>
+        </p:style>
+        <p:txBody>
+          <a:bodyPr rtlCol="0" anchor="ctr"/>
+          <a:lstStyle/>
+          <a:p>
+            <a:pPr algn="ctr"/>
+            <a:r>
+              <a:rPr lang="en-US" dirty="0" smtClean="0">
+                <a:solidFill>
+                  <a:schemeClr val="bg1"/>
+                </a:solidFill>
+              </a:rPr>
+              <a:t>Entity Linking</a:t>
+            </a:r>
+          </a:p>
+        </p:txBody>
+      </p:sp>
+      <p:sp>
+        <p:nvSpPr>
+          <p:cNvPr id="43" name="Rectangle 42"/>
+          <p:cNvSpPr/>
+          <p:nvPr/>
+        </p:nvSpPr>
+        <p:spPr>
+          <a:xfrm>
+            <a:off x="4874403" y="5309770"/>
+            <a:ext cx="1392581" cy="629379"/>
+          </a:xfrm>
+          <a:prstGeom prst="rect">
+            <a:avLst/>
+          </a:prstGeom>
+          <a:solidFill>
+            <a:srgbClr val="5095D1"/>
+          </a:solidFill>
+          <a:ln>
+            <a:noFill/>
+          </a:ln>
+        </p:spPr>
+        <p:style>
+          <a:lnRef idx="2">
+            <a:schemeClr val="accent1">
+              <a:shade val="50000"/>
+            </a:schemeClr>
+          </a:lnRef>
+          <a:fillRef idx="1">
+            <a:schemeClr val="accent1"/>
+          </a:fillRef>
+          <a:effectRef idx="0">
+            <a:schemeClr val="accent1"/>
+          </a:effectRef>
+          <a:fontRef idx="minor">
+            <a:schemeClr val="lt1"/>
+          </a:fontRef>
+        </p:style>
+        <p:txBody>
+          <a:bodyPr rtlCol="0" anchor="ctr"/>
+          <a:lstStyle/>
+          <a:p>
+            <a:pPr algn="ctr"/>
+            <a:r>
+              <a:rPr lang="en-US" dirty="0" smtClean="0">
+                <a:solidFill>
+                  <a:schemeClr val="bg1"/>
+                </a:solidFill>
+              </a:rPr>
+              <a:t>Bing Image Search</a:t>
+            </a:r>
+          </a:p>
+        </p:txBody>
+      </p:sp>
+      <p:sp>
+        <p:nvSpPr>
+          <p:cNvPr id="44" name="Rectangle 43"/>
+          <p:cNvSpPr/>
+          <p:nvPr/>
+        </p:nvSpPr>
+        <p:spPr>
+          <a:xfrm>
+            <a:off x="6390968" y="2061599"/>
+            <a:ext cx="1392581" cy="629379"/>
+          </a:xfrm>
+          <a:prstGeom prst="rect">
+            <a:avLst/>
+          </a:prstGeom>
+          <a:solidFill>
+            <a:srgbClr val="5095D1"/>
+          </a:solidFill>
+          <a:ln>
+            <a:noFill/>
+          </a:ln>
+        </p:spPr>
+        <p:style>
+          <a:lnRef idx="2">
+            <a:schemeClr val="accent1">
+              <a:shade val="50000"/>
+            </a:schemeClr>
+          </a:lnRef>
+          <a:fillRef idx="1">
+            <a:schemeClr val="accent1"/>
+          </a:fillRef>
+          <a:effectRef idx="0">
+            <a:schemeClr val="accent1"/>
+          </a:effectRef>
+          <a:fontRef idx="minor">
+            <a:schemeClr val="lt1"/>
+          </a:fontRef>
+        </p:style>
+        <p:txBody>
+          <a:bodyPr rtlCol="0" anchor="ctr"/>
+          <a:lstStyle/>
+          <a:p>
+            <a:pPr algn="ctr"/>
+            <a:r>
+              <a:rPr lang="en-US" dirty="0" smtClean="0">
+                <a:solidFill>
+                  <a:schemeClr val="bg1"/>
+                </a:solidFill>
+              </a:rPr>
+              <a:t>Face</a:t>
+            </a:r>
+          </a:p>
+        </p:txBody>
+      </p:sp>
+      <p:sp>
+        <p:nvSpPr>
+          <p:cNvPr id="45" name="Rectangle 44"/>
+          <p:cNvSpPr/>
+          <p:nvPr/>
+        </p:nvSpPr>
+        <p:spPr>
+          <a:xfrm>
+            <a:off x="6390968" y="2871949"/>
+            <a:ext cx="1392581" cy="629379"/>
+          </a:xfrm>
+          <a:prstGeom prst="rect">
+            <a:avLst/>
+          </a:prstGeom>
+          <a:solidFill>
+            <a:srgbClr val="5095D1"/>
+          </a:solidFill>
+          <a:ln>
+            <a:noFill/>
+          </a:ln>
+        </p:spPr>
+        <p:style>
+          <a:lnRef idx="2">
+            <a:schemeClr val="accent1">
+              <a:shade val="50000"/>
+            </a:schemeClr>
+          </a:lnRef>
+          <a:fillRef idx="1">
+            <a:schemeClr val="accent1"/>
+          </a:fillRef>
+          <a:effectRef idx="0">
+            <a:schemeClr val="accent1"/>
+          </a:effectRef>
+          <a:fontRef idx="minor">
+            <a:schemeClr val="lt1"/>
+          </a:fontRef>
+        </p:style>
+        <p:txBody>
+          <a:bodyPr rtlCol="0" anchor="ctr"/>
+          <a:lstStyle/>
+          <a:p>
+            <a:pPr algn="ctr"/>
+            <a:r>
+              <a:rPr lang="en-US" dirty="0" smtClean="0">
+                <a:solidFill>
+                  <a:schemeClr val="bg1"/>
+                </a:solidFill>
+              </a:rPr>
+              <a:t>Speaker Recognition</a:t>
+            </a:r>
+          </a:p>
+        </p:txBody>
+      </p:sp>
+      <p:sp>
+        <p:nvSpPr>
+          <p:cNvPr id="46" name="Rectangle 45"/>
+          <p:cNvSpPr/>
+          <p:nvPr/>
+        </p:nvSpPr>
+        <p:spPr>
+          <a:xfrm>
+            <a:off x="6390968" y="3681690"/>
+            <a:ext cx="1392581" cy="629379"/>
+          </a:xfrm>
+          <a:prstGeom prst="rect">
+            <a:avLst/>
+          </a:prstGeom>
+          <a:solidFill>
+            <a:srgbClr val="5095D1"/>
+          </a:solidFill>
+          <a:ln>
+            <a:noFill/>
+          </a:ln>
+        </p:spPr>
+        <p:style>
+          <a:lnRef idx="2">
+            <a:schemeClr val="accent1">
+              <a:shade val="50000"/>
+            </a:schemeClr>
+          </a:lnRef>
+          <a:fillRef idx="1">
+            <a:schemeClr val="accent1"/>
+          </a:fillRef>
+          <a:effectRef idx="0">
+            <a:schemeClr val="accent1"/>
+          </a:effectRef>
+          <a:fontRef idx="minor">
+            <a:schemeClr val="lt1"/>
+          </a:fontRef>
+        </p:style>
+        <p:txBody>
+          <a:bodyPr rtlCol="0" anchor="ctr"/>
+          <a:lstStyle/>
+          <a:p>
+            <a:pPr algn="ctr"/>
+            <a:r>
+              <a:rPr lang="en-US" dirty="0" smtClean="0">
+                <a:solidFill>
+                  <a:schemeClr val="bg1"/>
+                </a:solidFill>
+              </a:rPr>
+              <a:t>Linguistic Analysis</a:t>
+            </a:r>
+          </a:p>
+        </p:txBody>
+      </p:sp>
+      <p:sp>
+        <p:nvSpPr>
+          <p:cNvPr id="47" name="Rectangle 46"/>
+          <p:cNvSpPr/>
+          <p:nvPr/>
+        </p:nvSpPr>
+        <p:spPr>
+          <a:xfrm>
+            <a:off x="6390968" y="4500029"/>
+            <a:ext cx="1392581" cy="629379"/>
+          </a:xfrm>
+          <a:prstGeom prst="rect">
+            <a:avLst/>
+          </a:prstGeom>
+          <a:solidFill>
+            <a:srgbClr val="5095D1"/>
+          </a:solidFill>
+          <a:ln>
+            <a:noFill/>
+          </a:ln>
+        </p:spPr>
+        <p:style>
+          <a:lnRef idx="2">
+            <a:schemeClr val="accent1">
+              <a:shade val="50000"/>
+            </a:schemeClr>
+          </a:lnRef>
+          <a:fillRef idx="1">
+            <a:schemeClr val="accent1"/>
+          </a:fillRef>
+          <a:effectRef idx="0">
+            <a:schemeClr val="accent1"/>
+          </a:effectRef>
+          <a:fontRef idx="minor">
+            <a:schemeClr val="lt1"/>
+          </a:fontRef>
+        </p:style>
+        <p:txBody>
+          <a:bodyPr rtlCol="0" anchor="ctr"/>
+          <a:lstStyle/>
+          <a:p>
+            <a:pPr algn="ctr"/>
+            <a:r>
+              <a:rPr lang="en-US" dirty="0" smtClean="0">
+                <a:solidFill>
+                  <a:schemeClr val="bg1"/>
+                </a:solidFill>
+              </a:rPr>
+              <a:t>Knowledge Exploration</a:t>
+            </a:r>
+          </a:p>
+        </p:txBody>
+      </p:sp>
+      <p:sp>
+        <p:nvSpPr>
+          <p:cNvPr id="48" name="Rectangle 47"/>
+          <p:cNvSpPr/>
+          <p:nvPr/>
+        </p:nvSpPr>
+        <p:spPr>
+          <a:xfrm>
+            <a:off x="6390968" y="5309770"/>
+            <a:ext cx="1392581" cy="629379"/>
+          </a:xfrm>
+          <a:prstGeom prst="rect">
+            <a:avLst/>
+          </a:prstGeom>
+          <a:solidFill>
+            <a:srgbClr val="5095D1"/>
+          </a:solidFill>
+          <a:ln>
+            <a:noFill/>
+          </a:ln>
+        </p:spPr>
+        <p:style>
+          <a:lnRef idx="2">
+            <a:schemeClr val="accent1">
+              <a:shade val="50000"/>
+            </a:schemeClr>
+          </a:lnRef>
+          <a:fillRef idx="1">
+            <a:schemeClr val="accent1"/>
+          </a:fillRef>
+          <a:effectRef idx="0">
+            <a:schemeClr val="accent1"/>
+          </a:effectRef>
+          <a:fontRef idx="minor">
+            <a:schemeClr val="lt1"/>
+          </a:fontRef>
+        </p:style>
+        <p:txBody>
+          <a:bodyPr rtlCol="0" anchor="ctr"/>
+          <a:lstStyle/>
+          <a:p>
+            <a:pPr algn="ctr"/>
+            <a:r>
+              <a:rPr lang="en-US" dirty="0" smtClean="0">
+                <a:solidFill>
+                  <a:schemeClr val="bg1"/>
+                </a:solidFill>
+              </a:rPr>
+              <a:t>Bing News Search</a:t>
+            </a:r>
+          </a:p>
+        </p:txBody>
+      </p:sp>
+      <p:sp>
+        <p:nvSpPr>
+          <p:cNvPr id="49" name="Rectangle 48"/>
+          <p:cNvSpPr/>
+          <p:nvPr/>
+        </p:nvSpPr>
+        <p:spPr>
+          <a:xfrm>
+            <a:off x="7907533" y="2061599"/>
+            <a:ext cx="1392581" cy="629379"/>
+          </a:xfrm>
+          <a:prstGeom prst="rect">
+            <a:avLst/>
+          </a:prstGeom>
+          <a:solidFill>
+            <a:srgbClr val="5095D1"/>
+          </a:solidFill>
+          <a:ln>
+            <a:noFill/>
+          </a:ln>
+        </p:spPr>
+        <p:style>
+          <a:lnRef idx="2">
+            <a:schemeClr val="accent1">
+              <a:shade val="50000"/>
+            </a:schemeClr>
+          </a:lnRef>
+          <a:fillRef idx="1">
+            <a:schemeClr val="accent1"/>
+          </a:fillRef>
+          <a:effectRef idx="0">
+            <a:schemeClr val="accent1"/>
+          </a:effectRef>
+          <a:fontRef idx="minor">
+            <a:schemeClr val="lt1"/>
+          </a:fontRef>
+        </p:style>
+        <p:txBody>
+          <a:bodyPr rtlCol="0" anchor="ctr"/>
+          <a:lstStyle/>
+          <a:p>
+            <a:pPr algn="ctr"/>
+            <a:r>
+              <a:rPr lang="en-US" dirty="0" smtClean="0">
+                <a:solidFill>
+                  <a:schemeClr val="bg1"/>
+                </a:solidFill>
+              </a:rPr>
+              <a:t>Video</a:t>
+            </a:r>
+          </a:p>
+        </p:txBody>
+      </p:sp>
+      <p:sp>
+        <p:nvSpPr>
+          <p:cNvPr id="51" name="Rectangle 50"/>
+          <p:cNvSpPr/>
+          <p:nvPr/>
+        </p:nvSpPr>
+        <p:spPr>
+          <a:xfrm>
+            <a:off x="7907533" y="3681690"/>
+            <a:ext cx="1392581" cy="629379"/>
+          </a:xfrm>
+          <a:prstGeom prst="rect">
+            <a:avLst/>
+          </a:prstGeom>
+          <a:solidFill>
+            <a:srgbClr val="5095D1"/>
+          </a:solidFill>
+          <a:ln>
+            <a:noFill/>
+          </a:ln>
+        </p:spPr>
+        <p:style>
+          <a:lnRef idx="2">
+            <a:schemeClr val="accent1">
+              <a:shade val="50000"/>
+            </a:schemeClr>
+          </a:lnRef>
+          <a:fillRef idx="1">
+            <a:schemeClr val="accent1"/>
+          </a:fillRef>
+          <a:effectRef idx="0">
+            <a:schemeClr val="accent1"/>
+          </a:effectRef>
+          <a:fontRef idx="minor">
+            <a:schemeClr val="lt1"/>
+          </a:fontRef>
+        </p:style>
+        <p:txBody>
+          <a:bodyPr rtlCol="0" anchor="ctr"/>
+          <a:lstStyle/>
+          <a:p>
+            <a:pPr algn="ctr"/>
+            <a:r>
+              <a:rPr lang="en-US" dirty="0" smtClean="0">
+                <a:solidFill>
+                  <a:schemeClr val="bg1"/>
+                </a:solidFill>
+              </a:rPr>
+              <a:t>Text Analytics</a:t>
+            </a:r>
+          </a:p>
+        </p:txBody>
+      </p:sp>
+      <p:sp>
+        <p:nvSpPr>
+          <p:cNvPr id="52" name="Rectangle 51"/>
+          <p:cNvSpPr/>
+          <p:nvPr/>
+        </p:nvSpPr>
+        <p:spPr>
+          <a:xfrm>
+            <a:off x="7907533" y="4500029"/>
+            <a:ext cx="1392581" cy="629379"/>
+          </a:xfrm>
+          <a:prstGeom prst="rect">
+            <a:avLst/>
+          </a:prstGeom>
+          <a:solidFill>
+            <a:srgbClr val="5095D1"/>
+          </a:solidFill>
+          <a:ln>
+            <a:noFill/>
+          </a:ln>
+        </p:spPr>
+        <p:style>
+          <a:lnRef idx="2">
+            <a:schemeClr val="accent1">
+              <a:shade val="50000"/>
+            </a:schemeClr>
+          </a:lnRef>
+          <a:fillRef idx="1">
+            <a:schemeClr val="accent1"/>
+          </a:fillRef>
+          <a:effectRef idx="0">
+            <a:schemeClr val="accent1"/>
+          </a:effectRef>
+          <a:fontRef idx="minor">
+            <a:schemeClr val="lt1"/>
+          </a:fontRef>
+        </p:style>
+        <p:txBody>
+          <a:bodyPr rtlCol="0" anchor="ctr"/>
+          <a:lstStyle/>
+          <a:p>
+            <a:pPr algn="ctr"/>
+            <a:r>
+              <a:rPr lang="en-US" dirty="0" err="1" smtClean="0">
+                <a:solidFill>
+                  <a:schemeClr val="bg1"/>
+                </a:solidFill>
+              </a:rPr>
+              <a:t>Recom-mendations</a:t>
+            </a:r>
+            <a:endParaRPr lang="en-US" dirty="0" smtClean="0">
+              <a:solidFill>
+                <a:schemeClr val="bg1"/>
+              </a:solidFill>
+            </a:endParaRPr>
+          </a:p>
+        </p:txBody>
+      </p:sp>
+      <p:sp>
+        <p:nvSpPr>
+          <p:cNvPr id="53" name="Rectangle 52"/>
+          <p:cNvSpPr/>
+          <p:nvPr/>
+        </p:nvSpPr>
+        <p:spPr>
+          <a:xfrm>
+            <a:off x="7907533" y="5309770"/>
+            <a:ext cx="1392581" cy="629379"/>
+          </a:xfrm>
+          <a:prstGeom prst="rect">
+            <a:avLst/>
+          </a:prstGeom>
+          <a:solidFill>
+            <a:srgbClr val="5095D1"/>
+          </a:solidFill>
+          <a:ln>
+            <a:noFill/>
+          </a:ln>
+        </p:spPr>
+        <p:style>
+          <a:lnRef idx="2">
+            <a:schemeClr val="accent1">
+              <a:shade val="50000"/>
+            </a:schemeClr>
+          </a:lnRef>
+          <a:fillRef idx="1">
+            <a:schemeClr val="accent1"/>
+          </a:fillRef>
+          <a:effectRef idx="0">
+            <a:schemeClr val="accent1"/>
+          </a:effectRef>
+          <a:fontRef idx="minor">
+            <a:schemeClr val="lt1"/>
+          </a:fontRef>
+        </p:style>
+        <p:txBody>
+          <a:bodyPr rtlCol="0" anchor="ctr"/>
+          <a:lstStyle/>
+          <a:p>
+            <a:pPr algn="ctr"/>
+            <a:r>
+              <a:rPr lang="en-US" dirty="0" smtClean="0">
+                <a:solidFill>
+                  <a:schemeClr val="bg1"/>
+                </a:solidFill>
+              </a:rPr>
+              <a:t>Bing Video Search</a:t>
+            </a:r>
+          </a:p>
+        </p:txBody>
+      </p:sp>
+      <p:sp>
+        <p:nvSpPr>
+          <p:cNvPr id="56" name="Rectangle 55"/>
+          <p:cNvSpPr/>
+          <p:nvPr/>
+        </p:nvSpPr>
+        <p:spPr>
+          <a:xfrm>
+            <a:off x="9424098" y="3681690"/>
+            <a:ext cx="1392581" cy="629379"/>
+          </a:xfrm>
+          <a:prstGeom prst="rect">
+            <a:avLst/>
+          </a:prstGeom>
+          <a:solidFill>
+            <a:srgbClr val="5095D1"/>
+          </a:solidFill>
+          <a:ln>
+            <a:noFill/>
+          </a:ln>
+        </p:spPr>
+        <p:style>
+          <a:lnRef idx="2">
+            <a:schemeClr val="accent1">
+              <a:shade val="50000"/>
+            </a:schemeClr>
+          </a:lnRef>
+          <a:fillRef idx="1">
+            <a:schemeClr val="accent1"/>
+          </a:fillRef>
+          <a:effectRef idx="0">
+            <a:schemeClr val="accent1"/>
+          </a:effectRef>
+          <a:fontRef idx="minor">
+            <a:schemeClr val="lt1"/>
+          </a:fontRef>
+        </p:style>
+        <p:txBody>
+          <a:bodyPr rtlCol="0" anchor="ctr"/>
+          <a:lstStyle/>
+          <a:p>
+            <a:pPr algn="ctr"/>
+            <a:r>
+              <a:rPr lang="en-US" sz="1400" dirty="0" smtClean="0">
+                <a:solidFill>
+                  <a:schemeClr val="bg1"/>
+                </a:solidFill>
+              </a:rPr>
+              <a:t>Web Language Model</a:t>
+            </a:r>
+          </a:p>
+        </p:txBody>
+      </p:sp>
+      <p:sp>
+        <p:nvSpPr>
+          <p:cNvPr id="58" name="Rectangle 57"/>
+          <p:cNvSpPr/>
+          <p:nvPr/>
+        </p:nvSpPr>
+        <p:spPr>
+          <a:xfrm>
+            <a:off x="9424098" y="5309770"/>
+            <a:ext cx="1392581" cy="629379"/>
+          </a:xfrm>
+          <a:prstGeom prst="rect">
+            <a:avLst/>
+          </a:prstGeom>
+          <a:solidFill>
+            <a:srgbClr val="5095D1"/>
+          </a:solidFill>
+          <a:ln>
+            <a:noFill/>
+          </a:ln>
+        </p:spPr>
+        <p:style>
+          <a:lnRef idx="2">
+            <a:schemeClr val="accent1">
+              <a:shade val="50000"/>
+            </a:schemeClr>
+          </a:lnRef>
+          <a:fillRef idx="1">
+            <a:schemeClr val="accent1"/>
+          </a:fillRef>
+          <a:effectRef idx="0">
+            <a:schemeClr val="accent1"/>
+          </a:effectRef>
+          <a:fontRef idx="minor">
+            <a:schemeClr val="lt1"/>
+          </a:fontRef>
+        </p:style>
+        <p:txBody>
+          <a:bodyPr rtlCol="0" anchor="ctr"/>
+          <a:lstStyle/>
+          <a:p>
+            <a:pPr algn="ctr"/>
+            <a:r>
+              <a:rPr lang="en-US" dirty="0" smtClean="0">
+                <a:solidFill>
+                  <a:schemeClr val="bg1"/>
+                </a:solidFill>
+              </a:rPr>
+              <a:t>Bing Web Search</a:t>
+            </a:r>
           </a:p>
         </p:txBody>
       </p:sp>
     </p:spTree>
     <p:extLst>
       <p:ext uri="{BB962C8B-B14F-4D97-AF65-F5344CB8AC3E}">
-        <p14:creationId xmlns:p14="http://schemas.microsoft.com/office/powerpoint/2010/main" val="1337825353"/>
+        <p14:creationId xmlns:p14="http://schemas.microsoft.com/office/powerpoint/2010/main" val="288341233"/>
       </p:ext>
     </p:extLst>
   </p:cSld>
@@ -19776,1874 +21155,6 @@
         </p:nvSpPr>
         <p:spPr/>
         <p:txBody>
-          <a:bodyPr>
-            <a:normAutofit fontScale="90000"/>
-          </a:bodyPr>
-          <a:lstStyle/>
-          <a:p>
-            <a:r>
-              <a:rPr lang="en-US" dirty="0" smtClean="0"/>
-              <a:t>Reading Blob Metadata (</a:t>
-            </a:r>
-            <a:r>
-              <a:rPr lang="en-US" dirty="0"/>
-              <a:t>Node.js</a:t>
-            </a:r>
-            <a:r>
-              <a:rPr lang="en-US" dirty="0" smtClean="0"/>
-              <a:t>)</a:t>
-            </a:r>
-            <a:endParaRPr lang="en-US" dirty="0"/>
-          </a:p>
-        </p:txBody>
-      </p:sp>
-      <p:sp>
-        <p:nvSpPr>
-          <p:cNvPr id="3" name="Content Placeholder 2"/>
-          <p:cNvSpPr>
-            <a:spLocks noGrp="1"/>
-          </p:cNvSpPr>
-          <p:nvPr>
-            <p:ph sz="half" idx="1"/>
-          </p:nvPr>
-        </p:nvSpPr>
-        <p:spPr/>
-        <p:txBody>
-          <a:bodyPr/>
-          <a:lstStyle/>
-          <a:p>
-            <a:r>
-              <a:rPr lang="en-US" dirty="0"/>
-              <a:t>Read metadata properties named "Property1," "Property2," and "Property3" from a </a:t>
-            </a:r>
-            <a:r>
-              <a:rPr lang="en-US" dirty="0" smtClean="0"/>
-              <a:t>blob</a:t>
-            </a:r>
-            <a:endParaRPr lang="en-US" dirty="0"/>
-          </a:p>
-        </p:txBody>
-      </p:sp>
-      <p:sp>
-        <p:nvSpPr>
-          <p:cNvPr id="4" name="Content Placeholder 3"/>
-          <p:cNvSpPr>
-            <a:spLocks noGrp="1"/>
-          </p:cNvSpPr>
-          <p:nvPr>
-            <p:ph idx="13"/>
-          </p:nvPr>
-        </p:nvSpPr>
-        <p:spPr/>
-        <p:txBody>
-          <a:bodyPr/>
-          <a:lstStyle/>
-          <a:p>
-            <a:r>
-              <a:rPr lang="en-US" dirty="0" err="1"/>
-              <a:t>var</a:t>
-            </a:r>
-            <a:r>
-              <a:rPr lang="en-US" dirty="0"/>
-              <a:t> storage = require("azure-storage");</a:t>
-            </a:r>
-          </a:p>
-          <a:p>
-            <a:r>
-              <a:rPr lang="en-US" dirty="0" err="1"/>
-              <a:t>var</a:t>
-            </a:r>
-            <a:r>
-              <a:rPr lang="en-US" dirty="0"/>
-              <a:t> service =</a:t>
-            </a:r>
-          </a:p>
-          <a:p>
-            <a:r>
-              <a:rPr lang="en-US" dirty="0"/>
-              <a:t>    </a:t>
-            </a:r>
-            <a:r>
-              <a:rPr lang="en-US" dirty="0" err="1"/>
-              <a:t>storage.createBlobService</a:t>
-            </a:r>
-            <a:r>
-              <a:rPr lang="en-US" dirty="0"/>
-              <a:t>("</a:t>
-            </a:r>
-            <a:r>
-              <a:rPr lang="en-US" dirty="0" err="1"/>
-              <a:t>connection_string</a:t>
-            </a:r>
-            <a:r>
-              <a:rPr lang="en-US" dirty="0" smtClean="0"/>
-              <a:t>");</a:t>
-            </a:r>
-          </a:p>
-          <a:p>
-            <a:r>
-              <a:rPr lang="en-US" dirty="0" err="1" smtClean="0"/>
-              <a:t>var</a:t>
-            </a:r>
-            <a:r>
-              <a:rPr lang="en-US" dirty="0" smtClean="0"/>
-              <a:t> </a:t>
-            </a:r>
-            <a:r>
-              <a:rPr lang="en-US" dirty="0"/>
-              <a:t>options = {</a:t>
-            </a:r>
-          </a:p>
-          <a:p>
-            <a:r>
-              <a:rPr lang="en-US" dirty="0" smtClean="0"/>
-              <a:t>    </a:t>
-            </a:r>
-            <a:r>
-              <a:rPr lang="en-US" dirty="0" err="1"/>
-              <a:t>maxResults</a:t>
-            </a:r>
-            <a:r>
-              <a:rPr lang="en-US" dirty="0"/>
-              <a:t>: 5000,</a:t>
-            </a:r>
-          </a:p>
-          <a:p>
-            <a:r>
-              <a:rPr lang="en-US" dirty="0" smtClean="0"/>
-              <a:t>    </a:t>
-            </a:r>
-            <a:r>
-              <a:rPr lang="en-US" dirty="0"/>
-              <a:t>include: "metadata",</a:t>
-            </a:r>
-          </a:p>
-          <a:p>
-            <a:r>
-              <a:rPr lang="en-US" dirty="0" smtClean="0"/>
-              <a:t>};</a:t>
-            </a:r>
-          </a:p>
-          <a:p>
-            <a:endParaRPr lang="en-US" dirty="0"/>
-          </a:p>
-          <a:p>
-            <a:r>
-              <a:rPr lang="en-US" dirty="0" smtClean="0"/>
-              <a:t>// TODO: Add remaining code</a:t>
-            </a:r>
-          </a:p>
-          <a:p>
-            <a:endParaRPr lang="en-US" dirty="0"/>
-          </a:p>
-          <a:p>
-            <a:endParaRPr lang="en-US" dirty="0"/>
-          </a:p>
-          <a:p>
-            <a:endParaRPr lang="en-US" dirty="0"/>
-          </a:p>
-        </p:txBody>
-      </p:sp>
-    </p:spTree>
-    <p:extLst>
-      <p:ext uri="{BB962C8B-B14F-4D97-AF65-F5344CB8AC3E}">
-        <p14:creationId xmlns:p14="http://schemas.microsoft.com/office/powerpoint/2010/main" val="4126107999"/>
-      </p:ext>
-    </p:extLst>
-  </p:cSld>
-  <p:clrMapOvr>
-    <a:masterClrMapping/>
-  </p:clrMapOvr>
-</p:sld>
-</file>
-
-<file path=ppt/slides/slide21.xml><?xml version="1.0" encoding="utf-8"?>
-<p:sld xmlns:a="http://schemas.openxmlformats.org/drawingml/2006/main" xmlns:r="http://schemas.openxmlformats.org/officeDocument/2006/relationships" xmlns:p="http://schemas.openxmlformats.org/presentationml/2006/main">
-  <p:cSld>
-    <p:spTree>
-      <p:nvGrpSpPr>
-        <p:cNvPr id="1" name=""/>
-        <p:cNvGrpSpPr/>
-        <p:nvPr/>
-      </p:nvGrpSpPr>
-      <p:grpSpPr>
-        <a:xfrm>
-          <a:off x="0" y="0"/>
-          <a:ext cx="0" cy="0"/>
-          <a:chOff x="0" y="0"/>
-          <a:chExt cx="0" cy="0"/>
-        </a:xfrm>
-      </p:grpSpPr>
-      <p:sp>
-        <p:nvSpPr>
-          <p:cNvPr id="2" name="Title 1"/>
-          <p:cNvSpPr>
-            <a:spLocks noGrp="1"/>
-          </p:cNvSpPr>
-          <p:nvPr>
-            <p:ph type="title"/>
-          </p:nvPr>
-        </p:nvSpPr>
-        <p:spPr/>
-        <p:txBody>
-          <a:bodyPr>
-            <a:normAutofit fontScale="90000"/>
-          </a:bodyPr>
-          <a:lstStyle/>
-          <a:p>
-            <a:r>
-              <a:rPr lang="en-US" dirty="0" smtClean="0"/>
-              <a:t>Deleting a Blob (Node.js)</a:t>
-            </a:r>
-            <a:endParaRPr lang="en-US" dirty="0"/>
-          </a:p>
-        </p:txBody>
-      </p:sp>
-      <p:sp>
-        <p:nvSpPr>
-          <p:cNvPr id="3" name="Content Placeholder 2"/>
-          <p:cNvSpPr>
-            <a:spLocks noGrp="1"/>
-          </p:cNvSpPr>
-          <p:nvPr>
-            <p:ph sz="half" idx="1"/>
-          </p:nvPr>
-        </p:nvSpPr>
-        <p:spPr/>
-        <p:txBody>
-          <a:bodyPr/>
-          <a:lstStyle/>
-          <a:p>
-            <a:r>
-              <a:rPr lang="en-US" dirty="0"/>
-              <a:t>Get a reference to a specified blob in a specified container in a specified storage account</a:t>
-            </a:r>
-          </a:p>
-          <a:p>
-            <a:r>
-              <a:rPr lang="en-US" dirty="0"/>
-              <a:t>Delete the </a:t>
-            </a:r>
-            <a:r>
-              <a:rPr lang="en-US" dirty="0" smtClean="0"/>
-              <a:t>blob</a:t>
-            </a:r>
-            <a:endParaRPr lang="en-US" dirty="0"/>
-          </a:p>
-        </p:txBody>
-      </p:sp>
-      <p:sp>
-        <p:nvSpPr>
-          <p:cNvPr id="4" name="Content Placeholder 3"/>
-          <p:cNvSpPr>
-            <a:spLocks noGrp="1"/>
-          </p:cNvSpPr>
-          <p:nvPr>
-            <p:ph idx="13"/>
-          </p:nvPr>
-        </p:nvSpPr>
-        <p:spPr/>
-        <p:txBody>
-          <a:bodyPr/>
-          <a:lstStyle/>
-          <a:p>
-            <a:r>
-              <a:rPr lang="en-US" dirty="0" err="1"/>
-              <a:t>var</a:t>
-            </a:r>
-            <a:r>
-              <a:rPr lang="en-US" dirty="0"/>
-              <a:t> storage = require("azure-storage");</a:t>
-            </a:r>
-          </a:p>
-          <a:p>
-            <a:r>
-              <a:rPr lang="en-US" dirty="0" err="1"/>
-              <a:t>var</a:t>
-            </a:r>
-            <a:r>
-              <a:rPr lang="en-US" dirty="0"/>
-              <a:t> service =</a:t>
-            </a:r>
-          </a:p>
-          <a:p>
-            <a:r>
-              <a:rPr lang="en-US" dirty="0"/>
-              <a:t>    </a:t>
-            </a:r>
-            <a:r>
-              <a:rPr lang="en-US" dirty="0" err="1"/>
-              <a:t>storage.createBlobService</a:t>
-            </a:r>
-            <a:r>
-              <a:rPr lang="en-US" dirty="0"/>
-              <a:t>("</a:t>
-            </a:r>
-            <a:r>
-              <a:rPr lang="en-US" dirty="0" err="1"/>
-              <a:t>connection_string</a:t>
-            </a:r>
-            <a:r>
-              <a:rPr lang="en-US" dirty="0"/>
-              <a:t>");</a:t>
-            </a:r>
-          </a:p>
-          <a:p>
-            <a:r>
-              <a:rPr lang="en-US" dirty="0" err="1" smtClean="0"/>
-              <a:t>service.deleteBlob</a:t>
-            </a:r>
-            <a:r>
-              <a:rPr lang="en-US" dirty="0" smtClean="0"/>
-              <a:t>("</a:t>
-            </a:r>
-            <a:r>
-              <a:rPr lang="en-US" dirty="0" err="1" smtClean="0"/>
-              <a:t>container_name</a:t>
-            </a:r>
-            <a:r>
-              <a:rPr lang="en-US" dirty="0" smtClean="0"/>
-              <a:t>", "</a:t>
-            </a:r>
-            <a:r>
-              <a:rPr lang="en-US" dirty="0" err="1" smtClean="0"/>
-              <a:t>blob_name</a:t>
-            </a:r>
-            <a:r>
-              <a:rPr lang="en-US" dirty="0" smtClean="0"/>
-              <a:t>",</a:t>
-            </a:r>
-          </a:p>
-          <a:p>
-            <a:r>
-              <a:rPr lang="en-US" dirty="0"/>
-              <a:t> </a:t>
-            </a:r>
-            <a:r>
-              <a:rPr lang="en-US" dirty="0" smtClean="0"/>
-              <a:t>   function(error</a:t>
-            </a:r>
-            <a:r>
-              <a:rPr lang="en-US" dirty="0"/>
-              <a:t>, response</a:t>
-            </a:r>
-            <a:r>
-              <a:rPr lang="en-US" dirty="0" smtClean="0"/>
-              <a:t>) {</a:t>
-            </a:r>
-            <a:endParaRPr lang="en-US" dirty="0"/>
-          </a:p>
-          <a:p>
-            <a:r>
-              <a:rPr lang="en-US" dirty="0" smtClean="0"/>
-              <a:t>    if (!</a:t>
-            </a:r>
-            <a:r>
-              <a:rPr lang="en-US" dirty="0"/>
-              <a:t>error</a:t>
-            </a:r>
-            <a:r>
-              <a:rPr lang="en-US" dirty="0" smtClean="0"/>
-              <a:t>) {</a:t>
-            </a:r>
-            <a:endParaRPr lang="en-US" dirty="0"/>
-          </a:p>
-          <a:p>
-            <a:r>
-              <a:rPr lang="en-US" dirty="0" smtClean="0"/>
-              <a:t>        </a:t>
-            </a:r>
-            <a:r>
-              <a:rPr lang="en-US" dirty="0"/>
-              <a:t>// Blob </a:t>
-            </a:r>
-            <a:r>
-              <a:rPr lang="en-US" dirty="0" smtClean="0"/>
-              <a:t>deleted</a:t>
-            </a:r>
-            <a:endParaRPr lang="en-US" dirty="0"/>
-          </a:p>
-          <a:p>
-            <a:r>
-              <a:rPr lang="en-US" dirty="0" smtClean="0"/>
-              <a:t>    </a:t>
-            </a:r>
-            <a:r>
-              <a:rPr lang="en-US" dirty="0"/>
-              <a:t>}</a:t>
-            </a:r>
-          </a:p>
-          <a:p>
-            <a:r>
-              <a:rPr lang="en-US" dirty="0"/>
-              <a:t>});</a:t>
-            </a:r>
-          </a:p>
-        </p:txBody>
-      </p:sp>
-    </p:spTree>
-    <p:extLst>
-      <p:ext uri="{BB962C8B-B14F-4D97-AF65-F5344CB8AC3E}">
-        <p14:creationId xmlns:p14="http://schemas.microsoft.com/office/powerpoint/2010/main" val="1018055750"/>
-      </p:ext>
-    </p:extLst>
-  </p:cSld>
-  <p:clrMapOvr>
-    <a:masterClrMapping/>
-  </p:clrMapOvr>
-</p:sld>
-</file>
-
-<file path=ppt/slides/slide22.xml><?xml version="1.0" encoding="utf-8"?>
-<p:sld xmlns:a="http://schemas.openxmlformats.org/drawingml/2006/main" xmlns:r="http://schemas.openxmlformats.org/officeDocument/2006/relationships" xmlns:p="http://schemas.openxmlformats.org/presentationml/2006/main">
-  <p:cSld>
-    <p:spTree>
-      <p:nvGrpSpPr>
-        <p:cNvPr id="1" name=""/>
-        <p:cNvGrpSpPr/>
-        <p:nvPr/>
-      </p:nvGrpSpPr>
-      <p:grpSpPr>
-        <a:xfrm>
-          <a:off x="0" y="0"/>
-          <a:ext cx="0" cy="0"/>
-          <a:chOff x="0" y="0"/>
-          <a:chExt cx="0" cy="0"/>
-        </a:xfrm>
-      </p:grpSpPr>
-      <p:sp>
-        <p:nvSpPr>
-          <p:cNvPr id="2" name="Title 1"/>
-          <p:cNvSpPr>
-            <a:spLocks noGrp="1"/>
-          </p:cNvSpPr>
-          <p:nvPr>
-            <p:ph type="title"/>
-          </p:nvPr>
-        </p:nvSpPr>
-        <p:spPr/>
-        <p:txBody>
-          <a:bodyPr/>
-          <a:lstStyle/>
-          <a:p>
-            <a:r>
-              <a:rPr lang="en-US" dirty="0" smtClean="0"/>
-              <a:t>Microsoft Cognitive Services</a:t>
-            </a:r>
-            <a:endParaRPr lang="en-US" dirty="0"/>
-          </a:p>
-        </p:txBody>
-      </p:sp>
-      <p:sp>
-        <p:nvSpPr>
-          <p:cNvPr id="3" name="Content Placeholder 2"/>
-          <p:cNvSpPr>
-            <a:spLocks noGrp="1"/>
-          </p:cNvSpPr>
-          <p:nvPr>
-            <p:ph idx="1"/>
-          </p:nvPr>
-        </p:nvSpPr>
-        <p:spPr/>
-        <p:txBody>
-          <a:bodyPr/>
-          <a:lstStyle/>
-          <a:p>
-            <a:r>
-              <a:rPr lang="en-US" dirty="0" smtClean="0"/>
-              <a:t>Intelligence APIs for building intelligent apps</a:t>
-            </a:r>
-            <a:endParaRPr lang="en-US" dirty="0"/>
-          </a:p>
-        </p:txBody>
-      </p:sp>
-      <p:pic>
-        <p:nvPicPr>
-          <p:cNvPr id="4" name="Picture 3"/>
-          <p:cNvPicPr>
-            <a:picLocks noChangeAspect="1"/>
-          </p:cNvPicPr>
-          <p:nvPr/>
-        </p:nvPicPr>
-        <p:blipFill>
-          <a:blip r:embed="rId3"/>
-          <a:stretch>
-            <a:fillRect/>
-          </a:stretch>
-        </p:blipFill>
-        <p:spPr>
-          <a:xfrm>
-            <a:off x="381000" y="2521454"/>
-            <a:ext cx="11430000" cy="3933825"/>
-          </a:xfrm>
-          <a:prstGeom prst="rect">
-            <a:avLst/>
-          </a:prstGeom>
-        </p:spPr>
-      </p:pic>
-    </p:spTree>
-    <p:extLst>
-      <p:ext uri="{BB962C8B-B14F-4D97-AF65-F5344CB8AC3E}">
-        <p14:creationId xmlns:p14="http://schemas.microsoft.com/office/powerpoint/2010/main" val="1330345493"/>
-      </p:ext>
-    </p:extLst>
-  </p:cSld>
-  <p:clrMapOvr>
-    <a:masterClrMapping/>
-  </p:clrMapOvr>
-</p:sld>
-</file>
-
-<file path=ppt/slides/slide23.xml><?xml version="1.0" encoding="utf-8"?>
-<p:sld xmlns:a="http://schemas.openxmlformats.org/drawingml/2006/main" xmlns:r="http://schemas.openxmlformats.org/officeDocument/2006/relationships" xmlns:p="http://schemas.openxmlformats.org/presentationml/2006/main">
-  <p:cSld>
-    <p:spTree>
-      <p:nvGrpSpPr>
-        <p:cNvPr id="1" name=""/>
-        <p:cNvGrpSpPr/>
-        <p:nvPr/>
-      </p:nvGrpSpPr>
-      <p:grpSpPr>
-        <a:xfrm>
-          <a:off x="0" y="0"/>
-          <a:ext cx="0" cy="0"/>
-          <a:chOff x="0" y="0"/>
-          <a:chExt cx="0" cy="0"/>
-        </a:xfrm>
-      </p:grpSpPr>
-      <p:sp>
-        <p:nvSpPr>
-          <p:cNvPr id="2" name="Title 1"/>
-          <p:cNvSpPr>
-            <a:spLocks noGrp="1"/>
-          </p:cNvSpPr>
-          <p:nvPr>
-            <p:ph type="title"/>
-          </p:nvPr>
-        </p:nvSpPr>
-        <p:spPr/>
-        <p:txBody>
-          <a:bodyPr/>
-          <a:lstStyle/>
-          <a:p>
-            <a:r>
-              <a:rPr lang="en-US" dirty="0" smtClean="0"/>
-              <a:t>Cognitive Services APIs</a:t>
-            </a:r>
-            <a:endParaRPr lang="en-US" dirty="0"/>
-          </a:p>
-        </p:txBody>
-      </p:sp>
-      <p:sp>
-        <p:nvSpPr>
-          <p:cNvPr id="4" name="TextBox 3"/>
-          <p:cNvSpPr txBox="1"/>
-          <p:nvPr/>
-        </p:nvSpPr>
-        <p:spPr>
-          <a:xfrm>
-            <a:off x="1150434" y="2110989"/>
-            <a:ext cx="1146468" cy="523220"/>
-          </a:xfrm>
-          <a:prstGeom prst="rect">
-            <a:avLst/>
-          </a:prstGeom>
-          <a:noFill/>
-        </p:spPr>
-        <p:txBody>
-          <a:bodyPr wrap="none" rtlCol="0">
-            <a:spAutoFit/>
-          </a:bodyPr>
-          <a:lstStyle/>
-          <a:p>
-            <a:r>
-              <a:rPr lang="en-US" sz="2800" dirty="0" smtClean="0"/>
-              <a:t>Vision</a:t>
-            </a:r>
-            <a:endParaRPr lang="en-US" sz="2800" dirty="0"/>
-          </a:p>
-        </p:txBody>
-      </p:sp>
-      <p:sp>
-        <p:nvSpPr>
-          <p:cNvPr id="5" name="TextBox 4"/>
-          <p:cNvSpPr txBox="1"/>
-          <p:nvPr/>
-        </p:nvSpPr>
-        <p:spPr>
-          <a:xfrm>
-            <a:off x="1150434" y="2925029"/>
-            <a:ext cx="1330814" cy="523220"/>
-          </a:xfrm>
-          <a:prstGeom prst="rect">
-            <a:avLst/>
-          </a:prstGeom>
-          <a:noFill/>
-        </p:spPr>
-        <p:txBody>
-          <a:bodyPr wrap="none" rtlCol="0">
-            <a:spAutoFit/>
-          </a:bodyPr>
-          <a:lstStyle/>
-          <a:p>
-            <a:r>
-              <a:rPr lang="en-US" sz="2800" dirty="0" smtClean="0"/>
-              <a:t>Speech</a:t>
-            </a:r>
-            <a:endParaRPr lang="en-US" sz="2800" dirty="0"/>
-          </a:p>
-        </p:txBody>
-      </p:sp>
-      <p:sp>
-        <p:nvSpPr>
-          <p:cNvPr id="6" name="TextBox 5"/>
-          <p:cNvSpPr txBox="1"/>
-          <p:nvPr/>
-        </p:nvSpPr>
-        <p:spPr>
-          <a:xfrm>
-            <a:off x="1150434" y="3739069"/>
-            <a:ext cx="1736373" cy="523220"/>
-          </a:xfrm>
-          <a:prstGeom prst="rect">
-            <a:avLst/>
-          </a:prstGeom>
-          <a:noFill/>
-        </p:spPr>
-        <p:txBody>
-          <a:bodyPr wrap="none" rtlCol="0">
-            <a:spAutoFit/>
-          </a:bodyPr>
-          <a:lstStyle/>
-          <a:p>
-            <a:r>
-              <a:rPr lang="en-US" sz="2800" dirty="0" smtClean="0"/>
-              <a:t>Language</a:t>
-            </a:r>
-            <a:endParaRPr lang="en-US" sz="2800" dirty="0"/>
-          </a:p>
-        </p:txBody>
-      </p:sp>
-      <p:sp>
-        <p:nvSpPr>
-          <p:cNvPr id="7" name="TextBox 6"/>
-          <p:cNvSpPr txBox="1"/>
-          <p:nvPr/>
-        </p:nvSpPr>
-        <p:spPr>
-          <a:xfrm>
-            <a:off x="1150434" y="4553109"/>
-            <a:ext cx="1951175" cy="523220"/>
-          </a:xfrm>
-          <a:prstGeom prst="rect">
-            <a:avLst/>
-          </a:prstGeom>
-          <a:noFill/>
-        </p:spPr>
-        <p:txBody>
-          <a:bodyPr wrap="none" rtlCol="0">
-            <a:spAutoFit/>
-          </a:bodyPr>
-          <a:lstStyle/>
-          <a:p>
-            <a:r>
-              <a:rPr lang="en-US" sz="2800" dirty="0" smtClean="0"/>
-              <a:t>Knowledge</a:t>
-            </a:r>
-            <a:endParaRPr lang="en-US" sz="2800" dirty="0"/>
-          </a:p>
-        </p:txBody>
-      </p:sp>
-      <p:sp>
-        <p:nvSpPr>
-          <p:cNvPr id="8" name="TextBox 7"/>
-          <p:cNvSpPr txBox="1"/>
-          <p:nvPr/>
-        </p:nvSpPr>
-        <p:spPr>
-          <a:xfrm>
-            <a:off x="1150434" y="5362850"/>
-            <a:ext cx="1234697" cy="523220"/>
-          </a:xfrm>
-          <a:prstGeom prst="rect">
-            <a:avLst/>
-          </a:prstGeom>
-          <a:noFill/>
-        </p:spPr>
-        <p:txBody>
-          <a:bodyPr wrap="none" rtlCol="0">
-            <a:spAutoFit/>
-          </a:bodyPr>
-          <a:lstStyle/>
-          <a:p>
-            <a:r>
-              <a:rPr lang="en-US" sz="2800" dirty="0" smtClean="0"/>
-              <a:t>Search</a:t>
-            </a:r>
-            <a:endParaRPr lang="en-US" sz="2800" dirty="0"/>
-          </a:p>
-        </p:txBody>
-      </p:sp>
-      <p:sp>
-        <p:nvSpPr>
-          <p:cNvPr id="9" name="Rectangle 8"/>
-          <p:cNvSpPr/>
-          <p:nvPr/>
-        </p:nvSpPr>
-        <p:spPr>
-          <a:xfrm>
-            <a:off x="3357838" y="2061599"/>
-            <a:ext cx="1392581" cy="629379"/>
-          </a:xfrm>
-          <a:prstGeom prst="rect">
-            <a:avLst/>
-          </a:prstGeom>
-          <a:solidFill>
-            <a:srgbClr val="5095D1"/>
-          </a:solidFill>
-          <a:ln>
-            <a:noFill/>
-          </a:ln>
-        </p:spPr>
-        <p:style>
-          <a:lnRef idx="2">
-            <a:schemeClr val="accent1">
-              <a:shade val="50000"/>
-            </a:schemeClr>
-          </a:lnRef>
-          <a:fillRef idx="1">
-            <a:schemeClr val="accent1"/>
-          </a:fillRef>
-          <a:effectRef idx="0">
-            <a:schemeClr val="accent1"/>
-          </a:effectRef>
-          <a:fontRef idx="minor">
-            <a:schemeClr val="lt1"/>
-          </a:fontRef>
-        </p:style>
-        <p:txBody>
-          <a:bodyPr rtlCol="0" anchor="ctr"/>
-          <a:lstStyle/>
-          <a:p>
-            <a:pPr algn="ctr"/>
-            <a:r>
-              <a:rPr lang="en-US" dirty="0" smtClean="0">
-                <a:solidFill>
-                  <a:schemeClr val="bg1"/>
-                </a:solidFill>
-              </a:rPr>
-              <a:t>Computer Vision</a:t>
-            </a:r>
-          </a:p>
-        </p:txBody>
-      </p:sp>
-      <p:sp>
-        <p:nvSpPr>
-          <p:cNvPr id="19" name="Rectangle 18"/>
-          <p:cNvSpPr/>
-          <p:nvPr/>
-        </p:nvSpPr>
-        <p:spPr>
-          <a:xfrm>
-            <a:off x="3357838" y="2871949"/>
-            <a:ext cx="1392581" cy="629379"/>
-          </a:xfrm>
-          <a:prstGeom prst="rect">
-            <a:avLst/>
-          </a:prstGeom>
-          <a:solidFill>
-            <a:srgbClr val="5095D1"/>
-          </a:solidFill>
-          <a:ln>
-            <a:noFill/>
-          </a:ln>
-        </p:spPr>
-        <p:style>
-          <a:lnRef idx="2">
-            <a:schemeClr val="accent1">
-              <a:shade val="50000"/>
-            </a:schemeClr>
-          </a:lnRef>
-          <a:fillRef idx="1">
-            <a:schemeClr val="accent1"/>
-          </a:fillRef>
-          <a:effectRef idx="0">
-            <a:schemeClr val="accent1"/>
-          </a:effectRef>
-          <a:fontRef idx="minor">
-            <a:schemeClr val="lt1"/>
-          </a:fontRef>
-        </p:style>
-        <p:txBody>
-          <a:bodyPr rtlCol="0" anchor="ctr"/>
-          <a:lstStyle/>
-          <a:p>
-            <a:pPr algn="ctr"/>
-            <a:r>
-              <a:rPr lang="en-US" dirty="0" smtClean="0">
-                <a:solidFill>
-                  <a:schemeClr val="bg1"/>
-                </a:solidFill>
-              </a:rPr>
-              <a:t>Bing Speech</a:t>
-            </a:r>
-          </a:p>
-        </p:txBody>
-      </p:sp>
-      <p:sp>
-        <p:nvSpPr>
-          <p:cNvPr id="24" name="Rectangle 23"/>
-          <p:cNvSpPr/>
-          <p:nvPr/>
-        </p:nvSpPr>
-        <p:spPr>
-          <a:xfrm>
-            <a:off x="3357838" y="3681690"/>
-            <a:ext cx="1392581" cy="629379"/>
-          </a:xfrm>
-          <a:prstGeom prst="rect">
-            <a:avLst/>
-          </a:prstGeom>
-          <a:solidFill>
-            <a:srgbClr val="5095D1"/>
-          </a:solidFill>
-          <a:ln>
-            <a:noFill/>
-          </a:ln>
-        </p:spPr>
-        <p:style>
-          <a:lnRef idx="2">
-            <a:schemeClr val="accent1">
-              <a:shade val="50000"/>
-            </a:schemeClr>
-          </a:lnRef>
-          <a:fillRef idx="1">
-            <a:schemeClr val="accent1"/>
-          </a:fillRef>
-          <a:effectRef idx="0">
-            <a:schemeClr val="accent1"/>
-          </a:effectRef>
-          <a:fontRef idx="minor">
-            <a:schemeClr val="lt1"/>
-          </a:fontRef>
-        </p:style>
-        <p:txBody>
-          <a:bodyPr rtlCol="0" anchor="ctr"/>
-          <a:lstStyle/>
-          <a:p>
-            <a:pPr algn="ctr"/>
-            <a:r>
-              <a:rPr lang="en-US" dirty="0" smtClean="0">
-                <a:solidFill>
-                  <a:schemeClr val="bg1"/>
-                </a:solidFill>
-              </a:rPr>
-              <a:t>Bing Spell Check</a:t>
-            </a:r>
-          </a:p>
-        </p:txBody>
-      </p:sp>
-      <p:sp>
-        <p:nvSpPr>
-          <p:cNvPr id="29" name="Rectangle 28"/>
-          <p:cNvSpPr/>
-          <p:nvPr/>
-        </p:nvSpPr>
-        <p:spPr>
-          <a:xfrm>
-            <a:off x="3357838" y="4500029"/>
-            <a:ext cx="1392581" cy="629379"/>
-          </a:xfrm>
-          <a:prstGeom prst="rect">
-            <a:avLst/>
-          </a:prstGeom>
-          <a:solidFill>
-            <a:srgbClr val="5095D1"/>
-          </a:solidFill>
-          <a:ln>
-            <a:noFill/>
-          </a:ln>
-        </p:spPr>
-        <p:style>
-          <a:lnRef idx="2">
-            <a:schemeClr val="accent1">
-              <a:shade val="50000"/>
-            </a:schemeClr>
-          </a:lnRef>
-          <a:fillRef idx="1">
-            <a:schemeClr val="accent1"/>
-          </a:fillRef>
-          <a:effectRef idx="0">
-            <a:schemeClr val="accent1"/>
-          </a:effectRef>
-          <a:fontRef idx="minor">
-            <a:schemeClr val="lt1"/>
-          </a:fontRef>
-        </p:style>
-        <p:txBody>
-          <a:bodyPr rtlCol="0" anchor="ctr"/>
-          <a:lstStyle/>
-          <a:p>
-            <a:pPr algn="ctr"/>
-            <a:r>
-              <a:rPr lang="en-US" dirty="0" smtClean="0">
-                <a:solidFill>
-                  <a:schemeClr val="bg1"/>
-                </a:solidFill>
-              </a:rPr>
-              <a:t>Academic Knowledge</a:t>
-            </a:r>
-          </a:p>
-        </p:txBody>
-      </p:sp>
-      <p:sp>
-        <p:nvSpPr>
-          <p:cNvPr id="34" name="Rectangle 33"/>
-          <p:cNvSpPr/>
-          <p:nvPr/>
-        </p:nvSpPr>
-        <p:spPr>
-          <a:xfrm>
-            <a:off x="3357838" y="5309770"/>
-            <a:ext cx="1392581" cy="629379"/>
-          </a:xfrm>
-          <a:prstGeom prst="rect">
-            <a:avLst/>
-          </a:prstGeom>
-          <a:solidFill>
-            <a:srgbClr val="5095D1"/>
-          </a:solidFill>
-          <a:ln>
-            <a:noFill/>
-          </a:ln>
-        </p:spPr>
-        <p:style>
-          <a:lnRef idx="2">
-            <a:schemeClr val="accent1">
-              <a:shade val="50000"/>
-            </a:schemeClr>
-          </a:lnRef>
-          <a:fillRef idx="1">
-            <a:schemeClr val="accent1"/>
-          </a:fillRef>
-          <a:effectRef idx="0">
-            <a:schemeClr val="accent1"/>
-          </a:effectRef>
-          <a:fontRef idx="minor">
-            <a:schemeClr val="lt1"/>
-          </a:fontRef>
-        </p:style>
-        <p:txBody>
-          <a:bodyPr rtlCol="0" anchor="ctr"/>
-          <a:lstStyle/>
-          <a:p>
-            <a:pPr algn="ctr"/>
-            <a:r>
-              <a:rPr lang="en-US" dirty="0" smtClean="0">
-                <a:solidFill>
-                  <a:schemeClr val="bg1"/>
-                </a:solidFill>
-              </a:rPr>
-              <a:t>Bing Auto-suggest</a:t>
-            </a:r>
-          </a:p>
-        </p:txBody>
-      </p:sp>
-      <p:sp>
-        <p:nvSpPr>
-          <p:cNvPr id="39" name="Rectangle 38"/>
-          <p:cNvSpPr/>
-          <p:nvPr/>
-        </p:nvSpPr>
-        <p:spPr>
-          <a:xfrm>
-            <a:off x="4874403" y="2061599"/>
-            <a:ext cx="1392581" cy="629379"/>
-          </a:xfrm>
-          <a:prstGeom prst="rect">
-            <a:avLst/>
-          </a:prstGeom>
-          <a:solidFill>
-            <a:srgbClr val="5095D1"/>
-          </a:solidFill>
-          <a:ln>
-            <a:noFill/>
-          </a:ln>
-        </p:spPr>
-        <p:style>
-          <a:lnRef idx="2">
-            <a:schemeClr val="accent1">
-              <a:shade val="50000"/>
-            </a:schemeClr>
-          </a:lnRef>
-          <a:fillRef idx="1">
-            <a:schemeClr val="accent1"/>
-          </a:fillRef>
-          <a:effectRef idx="0">
-            <a:schemeClr val="accent1"/>
-          </a:effectRef>
-          <a:fontRef idx="minor">
-            <a:schemeClr val="lt1"/>
-          </a:fontRef>
-        </p:style>
-        <p:txBody>
-          <a:bodyPr rtlCol="0" anchor="ctr"/>
-          <a:lstStyle/>
-          <a:p>
-            <a:pPr algn="ctr"/>
-            <a:r>
-              <a:rPr lang="en-US" dirty="0" smtClean="0">
-                <a:solidFill>
-                  <a:schemeClr val="bg1"/>
-                </a:solidFill>
-              </a:rPr>
-              <a:t>Emotion</a:t>
-            </a:r>
-          </a:p>
-        </p:txBody>
-      </p:sp>
-      <p:sp>
-        <p:nvSpPr>
-          <p:cNvPr id="40" name="Rectangle 39"/>
-          <p:cNvSpPr/>
-          <p:nvPr/>
-        </p:nvSpPr>
-        <p:spPr>
-          <a:xfrm>
-            <a:off x="4874403" y="2871949"/>
-            <a:ext cx="1392581" cy="629379"/>
-          </a:xfrm>
-          <a:prstGeom prst="rect">
-            <a:avLst/>
-          </a:prstGeom>
-          <a:solidFill>
-            <a:srgbClr val="5095D1"/>
-          </a:solidFill>
-          <a:ln>
-            <a:noFill/>
-          </a:ln>
-        </p:spPr>
-        <p:style>
-          <a:lnRef idx="2">
-            <a:schemeClr val="accent1">
-              <a:shade val="50000"/>
-            </a:schemeClr>
-          </a:lnRef>
-          <a:fillRef idx="1">
-            <a:schemeClr val="accent1"/>
-          </a:fillRef>
-          <a:effectRef idx="0">
-            <a:schemeClr val="accent1"/>
-          </a:effectRef>
-          <a:fontRef idx="minor">
-            <a:schemeClr val="lt1"/>
-          </a:fontRef>
-        </p:style>
-        <p:txBody>
-          <a:bodyPr rtlCol="0" anchor="ctr"/>
-          <a:lstStyle/>
-          <a:p>
-            <a:pPr algn="ctr"/>
-            <a:r>
-              <a:rPr lang="en-US" dirty="0">
-                <a:solidFill>
-                  <a:schemeClr val="bg1"/>
-                </a:solidFill>
-              </a:rPr>
-              <a:t>Custom Recognition</a:t>
-            </a:r>
-          </a:p>
-        </p:txBody>
-      </p:sp>
-      <p:sp>
-        <p:nvSpPr>
-          <p:cNvPr id="41" name="Rectangle 40"/>
-          <p:cNvSpPr/>
-          <p:nvPr/>
-        </p:nvSpPr>
-        <p:spPr>
-          <a:xfrm>
-            <a:off x="4874403" y="3681690"/>
-            <a:ext cx="1392581" cy="629379"/>
-          </a:xfrm>
-          <a:prstGeom prst="rect">
-            <a:avLst/>
-          </a:prstGeom>
-          <a:solidFill>
-            <a:srgbClr val="5095D1"/>
-          </a:solidFill>
-          <a:ln>
-            <a:noFill/>
-          </a:ln>
-        </p:spPr>
-        <p:style>
-          <a:lnRef idx="2">
-            <a:schemeClr val="accent1">
-              <a:shade val="50000"/>
-            </a:schemeClr>
-          </a:lnRef>
-          <a:fillRef idx="1">
-            <a:schemeClr val="accent1"/>
-          </a:fillRef>
-          <a:effectRef idx="0">
-            <a:schemeClr val="accent1"/>
-          </a:effectRef>
-          <a:fontRef idx="minor">
-            <a:schemeClr val="lt1"/>
-          </a:fontRef>
-        </p:style>
-        <p:txBody>
-          <a:bodyPr rtlCol="0" anchor="ctr"/>
-          <a:lstStyle/>
-          <a:p>
-            <a:pPr algn="ctr"/>
-            <a:r>
-              <a:rPr lang="en-US" sz="1400" dirty="0" smtClean="0">
-                <a:solidFill>
-                  <a:schemeClr val="bg1"/>
-                </a:solidFill>
-              </a:rPr>
-              <a:t>Language Understanding</a:t>
-            </a:r>
-          </a:p>
-        </p:txBody>
-      </p:sp>
-      <p:sp>
-        <p:nvSpPr>
-          <p:cNvPr id="42" name="Rectangle 41"/>
-          <p:cNvSpPr/>
-          <p:nvPr/>
-        </p:nvSpPr>
-        <p:spPr>
-          <a:xfrm>
-            <a:off x="4874403" y="4500029"/>
-            <a:ext cx="1392581" cy="629379"/>
-          </a:xfrm>
-          <a:prstGeom prst="rect">
-            <a:avLst/>
-          </a:prstGeom>
-          <a:solidFill>
-            <a:srgbClr val="5095D1"/>
-          </a:solidFill>
-          <a:ln>
-            <a:noFill/>
-          </a:ln>
-        </p:spPr>
-        <p:style>
-          <a:lnRef idx="2">
-            <a:schemeClr val="accent1">
-              <a:shade val="50000"/>
-            </a:schemeClr>
-          </a:lnRef>
-          <a:fillRef idx="1">
-            <a:schemeClr val="accent1"/>
-          </a:fillRef>
-          <a:effectRef idx="0">
-            <a:schemeClr val="accent1"/>
-          </a:effectRef>
-          <a:fontRef idx="minor">
-            <a:schemeClr val="lt1"/>
-          </a:fontRef>
-        </p:style>
-        <p:txBody>
-          <a:bodyPr rtlCol="0" anchor="ctr"/>
-          <a:lstStyle/>
-          <a:p>
-            <a:pPr algn="ctr"/>
-            <a:r>
-              <a:rPr lang="en-US" dirty="0" smtClean="0">
-                <a:solidFill>
-                  <a:schemeClr val="bg1"/>
-                </a:solidFill>
-              </a:rPr>
-              <a:t>Entity Linking</a:t>
-            </a:r>
-          </a:p>
-        </p:txBody>
-      </p:sp>
-      <p:sp>
-        <p:nvSpPr>
-          <p:cNvPr id="43" name="Rectangle 42"/>
-          <p:cNvSpPr/>
-          <p:nvPr/>
-        </p:nvSpPr>
-        <p:spPr>
-          <a:xfrm>
-            <a:off x="4874403" y="5309770"/>
-            <a:ext cx="1392581" cy="629379"/>
-          </a:xfrm>
-          <a:prstGeom prst="rect">
-            <a:avLst/>
-          </a:prstGeom>
-          <a:solidFill>
-            <a:srgbClr val="5095D1"/>
-          </a:solidFill>
-          <a:ln>
-            <a:noFill/>
-          </a:ln>
-        </p:spPr>
-        <p:style>
-          <a:lnRef idx="2">
-            <a:schemeClr val="accent1">
-              <a:shade val="50000"/>
-            </a:schemeClr>
-          </a:lnRef>
-          <a:fillRef idx="1">
-            <a:schemeClr val="accent1"/>
-          </a:fillRef>
-          <a:effectRef idx="0">
-            <a:schemeClr val="accent1"/>
-          </a:effectRef>
-          <a:fontRef idx="minor">
-            <a:schemeClr val="lt1"/>
-          </a:fontRef>
-        </p:style>
-        <p:txBody>
-          <a:bodyPr rtlCol="0" anchor="ctr"/>
-          <a:lstStyle/>
-          <a:p>
-            <a:pPr algn="ctr"/>
-            <a:r>
-              <a:rPr lang="en-US" dirty="0" smtClean="0">
-                <a:solidFill>
-                  <a:schemeClr val="bg1"/>
-                </a:solidFill>
-              </a:rPr>
-              <a:t>Bing Image Search</a:t>
-            </a:r>
-          </a:p>
-        </p:txBody>
-      </p:sp>
-      <p:sp>
-        <p:nvSpPr>
-          <p:cNvPr id="44" name="Rectangle 43"/>
-          <p:cNvSpPr/>
-          <p:nvPr/>
-        </p:nvSpPr>
-        <p:spPr>
-          <a:xfrm>
-            <a:off x="6390968" y="2061599"/>
-            <a:ext cx="1392581" cy="629379"/>
-          </a:xfrm>
-          <a:prstGeom prst="rect">
-            <a:avLst/>
-          </a:prstGeom>
-          <a:solidFill>
-            <a:srgbClr val="5095D1"/>
-          </a:solidFill>
-          <a:ln>
-            <a:noFill/>
-          </a:ln>
-        </p:spPr>
-        <p:style>
-          <a:lnRef idx="2">
-            <a:schemeClr val="accent1">
-              <a:shade val="50000"/>
-            </a:schemeClr>
-          </a:lnRef>
-          <a:fillRef idx="1">
-            <a:schemeClr val="accent1"/>
-          </a:fillRef>
-          <a:effectRef idx="0">
-            <a:schemeClr val="accent1"/>
-          </a:effectRef>
-          <a:fontRef idx="minor">
-            <a:schemeClr val="lt1"/>
-          </a:fontRef>
-        </p:style>
-        <p:txBody>
-          <a:bodyPr rtlCol="0" anchor="ctr"/>
-          <a:lstStyle/>
-          <a:p>
-            <a:pPr algn="ctr"/>
-            <a:r>
-              <a:rPr lang="en-US" dirty="0" smtClean="0">
-                <a:solidFill>
-                  <a:schemeClr val="bg1"/>
-                </a:solidFill>
-              </a:rPr>
-              <a:t>Face</a:t>
-            </a:r>
-          </a:p>
-        </p:txBody>
-      </p:sp>
-      <p:sp>
-        <p:nvSpPr>
-          <p:cNvPr id="45" name="Rectangle 44"/>
-          <p:cNvSpPr/>
-          <p:nvPr/>
-        </p:nvSpPr>
-        <p:spPr>
-          <a:xfrm>
-            <a:off x="6390968" y="2871949"/>
-            <a:ext cx="1392581" cy="629379"/>
-          </a:xfrm>
-          <a:prstGeom prst="rect">
-            <a:avLst/>
-          </a:prstGeom>
-          <a:solidFill>
-            <a:srgbClr val="5095D1"/>
-          </a:solidFill>
-          <a:ln>
-            <a:noFill/>
-          </a:ln>
-        </p:spPr>
-        <p:style>
-          <a:lnRef idx="2">
-            <a:schemeClr val="accent1">
-              <a:shade val="50000"/>
-            </a:schemeClr>
-          </a:lnRef>
-          <a:fillRef idx="1">
-            <a:schemeClr val="accent1"/>
-          </a:fillRef>
-          <a:effectRef idx="0">
-            <a:schemeClr val="accent1"/>
-          </a:effectRef>
-          <a:fontRef idx="minor">
-            <a:schemeClr val="lt1"/>
-          </a:fontRef>
-        </p:style>
-        <p:txBody>
-          <a:bodyPr rtlCol="0" anchor="ctr"/>
-          <a:lstStyle/>
-          <a:p>
-            <a:pPr algn="ctr"/>
-            <a:r>
-              <a:rPr lang="en-US" dirty="0" smtClean="0">
-                <a:solidFill>
-                  <a:schemeClr val="bg1"/>
-                </a:solidFill>
-              </a:rPr>
-              <a:t>Speaker Recognition</a:t>
-            </a:r>
-          </a:p>
-        </p:txBody>
-      </p:sp>
-      <p:sp>
-        <p:nvSpPr>
-          <p:cNvPr id="46" name="Rectangle 45"/>
-          <p:cNvSpPr/>
-          <p:nvPr/>
-        </p:nvSpPr>
-        <p:spPr>
-          <a:xfrm>
-            <a:off x="6390968" y="3681690"/>
-            <a:ext cx="1392581" cy="629379"/>
-          </a:xfrm>
-          <a:prstGeom prst="rect">
-            <a:avLst/>
-          </a:prstGeom>
-          <a:solidFill>
-            <a:srgbClr val="5095D1"/>
-          </a:solidFill>
-          <a:ln>
-            <a:noFill/>
-          </a:ln>
-        </p:spPr>
-        <p:style>
-          <a:lnRef idx="2">
-            <a:schemeClr val="accent1">
-              <a:shade val="50000"/>
-            </a:schemeClr>
-          </a:lnRef>
-          <a:fillRef idx="1">
-            <a:schemeClr val="accent1"/>
-          </a:fillRef>
-          <a:effectRef idx="0">
-            <a:schemeClr val="accent1"/>
-          </a:effectRef>
-          <a:fontRef idx="minor">
-            <a:schemeClr val="lt1"/>
-          </a:fontRef>
-        </p:style>
-        <p:txBody>
-          <a:bodyPr rtlCol="0" anchor="ctr"/>
-          <a:lstStyle/>
-          <a:p>
-            <a:pPr algn="ctr"/>
-            <a:r>
-              <a:rPr lang="en-US" dirty="0" smtClean="0">
-                <a:solidFill>
-                  <a:schemeClr val="bg1"/>
-                </a:solidFill>
-              </a:rPr>
-              <a:t>Linguistic Analysis</a:t>
-            </a:r>
-          </a:p>
-        </p:txBody>
-      </p:sp>
-      <p:sp>
-        <p:nvSpPr>
-          <p:cNvPr id="47" name="Rectangle 46"/>
-          <p:cNvSpPr/>
-          <p:nvPr/>
-        </p:nvSpPr>
-        <p:spPr>
-          <a:xfrm>
-            <a:off x="6390968" y="4500029"/>
-            <a:ext cx="1392581" cy="629379"/>
-          </a:xfrm>
-          <a:prstGeom prst="rect">
-            <a:avLst/>
-          </a:prstGeom>
-          <a:solidFill>
-            <a:srgbClr val="5095D1"/>
-          </a:solidFill>
-          <a:ln>
-            <a:noFill/>
-          </a:ln>
-        </p:spPr>
-        <p:style>
-          <a:lnRef idx="2">
-            <a:schemeClr val="accent1">
-              <a:shade val="50000"/>
-            </a:schemeClr>
-          </a:lnRef>
-          <a:fillRef idx="1">
-            <a:schemeClr val="accent1"/>
-          </a:fillRef>
-          <a:effectRef idx="0">
-            <a:schemeClr val="accent1"/>
-          </a:effectRef>
-          <a:fontRef idx="minor">
-            <a:schemeClr val="lt1"/>
-          </a:fontRef>
-        </p:style>
-        <p:txBody>
-          <a:bodyPr rtlCol="0" anchor="ctr"/>
-          <a:lstStyle/>
-          <a:p>
-            <a:pPr algn="ctr"/>
-            <a:r>
-              <a:rPr lang="en-US" dirty="0" smtClean="0">
-                <a:solidFill>
-                  <a:schemeClr val="bg1"/>
-                </a:solidFill>
-              </a:rPr>
-              <a:t>Knowledge Exploration</a:t>
-            </a:r>
-          </a:p>
-        </p:txBody>
-      </p:sp>
-      <p:sp>
-        <p:nvSpPr>
-          <p:cNvPr id="48" name="Rectangle 47"/>
-          <p:cNvSpPr/>
-          <p:nvPr/>
-        </p:nvSpPr>
-        <p:spPr>
-          <a:xfrm>
-            <a:off x="6390968" y="5309770"/>
-            <a:ext cx="1392581" cy="629379"/>
-          </a:xfrm>
-          <a:prstGeom prst="rect">
-            <a:avLst/>
-          </a:prstGeom>
-          <a:solidFill>
-            <a:srgbClr val="5095D1"/>
-          </a:solidFill>
-          <a:ln>
-            <a:noFill/>
-          </a:ln>
-        </p:spPr>
-        <p:style>
-          <a:lnRef idx="2">
-            <a:schemeClr val="accent1">
-              <a:shade val="50000"/>
-            </a:schemeClr>
-          </a:lnRef>
-          <a:fillRef idx="1">
-            <a:schemeClr val="accent1"/>
-          </a:fillRef>
-          <a:effectRef idx="0">
-            <a:schemeClr val="accent1"/>
-          </a:effectRef>
-          <a:fontRef idx="minor">
-            <a:schemeClr val="lt1"/>
-          </a:fontRef>
-        </p:style>
-        <p:txBody>
-          <a:bodyPr rtlCol="0" anchor="ctr"/>
-          <a:lstStyle/>
-          <a:p>
-            <a:pPr algn="ctr"/>
-            <a:r>
-              <a:rPr lang="en-US" dirty="0" smtClean="0">
-                <a:solidFill>
-                  <a:schemeClr val="bg1"/>
-                </a:solidFill>
-              </a:rPr>
-              <a:t>Bing News Search</a:t>
-            </a:r>
-          </a:p>
-        </p:txBody>
-      </p:sp>
-      <p:sp>
-        <p:nvSpPr>
-          <p:cNvPr id="49" name="Rectangle 48"/>
-          <p:cNvSpPr/>
-          <p:nvPr/>
-        </p:nvSpPr>
-        <p:spPr>
-          <a:xfrm>
-            <a:off x="7907533" y="2061599"/>
-            <a:ext cx="1392581" cy="629379"/>
-          </a:xfrm>
-          <a:prstGeom prst="rect">
-            <a:avLst/>
-          </a:prstGeom>
-          <a:solidFill>
-            <a:srgbClr val="5095D1"/>
-          </a:solidFill>
-          <a:ln>
-            <a:noFill/>
-          </a:ln>
-        </p:spPr>
-        <p:style>
-          <a:lnRef idx="2">
-            <a:schemeClr val="accent1">
-              <a:shade val="50000"/>
-            </a:schemeClr>
-          </a:lnRef>
-          <a:fillRef idx="1">
-            <a:schemeClr val="accent1"/>
-          </a:fillRef>
-          <a:effectRef idx="0">
-            <a:schemeClr val="accent1"/>
-          </a:effectRef>
-          <a:fontRef idx="minor">
-            <a:schemeClr val="lt1"/>
-          </a:fontRef>
-        </p:style>
-        <p:txBody>
-          <a:bodyPr rtlCol="0" anchor="ctr"/>
-          <a:lstStyle/>
-          <a:p>
-            <a:pPr algn="ctr"/>
-            <a:r>
-              <a:rPr lang="en-US" dirty="0" smtClean="0">
-                <a:solidFill>
-                  <a:schemeClr val="bg1"/>
-                </a:solidFill>
-              </a:rPr>
-              <a:t>Video</a:t>
-            </a:r>
-          </a:p>
-        </p:txBody>
-      </p:sp>
-      <p:sp>
-        <p:nvSpPr>
-          <p:cNvPr id="51" name="Rectangle 50"/>
-          <p:cNvSpPr/>
-          <p:nvPr/>
-        </p:nvSpPr>
-        <p:spPr>
-          <a:xfrm>
-            <a:off x="7907533" y="3681690"/>
-            <a:ext cx="1392581" cy="629379"/>
-          </a:xfrm>
-          <a:prstGeom prst="rect">
-            <a:avLst/>
-          </a:prstGeom>
-          <a:solidFill>
-            <a:srgbClr val="5095D1"/>
-          </a:solidFill>
-          <a:ln>
-            <a:noFill/>
-          </a:ln>
-        </p:spPr>
-        <p:style>
-          <a:lnRef idx="2">
-            <a:schemeClr val="accent1">
-              <a:shade val="50000"/>
-            </a:schemeClr>
-          </a:lnRef>
-          <a:fillRef idx="1">
-            <a:schemeClr val="accent1"/>
-          </a:fillRef>
-          <a:effectRef idx="0">
-            <a:schemeClr val="accent1"/>
-          </a:effectRef>
-          <a:fontRef idx="minor">
-            <a:schemeClr val="lt1"/>
-          </a:fontRef>
-        </p:style>
-        <p:txBody>
-          <a:bodyPr rtlCol="0" anchor="ctr"/>
-          <a:lstStyle/>
-          <a:p>
-            <a:pPr algn="ctr"/>
-            <a:r>
-              <a:rPr lang="en-US" dirty="0" smtClean="0">
-                <a:solidFill>
-                  <a:schemeClr val="bg1"/>
-                </a:solidFill>
-              </a:rPr>
-              <a:t>Text Analytics</a:t>
-            </a:r>
-          </a:p>
-        </p:txBody>
-      </p:sp>
-      <p:sp>
-        <p:nvSpPr>
-          <p:cNvPr id="52" name="Rectangle 51"/>
-          <p:cNvSpPr/>
-          <p:nvPr/>
-        </p:nvSpPr>
-        <p:spPr>
-          <a:xfrm>
-            <a:off x="7907533" y="4500029"/>
-            <a:ext cx="1392581" cy="629379"/>
-          </a:xfrm>
-          <a:prstGeom prst="rect">
-            <a:avLst/>
-          </a:prstGeom>
-          <a:solidFill>
-            <a:srgbClr val="5095D1"/>
-          </a:solidFill>
-          <a:ln>
-            <a:noFill/>
-          </a:ln>
-        </p:spPr>
-        <p:style>
-          <a:lnRef idx="2">
-            <a:schemeClr val="accent1">
-              <a:shade val="50000"/>
-            </a:schemeClr>
-          </a:lnRef>
-          <a:fillRef idx="1">
-            <a:schemeClr val="accent1"/>
-          </a:fillRef>
-          <a:effectRef idx="0">
-            <a:schemeClr val="accent1"/>
-          </a:effectRef>
-          <a:fontRef idx="minor">
-            <a:schemeClr val="lt1"/>
-          </a:fontRef>
-        </p:style>
-        <p:txBody>
-          <a:bodyPr rtlCol="0" anchor="ctr"/>
-          <a:lstStyle/>
-          <a:p>
-            <a:pPr algn="ctr"/>
-            <a:r>
-              <a:rPr lang="en-US" dirty="0" err="1" smtClean="0">
-                <a:solidFill>
-                  <a:schemeClr val="bg1"/>
-                </a:solidFill>
-              </a:rPr>
-              <a:t>Recom-mendations</a:t>
-            </a:r>
-            <a:endParaRPr lang="en-US" dirty="0" smtClean="0">
-              <a:solidFill>
-                <a:schemeClr val="bg1"/>
-              </a:solidFill>
-            </a:endParaRPr>
-          </a:p>
-        </p:txBody>
-      </p:sp>
-      <p:sp>
-        <p:nvSpPr>
-          <p:cNvPr id="53" name="Rectangle 52"/>
-          <p:cNvSpPr/>
-          <p:nvPr/>
-        </p:nvSpPr>
-        <p:spPr>
-          <a:xfrm>
-            <a:off x="7907533" y="5309770"/>
-            <a:ext cx="1392581" cy="629379"/>
-          </a:xfrm>
-          <a:prstGeom prst="rect">
-            <a:avLst/>
-          </a:prstGeom>
-          <a:solidFill>
-            <a:srgbClr val="5095D1"/>
-          </a:solidFill>
-          <a:ln>
-            <a:noFill/>
-          </a:ln>
-        </p:spPr>
-        <p:style>
-          <a:lnRef idx="2">
-            <a:schemeClr val="accent1">
-              <a:shade val="50000"/>
-            </a:schemeClr>
-          </a:lnRef>
-          <a:fillRef idx="1">
-            <a:schemeClr val="accent1"/>
-          </a:fillRef>
-          <a:effectRef idx="0">
-            <a:schemeClr val="accent1"/>
-          </a:effectRef>
-          <a:fontRef idx="minor">
-            <a:schemeClr val="lt1"/>
-          </a:fontRef>
-        </p:style>
-        <p:txBody>
-          <a:bodyPr rtlCol="0" anchor="ctr"/>
-          <a:lstStyle/>
-          <a:p>
-            <a:pPr algn="ctr"/>
-            <a:r>
-              <a:rPr lang="en-US" dirty="0" smtClean="0">
-                <a:solidFill>
-                  <a:schemeClr val="bg1"/>
-                </a:solidFill>
-              </a:rPr>
-              <a:t>Bing Video Search</a:t>
-            </a:r>
-          </a:p>
-        </p:txBody>
-      </p:sp>
-      <p:sp>
-        <p:nvSpPr>
-          <p:cNvPr id="56" name="Rectangle 55"/>
-          <p:cNvSpPr/>
-          <p:nvPr/>
-        </p:nvSpPr>
-        <p:spPr>
-          <a:xfrm>
-            <a:off x="9424098" y="3681690"/>
-            <a:ext cx="1392581" cy="629379"/>
-          </a:xfrm>
-          <a:prstGeom prst="rect">
-            <a:avLst/>
-          </a:prstGeom>
-          <a:solidFill>
-            <a:srgbClr val="5095D1"/>
-          </a:solidFill>
-          <a:ln>
-            <a:noFill/>
-          </a:ln>
-        </p:spPr>
-        <p:style>
-          <a:lnRef idx="2">
-            <a:schemeClr val="accent1">
-              <a:shade val="50000"/>
-            </a:schemeClr>
-          </a:lnRef>
-          <a:fillRef idx="1">
-            <a:schemeClr val="accent1"/>
-          </a:fillRef>
-          <a:effectRef idx="0">
-            <a:schemeClr val="accent1"/>
-          </a:effectRef>
-          <a:fontRef idx="minor">
-            <a:schemeClr val="lt1"/>
-          </a:fontRef>
-        </p:style>
-        <p:txBody>
-          <a:bodyPr rtlCol="0" anchor="ctr"/>
-          <a:lstStyle/>
-          <a:p>
-            <a:pPr algn="ctr"/>
-            <a:r>
-              <a:rPr lang="en-US" sz="1400" dirty="0" smtClean="0">
-                <a:solidFill>
-                  <a:schemeClr val="bg1"/>
-                </a:solidFill>
-              </a:rPr>
-              <a:t>Web Language Model</a:t>
-            </a:r>
-          </a:p>
-        </p:txBody>
-      </p:sp>
-      <p:sp>
-        <p:nvSpPr>
-          <p:cNvPr id="58" name="Rectangle 57"/>
-          <p:cNvSpPr/>
-          <p:nvPr/>
-        </p:nvSpPr>
-        <p:spPr>
-          <a:xfrm>
-            <a:off x="9424098" y="5309770"/>
-            <a:ext cx="1392581" cy="629379"/>
-          </a:xfrm>
-          <a:prstGeom prst="rect">
-            <a:avLst/>
-          </a:prstGeom>
-          <a:solidFill>
-            <a:srgbClr val="5095D1"/>
-          </a:solidFill>
-          <a:ln>
-            <a:noFill/>
-          </a:ln>
-        </p:spPr>
-        <p:style>
-          <a:lnRef idx="2">
-            <a:schemeClr val="accent1">
-              <a:shade val="50000"/>
-            </a:schemeClr>
-          </a:lnRef>
-          <a:fillRef idx="1">
-            <a:schemeClr val="accent1"/>
-          </a:fillRef>
-          <a:effectRef idx="0">
-            <a:schemeClr val="accent1"/>
-          </a:effectRef>
-          <a:fontRef idx="minor">
-            <a:schemeClr val="lt1"/>
-          </a:fontRef>
-        </p:style>
-        <p:txBody>
-          <a:bodyPr rtlCol="0" anchor="ctr"/>
-          <a:lstStyle/>
-          <a:p>
-            <a:pPr algn="ctr"/>
-            <a:r>
-              <a:rPr lang="en-US" dirty="0" smtClean="0">
-                <a:solidFill>
-                  <a:schemeClr val="bg1"/>
-                </a:solidFill>
-              </a:rPr>
-              <a:t>Bing Web Search</a:t>
-            </a:r>
-          </a:p>
-        </p:txBody>
-      </p:sp>
-    </p:spTree>
-    <p:extLst>
-      <p:ext uri="{BB962C8B-B14F-4D97-AF65-F5344CB8AC3E}">
-        <p14:creationId xmlns:p14="http://schemas.microsoft.com/office/powerpoint/2010/main" val="288341233"/>
-      </p:ext>
-    </p:extLst>
-  </p:cSld>
-  <p:clrMapOvr>
-    <a:masterClrMapping/>
-  </p:clrMapOvr>
-</p:sld>
-</file>
-
-<file path=ppt/slides/slide24.xml><?xml version="1.0" encoding="utf-8"?>
-<p:sld xmlns:a="http://schemas.openxmlformats.org/drawingml/2006/main" xmlns:r="http://schemas.openxmlformats.org/officeDocument/2006/relationships" xmlns:p="http://schemas.openxmlformats.org/presentationml/2006/main">
-  <p:cSld>
-    <p:spTree>
-      <p:nvGrpSpPr>
-        <p:cNvPr id="1" name=""/>
-        <p:cNvGrpSpPr/>
-        <p:nvPr/>
-      </p:nvGrpSpPr>
-      <p:grpSpPr>
-        <a:xfrm>
-          <a:off x="0" y="0"/>
-          <a:ext cx="0" cy="0"/>
-          <a:chOff x="0" y="0"/>
-          <a:chExt cx="0" cy="0"/>
-        </a:xfrm>
-      </p:grpSpPr>
-      <p:sp>
-        <p:nvSpPr>
-          <p:cNvPr id="2" name="Title 1"/>
-          <p:cNvSpPr>
-            <a:spLocks noGrp="1"/>
-          </p:cNvSpPr>
-          <p:nvPr>
-            <p:ph type="title"/>
-          </p:nvPr>
-        </p:nvSpPr>
-        <p:spPr/>
-        <p:txBody>
           <a:bodyPr/>
           <a:lstStyle/>
           <a:p>
@@ -21692,7 +21203,7 @@
 </p:sld>
 </file>
 
-<file path=ppt/slides/slide25.xml><?xml version="1.0" encoding="utf-8"?>
+<file path=ppt/slides/slide21.xml><?xml version="1.0" encoding="utf-8"?>
 <p:sld xmlns:a="http://schemas.openxmlformats.org/drawingml/2006/main" xmlns:r="http://schemas.openxmlformats.org/officeDocument/2006/relationships" xmlns:p="http://schemas.openxmlformats.org/presentationml/2006/main">
   <p:cSld>
     <p:spTree>
@@ -22028,7 +21539,7 @@
 </p:sld>
 </file>
 
-<file path=ppt/slides/slide26.xml><?xml version="1.0" encoding="utf-8"?>
+<file path=ppt/slides/slide22.xml><?xml version="1.0" encoding="utf-8"?>
 <p:sld xmlns:a="http://schemas.openxmlformats.org/drawingml/2006/main" xmlns:r="http://schemas.openxmlformats.org/officeDocument/2006/relationships" xmlns:p="http://schemas.openxmlformats.org/presentationml/2006/main">
   <p:cSld>
     <p:spTree>
@@ -22324,7 +21835,6 @@
               <a:rPr lang="en-US" dirty="0"/>
               <a:t>});</a:t>
             </a:r>
-            <a:endParaRPr lang="en-US" dirty="0"/>
           </a:p>
         </p:txBody>
       </p:sp>
@@ -22341,7 +21851,7 @@
 </p:sld>
 </file>
 
-<file path=ppt/slides/slide27.xml><?xml version="1.0" encoding="utf-8"?>
+<file path=ppt/slides/slide23.xml><?xml version="1.0" encoding="utf-8"?>
 <p:sld xmlns:a="http://schemas.openxmlformats.org/drawingml/2006/main" xmlns:r="http://schemas.openxmlformats.org/officeDocument/2006/relationships" xmlns:p="http://schemas.openxmlformats.org/presentationml/2006/main">
   <p:cSld>
     <p:spTree>
@@ -22427,7 +21937,7 @@
 </p:sld>
 </file>
 
-<file path=ppt/slides/slide28.xml><?xml version="1.0" encoding="utf-8"?>
+<file path=ppt/slides/slide24.xml><?xml version="1.0" encoding="utf-8"?>
 <p:sld xmlns:a="http://schemas.openxmlformats.org/drawingml/2006/main" xmlns:r="http://schemas.openxmlformats.org/officeDocument/2006/relationships" xmlns:p="http://schemas.openxmlformats.org/presentationml/2006/main">
   <p:cSld>
     <p:spTree>
@@ -25236,6 +24746,480 @@
           <a:p>
             <a:r>
               <a:rPr lang="en-US" dirty="0" smtClean="0"/>
+              <a:t>Storage Keys</a:t>
+            </a:r>
+            <a:endParaRPr lang="en-US" dirty="0"/>
+          </a:p>
+        </p:txBody>
+      </p:sp>
+      <p:sp>
+        <p:nvSpPr>
+          <p:cNvPr id="3" name="Content Placeholder 2"/>
+          <p:cNvSpPr>
+            <a:spLocks noGrp="1"/>
+          </p:cNvSpPr>
+          <p:nvPr>
+            <p:ph idx="1"/>
+          </p:nvPr>
+        </p:nvSpPr>
+        <p:spPr>
+          <a:xfrm>
+            <a:off x="838200" y="1825625"/>
+            <a:ext cx="4658591" cy="4351338"/>
+          </a:xfrm>
+        </p:spPr>
+        <p:txBody>
+          <a:bodyPr>
+            <a:normAutofit lnSpcReduction="10000"/>
+          </a:bodyPr>
+          <a:lstStyle/>
+          <a:p>
+            <a:r>
+              <a:rPr lang="en-US" dirty="0"/>
+              <a:t>Access to storage by non-account-owners relies on keys for authentication</a:t>
+            </a:r>
+          </a:p>
+          <a:p>
+            <a:pPr lvl="1"/>
+            <a:r>
+              <a:rPr lang="en-US" dirty="0"/>
+              <a:t>Two 512-bit keys per account</a:t>
+            </a:r>
+          </a:p>
+          <a:p>
+            <a:r>
+              <a:rPr lang="en-US" dirty="0"/>
+              <a:t>Keys should be "rolled" periodically for security</a:t>
+            </a:r>
+          </a:p>
+          <a:p>
+            <a:r>
+              <a:rPr lang="en-US" dirty="0"/>
+              <a:t>Keys can be used to generate shared-access signatures (SAS) for secure and restricted access</a:t>
+            </a:r>
+          </a:p>
+          <a:p>
+            <a:endParaRPr lang="en-US" dirty="0"/>
+          </a:p>
+        </p:txBody>
+      </p:sp>
+      <p:pic>
+        <p:nvPicPr>
+          <p:cNvPr id="4" name="Picture 3"/>
+          <p:cNvPicPr>
+            <a:picLocks noChangeAspect="1"/>
+          </p:cNvPicPr>
+          <p:nvPr/>
+        </p:nvPicPr>
+        <p:blipFill>
+          <a:blip r:embed="rId3"/>
+          <a:stretch>
+            <a:fillRect/>
+          </a:stretch>
+        </p:blipFill>
+        <p:spPr>
+          <a:xfrm>
+            <a:off x="6096000" y="1690688"/>
+            <a:ext cx="5257800" cy="4371975"/>
+          </a:xfrm>
+          <a:prstGeom prst="rect">
+            <a:avLst/>
+          </a:prstGeom>
+          <a:ln>
+            <a:solidFill>
+              <a:schemeClr val="bg2">
+                <a:lumMod val="75000"/>
+              </a:schemeClr>
+            </a:solidFill>
+          </a:ln>
+        </p:spPr>
+      </p:pic>
+    </p:spTree>
+    <p:extLst>
+      <p:ext uri="{BB962C8B-B14F-4D97-AF65-F5344CB8AC3E}">
+        <p14:creationId xmlns:p14="http://schemas.microsoft.com/office/powerpoint/2010/main" val="1335585117"/>
+      </p:ext>
+    </p:extLst>
+  </p:cSld>
+  <p:clrMapOvr>
+    <a:masterClrMapping/>
+  </p:clrMapOvr>
+</p:sld>
+</file>
+
+<file path=ppt/slides/slide7.xml><?xml version="1.0" encoding="utf-8"?>
+<p:sld xmlns:a="http://schemas.openxmlformats.org/drawingml/2006/main" xmlns:r="http://schemas.openxmlformats.org/officeDocument/2006/relationships" xmlns:p="http://schemas.openxmlformats.org/presentationml/2006/main">
+  <p:cSld>
+    <p:spTree>
+      <p:nvGrpSpPr>
+        <p:cNvPr id="1" name=""/>
+        <p:cNvGrpSpPr/>
+        <p:nvPr/>
+      </p:nvGrpSpPr>
+      <p:grpSpPr>
+        <a:xfrm>
+          <a:off x="0" y="0"/>
+          <a:ext cx="0" cy="0"/>
+          <a:chOff x="0" y="0"/>
+          <a:chExt cx="0" cy="0"/>
+        </a:xfrm>
+      </p:grpSpPr>
+      <p:sp>
+        <p:nvSpPr>
+          <p:cNvPr id="2" name="Title 1"/>
+          <p:cNvSpPr>
+            <a:spLocks noGrp="1"/>
+          </p:cNvSpPr>
+          <p:nvPr>
+            <p:ph type="title"/>
+          </p:nvPr>
+        </p:nvSpPr>
+        <p:spPr/>
+        <p:txBody>
+          <a:bodyPr/>
+          <a:lstStyle/>
+          <a:p>
+            <a:r>
+              <a:rPr lang="en-US" dirty="0" smtClean="0"/>
+              <a:t>Shared-Access Signatures</a:t>
+            </a:r>
+            <a:endParaRPr lang="en-US" dirty="0"/>
+          </a:p>
+        </p:txBody>
+      </p:sp>
+      <p:sp>
+        <p:nvSpPr>
+          <p:cNvPr id="4" name="TextBox 3"/>
+          <p:cNvSpPr txBox="1"/>
+          <p:nvPr/>
+        </p:nvSpPr>
+        <p:spPr>
+          <a:xfrm>
+            <a:off x="519249" y="2643718"/>
+            <a:ext cx="11151917" cy="2314480"/>
+          </a:xfrm>
+          <a:prstGeom prst="rect">
+            <a:avLst/>
+          </a:prstGeom>
+          <a:noFill/>
+        </p:spPr>
+        <p:txBody>
+          <a:bodyPr wrap="square" lIns="0" tIns="0" rIns="0" bIns="0" rtlCol="0">
+            <a:spAutoFit/>
+          </a:bodyPr>
+          <a:lstStyle/>
+          <a:p>
+            <a:pPr algn="ctr">
+              <a:lnSpc>
+                <a:spcPct val="90000"/>
+              </a:lnSpc>
+              <a:spcBef>
+                <a:spcPct val="20000"/>
+              </a:spcBef>
+              <a:buSzPct val="80000"/>
+            </a:pPr>
+            <a:r>
+              <a:rPr lang="en-US" sz="3200" dirty="0" smtClean="0">
+                <a:solidFill>
+                  <a:schemeClr val="accent2"/>
+                </a:solidFill>
+              </a:rPr>
+              <a:t>https://a4rlabs.blob.core.windows.net/images/schema.jpg?</a:t>
+            </a:r>
+          </a:p>
+          <a:p>
+            <a:pPr algn="ctr">
+              <a:lnSpc>
+                <a:spcPct val="90000"/>
+              </a:lnSpc>
+              <a:spcBef>
+                <a:spcPct val="20000"/>
+              </a:spcBef>
+              <a:buSzPct val="80000"/>
+            </a:pPr>
+            <a:r>
+              <a:rPr lang="en-US" sz="3200" dirty="0" err="1">
+                <a:solidFill>
+                  <a:schemeClr val="accent1"/>
+                </a:solidFill>
+              </a:rPr>
+              <a:t>st</a:t>
+            </a:r>
+            <a:r>
+              <a:rPr lang="en-US" sz="3200" dirty="0">
+                <a:solidFill>
+                  <a:schemeClr val="accent1"/>
+                </a:solidFill>
+              </a:rPr>
+              <a:t>=2016-02-07T19%3A58%3A00Z&amp;se=2016-02-08T19%3A58%3A00Z&amp;sp=</a:t>
+            </a:r>
+            <a:r>
+              <a:rPr lang="en-US" sz="3200" dirty="0" err="1">
+                <a:solidFill>
+                  <a:schemeClr val="accent1"/>
+                </a:solidFill>
+              </a:rPr>
+              <a:t>r&amp;sv</a:t>
+            </a:r>
+            <a:r>
+              <a:rPr lang="en-US" sz="3200" dirty="0">
+                <a:solidFill>
+                  <a:schemeClr val="accent1"/>
+                </a:solidFill>
+              </a:rPr>
+              <a:t>=2015-02-21&amp;sr=</a:t>
+            </a:r>
+            <a:r>
+              <a:rPr lang="en-US" sz="3200" dirty="0" err="1">
+                <a:solidFill>
+                  <a:schemeClr val="accent1"/>
+                </a:solidFill>
+              </a:rPr>
+              <a:t>b&amp;sig</a:t>
+            </a:r>
+            <a:r>
+              <a:rPr lang="en-US" sz="3200" dirty="0">
+                <a:solidFill>
+                  <a:schemeClr val="accent1"/>
+                </a:solidFill>
+              </a:rPr>
+              <a:t>=BGebg1eduvPTwQnZWZlBphM8YGP9sRYt2WiPIL70vcw%3D</a:t>
+            </a:r>
+          </a:p>
+        </p:txBody>
+      </p:sp>
+      <p:sp>
+        <p:nvSpPr>
+          <p:cNvPr id="5" name="TextBox 4"/>
+          <p:cNvSpPr txBox="1"/>
+          <p:nvPr/>
+        </p:nvSpPr>
+        <p:spPr>
+          <a:xfrm>
+            <a:off x="5256753" y="1544388"/>
+            <a:ext cx="1651093" cy="443198"/>
+          </a:xfrm>
+          <a:prstGeom prst="rect">
+            <a:avLst/>
+          </a:prstGeom>
+          <a:noFill/>
+        </p:spPr>
+        <p:txBody>
+          <a:bodyPr wrap="none" lIns="0" tIns="0" rIns="0" bIns="0" rtlCol="0">
+            <a:spAutoFit/>
+          </a:bodyPr>
+          <a:lstStyle/>
+          <a:p>
+            <a:pPr>
+              <a:lnSpc>
+                <a:spcPct val="90000"/>
+              </a:lnSpc>
+              <a:spcBef>
+                <a:spcPct val="20000"/>
+              </a:spcBef>
+              <a:buSzPct val="80000"/>
+            </a:pPr>
+            <a:r>
+              <a:rPr lang="en-US" sz="3200" dirty="0" smtClean="0">
+                <a:solidFill>
+                  <a:schemeClr val="accent2"/>
+                </a:solidFill>
+              </a:rPr>
+              <a:t>Blob URL</a:t>
+            </a:r>
+            <a:endParaRPr lang="en-US" sz="3200" dirty="0">
+              <a:solidFill>
+                <a:schemeClr val="accent2"/>
+              </a:solidFill>
+            </a:endParaRPr>
+          </a:p>
+        </p:txBody>
+      </p:sp>
+      <p:sp>
+        <p:nvSpPr>
+          <p:cNvPr id="6" name="TextBox 5"/>
+          <p:cNvSpPr txBox="1"/>
+          <p:nvPr/>
+        </p:nvSpPr>
+        <p:spPr>
+          <a:xfrm>
+            <a:off x="3952600" y="5574594"/>
+            <a:ext cx="4285212" cy="984885"/>
+          </a:xfrm>
+          <a:prstGeom prst="rect">
+            <a:avLst/>
+          </a:prstGeom>
+          <a:noFill/>
+        </p:spPr>
+        <p:txBody>
+          <a:bodyPr wrap="none" lIns="0" tIns="0" rIns="0" bIns="0" rtlCol="0">
+            <a:spAutoFit/>
+          </a:bodyPr>
+          <a:lstStyle/>
+          <a:p>
+            <a:pPr>
+              <a:lnSpc>
+                <a:spcPct val="90000"/>
+              </a:lnSpc>
+              <a:spcBef>
+                <a:spcPct val="20000"/>
+              </a:spcBef>
+              <a:buSzPct val="80000"/>
+            </a:pPr>
+            <a:r>
+              <a:rPr lang="en-US" sz="3200" dirty="0" smtClean="0">
+                <a:solidFill>
+                  <a:schemeClr val="accent1"/>
+                </a:solidFill>
+              </a:rPr>
+              <a:t>Query string containing</a:t>
+            </a:r>
+          </a:p>
+          <a:p>
+            <a:pPr algn="ctr">
+              <a:lnSpc>
+                <a:spcPct val="90000"/>
+              </a:lnSpc>
+              <a:spcBef>
+                <a:spcPct val="20000"/>
+              </a:spcBef>
+              <a:buSzPct val="80000"/>
+            </a:pPr>
+            <a:r>
+              <a:rPr lang="en-US" sz="3200" dirty="0" smtClean="0">
+                <a:solidFill>
+                  <a:schemeClr val="accent1"/>
+                </a:solidFill>
+              </a:rPr>
+              <a:t>shared-access signature</a:t>
+            </a:r>
+            <a:endParaRPr lang="en-US" sz="3200" dirty="0">
+              <a:solidFill>
+                <a:schemeClr val="accent1"/>
+              </a:solidFill>
+            </a:endParaRPr>
+          </a:p>
+        </p:txBody>
+      </p:sp>
+      <p:cxnSp>
+        <p:nvCxnSpPr>
+          <p:cNvPr id="7" name="Straight Connector 6"/>
+          <p:cNvCxnSpPr>
+            <a:stCxn id="5" idx="2"/>
+          </p:cNvCxnSpPr>
+          <p:nvPr/>
+        </p:nvCxnSpPr>
+        <p:spPr>
+          <a:xfrm>
+            <a:off x="6082300" y="1987586"/>
+            <a:ext cx="1" cy="614810"/>
+          </a:xfrm>
+          <a:prstGeom prst="line">
+            <a:avLst/>
+          </a:prstGeom>
+          <a:ln w="28575">
+            <a:solidFill>
+              <a:schemeClr val="accent2"/>
+            </a:solidFill>
+          </a:ln>
+        </p:spPr>
+        <p:style>
+          <a:lnRef idx="1">
+            <a:schemeClr val="accent1"/>
+          </a:lnRef>
+          <a:fillRef idx="0">
+            <a:schemeClr val="accent1"/>
+          </a:fillRef>
+          <a:effectRef idx="0">
+            <a:schemeClr val="accent1"/>
+          </a:effectRef>
+          <a:fontRef idx="minor">
+            <a:schemeClr val="tx1"/>
+          </a:fontRef>
+        </p:style>
+      </p:cxnSp>
+      <p:cxnSp>
+        <p:nvCxnSpPr>
+          <p:cNvPr id="8" name="Straight Connector 7"/>
+          <p:cNvCxnSpPr/>
+          <p:nvPr/>
+        </p:nvCxnSpPr>
+        <p:spPr>
+          <a:xfrm>
+            <a:off x="6082300" y="4958198"/>
+            <a:ext cx="1" cy="614810"/>
+          </a:xfrm>
+          <a:prstGeom prst="line">
+            <a:avLst/>
+          </a:prstGeom>
+          <a:ln w="28575">
+            <a:solidFill>
+              <a:schemeClr val="accent1"/>
+            </a:solidFill>
+          </a:ln>
+        </p:spPr>
+        <p:style>
+          <a:lnRef idx="1">
+            <a:schemeClr val="accent1"/>
+          </a:lnRef>
+          <a:fillRef idx="0">
+            <a:schemeClr val="accent1"/>
+          </a:fillRef>
+          <a:effectRef idx="0">
+            <a:schemeClr val="accent1"/>
+          </a:effectRef>
+          <a:fontRef idx="minor">
+            <a:schemeClr val="tx1"/>
+          </a:fontRef>
+        </p:style>
+      </p:cxnSp>
+    </p:spTree>
+    <p:extLst>
+      <p:ext uri="{BB962C8B-B14F-4D97-AF65-F5344CB8AC3E}">
+        <p14:creationId xmlns:p14="http://schemas.microsoft.com/office/powerpoint/2010/main" val="2299120955"/>
+      </p:ext>
+    </p:extLst>
+  </p:cSld>
+  <p:clrMapOvr>
+    <a:masterClrMapping/>
+  </p:clrMapOvr>
+</p:sld>
+</file>
+
+<file path=ppt/slides/slide8.xml><?xml version="1.0" encoding="utf-8"?>
+<p:sld xmlns:a="http://schemas.openxmlformats.org/drawingml/2006/main" xmlns:r="http://schemas.openxmlformats.org/officeDocument/2006/relationships" xmlns:p="http://schemas.openxmlformats.org/presentationml/2006/main">
+  <p:cSld>
+    <p:spTree>
+      <p:nvGrpSpPr>
+        <p:cNvPr id="1" name=""/>
+        <p:cNvGrpSpPr/>
+        <p:nvPr/>
+      </p:nvGrpSpPr>
+      <p:grpSpPr>
+        <a:xfrm>
+          <a:off x="0" y="0"/>
+          <a:ext cx="0" cy="0"/>
+          <a:chOff x="0" y="0"/>
+          <a:chExt cx="0" cy="0"/>
+        </a:xfrm>
+      </p:grpSpPr>
+      <p:sp>
+        <p:nvSpPr>
+          <p:cNvPr id="2" name="Title 1"/>
+          <p:cNvSpPr>
+            <a:spLocks noGrp="1"/>
+          </p:cNvSpPr>
+          <p:nvPr>
+            <p:ph type="title"/>
+          </p:nvPr>
+        </p:nvSpPr>
+        <p:spPr/>
+        <p:txBody>
+          <a:bodyPr/>
+          <a:lstStyle/>
+          <a:p>
+            <a:r>
+              <a:rPr lang="en-US" dirty="0" smtClean="0"/>
               <a:t>Storage Containers</a:t>
             </a:r>
             <a:endParaRPr lang="en-US" dirty="0"/>
@@ -25356,7 +25340,7 @@
 </p:sld>
 </file>
 
-<file path=ppt/slides/slide7.xml><?xml version="1.0" encoding="utf-8"?>
+<file path=ppt/slides/slide9.xml><?xml version="1.0" encoding="utf-8"?>
 <p:sld xmlns:a="http://schemas.openxmlformats.org/drawingml/2006/main" xmlns:r="http://schemas.openxmlformats.org/officeDocument/2006/relationships" xmlns:p="http://schemas.openxmlformats.org/presentationml/2006/main">
   <p:cSld>
     <p:spTree>
@@ -25734,850 +25718,6 @@
       </p:par>
     </p:tnLst>
   </p:timing>
-</p:sld>
-</file>
-
-<file path=ppt/slides/slide8.xml><?xml version="1.0" encoding="utf-8"?>
-<p:sld xmlns:a="http://schemas.openxmlformats.org/drawingml/2006/main" xmlns:r="http://schemas.openxmlformats.org/officeDocument/2006/relationships" xmlns:p="http://schemas.openxmlformats.org/presentationml/2006/main">
-  <p:cSld>
-    <p:spTree>
-      <p:nvGrpSpPr>
-        <p:cNvPr id="1" name=""/>
-        <p:cNvGrpSpPr/>
-        <p:nvPr/>
-      </p:nvGrpSpPr>
-      <p:grpSpPr>
-        <a:xfrm>
-          <a:off x="0" y="0"/>
-          <a:ext cx="0" cy="0"/>
-          <a:chOff x="0" y="0"/>
-          <a:chExt cx="0" cy="0"/>
-        </a:xfrm>
-      </p:grpSpPr>
-      <p:sp>
-        <p:nvSpPr>
-          <p:cNvPr id="2" name="Title 1"/>
-          <p:cNvSpPr>
-            <a:spLocks noGrp="1"/>
-          </p:cNvSpPr>
-          <p:nvPr>
-            <p:ph type="title"/>
-          </p:nvPr>
-        </p:nvSpPr>
-        <p:spPr/>
-        <p:txBody>
-          <a:bodyPr/>
-          <a:lstStyle/>
-          <a:p>
-            <a:r>
-              <a:rPr lang="en-US" dirty="0" smtClean="0"/>
-              <a:t>Azure Storage Tools</a:t>
-            </a:r>
-            <a:endParaRPr lang="en-US" dirty="0"/>
-          </a:p>
-        </p:txBody>
-      </p:sp>
-      <p:sp>
-        <p:nvSpPr>
-          <p:cNvPr id="3" name="Content Placeholder 2"/>
-          <p:cNvSpPr>
-            <a:spLocks noGrp="1"/>
-          </p:cNvSpPr>
-          <p:nvPr>
-            <p:ph idx="1"/>
-          </p:nvPr>
-        </p:nvSpPr>
-        <p:spPr/>
-        <p:txBody>
-          <a:bodyPr/>
-          <a:lstStyle/>
-          <a:p>
-            <a:r>
-              <a:rPr lang="en-US" dirty="0"/>
-              <a:t>Portal doesn't provide functionality for uploading </a:t>
-            </a:r>
-            <a:r>
-              <a:rPr lang="en-US" dirty="0" smtClean="0"/>
-              <a:t>blobs</a:t>
-            </a:r>
-            <a:endParaRPr lang="en-US" dirty="0"/>
-          </a:p>
-          <a:p>
-            <a:r>
-              <a:rPr lang="en-US" dirty="0"/>
-              <a:t>Use free, third-party, cross-platform tools instead</a:t>
-            </a:r>
-          </a:p>
-          <a:p>
-            <a:endParaRPr lang="en-US" dirty="0"/>
-          </a:p>
-        </p:txBody>
-      </p:sp>
-      <p:pic>
-        <p:nvPicPr>
-          <p:cNvPr id="4" name="Picture 3"/>
-          <p:cNvPicPr>
-            <a:picLocks noChangeAspect="1"/>
-          </p:cNvPicPr>
-          <p:nvPr/>
-        </p:nvPicPr>
-        <p:blipFill>
-          <a:blip r:embed="rId2"/>
-          <a:stretch>
-            <a:fillRect/>
-          </a:stretch>
-        </p:blipFill>
-        <p:spPr>
-          <a:xfrm>
-            <a:off x="5917739" y="3516896"/>
-            <a:ext cx="5045393" cy="2557149"/>
-          </a:xfrm>
-          <a:prstGeom prst="rect">
-            <a:avLst/>
-          </a:prstGeom>
-          <a:ln>
-            <a:noFill/>
-          </a:ln>
-          <a:effectLst>
-            <a:outerShdw blurRad="292100" dist="139700" dir="2700000" algn="tl" rotWithShape="0">
-              <a:srgbClr val="333333">
-                <a:alpha val="65000"/>
-              </a:srgbClr>
-            </a:outerShdw>
-          </a:effectLst>
-        </p:spPr>
-      </p:pic>
-      <p:sp>
-        <p:nvSpPr>
-          <p:cNvPr id="5" name="TextBox 4"/>
-          <p:cNvSpPr txBox="1"/>
-          <p:nvPr/>
-        </p:nvSpPr>
-        <p:spPr>
-          <a:xfrm>
-            <a:off x="5917738" y="3178342"/>
-            <a:ext cx="5045394" cy="276999"/>
-          </a:xfrm>
-          <a:prstGeom prst="rect">
-            <a:avLst/>
-          </a:prstGeom>
-          <a:noFill/>
-        </p:spPr>
-        <p:txBody>
-          <a:bodyPr wrap="square" lIns="0" tIns="0" rIns="0" bIns="0" rtlCol="0">
-            <a:spAutoFit/>
-          </a:bodyPr>
-          <a:lstStyle/>
-          <a:p>
-            <a:pPr algn="ctr">
-              <a:lnSpc>
-                <a:spcPct val="90000"/>
-              </a:lnSpc>
-              <a:spcBef>
-                <a:spcPct val="20000"/>
-              </a:spcBef>
-              <a:buSzPct val="80000"/>
-            </a:pPr>
-            <a:r>
-              <a:rPr lang="en-US" sz="2000" dirty="0" smtClean="0">
-                <a:latin typeface="Segoe UI Light" panose="020B0502040204020203" pitchFamily="34" charset="0"/>
-                <a:cs typeface="Segoe UI Light" panose="020B0502040204020203" pitchFamily="34" charset="0"/>
-              </a:rPr>
-              <a:t>Azure Command-Line Interface (CLI)</a:t>
-            </a:r>
-          </a:p>
-        </p:txBody>
-      </p:sp>
-      <p:pic>
-        <p:nvPicPr>
-          <p:cNvPr id="6" name="Picture 5"/>
-          <p:cNvPicPr>
-            <a:picLocks noChangeAspect="1"/>
-          </p:cNvPicPr>
-          <p:nvPr/>
-        </p:nvPicPr>
-        <p:blipFill>
-          <a:blip r:embed="rId3"/>
-          <a:stretch>
-            <a:fillRect/>
-          </a:stretch>
-        </p:blipFill>
-        <p:spPr>
-          <a:xfrm>
-            <a:off x="1014518" y="3516896"/>
-            <a:ext cx="4110142" cy="2561686"/>
-          </a:xfrm>
-          <a:prstGeom prst="rect">
-            <a:avLst/>
-          </a:prstGeom>
-          <a:ln>
-            <a:noFill/>
-          </a:ln>
-          <a:effectLst>
-            <a:outerShdw blurRad="292100" dist="139700" dir="2700000" algn="tl" rotWithShape="0">
-              <a:srgbClr val="333333">
-                <a:alpha val="65000"/>
-              </a:srgbClr>
-            </a:outerShdw>
-          </a:effectLst>
-        </p:spPr>
-      </p:pic>
-      <p:sp>
-        <p:nvSpPr>
-          <p:cNvPr id="7" name="TextBox 6"/>
-          <p:cNvSpPr txBox="1"/>
-          <p:nvPr/>
-        </p:nvSpPr>
-        <p:spPr>
-          <a:xfrm>
-            <a:off x="1049812" y="3178341"/>
-            <a:ext cx="4074848" cy="276999"/>
-          </a:xfrm>
-          <a:prstGeom prst="rect">
-            <a:avLst/>
-          </a:prstGeom>
-          <a:noFill/>
-        </p:spPr>
-        <p:txBody>
-          <a:bodyPr wrap="square" lIns="0" tIns="0" rIns="0" bIns="0" rtlCol="0">
-            <a:spAutoFit/>
-          </a:bodyPr>
-          <a:lstStyle/>
-          <a:p>
-            <a:pPr algn="ctr">
-              <a:lnSpc>
-                <a:spcPct val="90000"/>
-              </a:lnSpc>
-              <a:spcBef>
-                <a:spcPct val="20000"/>
-              </a:spcBef>
-              <a:buSzPct val="80000"/>
-            </a:pPr>
-            <a:r>
-              <a:rPr lang="en-US" sz="2000" dirty="0" smtClean="0">
-                <a:latin typeface="Segoe UI Light" panose="020B0502040204020203" pitchFamily="34" charset="0"/>
-                <a:cs typeface="Segoe UI Light" panose="020B0502040204020203" pitchFamily="34" charset="0"/>
-              </a:rPr>
-              <a:t>Microsoft Azure Storage Explorer</a:t>
-            </a:r>
-            <a:endParaRPr lang="en-US" sz="2000" dirty="0">
-              <a:latin typeface="Segoe UI Light" panose="020B0502040204020203" pitchFamily="34" charset="0"/>
-              <a:cs typeface="Segoe UI Light" panose="020B0502040204020203" pitchFamily="34" charset="0"/>
-            </a:endParaRPr>
-          </a:p>
-        </p:txBody>
-      </p:sp>
-    </p:spTree>
-    <p:extLst>
-      <p:ext uri="{BB962C8B-B14F-4D97-AF65-F5344CB8AC3E}">
-        <p14:creationId xmlns:p14="http://schemas.microsoft.com/office/powerpoint/2010/main" val="723309786"/>
-      </p:ext>
-    </p:extLst>
-  </p:cSld>
-  <p:clrMapOvr>
-    <a:masterClrMapping/>
-  </p:clrMapOvr>
-  <p:timing>
-    <p:tnLst>
-      <p:par>
-        <p:cTn id="1" dur="indefinite" restart="never" nodeType="tmRoot"/>
-      </p:par>
-    </p:tnLst>
-  </p:timing>
-</p:sld>
-</file>
-
-<file path=ppt/slides/slide9.xml><?xml version="1.0" encoding="utf-8"?>
-<p:sld xmlns:a="http://schemas.openxmlformats.org/drawingml/2006/main" xmlns:r="http://schemas.openxmlformats.org/officeDocument/2006/relationships" xmlns:p="http://schemas.openxmlformats.org/presentationml/2006/main">
-  <p:cSld>
-    <p:spTree>
-      <p:nvGrpSpPr>
-        <p:cNvPr id="1" name=""/>
-        <p:cNvGrpSpPr/>
-        <p:nvPr/>
-      </p:nvGrpSpPr>
-      <p:grpSpPr>
-        <a:xfrm>
-          <a:off x="0" y="0"/>
-          <a:ext cx="0" cy="0"/>
-          <a:chOff x="0" y="0"/>
-          <a:chExt cx="0" cy="0"/>
-        </a:xfrm>
-      </p:grpSpPr>
-      <p:sp>
-        <p:nvSpPr>
-          <p:cNvPr id="2" name="Title 1"/>
-          <p:cNvSpPr>
-            <a:spLocks noGrp="1"/>
-          </p:cNvSpPr>
-          <p:nvPr>
-            <p:ph type="title"/>
-          </p:nvPr>
-        </p:nvSpPr>
-        <p:spPr/>
-        <p:txBody>
-          <a:bodyPr/>
-          <a:lstStyle/>
-          <a:p>
-            <a:r>
-              <a:rPr lang="en-US" dirty="0" smtClean="0"/>
-              <a:t>Accessing Blob Storage Programmatically</a:t>
-            </a:r>
-            <a:endParaRPr lang="en-US" dirty="0"/>
-          </a:p>
-        </p:txBody>
-      </p:sp>
-      <p:sp>
-        <p:nvSpPr>
-          <p:cNvPr id="3" name="Content Placeholder 2"/>
-          <p:cNvSpPr>
-            <a:spLocks noGrp="1"/>
-          </p:cNvSpPr>
-          <p:nvPr>
-            <p:ph idx="1"/>
-          </p:nvPr>
-        </p:nvSpPr>
-        <p:spPr/>
-        <p:txBody>
-          <a:bodyPr/>
-          <a:lstStyle/>
-          <a:p>
-            <a:r>
-              <a:rPr lang="en-US" dirty="0" smtClean="0"/>
-              <a:t>Blob service can be accessed using REST APIs</a:t>
-            </a:r>
-          </a:p>
-          <a:p>
-            <a:pPr lvl="1"/>
-            <a:r>
-              <a:rPr lang="en-US" dirty="0" smtClean="0"/>
-              <a:t>Accessible to any programming language that supports HTTP(S)</a:t>
-            </a:r>
-          </a:p>
-          <a:p>
-            <a:r>
-              <a:rPr lang="en-US" dirty="0" smtClean="0"/>
-              <a:t>Blob service can also be accessed using Azure Storage SDKs available for popular languages and platforms</a:t>
-            </a:r>
-          </a:p>
-          <a:p>
-            <a:endParaRPr lang="en-US" dirty="0"/>
-          </a:p>
-          <a:p>
-            <a:endParaRPr lang="en-US" dirty="0" smtClean="0"/>
-          </a:p>
-          <a:p>
-            <a:endParaRPr lang="en-US" dirty="0" smtClean="0"/>
-          </a:p>
-          <a:p>
-            <a:r>
-              <a:rPr lang="en-US" dirty="0" smtClean="0"/>
-              <a:t>Also available from </a:t>
-            </a:r>
-            <a:r>
-              <a:rPr lang="en-US" dirty="0" err="1" smtClean="0"/>
-              <a:t>NuGet</a:t>
-            </a:r>
-            <a:r>
-              <a:rPr lang="en-US" dirty="0" smtClean="0"/>
-              <a:t>, NPM, and other package managers</a:t>
-            </a:r>
-            <a:endParaRPr lang="en-US" dirty="0"/>
-          </a:p>
-        </p:txBody>
-      </p:sp>
-      <p:sp>
-        <p:nvSpPr>
-          <p:cNvPr id="4" name="Rectangle 3"/>
-          <p:cNvSpPr/>
-          <p:nvPr/>
-        </p:nvSpPr>
-        <p:spPr>
-          <a:xfrm>
-            <a:off x="1182029" y="3869473"/>
-            <a:ext cx="1014761" cy="947854"/>
-          </a:xfrm>
-          <a:prstGeom prst="rect">
-            <a:avLst/>
-          </a:prstGeom>
-          <a:solidFill>
-            <a:srgbClr val="5095D1"/>
-          </a:solidFill>
-          <a:ln>
-            <a:noFill/>
-          </a:ln>
-        </p:spPr>
-        <p:style>
-          <a:lnRef idx="2">
-            <a:schemeClr val="accent1">
-              <a:shade val="50000"/>
-            </a:schemeClr>
-          </a:lnRef>
-          <a:fillRef idx="1">
-            <a:schemeClr val="accent1"/>
-          </a:fillRef>
-          <a:effectRef idx="0">
-            <a:schemeClr val="accent1"/>
-          </a:effectRef>
-          <a:fontRef idx="minor">
-            <a:schemeClr val="lt1"/>
-          </a:fontRef>
-        </p:style>
-        <p:txBody>
-          <a:bodyPr rtlCol="0" anchor="ctr"/>
-          <a:lstStyle/>
-          <a:p>
-            <a:pPr algn="ctr"/>
-            <a:r>
-              <a:rPr lang="en-US" dirty="0" smtClean="0">
-                <a:solidFill>
-                  <a:schemeClr val="bg1"/>
-                </a:solidFill>
-              </a:rPr>
-              <a:t>.NET</a:t>
-            </a:r>
-          </a:p>
-        </p:txBody>
-      </p:sp>
-      <p:sp>
-        <p:nvSpPr>
-          <p:cNvPr id="11" name="Rectangle 10"/>
-          <p:cNvSpPr/>
-          <p:nvPr/>
-        </p:nvSpPr>
-        <p:spPr>
-          <a:xfrm>
-            <a:off x="2297151" y="3869473"/>
-            <a:ext cx="1014761" cy="947854"/>
-          </a:xfrm>
-          <a:prstGeom prst="rect">
-            <a:avLst/>
-          </a:prstGeom>
-          <a:solidFill>
-            <a:srgbClr val="5095D1"/>
-          </a:solidFill>
-          <a:ln>
-            <a:noFill/>
-          </a:ln>
-        </p:spPr>
-        <p:style>
-          <a:lnRef idx="2">
-            <a:schemeClr val="accent1">
-              <a:shade val="50000"/>
-            </a:schemeClr>
-          </a:lnRef>
-          <a:fillRef idx="1">
-            <a:schemeClr val="accent1"/>
-          </a:fillRef>
-          <a:effectRef idx="0">
-            <a:schemeClr val="accent1"/>
-          </a:effectRef>
-          <a:fontRef idx="minor">
-            <a:schemeClr val="lt1"/>
-          </a:fontRef>
-        </p:style>
-        <p:txBody>
-          <a:bodyPr rtlCol="0" anchor="ctr"/>
-          <a:lstStyle/>
-          <a:p>
-            <a:pPr algn="ctr"/>
-            <a:r>
-              <a:rPr lang="en-US" dirty="0" smtClean="0">
-                <a:solidFill>
-                  <a:schemeClr val="bg1"/>
-                </a:solidFill>
-              </a:rPr>
-              <a:t>Node.js</a:t>
-            </a:r>
-          </a:p>
-        </p:txBody>
-      </p:sp>
-      <p:sp>
-        <p:nvSpPr>
-          <p:cNvPr id="12" name="Rectangle 11"/>
-          <p:cNvSpPr/>
-          <p:nvPr/>
-        </p:nvSpPr>
-        <p:spPr>
-          <a:xfrm>
-            <a:off x="3412273" y="3869473"/>
-            <a:ext cx="1014761" cy="947854"/>
-          </a:xfrm>
-          <a:prstGeom prst="rect">
-            <a:avLst/>
-          </a:prstGeom>
-          <a:solidFill>
-            <a:srgbClr val="5095D1"/>
-          </a:solidFill>
-          <a:ln>
-            <a:noFill/>
-          </a:ln>
-        </p:spPr>
-        <p:style>
-          <a:lnRef idx="2">
-            <a:schemeClr val="accent1">
-              <a:shade val="50000"/>
-            </a:schemeClr>
-          </a:lnRef>
-          <a:fillRef idx="1">
-            <a:schemeClr val="accent1"/>
-          </a:fillRef>
-          <a:effectRef idx="0">
-            <a:schemeClr val="accent1"/>
-          </a:effectRef>
-          <a:fontRef idx="minor">
-            <a:schemeClr val="lt1"/>
-          </a:fontRef>
-        </p:style>
-        <p:txBody>
-          <a:bodyPr rtlCol="0" anchor="ctr"/>
-          <a:lstStyle/>
-          <a:p>
-            <a:pPr algn="ctr"/>
-            <a:r>
-              <a:rPr lang="en-US" dirty="0" smtClean="0">
-                <a:solidFill>
-                  <a:schemeClr val="bg1"/>
-                </a:solidFill>
-              </a:rPr>
-              <a:t>Java</a:t>
-            </a:r>
-          </a:p>
-        </p:txBody>
-      </p:sp>
-      <p:sp>
-        <p:nvSpPr>
-          <p:cNvPr id="13" name="Rectangle 12"/>
-          <p:cNvSpPr/>
-          <p:nvPr/>
-        </p:nvSpPr>
-        <p:spPr>
-          <a:xfrm>
-            <a:off x="4527395" y="3869473"/>
-            <a:ext cx="1014761" cy="947854"/>
-          </a:xfrm>
-          <a:prstGeom prst="rect">
-            <a:avLst/>
-          </a:prstGeom>
-          <a:solidFill>
-            <a:srgbClr val="5095D1"/>
-          </a:solidFill>
-          <a:ln>
-            <a:noFill/>
-          </a:ln>
-        </p:spPr>
-        <p:style>
-          <a:lnRef idx="2">
-            <a:schemeClr val="accent1">
-              <a:shade val="50000"/>
-            </a:schemeClr>
-          </a:lnRef>
-          <a:fillRef idx="1">
-            <a:schemeClr val="accent1"/>
-          </a:fillRef>
-          <a:effectRef idx="0">
-            <a:schemeClr val="accent1"/>
-          </a:effectRef>
-          <a:fontRef idx="minor">
-            <a:schemeClr val="lt1"/>
-          </a:fontRef>
-        </p:style>
-        <p:txBody>
-          <a:bodyPr rtlCol="0" anchor="ctr"/>
-          <a:lstStyle/>
-          <a:p>
-            <a:pPr algn="ctr"/>
-            <a:r>
-              <a:rPr lang="en-US" dirty="0" smtClean="0">
-                <a:solidFill>
-                  <a:schemeClr val="bg1"/>
-                </a:solidFill>
-              </a:rPr>
-              <a:t>C++</a:t>
-            </a:r>
-          </a:p>
-        </p:txBody>
-      </p:sp>
-      <p:sp>
-        <p:nvSpPr>
-          <p:cNvPr id="14" name="Rectangle 13"/>
-          <p:cNvSpPr/>
-          <p:nvPr/>
-        </p:nvSpPr>
-        <p:spPr>
-          <a:xfrm>
-            <a:off x="5642517" y="3869473"/>
-            <a:ext cx="1014761" cy="947854"/>
-          </a:xfrm>
-          <a:prstGeom prst="rect">
-            <a:avLst/>
-          </a:prstGeom>
-          <a:solidFill>
-            <a:srgbClr val="5095D1"/>
-          </a:solidFill>
-          <a:ln>
-            <a:noFill/>
-          </a:ln>
-        </p:spPr>
-        <p:style>
-          <a:lnRef idx="2">
-            <a:schemeClr val="accent1">
-              <a:shade val="50000"/>
-            </a:schemeClr>
-          </a:lnRef>
-          <a:fillRef idx="1">
-            <a:schemeClr val="accent1"/>
-          </a:fillRef>
-          <a:effectRef idx="0">
-            <a:schemeClr val="accent1"/>
-          </a:effectRef>
-          <a:fontRef idx="minor">
-            <a:schemeClr val="lt1"/>
-          </a:fontRef>
-        </p:style>
-        <p:txBody>
-          <a:bodyPr rtlCol="0" anchor="ctr"/>
-          <a:lstStyle/>
-          <a:p>
-            <a:pPr algn="ctr"/>
-            <a:r>
-              <a:rPr lang="en-US" dirty="0" smtClean="0">
-                <a:solidFill>
-                  <a:schemeClr val="bg1"/>
-                </a:solidFill>
-              </a:rPr>
-              <a:t>PHP</a:t>
-            </a:r>
-          </a:p>
-        </p:txBody>
-      </p:sp>
-      <p:sp>
-        <p:nvSpPr>
-          <p:cNvPr id="15" name="Rectangle 14"/>
-          <p:cNvSpPr/>
-          <p:nvPr/>
-        </p:nvSpPr>
-        <p:spPr>
-          <a:xfrm>
-            <a:off x="6757639" y="3869473"/>
-            <a:ext cx="1014761" cy="947854"/>
-          </a:xfrm>
-          <a:prstGeom prst="rect">
-            <a:avLst/>
-          </a:prstGeom>
-          <a:solidFill>
-            <a:srgbClr val="5095D1"/>
-          </a:solidFill>
-          <a:ln>
-            <a:noFill/>
-          </a:ln>
-        </p:spPr>
-        <p:style>
-          <a:lnRef idx="2">
-            <a:schemeClr val="accent1">
-              <a:shade val="50000"/>
-            </a:schemeClr>
-          </a:lnRef>
-          <a:fillRef idx="1">
-            <a:schemeClr val="accent1"/>
-          </a:fillRef>
-          <a:effectRef idx="0">
-            <a:schemeClr val="accent1"/>
-          </a:effectRef>
-          <a:fontRef idx="minor">
-            <a:schemeClr val="lt1"/>
-          </a:fontRef>
-        </p:style>
-        <p:txBody>
-          <a:bodyPr rtlCol="0" anchor="ctr"/>
-          <a:lstStyle/>
-          <a:p>
-            <a:pPr algn="ctr"/>
-            <a:r>
-              <a:rPr lang="en-US" dirty="0" smtClean="0">
-                <a:solidFill>
-                  <a:schemeClr val="bg1"/>
-                </a:solidFill>
-              </a:rPr>
-              <a:t>Ruby</a:t>
-            </a:r>
-          </a:p>
-        </p:txBody>
-      </p:sp>
-      <p:sp>
-        <p:nvSpPr>
-          <p:cNvPr id="16" name="Rectangle 15"/>
-          <p:cNvSpPr/>
-          <p:nvPr/>
-        </p:nvSpPr>
-        <p:spPr>
-          <a:xfrm>
-            <a:off x="7872761" y="3869473"/>
-            <a:ext cx="1014761" cy="947854"/>
-          </a:xfrm>
-          <a:prstGeom prst="rect">
-            <a:avLst/>
-          </a:prstGeom>
-          <a:solidFill>
-            <a:srgbClr val="5095D1"/>
-          </a:solidFill>
-          <a:ln>
-            <a:noFill/>
-          </a:ln>
-        </p:spPr>
-        <p:style>
-          <a:lnRef idx="2">
-            <a:schemeClr val="accent1">
-              <a:shade val="50000"/>
-            </a:schemeClr>
-          </a:lnRef>
-          <a:fillRef idx="1">
-            <a:schemeClr val="accent1"/>
-          </a:fillRef>
-          <a:effectRef idx="0">
-            <a:schemeClr val="accent1"/>
-          </a:effectRef>
-          <a:fontRef idx="minor">
-            <a:schemeClr val="lt1"/>
-          </a:fontRef>
-        </p:style>
-        <p:txBody>
-          <a:bodyPr rtlCol="0" anchor="ctr"/>
-          <a:lstStyle/>
-          <a:p>
-            <a:pPr algn="ctr"/>
-            <a:r>
-              <a:rPr lang="en-US" dirty="0" smtClean="0">
-                <a:solidFill>
-                  <a:schemeClr val="bg1"/>
-                </a:solidFill>
-              </a:rPr>
-              <a:t>Python</a:t>
-            </a:r>
-          </a:p>
-        </p:txBody>
-      </p:sp>
-      <p:sp>
-        <p:nvSpPr>
-          <p:cNvPr id="17" name="Rectangle 16"/>
-          <p:cNvSpPr/>
-          <p:nvPr/>
-        </p:nvSpPr>
-        <p:spPr>
-          <a:xfrm>
-            <a:off x="8987883" y="3869473"/>
-            <a:ext cx="1014761" cy="947854"/>
-          </a:xfrm>
-          <a:prstGeom prst="rect">
-            <a:avLst/>
-          </a:prstGeom>
-          <a:solidFill>
-            <a:srgbClr val="5095D1"/>
-          </a:solidFill>
-          <a:ln>
-            <a:noFill/>
-          </a:ln>
-        </p:spPr>
-        <p:style>
-          <a:lnRef idx="2">
-            <a:schemeClr val="accent1">
-              <a:shade val="50000"/>
-            </a:schemeClr>
-          </a:lnRef>
-          <a:fillRef idx="1">
-            <a:schemeClr val="accent1"/>
-          </a:fillRef>
-          <a:effectRef idx="0">
-            <a:schemeClr val="accent1"/>
-          </a:effectRef>
-          <a:fontRef idx="minor">
-            <a:schemeClr val="lt1"/>
-          </a:fontRef>
-        </p:style>
-        <p:txBody>
-          <a:bodyPr rtlCol="0" anchor="ctr"/>
-          <a:lstStyle/>
-          <a:p>
-            <a:pPr algn="ctr"/>
-            <a:r>
-              <a:rPr lang="en-US" dirty="0" smtClean="0">
-                <a:solidFill>
-                  <a:schemeClr val="bg1"/>
-                </a:solidFill>
-              </a:rPr>
-              <a:t>iOS</a:t>
-            </a:r>
-          </a:p>
-        </p:txBody>
-      </p:sp>
-      <p:sp>
-        <p:nvSpPr>
-          <p:cNvPr id="18" name="Rectangle 17"/>
-          <p:cNvSpPr/>
-          <p:nvPr/>
-        </p:nvSpPr>
-        <p:spPr>
-          <a:xfrm>
-            <a:off x="10103005" y="3869473"/>
-            <a:ext cx="1014761" cy="947854"/>
-          </a:xfrm>
-          <a:prstGeom prst="rect">
-            <a:avLst/>
-          </a:prstGeom>
-          <a:solidFill>
-            <a:srgbClr val="5095D1"/>
-          </a:solidFill>
-          <a:ln>
-            <a:noFill/>
-          </a:ln>
-        </p:spPr>
-        <p:style>
-          <a:lnRef idx="2">
-            <a:schemeClr val="accent1">
-              <a:shade val="50000"/>
-            </a:schemeClr>
-          </a:lnRef>
-          <a:fillRef idx="1">
-            <a:schemeClr val="accent1"/>
-          </a:fillRef>
-          <a:effectRef idx="0">
-            <a:schemeClr val="accent1"/>
-          </a:effectRef>
-          <a:fontRef idx="minor">
-            <a:schemeClr val="lt1"/>
-          </a:fontRef>
-        </p:style>
-        <p:txBody>
-          <a:bodyPr rtlCol="0" anchor="ctr"/>
-          <a:lstStyle/>
-          <a:p>
-            <a:pPr algn="ctr"/>
-            <a:r>
-              <a:rPr lang="en-US" dirty="0" err="1" smtClean="0">
-                <a:solidFill>
-                  <a:schemeClr val="bg1"/>
-                </a:solidFill>
-              </a:rPr>
-              <a:t>Xamarin</a:t>
-            </a:r>
-            <a:endParaRPr lang="en-US" dirty="0" smtClean="0">
-              <a:solidFill>
-                <a:schemeClr val="bg1"/>
-              </a:solidFill>
-            </a:endParaRPr>
-          </a:p>
-        </p:txBody>
-      </p:sp>
-    </p:spTree>
-    <p:extLst>
-      <p:ext uri="{BB962C8B-B14F-4D97-AF65-F5344CB8AC3E}">
-        <p14:creationId xmlns:p14="http://schemas.microsoft.com/office/powerpoint/2010/main" val="2058508489"/>
-      </p:ext>
-    </p:extLst>
-  </p:cSld>
-  <p:clrMapOvr>
-    <a:masterClrMapping/>
-  </p:clrMapOvr>
 </p:sld>
 </file>
 

--- a/Workshop/Content/3. Storage/Azure Storage and Cognitive Services.pptx
+++ b/Workshop/Content/3. Storage/Azure Storage and Cognitive Services.pptx
@@ -760,7 +760,11 @@
             </a:r>
             <a:r>
               <a:rPr lang="en-US" baseline="0" dirty="0" smtClean="0"/>
-              <a:t> be handed out to other people because they provide unlimited access to a storage account. SAS tokens are safer because they can be time-limited and set to provide read-only access. The best way to generate a SAS token is with Microsoft's cross-platform Azure Storage Explorer.</a:t>
+              <a:t> be handed out to other people because they provide unlimited access to a storage account. SAS tokens are safer because they can be time-limited and set to provide read-only access. The best way to generate a SAS token is with Microsoft's cross-platform Azure Storage Explorer</a:t>
+            </a:r>
+            <a:r>
+              <a:rPr lang="en-US" baseline="0" dirty="0" smtClean="0"/>
+              <a:t>. For a real-world example of what happens when you fail to protect a storage account's access keys, see http://www.pcworld.com/article/2365602/hacker-puts-full-redundancy-codehosting-firm-out-of-business.html.</a:t>
             </a:r>
             <a:endParaRPr lang="en-US" dirty="0" smtClean="0"/>
           </a:p>
@@ -994,6 +998,230 @@
     <p:extLst>
       <p:ext uri="{BB962C8B-B14F-4D97-AF65-F5344CB8AC3E}">
         <p14:creationId xmlns:p14="http://schemas.microsoft.com/office/powerpoint/2010/main" val="1813930632"/>
+      </p:ext>
+    </p:extLst>
+  </p:cSld>
+  <p:clrMapOvr>
+    <a:masterClrMapping/>
+  </p:clrMapOvr>
+</p:notes>
+</file>
+
+<file path=ppt/notesSlides/notesSlide6.xml><?xml version="1.0" encoding="utf-8"?>
+<p:notes xmlns:a="http://schemas.openxmlformats.org/drawingml/2006/main" xmlns:r="http://schemas.openxmlformats.org/officeDocument/2006/relationships" xmlns:p="http://schemas.openxmlformats.org/presentationml/2006/main">
+  <p:cSld>
+    <p:spTree>
+      <p:nvGrpSpPr>
+        <p:cNvPr id="1" name=""/>
+        <p:cNvGrpSpPr/>
+        <p:nvPr/>
+      </p:nvGrpSpPr>
+      <p:grpSpPr>
+        <a:xfrm>
+          <a:off x="0" y="0"/>
+          <a:ext cx="0" cy="0"/>
+          <a:chOff x="0" y="0"/>
+          <a:chExt cx="0" cy="0"/>
+        </a:xfrm>
+      </p:grpSpPr>
+      <p:sp>
+        <p:nvSpPr>
+          <p:cNvPr id="2" name="Slide Image Placeholder 1"/>
+          <p:cNvSpPr>
+            <a:spLocks noGrp="1" noRot="1" noChangeAspect="1"/>
+          </p:cNvSpPr>
+          <p:nvPr>
+            <p:ph type="sldImg"/>
+          </p:nvPr>
+        </p:nvSpPr>
+        <p:spPr/>
+      </p:sp>
+      <p:sp>
+        <p:nvSpPr>
+          <p:cNvPr id="3" name="Notes Placeholder 2"/>
+          <p:cNvSpPr>
+            <a:spLocks noGrp="1"/>
+          </p:cNvSpPr>
+          <p:nvPr>
+            <p:ph type="body" idx="1"/>
+          </p:nvPr>
+        </p:nvSpPr>
+        <p:spPr/>
+        <p:txBody>
+          <a:bodyPr/>
+          <a:lstStyle/>
+          <a:p>
+            <a:r>
+              <a:rPr lang="en-US" sz="1200" b="0" i="0" kern="1200" dirty="0" smtClean="0">
+                <a:solidFill>
+                  <a:schemeClr val="tx1"/>
+                </a:solidFill>
+                <a:effectLst/>
+                <a:latin typeface="+mn-lt"/>
+                <a:ea typeface="+mn-ea"/>
+                <a:cs typeface="+mn-cs"/>
+              </a:rPr>
+              <a:t> </a:t>
+            </a:r>
+            <a:r>
+              <a:rPr lang="en-US" sz="1200" b="0" i="0" u="none" strike="noStrike" kern="1200" dirty="0" smtClean="0">
+                <a:solidFill>
+                  <a:schemeClr val="tx1"/>
+                </a:solidFill>
+                <a:effectLst/>
+                <a:latin typeface="+mn-lt"/>
+                <a:ea typeface="+mn-ea"/>
+                <a:cs typeface="+mn-cs"/>
+              </a:rPr>
+              <a:t>Microsoft Cognitive Services</a:t>
+            </a:r>
+            <a:r>
+              <a:rPr lang="en-US" sz="1200" b="0" i="0" u="none" strike="noStrike" kern="1200" baseline="0" dirty="0" smtClean="0">
+                <a:solidFill>
+                  <a:schemeClr val="tx1"/>
+                </a:solidFill>
+                <a:effectLst/>
+                <a:latin typeface="+mn-lt"/>
+                <a:ea typeface="+mn-ea"/>
+                <a:cs typeface="+mn-cs"/>
+              </a:rPr>
+              <a:t> is </a:t>
+            </a:r>
+            <a:r>
+              <a:rPr lang="en-US" sz="1200" b="0" i="0" kern="1200" dirty="0" smtClean="0">
+                <a:solidFill>
+                  <a:schemeClr val="tx1"/>
+                </a:solidFill>
+                <a:effectLst/>
+                <a:latin typeface="+mn-lt"/>
+                <a:ea typeface="+mn-ea"/>
+                <a:cs typeface="+mn-cs"/>
+              </a:rPr>
+              <a:t>a set of intelligent APIs for building equally intelligent applications. It currently offers 21 different API for analyzing images, videos, text, and much more. For more information, visit https://www.microsoft.com/cognitive-services.</a:t>
+            </a:r>
+            <a:endParaRPr lang="en-US" dirty="0"/>
+          </a:p>
+        </p:txBody>
+      </p:sp>
+      <p:sp>
+        <p:nvSpPr>
+          <p:cNvPr id="4" name="Slide Number Placeholder 3"/>
+          <p:cNvSpPr>
+            <a:spLocks noGrp="1"/>
+          </p:cNvSpPr>
+          <p:nvPr>
+            <p:ph type="sldNum" sz="quarter" idx="10"/>
+          </p:nvPr>
+        </p:nvSpPr>
+        <p:spPr/>
+        <p:txBody>
+          <a:bodyPr/>
+          <a:lstStyle/>
+          <a:p>
+            <a:fld id="{01283FAC-A721-45A3-BBDE-EAF2B09B7CD9}" type="slidenum">
+              <a:rPr lang="en-US" smtClean="0"/>
+              <a:t>19</a:t>
+            </a:fld>
+            <a:endParaRPr lang="en-US"/>
+          </a:p>
+        </p:txBody>
+      </p:sp>
+    </p:spTree>
+    <p:extLst>
+      <p:ext uri="{BB962C8B-B14F-4D97-AF65-F5344CB8AC3E}">
+        <p14:creationId xmlns:p14="http://schemas.microsoft.com/office/powerpoint/2010/main" val="2599400582"/>
+      </p:ext>
+    </p:extLst>
+  </p:cSld>
+  <p:clrMapOvr>
+    <a:masterClrMapping/>
+  </p:clrMapOvr>
+</p:notes>
+</file>
+
+<file path=ppt/notesSlides/notesSlide7.xml><?xml version="1.0" encoding="utf-8"?>
+<p:notes xmlns:a="http://schemas.openxmlformats.org/drawingml/2006/main" xmlns:r="http://schemas.openxmlformats.org/officeDocument/2006/relationships" xmlns:p="http://schemas.openxmlformats.org/presentationml/2006/main">
+  <p:cSld>
+    <p:spTree>
+      <p:nvGrpSpPr>
+        <p:cNvPr id="1" name=""/>
+        <p:cNvGrpSpPr/>
+        <p:nvPr/>
+      </p:nvGrpSpPr>
+      <p:grpSpPr>
+        <a:xfrm>
+          <a:off x="0" y="0"/>
+          <a:ext cx="0" cy="0"/>
+          <a:chOff x="0" y="0"/>
+          <a:chExt cx="0" cy="0"/>
+        </a:xfrm>
+      </p:grpSpPr>
+      <p:sp>
+        <p:nvSpPr>
+          <p:cNvPr id="2" name="Slide Image Placeholder 1"/>
+          <p:cNvSpPr>
+            <a:spLocks noGrp="1" noRot="1" noChangeAspect="1"/>
+          </p:cNvSpPr>
+          <p:nvPr>
+            <p:ph type="sldImg"/>
+          </p:nvPr>
+        </p:nvSpPr>
+        <p:spPr/>
+      </p:sp>
+      <p:sp>
+        <p:nvSpPr>
+          <p:cNvPr id="3" name="Notes Placeholder 2"/>
+          <p:cNvSpPr>
+            <a:spLocks noGrp="1"/>
+          </p:cNvSpPr>
+          <p:nvPr>
+            <p:ph type="body" idx="1"/>
+          </p:nvPr>
+        </p:nvSpPr>
+        <p:spPr/>
+        <p:txBody>
+          <a:bodyPr/>
+          <a:lstStyle/>
+          <a:p>
+            <a:r>
+              <a:rPr lang="en-US" dirty="0" smtClean="0"/>
+              <a:t>The Computer Vision API, part of Cognitive</a:t>
+            </a:r>
+            <a:r>
+              <a:rPr lang="en-US" baseline="0" dirty="0" smtClean="0"/>
+              <a:t> Services, offers methods for captioning images, generating metadata keywords, recognizing celebrities, reading text, and generating "smart" thumbnails. For more information, visit https://www.microsoft.com/cognitive-services/en-us/computer-vision-api.</a:t>
+            </a:r>
+            <a:endParaRPr lang="en-US" dirty="0"/>
+          </a:p>
+        </p:txBody>
+      </p:sp>
+      <p:sp>
+        <p:nvSpPr>
+          <p:cNvPr id="4" name="Slide Number Placeholder 3"/>
+          <p:cNvSpPr>
+            <a:spLocks noGrp="1"/>
+          </p:cNvSpPr>
+          <p:nvPr>
+            <p:ph type="sldNum" sz="quarter" idx="10"/>
+          </p:nvPr>
+        </p:nvSpPr>
+        <p:spPr/>
+        <p:txBody>
+          <a:bodyPr/>
+          <a:lstStyle/>
+          <a:p>
+            <a:fld id="{01283FAC-A721-45A3-BBDE-EAF2B09B7CD9}" type="slidenum">
+              <a:rPr lang="en-US" smtClean="0"/>
+              <a:t>20</a:t>
+            </a:fld>
+            <a:endParaRPr lang="en-US"/>
+          </a:p>
+        </p:txBody>
+      </p:sp>
+    </p:spTree>
+    <p:extLst>
+      <p:ext uri="{BB962C8B-B14F-4D97-AF65-F5344CB8AC3E}">
+        <p14:creationId xmlns:p14="http://schemas.microsoft.com/office/powerpoint/2010/main" val="3186057134"/>
       </p:ext>
     </p:extLst>
   </p:cSld>
@@ -21175,7 +21403,7 @@
           <p:nvPr/>
         </p:nvPicPr>
         <p:blipFill>
-          <a:blip r:embed="rId2"/>
+          <a:blip r:embed="rId3"/>
           <a:stretch>
             <a:fillRect/>
           </a:stretch>
@@ -21908,13 +22136,29 @@
           <a:p>
             <a:r>
               <a:rPr lang="en-US" dirty="0" smtClean="0"/>
-              <a:t>Azure Storage HOL (MVC).html</a:t>
+              <a:t>Azure Storage </a:t>
+            </a:r>
+            <a:r>
+              <a:rPr lang="en-US" dirty="0" smtClean="0"/>
+              <a:t>and Cognitive Services HOL </a:t>
+            </a:r>
+            <a:r>
+              <a:rPr lang="en-US" dirty="0" smtClean="0"/>
+              <a:t>(MVC).html</a:t>
             </a:r>
           </a:p>
           <a:p>
             <a:r>
               <a:rPr lang="en-US" dirty="0"/>
-              <a:t>Azure Storage HOL </a:t>
+              <a:t>Azure </a:t>
+            </a:r>
+            <a:r>
+              <a:rPr lang="en-US" dirty="0"/>
+              <a:t>Storage and Cognitive Services </a:t>
+            </a:r>
+            <a:r>
+              <a:rPr lang="en-US" dirty="0" smtClean="0"/>
+              <a:t>HOL </a:t>
             </a:r>
             <a:r>
               <a:rPr lang="en-US" dirty="0" smtClean="0"/>

--- a/Workshop/Content/3. Storage/Azure Storage and Cognitive Services.pptx
+++ b/Workshop/Content/3. Storage/Azure Storage and Cognitive Services.pptx
@@ -221,7 +221,7 @@
           <a:p>
             <a:fld id="{49B60EF2-7028-489F-85D8-FE86CD7CF2A0}" type="datetimeFigureOut">
               <a:rPr lang="en-US" smtClean="0"/>
-              <a:t>6/21/2016</a:t>
+              <a:t>6/22/2016</a:t>
             </a:fld>
             <a:endParaRPr lang="en-US"/>
           </a:p>
@@ -572,6 +572,727 @@
 </p:notes>
 </file>
 
+<file path=ppt/notesSlides/notesSlide10.xml><?xml version="1.0" encoding="utf-8"?>
+<p:notes xmlns:a="http://schemas.openxmlformats.org/drawingml/2006/main" xmlns:r="http://schemas.openxmlformats.org/officeDocument/2006/relationships" xmlns:p="http://schemas.openxmlformats.org/presentationml/2006/main">
+  <p:cSld>
+    <p:spTree>
+      <p:nvGrpSpPr>
+        <p:cNvPr id="1" name=""/>
+        <p:cNvGrpSpPr/>
+        <p:nvPr/>
+      </p:nvGrpSpPr>
+      <p:grpSpPr>
+        <a:xfrm>
+          <a:off x="0" y="0"/>
+          <a:ext cx="0" cy="0"/>
+          <a:chOff x="0" y="0"/>
+          <a:chExt cx="0" cy="0"/>
+        </a:xfrm>
+      </p:grpSpPr>
+      <p:sp>
+        <p:nvSpPr>
+          <p:cNvPr id="2" name="Slide Image Placeholder 1"/>
+          <p:cNvSpPr>
+            <a:spLocks noGrp="1" noRot="1" noChangeAspect="1"/>
+          </p:cNvSpPr>
+          <p:nvPr>
+            <p:ph type="sldImg"/>
+          </p:nvPr>
+        </p:nvSpPr>
+        <p:spPr/>
+      </p:sp>
+      <p:sp>
+        <p:nvSpPr>
+          <p:cNvPr id="3" name="Notes Placeholder 2"/>
+          <p:cNvSpPr>
+            <a:spLocks noGrp="1"/>
+          </p:cNvSpPr>
+          <p:nvPr>
+            <p:ph type="body" idx="1"/>
+          </p:nvPr>
+        </p:nvSpPr>
+        <p:spPr/>
+        <p:txBody>
+          <a:bodyPr/>
+          <a:lstStyle/>
+          <a:p>
+            <a:pPr marL="0" marR="0" indent="0" algn="l" defTabSz="914400" rtl="0" eaLnBrk="1" fontAlgn="auto" latinLnBrk="0" hangingPunct="1">
+              <a:lnSpc>
+                <a:spcPct val="100000"/>
+              </a:lnSpc>
+              <a:spcBef>
+                <a:spcPts val="0"/>
+              </a:spcBef>
+              <a:spcAft>
+                <a:spcPts val="0"/>
+              </a:spcAft>
+              <a:buClrTx/>
+              <a:buSzTx/>
+              <a:buFontTx/>
+              <a:buNone/>
+              <a:tabLst/>
+              <a:defRPr/>
+            </a:pPr>
+            <a:r>
+              <a:rPr lang="en-US" dirty="0" smtClean="0"/>
+              <a:t>The Microsoft Azure Storage Explorer provides an easy-to-use</a:t>
+            </a:r>
+            <a:r>
+              <a:rPr lang="en-US" baseline="0" dirty="0" smtClean="0"/>
+              <a:t> GUI interface for creating containers, uploading and downloading blobs, generating SAS tokens, and more. But if you want to use a scripting language such as Bash or PowerShell to script storage operations, the Azure CLI is the way to go.</a:t>
+            </a:r>
+            <a:endParaRPr lang="en-US" dirty="0" smtClean="0"/>
+          </a:p>
+        </p:txBody>
+      </p:sp>
+      <p:sp>
+        <p:nvSpPr>
+          <p:cNvPr id="4" name="Slide Number Placeholder 3"/>
+          <p:cNvSpPr>
+            <a:spLocks noGrp="1"/>
+          </p:cNvSpPr>
+          <p:nvPr>
+            <p:ph type="sldNum" sz="quarter" idx="10"/>
+          </p:nvPr>
+        </p:nvSpPr>
+        <p:spPr/>
+        <p:txBody>
+          <a:bodyPr/>
+          <a:lstStyle/>
+          <a:p>
+            <a:fld id="{01283FAC-A721-45A3-BBDE-EAF2B09B7CD9}" type="slidenum">
+              <a:rPr lang="en-US" smtClean="0"/>
+              <a:t>10</a:t>
+            </a:fld>
+            <a:endParaRPr lang="en-US"/>
+          </a:p>
+        </p:txBody>
+      </p:sp>
+    </p:spTree>
+    <p:extLst>
+      <p:ext uri="{BB962C8B-B14F-4D97-AF65-F5344CB8AC3E}">
+        <p14:creationId xmlns:p14="http://schemas.microsoft.com/office/powerpoint/2010/main" val="2058981737"/>
+      </p:ext>
+    </p:extLst>
+  </p:cSld>
+  <p:clrMapOvr>
+    <a:masterClrMapping/>
+  </p:clrMapOvr>
+</p:notes>
+</file>
+
+<file path=ppt/notesSlides/notesSlide11.xml><?xml version="1.0" encoding="utf-8"?>
+<p:notes xmlns:a="http://schemas.openxmlformats.org/drawingml/2006/main" xmlns:r="http://schemas.openxmlformats.org/officeDocument/2006/relationships" xmlns:p="http://schemas.openxmlformats.org/presentationml/2006/main">
+  <p:cSld>
+    <p:spTree>
+      <p:nvGrpSpPr>
+        <p:cNvPr id="1" name=""/>
+        <p:cNvGrpSpPr/>
+        <p:nvPr/>
+      </p:nvGrpSpPr>
+      <p:grpSpPr>
+        <a:xfrm>
+          <a:off x="0" y="0"/>
+          <a:ext cx="0" cy="0"/>
+          <a:chOff x="0" y="0"/>
+          <a:chExt cx="0" cy="0"/>
+        </a:xfrm>
+      </p:grpSpPr>
+      <p:sp>
+        <p:nvSpPr>
+          <p:cNvPr id="2" name="Slide Image Placeholder 1"/>
+          <p:cNvSpPr>
+            <a:spLocks noGrp="1" noRot="1" noChangeAspect="1"/>
+          </p:cNvSpPr>
+          <p:nvPr>
+            <p:ph type="sldImg"/>
+          </p:nvPr>
+        </p:nvSpPr>
+        <p:spPr/>
+      </p:sp>
+      <p:sp>
+        <p:nvSpPr>
+          <p:cNvPr id="3" name="Notes Placeholder 2"/>
+          <p:cNvSpPr>
+            <a:spLocks noGrp="1"/>
+          </p:cNvSpPr>
+          <p:nvPr>
+            <p:ph type="body" idx="1"/>
+          </p:nvPr>
+        </p:nvSpPr>
+        <p:spPr/>
+        <p:txBody>
+          <a:bodyPr/>
+          <a:lstStyle/>
+          <a:p>
+            <a:r>
+              <a:rPr lang="en-US" dirty="0" smtClean="0"/>
+              <a:t>Azure provides a very rich REST-based API for blob</a:t>
+            </a:r>
+            <a:r>
+              <a:rPr lang="en-US" baseline="0" dirty="0" smtClean="0"/>
+              <a:t> storage. Microsoft also provides free libraries/SDKs for popular platforms and languages that wrap the REST API and simplify the code that you write.</a:t>
+            </a:r>
+            <a:endParaRPr lang="en-US" dirty="0"/>
+          </a:p>
+        </p:txBody>
+      </p:sp>
+      <p:sp>
+        <p:nvSpPr>
+          <p:cNvPr id="4" name="Slide Number Placeholder 3"/>
+          <p:cNvSpPr>
+            <a:spLocks noGrp="1"/>
+          </p:cNvSpPr>
+          <p:nvPr>
+            <p:ph type="sldNum" sz="quarter" idx="10"/>
+          </p:nvPr>
+        </p:nvSpPr>
+        <p:spPr/>
+        <p:txBody>
+          <a:bodyPr/>
+          <a:lstStyle/>
+          <a:p>
+            <a:fld id="{01283FAC-A721-45A3-BBDE-EAF2B09B7CD9}" type="slidenum">
+              <a:rPr lang="en-US" smtClean="0"/>
+              <a:t>11</a:t>
+            </a:fld>
+            <a:endParaRPr lang="en-US"/>
+          </a:p>
+        </p:txBody>
+      </p:sp>
+    </p:spTree>
+    <p:extLst>
+      <p:ext uri="{BB962C8B-B14F-4D97-AF65-F5344CB8AC3E}">
+        <p14:creationId xmlns:p14="http://schemas.microsoft.com/office/powerpoint/2010/main" val="242568734"/>
+      </p:ext>
+    </p:extLst>
+  </p:cSld>
+  <p:clrMapOvr>
+    <a:masterClrMapping/>
+  </p:clrMapOvr>
+</p:notes>
+</file>
+
+<file path=ppt/notesSlides/notesSlide12.xml><?xml version="1.0" encoding="utf-8"?>
+<p:notes xmlns:a="http://schemas.openxmlformats.org/drawingml/2006/main" xmlns:r="http://schemas.openxmlformats.org/officeDocument/2006/relationships" xmlns:p="http://schemas.openxmlformats.org/presentationml/2006/main">
+  <p:cSld>
+    <p:spTree>
+      <p:nvGrpSpPr>
+        <p:cNvPr id="1" name=""/>
+        <p:cNvGrpSpPr/>
+        <p:nvPr/>
+      </p:nvGrpSpPr>
+      <p:grpSpPr>
+        <a:xfrm>
+          <a:off x="0" y="0"/>
+          <a:ext cx="0" cy="0"/>
+          <a:chOff x="0" y="0"/>
+          <a:chExt cx="0" cy="0"/>
+        </a:xfrm>
+      </p:grpSpPr>
+      <p:sp>
+        <p:nvSpPr>
+          <p:cNvPr id="2" name="Slide Image Placeholder 1"/>
+          <p:cNvSpPr>
+            <a:spLocks noGrp="1" noRot="1" noChangeAspect="1"/>
+          </p:cNvSpPr>
+          <p:nvPr>
+            <p:ph type="sldImg"/>
+          </p:nvPr>
+        </p:nvSpPr>
+        <p:spPr/>
+      </p:sp>
+      <p:sp>
+        <p:nvSpPr>
+          <p:cNvPr id="3" name="Notes Placeholder 2"/>
+          <p:cNvSpPr>
+            <a:spLocks noGrp="1"/>
+          </p:cNvSpPr>
+          <p:nvPr>
+            <p:ph type="body" idx="1"/>
+          </p:nvPr>
+        </p:nvSpPr>
+        <p:spPr/>
+        <p:txBody>
+          <a:bodyPr/>
+          <a:lstStyle/>
+          <a:p>
+            <a:r>
+              <a:rPr lang="en-US" dirty="0" smtClean="0"/>
+              <a:t>Cognitive</a:t>
+            </a:r>
+            <a:r>
+              <a:rPr lang="en-US" baseline="0" dirty="0" smtClean="0"/>
+              <a:t> Services includes 21 APIs that fall into five categories: vision, speech, language, knowledge, and search.</a:t>
+            </a:r>
+            <a:endParaRPr lang="en-US" dirty="0"/>
+          </a:p>
+        </p:txBody>
+      </p:sp>
+      <p:sp>
+        <p:nvSpPr>
+          <p:cNvPr id="4" name="Slide Number Placeholder 3"/>
+          <p:cNvSpPr>
+            <a:spLocks noGrp="1"/>
+          </p:cNvSpPr>
+          <p:nvPr>
+            <p:ph type="sldNum" sz="quarter" idx="10"/>
+          </p:nvPr>
+        </p:nvSpPr>
+        <p:spPr/>
+        <p:txBody>
+          <a:bodyPr/>
+          <a:lstStyle/>
+          <a:p>
+            <a:fld id="{01283FAC-A721-45A3-BBDE-EAF2B09B7CD9}" type="slidenum">
+              <a:rPr lang="en-US" smtClean="0"/>
+              <a:t>18</a:t>
+            </a:fld>
+            <a:endParaRPr lang="en-US"/>
+          </a:p>
+        </p:txBody>
+      </p:sp>
+    </p:spTree>
+    <p:extLst>
+      <p:ext uri="{BB962C8B-B14F-4D97-AF65-F5344CB8AC3E}">
+        <p14:creationId xmlns:p14="http://schemas.microsoft.com/office/powerpoint/2010/main" val="1813930632"/>
+      </p:ext>
+    </p:extLst>
+  </p:cSld>
+  <p:clrMapOvr>
+    <a:masterClrMapping/>
+  </p:clrMapOvr>
+</p:notes>
+</file>
+
+<file path=ppt/notesSlides/notesSlide13.xml><?xml version="1.0" encoding="utf-8"?>
+<p:notes xmlns:a="http://schemas.openxmlformats.org/drawingml/2006/main" xmlns:r="http://schemas.openxmlformats.org/officeDocument/2006/relationships" xmlns:p="http://schemas.openxmlformats.org/presentationml/2006/main">
+  <p:cSld>
+    <p:spTree>
+      <p:nvGrpSpPr>
+        <p:cNvPr id="1" name=""/>
+        <p:cNvGrpSpPr/>
+        <p:nvPr/>
+      </p:nvGrpSpPr>
+      <p:grpSpPr>
+        <a:xfrm>
+          <a:off x="0" y="0"/>
+          <a:ext cx="0" cy="0"/>
+          <a:chOff x="0" y="0"/>
+          <a:chExt cx="0" cy="0"/>
+        </a:xfrm>
+      </p:grpSpPr>
+      <p:sp>
+        <p:nvSpPr>
+          <p:cNvPr id="2" name="Slide Image Placeholder 1"/>
+          <p:cNvSpPr>
+            <a:spLocks noGrp="1" noRot="1" noChangeAspect="1"/>
+          </p:cNvSpPr>
+          <p:nvPr>
+            <p:ph type="sldImg"/>
+          </p:nvPr>
+        </p:nvSpPr>
+        <p:spPr/>
+      </p:sp>
+      <p:sp>
+        <p:nvSpPr>
+          <p:cNvPr id="3" name="Notes Placeholder 2"/>
+          <p:cNvSpPr>
+            <a:spLocks noGrp="1"/>
+          </p:cNvSpPr>
+          <p:nvPr>
+            <p:ph type="body" idx="1"/>
+          </p:nvPr>
+        </p:nvSpPr>
+        <p:spPr/>
+        <p:txBody>
+          <a:bodyPr/>
+          <a:lstStyle/>
+          <a:p>
+            <a:r>
+              <a:rPr lang="en-US" sz="1200" b="0" i="0" kern="1200" dirty="0" smtClean="0">
+                <a:solidFill>
+                  <a:schemeClr val="tx1"/>
+                </a:solidFill>
+                <a:effectLst/>
+                <a:latin typeface="+mn-lt"/>
+                <a:ea typeface="+mn-ea"/>
+                <a:cs typeface="+mn-cs"/>
+              </a:rPr>
+              <a:t> </a:t>
+            </a:r>
+            <a:r>
+              <a:rPr lang="en-US" sz="1200" b="0" i="0" u="none" strike="noStrike" kern="1200" dirty="0" smtClean="0">
+                <a:solidFill>
+                  <a:schemeClr val="tx1"/>
+                </a:solidFill>
+                <a:effectLst/>
+                <a:latin typeface="+mn-lt"/>
+                <a:ea typeface="+mn-ea"/>
+                <a:cs typeface="+mn-cs"/>
+              </a:rPr>
+              <a:t>Microsoft Cognitive Services</a:t>
+            </a:r>
+            <a:r>
+              <a:rPr lang="en-US" sz="1200" b="0" i="0" u="none" strike="noStrike" kern="1200" baseline="0" dirty="0" smtClean="0">
+                <a:solidFill>
+                  <a:schemeClr val="tx1"/>
+                </a:solidFill>
+                <a:effectLst/>
+                <a:latin typeface="+mn-lt"/>
+                <a:ea typeface="+mn-ea"/>
+                <a:cs typeface="+mn-cs"/>
+              </a:rPr>
+              <a:t> is </a:t>
+            </a:r>
+            <a:r>
+              <a:rPr lang="en-US" sz="1200" b="0" i="0" kern="1200" dirty="0" smtClean="0">
+                <a:solidFill>
+                  <a:schemeClr val="tx1"/>
+                </a:solidFill>
+                <a:effectLst/>
+                <a:latin typeface="+mn-lt"/>
+                <a:ea typeface="+mn-ea"/>
+                <a:cs typeface="+mn-cs"/>
+              </a:rPr>
+              <a:t>a set of intelligent APIs for building equally intelligent applications. It currently offers 21 different API for analyzing images, videos, text, and much more. For more information, visit https://www.microsoft.com/cognitive-services.</a:t>
+            </a:r>
+            <a:endParaRPr lang="en-US" dirty="0"/>
+          </a:p>
+        </p:txBody>
+      </p:sp>
+      <p:sp>
+        <p:nvSpPr>
+          <p:cNvPr id="4" name="Slide Number Placeholder 3"/>
+          <p:cNvSpPr>
+            <a:spLocks noGrp="1"/>
+          </p:cNvSpPr>
+          <p:nvPr>
+            <p:ph type="sldNum" sz="quarter" idx="10"/>
+          </p:nvPr>
+        </p:nvSpPr>
+        <p:spPr/>
+        <p:txBody>
+          <a:bodyPr/>
+          <a:lstStyle/>
+          <a:p>
+            <a:fld id="{01283FAC-A721-45A3-BBDE-EAF2B09B7CD9}" type="slidenum">
+              <a:rPr lang="en-US" smtClean="0"/>
+              <a:t>19</a:t>
+            </a:fld>
+            <a:endParaRPr lang="en-US"/>
+          </a:p>
+        </p:txBody>
+      </p:sp>
+    </p:spTree>
+    <p:extLst>
+      <p:ext uri="{BB962C8B-B14F-4D97-AF65-F5344CB8AC3E}">
+        <p14:creationId xmlns:p14="http://schemas.microsoft.com/office/powerpoint/2010/main" val="2599400582"/>
+      </p:ext>
+    </p:extLst>
+  </p:cSld>
+  <p:clrMapOvr>
+    <a:masterClrMapping/>
+  </p:clrMapOvr>
+</p:notes>
+</file>
+
+<file path=ppt/notesSlides/notesSlide14.xml><?xml version="1.0" encoding="utf-8"?>
+<p:notes xmlns:a="http://schemas.openxmlformats.org/drawingml/2006/main" xmlns:r="http://schemas.openxmlformats.org/officeDocument/2006/relationships" xmlns:p="http://schemas.openxmlformats.org/presentationml/2006/main">
+  <p:cSld>
+    <p:spTree>
+      <p:nvGrpSpPr>
+        <p:cNvPr id="1" name=""/>
+        <p:cNvGrpSpPr/>
+        <p:nvPr/>
+      </p:nvGrpSpPr>
+      <p:grpSpPr>
+        <a:xfrm>
+          <a:off x="0" y="0"/>
+          <a:ext cx="0" cy="0"/>
+          <a:chOff x="0" y="0"/>
+          <a:chExt cx="0" cy="0"/>
+        </a:xfrm>
+      </p:grpSpPr>
+      <p:sp>
+        <p:nvSpPr>
+          <p:cNvPr id="2" name="Slide Image Placeholder 1"/>
+          <p:cNvSpPr>
+            <a:spLocks noGrp="1" noRot="1" noChangeAspect="1"/>
+          </p:cNvSpPr>
+          <p:nvPr>
+            <p:ph type="sldImg"/>
+          </p:nvPr>
+        </p:nvSpPr>
+        <p:spPr/>
+      </p:sp>
+      <p:sp>
+        <p:nvSpPr>
+          <p:cNvPr id="3" name="Notes Placeholder 2"/>
+          <p:cNvSpPr>
+            <a:spLocks noGrp="1"/>
+          </p:cNvSpPr>
+          <p:nvPr>
+            <p:ph type="body" idx="1"/>
+          </p:nvPr>
+        </p:nvSpPr>
+        <p:spPr/>
+        <p:txBody>
+          <a:bodyPr/>
+          <a:lstStyle/>
+          <a:p>
+            <a:r>
+              <a:rPr lang="en-US" dirty="0" smtClean="0"/>
+              <a:t>The Computer Vision API, part of Cognitive</a:t>
+            </a:r>
+            <a:r>
+              <a:rPr lang="en-US" baseline="0" dirty="0" smtClean="0"/>
+              <a:t> Services, offers methods for captioning images, generating metadata keywords, recognizing celebrities, reading text, and generating "smart" thumbnails. For more information, visit https://www.microsoft.com/cognitive-services/en-us/computer-vision-api.</a:t>
+            </a:r>
+            <a:endParaRPr lang="en-US" dirty="0"/>
+          </a:p>
+        </p:txBody>
+      </p:sp>
+      <p:sp>
+        <p:nvSpPr>
+          <p:cNvPr id="4" name="Slide Number Placeholder 3"/>
+          <p:cNvSpPr>
+            <a:spLocks noGrp="1"/>
+          </p:cNvSpPr>
+          <p:nvPr>
+            <p:ph type="sldNum" sz="quarter" idx="10"/>
+          </p:nvPr>
+        </p:nvSpPr>
+        <p:spPr/>
+        <p:txBody>
+          <a:bodyPr/>
+          <a:lstStyle/>
+          <a:p>
+            <a:fld id="{01283FAC-A721-45A3-BBDE-EAF2B09B7CD9}" type="slidenum">
+              <a:rPr lang="en-US" smtClean="0"/>
+              <a:t>20</a:t>
+            </a:fld>
+            <a:endParaRPr lang="en-US"/>
+          </a:p>
+        </p:txBody>
+      </p:sp>
+    </p:spTree>
+    <p:extLst>
+      <p:ext uri="{BB962C8B-B14F-4D97-AF65-F5344CB8AC3E}">
+        <p14:creationId xmlns:p14="http://schemas.microsoft.com/office/powerpoint/2010/main" val="3186057134"/>
+      </p:ext>
+    </p:extLst>
+  </p:cSld>
+  <p:clrMapOvr>
+    <a:masterClrMapping/>
+  </p:clrMapOvr>
+</p:notes>
+</file>
+
+<file path=ppt/notesSlides/notesSlide15.xml><?xml version="1.0" encoding="utf-8"?>
+<p:notes xmlns:a="http://schemas.openxmlformats.org/drawingml/2006/main" xmlns:r="http://schemas.openxmlformats.org/officeDocument/2006/relationships" xmlns:p="http://schemas.openxmlformats.org/presentationml/2006/main">
+  <p:cSld>
+    <p:spTree>
+      <p:nvGrpSpPr>
+        <p:cNvPr id="1" name=""/>
+        <p:cNvGrpSpPr/>
+        <p:nvPr/>
+      </p:nvGrpSpPr>
+      <p:grpSpPr>
+        <a:xfrm>
+          <a:off x="0" y="0"/>
+          <a:ext cx="0" cy="0"/>
+          <a:chOff x="0" y="0"/>
+          <a:chExt cx="0" cy="0"/>
+        </a:xfrm>
+      </p:grpSpPr>
+      <p:sp>
+        <p:nvSpPr>
+          <p:cNvPr id="2" name="Slide Image Placeholder 1"/>
+          <p:cNvSpPr>
+            <a:spLocks noGrp="1" noRot="1" noChangeAspect="1"/>
+          </p:cNvSpPr>
+          <p:nvPr>
+            <p:ph type="sldImg"/>
+          </p:nvPr>
+        </p:nvSpPr>
+        <p:spPr/>
+      </p:sp>
+      <p:sp>
+        <p:nvSpPr>
+          <p:cNvPr id="3" name="Notes Placeholder 2"/>
+          <p:cNvSpPr>
+            <a:spLocks noGrp="1"/>
+          </p:cNvSpPr>
+          <p:nvPr>
+            <p:ph type="body" idx="1"/>
+          </p:nvPr>
+        </p:nvSpPr>
+        <p:spPr/>
+        <p:txBody>
+          <a:bodyPr/>
+          <a:lstStyle/>
+          <a:p>
+            <a:r>
+              <a:rPr lang="en-US" dirty="0" smtClean="0"/>
+              <a:t>Students will write</a:t>
+            </a:r>
+            <a:r>
+              <a:rPr lang="en-US" baseline="0" dirty="0" smtClean="0"/>
+              <a:t> code similar to this in the next lab to submit images uploaded to a Web site to the Computer Vision API in order to generate captions and search keywords. This example is written in C# for Microsoft .NET.</a:t>
+            </a:r>
+            <a:endParaRPr lang="en-US" dirty="0"/>
+          </a:p>
+        </p:txBody>
+      </p:sp>
+      <p:sp>
+        <p:nvSpPr>
+          <p:cNvPr id="4" name="Slide Number Placeholder 3"/>
+          <p:cNvSpPr>
+            <a:spLocks noGrp="1"/>
+          </p:cNvSpPr>
+          <p:nvPr>
+            <p:ph type="sldNum" sz="quarter" idx="10"/>
+          </p:nvPr>
+        </p:nvSpPr>
+        <p:spPr/>
+        <p:txBody>
+          <a:bodyPr/>
+          <a:lstStyle/>
+          <a:p>
+            <a:fld id="{01283FAC-A721-45A3-BBDE-EAF2B09B7CD9}" type="slidenum">
+              <a:rPr lang="en-US" smtClean="0"/>
+              <a:t>21</a:t>
+            </a:fld>
+            <a:endParaRPr lang="en-US"/>
+          </a:p>
+        </p:txBody>
+      </p:sp>
+    </p:spTree>
+    <p:extLst>
+      <p:ext uri="{BB962C8B-B14F-4D97-AF65-F5344CB8AC3E}">
+        <p14:creationId xmlns:p14="http://schemas.microsoft.com/office/powerpoint/2010/main" val="2539245944"/>
+      </p:ext>
+    </p:extLst>
+  </p:cSld>
+  <p:clrMapOvr>
+    <a:masterClrMapping/>
+  </p:clrMapOvr>
+</p:notes>
+</file>
+
+<file path=ppt/notesSlides/notesSlide16.xml><?xml version="1.0" encoding="utf-8"?>
+<p:notes xmlns:a="http://schemas.openxmlformats.org/drawingml/2006/main" xmlns:r="http://schemas.openxmlformats.org/officeDocument/2006/relationships" xmlns:p="http://schemas.openxmlformats.org/presentationml/2006/main">
+  <p:cSld>
+    <p:spTree>
+      <p:nvGrpSpPr>
+        <p:cNvPr id="1" name=""/>
+        <p:cNvGrpSpPr/>
+        <p:nvPr/>
+      </p:nvGrpSpPr>
+      <p:grpSpPr>
+        <a:xfrm>
+          <a:off x="0" y="0"/>
+          <a:ext cx="0" cy="0"/>
+          <a:chOff x="0" y="0"/>
+          <a:chExt cx="0" cy="0"/>
+        </a:xfrm>
+      </p:grpSpPr>
+      <p:sp>
+        <p:nvSpPr>
+          <p:cNvPr id="2" name="Slide Image Placeholder 1"/>
+          <p:cNvSpPr>
+            <a:spLocks noGrp="1" noRot="1" noChangeAspect="1"/>
+          </p:cNvSpPr>
+          <p:nvPr>
+            <p:ph type="sldImg"/>
+          </p:nvPr>
+        </p:nvSpPr>
+        <p:spPr/>
+      </p:sp>
+      <p:sp>
+        <p:nvSpPr>
+          <p:cNvPr id="3" name="Notes Placeholder 2"/>
+          <p:cNvSpPr>
+            <a:spLocks noGrp="1"/>
+          </p:cNvSpPr>
+          <p:nvPr>
+            <p:ph type="body" idx="1"/>
+          </p:nvPr>
+        </p:nvSpPr>
+        <p:spPr/>
+        <p:txBody>
+          <a:bodyPr/>
+          <a:lstStyle/>
+          <a:p>
+            <a:pPr marL="0" marR="0" indent="0" algn="l" defTabSz="914400" rtl="0" eaLnBrk="1" fontAlgn="auto" latinLnBrk="0" hangingPunct="1">
+              <a:lnSpc>
+                <a:spcPct val="100000"/>
+              </a:lnSpc>
+              <a:spcBef>
+                <a:spcPts val="0"/>
+              </a:spcBef>
+              <a:spcAft>
+                <a:spcPts val="0"/>
+              </a:spcAft>
+              <a:buClrTx/>
+              <a:buSzTx/>
+              <a:buFontTx/>
+              <a:buNone/>
+              <a:tabLst/>
+              <a:defRPr/>
+            </a:pPr>
+            <a:r>
+              <a:rPr lang="en-US" dirty="0" smtClean="0"/>
+              <a:t>Students will write</a:t>
+            </a:r>
+            <a:r>
+              <a:rPr lang="en-US" baseline="0" dirty="0" smtClean="0"/>
+              <a:t> code similar to this in the next lab to submit images uploaded to a Web site to the Computer Vision API in order to generate captions and search keywords. This example is written in JavaScript for Node.js.</a:t>
+            </a:r>
+            <a:endParaRPr lang="en-US" dirty="0" smtClean="0"/>
+          </a:p>
+          <a:p>
+            <a:endParaRPr lang="en-US" dirty="0"/>
+          </a:p>
+        </p:txBody>
+      </p:sp>
+      <p:sp>
+        <p:nvSpPr>
+          <p:cNvPr id="4" name="Slide Number Placeholder 3"/>
+          <p:cNvSpPr>
+            <a:spLocks noGrp="1"/>
+          </p:cNvSpPr>
+          <p:nvPr>
+            <p:ph type="sldNum" sz="quarter" idx="10"/>
+          </p:nvPr>
+        </p:nvSpPr>
+        <p:spPr/>
+        <p:txBody>
+          <a:bodyPr/>
+          <a:lstStyle/>
+          <a:p>
+            <a:fld id="{01283FAC-A721-45A3-BBDE-EAF2B09B7CD9}" type="slidenum">
+              <a:rPr lang="en-US" smtClean="0"/>
+              <a:t>22</a:t>
+            </a:fld>
+            <a:endParaRPr lang="en-US"/>
+          </a:p>
+        </p:txBody>
+      </p:sp>
+    </p:spTree>
+    <p:extLst>
+      <p:ext uri="{BB962C8B-B14F-4D97-AF65-F5344CB8AC3E}">
+        <p14:creationId xmlns:p14="http://schemas.microsoft.com/office/powerpoint/2010/main" val="2609303518"/>
+      </p:ext>
+    </p:extLst>
+  </p:cSld>
+  <p:clrMapOvr>
+    <a:masterClrMapping/>
+  </p:clrMapOvr>
+</p:notes>
+</file>
+
 <file path=ppt/notesSlides/notesSlide2.xml><?xml version="1.0" encoding="utf-8"?>
 <p:notes xmlns:a="http://schemas.openxmlformats.org/drawingml/2006/main" xmlns:r="http://schemas.openxmlformats.org/officeDocument/2006/relationships" xmlns:p="http://schemas.openxmlformats.org/presentationml/2006/main">
   <p:cSld>
@@ -617,35 +1338,216 @@
           <a:lstStyle/>
           <a:p>
             <a:r>
-              <a:rPr lang="en-US" dirty="0" smtClean="0"/>
-              <a:t>Locally redundant storage (LRS) maintains three copies of your data. LRS is replicated three times within a single facility in a single region. LRS protects your data from normal hardware failures, but not from the failure of a single facility. </a:t>
-            </a:r>
-          </a:p>
-          <a:p>
-            <a:endParaRPr lang="en-US" b="1" dirty="0" smtClean="0"/>
-          </a:p>
-          <a:p>
-            <a:r>
-              <a:rPr lang="en-US" dirty="0" smtClean="0"/>
-              <a:t>Zone-redundant storage (ZRS) maintains three copies of your data. ZRS is replicated three times across two to three facilities, either within a single region or across two regions, providing higher durability than LRS. ZRS ensures that your data is durable within a single region. </a:t>
-            </a:r>
-          </a:p>
-          <a:p>
-            <a:endParaRPr lang="en-US" dirty="0" smtClean="0"/>
-          </a:p>
-          <a:p>
-            <a:r>
-              <a:rPr lang="en-US" dirty="0" smtClean="0"/>
-              <a:t>Geo-redundant storage (GRS) is enabled for your storage account by default when you create it. GRS maintains six copies of your data. With GRS, your data is replicated three times within the primary region, and is also replicated three times in a secondary region hundreds of miles away from the primary region, providing the highest level of durability. In the event of a failure at the primary region, Azure Storage will failover to the secondary region. GRS ensures that your data is durable in two separate regions.</a:t>
-            </a:r>
-          </a:p>
-          <a:p>
-            <a:endParaRPr lang="en-US" dirty="0" smtClean="0"/>
-          </a:p>
-          <a:p>
-            <a:r>
-              <a:rPr lang="en-US" dirty="0" smtClean="0"/>
-              <a:t>Read access geo-redundant storage (RA-GRS) replicates your data to a secondary geographic location, and also provides read access to your data in the secondary location. Read-access geo-redundant storage allows you to access your data from either the primary or the secondary location, in the event that one location becomes unavailable.</a:t>
+              <a:rPr lang="en-US" sz="1200" b="0" i="0" kern="1200" dirty="0" smtClean="0">
+                <a:solidFill>
+                  <a:schemeClr val="tx1"/>
+                </a:solidFill>
+                <a:effectLst/>
+                <a:latin typeface="+mn-lt"/>
+                <a:ea typeface="+mn-ea"/>
+                <a:cs typeface="+mn-cs"/>
+              </a:rPr>
+              <a:t>Microsoft Azure Storage is a set of services that allows you to store large volumes of data in a cost-effective manner and in a way that makes the data readily and reliably available to services and applications that consume it. Data committed to Azure Storage can be stored in blobs, tables, queues, or files. </a:t>
+            </a:r>
+            <a:r>
+              <a:rPr lang="en-US" sz="1200" b="0" i="0" u="none" strike="noStrike" kern="1200" dirty="0" smtClean="0">
+                <a:solidFill>
+                  <a:schemeClr val="tx1"/>
+                </a:solidFill>
+                <a:effectLst/>
+                <a:latin typeface="+mn-lt"/>
+                <a:ea typeface="+mn-ea"/>
+                <a:cs typeface="+mn-cs"/>
+                <a:hlinkClick r:id="rId3"/>
+              </a:rPr>
+              <a:t>Azure blobs</a:t>
+            </a:r>
+            <a:r>
+              <a:rPr lang="en-US" sz="1200" b="0" i="0" kern="1200" dirty="0" smtClean="0">
+                <a:solidFill>
+                  <a:schemeClr val="tx1"/>
+                </a:solidFill>
+                <a:effectLst/>
+                <a:latin typeface="+mn-lt"/>
+                <a:ea typeface="+mn-ea"/>
+                <a:cs typeface="+mn-cs"/>
+              </a:rPr>
+              <a:t> are ideal for storing images, videos, and other types of data, and are frequently used to provide input to and capture output from other Azure services such as </a:t>
+            </a:r>
+            <a:r>
+              <a:rPr lang="en-US" sz="1200" b="0" i="0" u="none" strike="noStrike" kern="1200" dirty="0" smtClean="0">
+                <a:solidFill>
+                  <a:schemeClr val="tx1"/>
+                </a:solidFill>
+                <a:effectLst/>
+                <a:latin typeface="+mn-lt"/>
+                <a:ea typeface="+mn-ea"/>
+                <a:cs typeface="+mn-cs"/>
+                <a:hlinkClick r:id="rId4"/>
+              </a:rPr>
+              <a:t>Azure Stream Analytics</a:t>
+            </a:r>
+            <a:r>
+              <a:rPr lang="en-US" sz="1200" b="0" i="0" kern="1200" dirty="0" smtClean="0">
+                <a:solidFill>
+                  <a:schemeClr val="tx1"/>
+                </a:solidFill>
+                <a:effectLst/>
+                <a:latin typeface="+mn-lt"/>
+                <a:ea typeface="+mn-ea"/>
+                <a:cs typeface="+mn-cs"/>
+              </a:rPr>
+              <a:t>. </a:t>
+            </a:r>
+            <a:r>
+              <a:rPr lang="en-US" sz="1200" b="0" i="0" u="none" strike="noStrike" kern="1200" dirty="0" smtClean="0">
+                <a:solidFill>
+                  <a:schemeClr val="tx1"/>
+                </a:solidFill>
+                <a:effectLst/>
+                <a:latin typeface="+mn-lt"/>
+                <a:ea typeface="+mn-ea"/>
+                <a:cs typeface="+mn-cs"/>
+                <a:hlinkClick r:id="rId5"/>
+              </a:rPr>
+              <a:t>Azure tables</a:t>
+            </a:r>
+            <a:r>
+              <a:rPr lang="en-US" sz="1200" b="0" i="0" kern="1200" dirty="0" smtClean="0">
+                <a:solidFill>
+                  <a:schemeClr val="tx1"/>
+                </a:solidFill>
+                <a:effectLst/>
+                <a:latin typeface="+mn-lt"/>
+                <a:ea typeface="+mn-ea"/>
+                <a:cs typeface="+mn-cs"/>
+              </a:rPr>
+              <a:t> provide NoSQL storage for semi-structured data. </a:t>
+            </a:r>
+            <a:r>
+              <a:rPr lang="en-US" sz="1200" b="0" i="0" u="none" strike="noStrike" kern="1200" dirty="0" smtClean="0">
+                <a:solidFill>
+                  <a:schemeClr val="tx1"/>
+                </a:solidFill>
+                <a:effectLst/>
+                <a:latin typeface="+mn-lt"/>
+                <a:ea typeface="+mn-ea"/>
+                <a:cs typeface="+mn-cs"/>
+                <a:hlinkClick r:id="rId6"/>
+              </a:rPr>
+              <a:t>Azure </a:t>
+            </a:r>
+            <a:r>
+              <a:rPr lang="en-US" sz="1200" b="0" i="0" u="none" strike="noStrike" kern="1200" dirty="0" err="1" smtClean="0">
+                <a:solidFill>
+                  <a:schemeClr val="tx1"/>
+                </a:solidFill>
+                <a:effectLst/>
+                <a:latin typeface="+mn-lt"/>
+                <a:ea typeface="+mn-ea"/>
+                <a:cs typeface="+mn-cs"/>
+                <a:hlinkClick r:id="rId6"/>
+              </a:rPr>
+              <a:t>queues</a:t>
+            </a:r>
+            <a:r>
+              <a:rPr lang="en-US" sz="1200" b="0" i="0" kern="1200" dirty="0" err="1" smtClean="0">
+                <a:solidFill>
+                  <a:schemeClr val="tx1"/>
+                </a:solidFill>
+                <a:effectLst/>
+                <a:latin typeface="+mn-lt"/>
+                <a:ea typeface="+mn-ea"/>
+                <a:cs typeface="+mn-cs"/>
+              </a:rPr>
+              <a:t>support</a:t>
+            </a:r>
+            <a:r>
+              <a:rPr lang="en-US" sz="1200" b="0" i="0" kern="1200" dirty="0" smtClean="0">
+                <a:solidFill>
+                  <a:schemeClr val="tx1"/>
+                </a:solidFill>
+                <a:effectLst/>
+                <a:latin typeface="+mn-lt"/>
+                <a:ea typeface="+mn-ea"/>
+                <a:cs typeface="+mn-cs"/>
+              </a:rPr>
+              <a:t> queued message transfers between applications (or parts of applications) and can be used to make applications more scalable and robust by loosely coupling them together. Finally, </a:t>
+            </a:r>
+            <a:r>
+              <a:rPr lang="en-US" sz="1200" b="0" i="0" u="none" strike="noStrike" kern="1200" dirty="0" smtClean="0">
+                <a:solidFill>
+                  <a:schemeClr val="tx1"/>
+                </a:solidFill>
+                <a:effectLst/>
+                <a:latin typeface="+mn-lt"/>
+                <a:ea typeface="+mn-ea"/>
+                <a:cs typeface="+mn-cs"/>
+                <a:hlinkClick r:id="rId7"/>
+              </a:rPr>
+              <a:t>Azure Files</a:t>
+            </a:r>
+            <a:r>
+              <a:rPr lang="en-US" sz="1200" b="0" i="0" kern="1200" dirty="0" smtClean="0">
+                <a:solidFill>
+                  <a:schemeClr val="tx1"/>
+                </a:solidFill>
+                <a:effectLst/>
+                <a:latin typeface="+mn-lt"/>
+                <a:ea typeface="+mn-ea"/>
+                <a:cs typeface="+mn-cs"/>
+              </a:rPr>
+              <a:t> use the Server Message Block (SMB) protocol to share files through the cloud and access storage as network drives.</a:t>
+            </a:r>
+          </a:p>
+          <a:p>
+            <a:endParaRPr lang="en-US" sz="1200" b="0" i="0" kern="1200" dirty="0" smtClean="0">
+              <a:solidFill>
+                <a:schemeClr val="tx1"/>
+              </a:solidFill>
+              <a:effectLst/>
+              <a:latin typeface="+mn-lt"/>
+              <a:ea typeface="+mn-ea"/>
+              <a:cs typeface="+mn-cs"/>
+            </a:endParaRPr>
+          </a:p>
+          <a:p>
+            <a:r>
+              <a:rPr lang="en-US" sz="1200" b="0" i="0" kern="1200" dirty="0" smtClean="0">
+                <a:solidFill>
+                  <a:schemeClr val="tx1"/>
+                </a:solidFill>
+                <a:effectLst/>
+                <a:latin typeface="+mn-lt"/>
+                <a:ea typeface="+mn-ea"/>
+                <a:cs typeface="+mn-cs"/>
+              </a:rPr>
+              <a:t>Data stored in Microsoft Azure Storage can be accessed over HTTP or HTTPS using straightforward REST APIs, or it can be accessed using rich client libraries available for many popular languages and platforms, including .NET, Java, Android, Node.js, PHP, Ruby, and Python. The </a:t>
+            </a:r>
+            <a:r>
+              <a:rPr lang="en-US" sz="1200" b="0" i="0" u="none" strike="noStrike" kern="1200" dirty="0" smtClean="0">
+                <a:solidFill>
+                  <a:schemeClr val="tx1"/>
+                </a:solidFill>
+                <a:effectLst/>
+                <a:latin typeface="+mn-lt"/>
+                <a:ea typeface="+mn-ea"/>
+                <a:cs typeface="+mn-cs"/>
+                <a:hlinkClick r:id="rId8"/>
+              </a:rPr>
+              <a:t>Azure Portal</a:t>
+            </a:r>
+            <a:r>
+              <a:rPr lang="en-US" sz="1200" b="0" i="0" kern="1200" dirty="0" smtClean="0">
+                <a:solidFill>
+                  <a:schemeClr val="tx1"/>
+                </a:solidFill>
+                <a:effectLst/>
+                <a:latin typeface="+mn-lt"/>
+                <a:ea typeface="+mn-ea"/>
+                <a:cs typeface="+mn-cs"/>
+              </a:rPr>
+              <a:t> includes features for working with Azure Storage, but richer functionality is available from third-party tools, many of which are free and some of which work cross-platform</a:t>
             </a:r>
           </a:p>
           <a:p>
@@ -670,7 +1572,7 @@
           <a:p>
             <a:fld id="{01283FAC-A721-45A3-BBDE-EAF2B09B7CD9}" type="slidenum">
               <a:rPr lang="en-US" smtClean="0"/>
-              <a:t>5</a:t>
+              <a:t>2</a:t>
             </a:fld>
             <a:endParaRPr lang="en-US"/>
           </a:p>
@@ -679,7 +1581,7 @@
     </p:spTree>
     <p:extLst>
       <p:ext uri="{BB962C8B-B14F-4D97-AF65-F5344CB8AC3E}">
-        <p14:creationId xmlns:p14="http://schemas.microsoft.com/office/powerpoint/2010/main" val="1384190109"/>
+        <p14:creationId xmlns:p14="http://schemas.microsoft.com/office/powerpoint/2010/main" val="299610188"/>
       </p:ext>
     </p:extLst>
   </p:cSld>
@@ -733,40 +1635,15 @@
           <a:bodyPr/>
           <a:lstStyle/>
           <a:p>
-            <a:pPr marL="0" marR="0" indent="0" algn="l" defTabSz="914400" rtl="0" eaLnBrk="1" fontAlgn="auto" latinLnBrk="0" hangingPunct="1">
-              <a:lnSpc>
-                <a:spcPct val="100000"/>
-              </a:lnSpc>
-              <a:spcBef>
-                <a:spcPts val="0"/>
-              </a:spcBef>
-              <a:spcAft>
-                <a:spcPts val="0"/>
-              </a:spcAft>
-              <a:buClrTx/>
-              <a:buSzTx/>
-              <a:buFontTx/>
-              <a:buNone/>
-              <a:tabLst/>
-              <a:defRPr/>
-            </a:pPr>
             <a:r>
               <a:rPr lang="en-US" dirty="0" smtClean="0"/>
-              <a:t>Access keys should </a:t>
-            </a:r>
-            <a:r>
-              <a:rPr lang="en-US" u="sng" dirty="0" smtClean="0"/>
-              <a:t>never</a:t>
+              <a:t>Storage begins with a storage account, which can be created in the Azure Portal. Before you can create a blob, you must create a container to store it in. Think of containers as folders in a file system and blobs as the files themselves. Storage accounts must be uniquely named and conform</a:t>
             </a:r>
             <a:r>
               <a:rPr lang="en-US" baseline="0" dirty="0" smtClean="0"/>
-              <a:t> be handed out to other people because they provide unlimited access to a storage account. SAS tokens are safer because they can be time-limited and set to provide read-only access. The best way to generate a SAS token is with Microsoft's cross-platform Azure Storage Explorer</a:t>
-            </a:r>
-            <a:r>
-              <a:rPr lang="en-US" baseline="0" dirty="0" smtClean="0"/>
-              <a:t>. For a real-world example of what happens when you fail to protect a storage account's access keys, see http://www.pcworld.com/article/2365602/hacker-puts-full-redundancy-codehosting-firm-out-of-business.html.</a:t>
-            </a:r>
-            <a:endParaRPr lang="en-US" dirty="0" smtClean="0"/>
+              <a:t> to a rather severe set of restrictions since storage names are used to form DNS names.</a:t>
+            </a:r>
+            <a:endParaRPr lang="en-US" dirty="0"/>
           </a:p>
         </p:txBody>
       </p:sp>
@@ -787,7 +1664,7 @@
           <a:p>
             <a:fld id="{01283FAC-A721-45A3-BBDE-EAF2B09B7CD9}" type="slidenum">
               <a:rPr lang="en-US" smtClean="0"/>
-              <a:t>6</a:t>
+              <a:t>3</a:t>
             </a:fld>
             <a:endParaRPr lang="en-US"/>
           </a:p>
@@ -796,7 +1673,7 @@
     </p:spTree>
     <p:extLst>
       <p:ext uri="{BB962C8B-B14F-4D97-AF65-F5344CB8AC3E}">
-        <p14:creationId xmlns:p14="http://schemas.microsoft.com/office/powerpoint/2010/main" val="1448603169"/>
+        <p14:creationId xmlns:p14="http://schemas.microsoft.com/office/powerpoint/2010/main" val="2850437580"/>
       </p:ext>
     </p:extLst>
   </p:cSld>
@@ -850,32 +1727,15 @@
           <a:bodyPr/>
           <a:lstStyle/>
           <a:p>
-            <a:pPr marL="0" marR="0" indent="0" algn="l" defTabSz="914400" rtl="0" eaLnBrk="1" fontAlgn="auto" latinLnBrk="0" hangingPunct="1">
-              <a:lnSpc>
-                <a:spcPct val="100000"/>
-              </a:lnSpc>
-              <a:spcBef>
-                <a:spcPts val="0"/>
-              </a:spcBef>
-              <a:spcAft>
-                <a:spcPts val="0"/>
-              </a:spcAft>
-              <a:buClrTx/>
-              <a:buSzTx/>
-              <a:buFontTx/>
-              <a:buNone/>
-              <a:tabLst/>
-              <a:defRPr/>
-            </a:pPr>
             <a:r>
               <a:rPr lang="en-US" dirty="0" smtClean="0"/>
-              <a:t>The Microsoft Azure Storage Explorer provides an easy-to-use</a:t>
+              <a:t>Once created, a blob can be referenced by URL. The URL is formed from the storage-account name, container name, and blob name. This doesn't mean all blobs are public; they're private</a:t>
             </a:r>
             <a:r>
               <a:rPr lang="en-US" baseline="0" dirty="0" smtClean="0"/>
-              <a:t> GUI interface for creating containers, uploading and downloading blobs, generating SAS tokens, and more. But if you want to use a scripting language such as Bash or PowerShell to script storage operations, the Azure CLI is the way to go.</a:t>
-            </a:r>
-            <a:endParaRPr lang="en-US" dirty="0" smtClean="0"/>
+              <a:t> by default. But they can be made public, and public blobs can be downloaded simply by typing their URLs into a browser.</a:t>
+            </a:r>
+            <a:endParaRPr lang="en-US" dirty="0"/>
           </a:p>
         </p:txBody>
       </p:sp>
@@ -896,7 +1756,7 @@
           <a:p>
             <a:fld id="{01283FAC-A721-45A3-BBDE-EAF2B09B7CD9}" type="slidenum">
               <a:rPr lang="en-US" smtClean="0"/>
-              <a:t>10</a:t>
+              <a:t>4</a:t>
             </a:fld>
             <a:endParaRPr lang="en-US"/>
           </a:p>
@@ -905,7 +1765,7 @@
     </p:spTree>
     <p:extLst>
       <p:ext uri="{BB962C8B-B14F-4D97-AF65-F5344CB8AC3E}">
-        <p14:creationId xmlns:p14="http://schemas.microsoft.com/office/powerpoint/2010/main" val="2058981737"/>
+        <p14:creationId xmlns:p14="http://schemas.microsoft.com/office/powerpoint/2010/main" val="2003229336"/>
       </p:ext>
     </p:extLst>
   </p:cSld>
@@ -961,12 +1821,37 @@
           <a:p>
             <a:r>
               <a:rPr lang="en-US" dirty="0" smtClean="0"/>
-              <a:t>Cognitive</a:t>
-            </a:r>
-            <a:r>
-              <a:rPr lang="en-US" baseline="0" dirty="0" smtClean="0"/>
-              <a:t> Services includes 21 APIs that fall into five categories: vision, speech, language, knowledge, and search.</a:t>
-            </a:r>
+              <a:t>Locally redundant storage (LRS) maintains three copies of your data. LRS is replicated three times within a single facility in a single region. LRS protects your data from normal hardware failures, but not from the failure of a single facility. </a:t>
+            </a:r>
+          </a:p>
+          <a:p>
+            <a:endParaRPr lang="en-US" b="1" dirty="0" smtClean="0"/>
+          </a:p>
+          <a:p>
+            <a:r>
+              <a:rPr lang="en-US" dirty="0" smtClean="0"/>
+              <a:t>Zone-redundant storage (ZRS) maintains three copies of your data. ZRS is replicated three times across two to three facilities, either within a single region or across two regions, providing higher durability than LRS. ZRS ensures that your data is durable within a single region. </a:t>
+            </a:r>
+          </a:p>
+          <a:p>
+            <a:endParaRPr lang="en-US" dirty="0" smtClean="0"/>
+          </a:p>
+          <a:p>
+            <a:r>
+              <a:rPr lang="en-US" dirty="0" smtClean="0"/>
+              <a:t>Geo-redundant storage (GRS) is enabled for your storage account by default when you create it. GRS maintains six copies of your data. With GRS, your data is replicated three times within the primary region, and is also replicated three times in a secondary region hundreds of miles away from the primary region, providing the highest level of durability. In the event of a failure at the primary region, Azure Storage will failover to the secondary region. GRS ensures that your data is durable in two separate regions.</a:t>
+            </a:r>
+          </a:p>
+          <a:p>
+            <a:endParaRPr lang="en-US" dirty="0" smtClean="0"/>
+          </a:p>
+          <a:p>
+            <a:r>
+              <a:rPr lang="en-US" dirty="0" smtClean="0"/>
+              <a:t>Read access geo-redundant storage (RA-GRS) replicates your data to a secondary geographic location, and also provides read access to your data in the secondary location. Read-access geo-redundant storage allows you to access your data from either the primary or the secondary location, in the event that one location becomes unavailable.</a:t>
+            </a:r>
+          </a:p>
+          <a:p>
             <a:endParaRPr lang="en-US" dirty="0"/>
           </a:p>
         </p:txBody>
@@ -988,7 +1873,7 @@
           <a:p>
             <a:fld id="{01283FAC-A721-45A3-BBDE-EAF2B09B7CD9}" type="slidenum">
               <a:rPr lang="en-US" smtClean="0"/>
-              <a:t>18</a:t>
+              <a:t>5</a:t>
             </a:fld>
             <a:endParaRPr lang="en-US"/>
           </a:p>
@@ -997,7 +1882,7 @@
     </p:spTree>
     <p:extLst>
       <p:ext uri="{BB962C8B-B14F-4D97-AF65-F5344CB8AC3E}">
-        <p14:creationId xmlns:p14="http://schemas.microsoft.com/office/powerpoint/2010/main" val="1813930632"/>
+        <p14:creationId xmlns:p14="http://schemas.microsoft.com/office/powerpoint/2010/main" val="1384190109"/>
       </p:ext>
     </p:extLst>
   </p:cSld>
@@ -1051,55 +1936,52 @@
           <a:bodyPr/>
           <a:lstStyle/>
           <a:p>
-            <a:r>
-              <a:rPr lang="en-US" sz="1200" b="0" i="0" kern="1200" dirty="0" smtClean="0">
-                <a:solidFill>
-                  <a:schemeClr val="tx1"/>
-                </a:solidFill>
-                <a:effectLst/>
-                <a:latin typeface="+mn-lt"/>
-                <a:ea typeface="+mn-ea"/>
-                <a:cs typeface="+mn-cs"/>
-              </a:rPr>
-              <a:t> </a:t>
-            </a:r>
-            <a:r>
-              <a:rPr lang="en-US" sz="1200" b="0" i="0" u="none" strike="noStrike" kern="1200" dirty="0" smtClean="0">
-                <a:solidFill>
-                  <a:schemeClr val="tx1"/>
-                </a:solidFill>
-                <a:effectLst/>
-                <a:latin typeface="+mn-lt"/>
-                <a:ea typeface="+mn-ea"/>
-                <a:cs typeface="+mn-cs"/>
-              </a:rPr>
-              <a:t>Microsoft Cognitive Services</a:t>
-            </a:r>
-            <a:r>
-              <a:rPr lang="en-US" sz="1200" b="0" i="0" u="none" strike="noStrike" kern="1200" baseline="0" dirty="0" smtClean="0">
-                <a:solidFill>
-                  <a:schemeClr val="tx1"/>
-                </a:solidFill>
-                <a:effectLst/>
-                <a:latin typeface="+mn-lt"/>
-                <a:ea typeface="+mn-ea"/>
-                <a:cs typeface="+mn-cs"/>
-              </a:rPr>
-              <a:t> is </a:t>
-            </a:r>
-            <a:r>
-              <a:rPr lang="en-US" sz="1200" b="0" i="0" kern="1200" dirty="0" smtClean="0">
-                <a:solidFill>
-                  <a:schemeClr val="tx1"/>
-                </a:solidFill>
-                <a:effectLst/>
-                <a:latin typeface="+mn-lt"/>
-                <a:ea typeface="+mn-ea"/>
-                <a:cs typeface="+mn-cs"/>
-              </a:rPr>
-              <a:t>a set of intelligent APIs for building equally intelligent applications. It currently offers 21 different API for analyzing images, videos, text, and much more. For more information, visit https://www.microsoft.com/cognitive-services.</a:t>
-            </a:r>
-            <a:endParaRPr lang="en-US" dirty="0"/>
+            <a:pPr marL="0" marR="0" indent="0" algn="l" defTabSz="914400" rtl="0" eaLnBrk="1" fontAlgn="auto" latinLnBrk="0" hangingPunct="1">
+              <a:lnSpc>
+                <a:spcPct val="100000"/>
+              </a:lnSpc>
+              <a:spcBef>
+                <a:spcPts val="0"/>
+              </a:spcBef>
+              <a:spcAft>
+                <a:spcPts val="0"/>
+              </a:spcAft>
+              <a:buClrTx/>
+              <a:buSzTx/>
+              <a:buFontTx/>
+              <a:buNone/>
+              <a:tabLst/>
+              <a:defRPr/>
+            </a:pPr>
+            <a:r>
+              <a:rPr lang="en-US" dirty="0" smtClean="0"/>
+              <a:t>Access keys should </a:t>
+            </a:r>
+            <a:r>
+              <a:rPr lang="en-US" u="sng" dirty="0" smtClean="0"/>
+              <a:t>never</a:t>
+            </a:r>
+            <a:r>
+              <a:rPr lang="en-US" baseline="0" dirty="0" smtClean="0"/>
+              <a:t> be handed out to other people because they provide </a:t>
+            </a:r>
+            <a:r>
+              <a:rPr lang="en-US" baseline="0" dirty="0" smtClean="0"/>
+              <a:t>unrestricted </a:t>
+            </a:r>
+            <a:r>
+              <a:rPr lang="en-US" baseline="0" dirty="0" smtClean="0"/>
+              <a:t>access to a storage account. </a:t>
+            </a:r>
+            <a:r>
+              <a:rPr lang="en-US" baseline="0" dirty="0" smtClean="0"/>
+              <a:t>(They're useful for connecting other services that you create to your storage accounts, in which case they stay in Azure and are never divulged to the outside world.) SAS </a:t>
+            </a:r>
+            <a:r>
+              <a:rPr lang="en-US" baseline="0" dirty="0" smtClean="0"/>
+              <a:t>tokens are safer because they can be time-limited and set to provide read-only access. The best way to generate a SAS token is with Microsoft's cross-platform Azure Storage Explorer. For a real-world example of what happens when you fail to protect a storage account's access keys, see http://www.pcworld.com/article/2365602/hacker-puts-full-redundancy-codehosting-firm-out-of-business.html.</a:t>
+            </a:r>
+            <a:endParaRPr lang="en-US" dirty="0" smtClean="0"/>
           </a:p>
         </p:txBody>
       </p:sp>
@@ -1120,7 +2002,7 @@
           <a:p>
             <a:fld id="{01283FAC-A721-45A3-BBDE-EAF2B09B7CD9}" type="slidenum">
               <a:rPr lang="en-US" smtClean="0"/>
-              <a:t>19</a:t>
+              <a:t>6</a:t>
             </a:fld>
             <a:endParaRPr lang="en-US"/>
           </a:p>
@@ -1129,7 +2011,7 @@
     </p:spTree>
     <p:extLst>
       <p:ext uri="{BB962C8B-B14F-4D97-AF65-F5344CB8AC3E}">
-        <p14:creationId xmlns:p14="http://schemas.microsoft.com/office/powerpoint/2010/main" val="2599400582"/>
+        <p14:creationId xmlns:p14="http://schemas.microsoft.com/office/powerpoint/2010/main" val="1448603169"/>
       </p:ext>
     </p:extLst>
   </p:cSld>
@@ -1185,11 +2067,11 @@
           <a:p>
             <a:r>
               <a:rPr lang="en-US" dirty="0" smtClean="0"/>
-              <a:t>The Computer Vision API, part of Cognitive</a:t>
+              <a:t>This</a:t>
             </a:r>
             <a:r>
               <a:rPr lang="en-US" baseline="0" dirty="0" smtClean="0"/>
-              <a:t> Services, offers methods for captioning images, generating metadata keywords, recognizing celebrities, reading text, and generating "smart" thumbnails. For more information, visit https://www.microsoft.com/cognitive-services/en-us/computer-vision-api.</a:t>
+              <a:t> example shows how a SAS included in a query string can be used to provide access to an otherwise private blob. Could someone modify the query string to extend the lifetime of the SAS? They could try, but the SAS is digitally signed, so Azure will reject a modified SAS.</a:t>
             </a:r>
             <a:endParaRPr lang="en-US" dirty="0"/>
           </a:p>
@@ -1212,7 +2094,7 @@
           <a:p>
             <a:fld id="{01283FAC-A721-45A3-BBDE-EAF2B09B7CD9}" type="slidenum">
               <a:rPr lang="en-US" smtClean="0"/>
-              <a:t>20</a:t>
+              <a:t>7</a:t>
             </a:fld>
             <a:endParaRPr lang="en-US"/>
           </a:p>
@@ -1221,7 +2103,195 @@
     </p:spTree>
     <p:extLst>
       <p:ext uri="{BB962C8B-B14F-4D97-AF65-F5344CB8AC3E}">
-        <p14:creationId xmlns:p14="http://schemas.microsoft.com/office/powerpoint/2010/main" val="3186057134"/>
+        <p14:creationId xmlns:p14="http://schemas.microsoft.com/office/powerpoint/2010/main" val="890548416"/>
+      </p:ext>
+    </p:extLst>
+  </p:cSld>
+  <p:clrMapOvr>
+    <a:masterClrMapping/>
+  </p:clrMapOvr>
+</p:notes>
+</file>
+
+<file path=ppt/notesSlides/notesSlide8.xml><?xml version="1.0" encoding="utf-8"?>
+<p:notes xmlns:a="http://schemas.openxmlformats.org/drawingml/2006/main" xmlns:r="http://schemas.openxmlformats.org/officeDocument/2006/relationships" xmlns:p="http://schemas.openxmlformats.org/presentationml/2006/main">
+  <p:cSld>
+    <p:spTree>
+      <p:nvGrpSpPr>
+        <p:cNvPr id="1" name=""/>
+        <p:cNvGrpSpPr/>
+        <p:nvPr/>
+      </p:nvGrpSpPr>
+      <p:grpSpPr>
+        <a:xfrm>
+          <a:off x="0" y="0"/>
+          <a:ext cx="0" cy="0"/>
+          <a:chOff x="0" y="0"/>
+          <a:chExt cx="0" cy="0"/>
+        </a:xfrm>
+      </p:grpSpPr>
+      <p:sp>
+        <p:nvSpPr>
+          <p:cNvPr id="2" name="Slide Image Placeholder 1"/>
+          <p:cNvSpPr>
+            <a:spLocks noGrp="1" noRot="1" noChangeAspect="1"/>
+          </p:cNvSpPr>
+          <p:nvPr>
+            <p:ph type="sldImg"/>
+          </p:nvPr>
+        </p:nvSpPr>
+        <p:spPr/>
+      </p:sp>
+      <p:sp>
+        <p:nvSpPr>
+          <p:cNvPr id="3" name="Notes Placeholder 2"/>
+          <p:cNvSpPr>
+            <a:spLocks noGrp="1"/>
+          </p:cNvSpPr>
+          <p:nvPr>
+            <p:ph type="body" idx="1"/>
+          </p:nvPr>
+        </p:nvSpPr>
+        <p:spPr/>
+        <p:txBody>
+          <a:bodyPr/>
+          <a:lstStyle/>
+          <a:p>
+            <a:r>
+              <a:rPr lang="en-US" dirty="0" smtClean="0"/>
+              <a:t>Containers are private by default, which means only the storage-account owner (or someone who has an</a:t>
+            </a:r>
+            <a:r>
+              <a:rPr lang="en-US" baseline="0" dirty="0" smtClean="0"/>
+              <a:t> access key for the storage account or a valid SAS) can access its contents. However, setting the container's access policy to "Public Container" or "Public Blob" makes the container's blobs public. The difference between </a:t>
+            </a:r>
+            <a:r>
+              <a:rPr lang="en-US" baseline="0" dirty="0" smtClean="0"/>
+              <a:t>"Public Container" and "Public Blob" is that the latter allows the blobs in the container to be enumerated, while the latter does not.</a:t>
+            </a:r>
+            <a:endParaRPr lang="en-US" dirty="0"/>
+          </a:p>
+        </p:txBody>
+      </p:sp>
+      <p:sp>
+        <p:nvSpPr>
+          <p:cNvPr id="4" name="Slide Number Placeholder 3"/>
+          <p:cNvSpPr>
+            <a:spLocks noGrp="1"/>
+          </p:cNvSpPr>
+          <p:nvPr>
+            <p:ph type="sldNum" sz="quarter" idx="10"/>
+          </p:nvPr>
+        </p:nvSpPr>
+        <p:spPr/>
+        <p:txBody>
+          <a:bodyPr/>
+          <a:lstStyle/>
+          <a:p>
+            <a:fld id="{01283FAC-A721-45A3-BBDE-EAF2B09B7CD9}" type="slidenum">
+              <a:rPr lang="en-US" smtClean="0"/>
+              <a:t>8</a:t>
+            </a:fld>
+            <a:endParaRPr lang="en-US"/>
+          </a:p>
+        </p:txBody>
+      </p:sp>
+    </p:spTree>
+    <p:extLst>
+      <p:ext uri="{BB962C8B-B14F-4D97-AF65-F5344CB8AC3E}">
+        <p14:creationId xmlns:p14="http://schemas.microsoft.com/office/powerpoint/2010/main" val="2687889035"/>
+      </p:ext>
+    </p:extLst>
+  </p:cSld>
+  <p:clrMapOvr>
+    <a:masterClrMapping/>
+  </p:clrMapOvr>
+</p:notes>
+</file>
+
+<file path=ppt/notesSlides/notesSlide9.xml><?xml version="1.0" encoding="utf-8"?>
+<p:notes xmlns:a="http://schemas.openxmlformats.org/drawingml/2006/main" xmlns:r="http://schemas.openxmlformats.org/officeDocument/2006/relationships" xmlns:p="http://schemas.openxmlformats.org/presentationml/2006/main">
+  <p:cSld>
+    <p:spTree>
+      <p:nvGrpSpPr>
+        <p:cNvPr id="1" name=""/>
+        <p:cNvGrpSpPr/>
+        <p:nvPr/>
+      </p:nvGrpSpPr>
+      <p:grpSpPr>
+        <a:xfrm>
+          <a:off x="0" y="0"/>
+          <a:ext cx="0" cy="0"/>
+          <a:chOff x="0" y="0"/>
+          <a:chExt cx="0" cy="0"/>
+        </a:xfrm>
+      </p:grpSpPr>
+      <p:sp>
+        <p:nvSpPr>
+          <p:cNvPr id="2" name="Slide Image Placeholder 1"/>
+          <p:cNvSpPr>
+            <a:spLocks noGrp="1" noRot="1" noChangeAspect="1"/>
+          </p:cNvSpPr>
+          <p:nvPr>
+            <p:ph type="sldImg"/>
+          </p:nvPr>
+        </p:nvSpPr>
+        <p:spPr/>
+      </p:sp>
+      <p:sp>
+        <p:nvSpPr>
+          <p:cNvPr id="3" name="Notes Placeholder 2"/>
+          <p:cNvSpPr>
+            <a:spLocks noGrp="1"/>
+          </p:cNvSpPr>
+          <p:nvPr>
+            <p:ph type="body" idx="1"/>
+          </p:nvPr>
+        </p:nvSpPr>
+        <p:spPr/>
+        <p:txBody>
+          <a:bodyPr/>
+          <a:lstStyle/>
+          <a:p>
+            <a:r>
+              <a:rPr lang="en-US" dirty="0" smtClean="0"/>
+              <a:t>Most blobs are block blobs. Page blobs are for VHDs and are used for VMs created in Azure. Most tools that let you create blobs --</a:t>
+            </a:r>
+            <a:r>
+              <a:rPr lang="en-US" baseline="0" dirty="0" smtClean="0"/>
+              <a:t> for example, the Microsoft Azure Storage Explorer -- let you specify the blob type. APIs for creating blobs also let you specify the blob type.</a:t>
+            </a:r>
+            <a:endParaRPr lang="en-US" dirty="0"/>
+          </a:p>
+        </p:txBody>
+      </p:sp>
+      <p:sp>
+        <p:nvSpPr>
+          <p:cNvPr id="4" name="Slide Number Placeholder 3"/>
+          <p:cNvSpPr>
+            <a:spLocks noGrp="1"/>
+          </p:cNvSpPr>
+          <p:nvPr>
+            <p:ph type="sldNum" sz="quarter" idx="10"/>
+          </p:nvPr>
+        </p:nvSpPr>
+        <p:spPr/>
+        <p:txBody>
+          <a:bodyPr/>
+          <a:lstStyle/>
+          <a:p>
+            <a:fld id="{01283FAC-A721-45A3-BBDE-EAF2B09B7CD9}" type="slidenum">
+              <a:rPr lang="en-US" smtClean="0"/>
+              <a:t>9</a:t>
+            </a:fld>
+            <a:endParaRPr lang="en-US"/>
+          </a:p>
+        </p:txBody>
+      </p:sp>
+    </p:spTree>
+    <p:extLst>
+      <p:ext uri="{BB962C8B-B14F-4D97-AF65-F5344CB8AC3E}">
+        <p14:creationId xmlns:p14="http://schemas.microsoft.com/office/powerpoint/2010/main" val="1446334449"/>
       </p:ext>
     </p:extLst>
   </p:cSld>
@@ -1378,7 +2448,7 @@
           <a:p>
             <a:fld id="{0459C166-16D3-4A25-A2F8-C51E0E346B22}" type="datetimeFigureOut">
               <a:rPr lang="en-US" smtClean="0"/>
-              <a:t>6/21/2016</a:t>
+              <a:t>6/22/2016</a:t>
             </a:fld>
             <a:endParaRPr lang="en-US"/>
           </a:p>
@@ -1473,7 +2543,7 @@
           <a:p>
             <a:fld id="{0459C166-16D3-4A25-A2F8-C51E0E346B22}" type="datetimeFigureOut">
               <a:rPr lang="en-US" smtClean="0"/>
-              <a:t>6/21/2016</a:t>
+              <a:t>6/22/2016</a:t>
             </a:fld>
             <a:endParaRPr lang="en-US"/>
           </a:p>
@@ -1748,7 +2818,7 @@
           <a:p>
             <a:fld id="{0459C166-16D3-4A25-A2F8-C51E0E346B22}" type="datetimeFigureOut">
               <a:rPr lang="en-US" smtClean="0"/>
-              <a:t>6/21/2016</a:t>
+              <a:t>6/22/2016</a:t>
             </a:fld>
             <a:endParaRPr lang="en-US"/>
           </a:p>
@@ -2000,7 +3070,7 @@
           <a:p>
             <a:fld id="{0459C166-16D3-4A25-A2F8-C51E0E346B22}" type="datetimeFigureOut">
               <a:rPr lang="en-US" smtClean="0"/>
-              <a:t>6/21/2016</a:t>
+              <a:t>6/22/2016</a:t>
             </a:fld>
             <a:endParaRPr lang="en-US"/>
           </a:p>
@@ -2168,7 +3238,7 @@
           <a:p>
             <a:fld id="{0459C166-16D3-4A25-A2F8-C51E0E346B22}" type="datetimeFigureOut">
               <a:rPr lang="en-US" smtClean="0"/>
-              <a:t>6/21/2016</a:t>
+              <a:t>6/22/2016</a:t>
             </a:fld>
             <a:endParaRPr lang="en-US"/>
           </a:p>
@@ -2346,7 +3416,7 @@
           <a:p>
             <a:fld id="{0459C166-16D3-4A25-A2F8-C51E0E346B22}" type="datetimeFigureOut">
               <a:rPr lang="en-US" smtClean="0"/>
-              <a:t>6/21/2016</a:t>
+              <a:t>6/22/2016</a:t>
             </a:fld>
             <a:endParaRPr lang="en-US"/>
           </a:p>
@@ -4273,7 +5343,7 @@
           <a:p>
             <a:fld id="{0459C166-16D3-4A25-A2F8-C51E0E346B22}" type="datetimeFigureOut">
               <a:rPr lang="en-US" smtClean="0"/>
-              <a:t>6/21/2016</a:t>
+              <a:t>6/22/2016</a:t>
             </a:fld>
             <a:endParaRPr lang="en-US"/>
           </a:p>
@@ -9900,7 +10970,7 @@
             <a:fld id="{0459C166-16D3-4A25-A2F8-C51E0E346B22}" type="datetimeFigureOut">
               <a:rPr lang="en-US" smtClean="0"/>
               <a:pPr/>
-              <a:t>6/21/2016</a:t>
+              <a:t>6/22/2016</a:t>
             </a:fld>
             <a:endParaRPr lang="en-US"/>
           </a:p>
@@ -13962,7 +15032,7 @@
           <a:p>
             <a:fld id="{0459C166-16D3-4A25-A2F8-C51E0E346B22}" type="datetimeFigureOut">
               <a:rPr lang="en-US" smtClean="0"/>
-              <a:t>6/21/2016</a:t>
+              <a:t>6/22/2016</a:t>
             </a:fld>
             <a:endParaRPr lang="en-US"/>
           </a:p>
@@ -14326,7 +15396,7 @@
           <a:p>
             <a:fld id="{0459C166-16D3-4A25-A2F8-C51E0E346B22}" type="datetimeFigureOut">
               <a:rPr lang="en-US" smtClean="0"/>
-              <a:t>6/21/2016</a:t>
+              <a:t>6/22/2016</a:t>
             </a:fld>
             <a:endParaRPr lang="en-US"/>
           </a:p>
@@ -14443,7 +15513,7 @@
           <a:p>
             <a:fld id="{0459C166-16D3-4A25-A2F8-C51E0E346B22}" type="datetimeFigureOut">
               <a:rPr lang="en-US" smtClean="0"/>
-              <a:t>6/21/2016</a:t>
+              <a:t>6/22/2016</a:t>
             </a:fld>
             <a:endParaRPr lang="en-US"/>
           </a:p>
@@ -14654,7 +15724,7 @@
           <a:p>
             <a:fld id="{0459C166-16D3-4A25-A2F8-C51E0E346B22}" type="datetimeFigureOut">
               <a:rPr lang="en-US" smtClean="0"/>
-              <a:t>6/21/2016</a:t>
+              <a:t>6/22/2016</a:t>
             </a:fld>
             <a:endParaRPr lang="en-US"/>
           </a:p>
@@ -22136,33 +23206,17 @@
           <a:p>
             <a:r>
               <a:rPr lang="en-US" dirty="0" smtClean="0"/>
-              <a:t>Azure Storage </a:t>
+              <a:t>Azure Storage and Cognitive Services HOL (MVC).html</a:t>
+            </a:r>
+          </a:p>
+          <a:p>
+            <a:r>
+              <a:rPr lang="en-US" dirty="0"/>
+              <a:t>Azure Storage and Cognitive Services </a:t>
             </a:r>
             <a:r>
               <a:rPr lang="en-US" dirty="0" smtClean="0"/>
-              <a:t>and Cognitive Services HOL </a:t>
-            </a:r>
-            <a:r>
-              <a:rPr lang="en-US" dirty="0" smtClean="0"/>
-              <a:t>(MVC).html</a:t>
-            </a:r>
-          </a:p>
-          <a:p>
-            <a:r>
-              <a:rPr lang="en-US" dirty="0"/>
-              <a:t>Azure </a:t>
-            </a:r>
-            <a:r>
-              <a:rPr lang="en-US" dirty="0"/>
-              <a:t>Storage and Cognitive Services </a:t>
-            </a:r>
-            <a:r>
-              <a:rPr lang="en-US" dirty="0" smtClean="0"/>
-              <a:t>HOL </a:t>
-            </a:r>
-            <a:r>
-              <a:rPr lang="en-US" dirty="0" smtClean="0"/>
-              <a:t>(Node).html</a:t>
+              <a:t>HOL (Node).html</a:t>
             </a:r>
             <a:endParaRPr lang="en-US" dirty="0"/>
           </a:p>
@@ -25184,7 +26238,7 @@
             <a:r>
               <a:rPr lang="en-US" sz="3200" dirty="0" err="1">
                 <a:solidFill>
-                  <a:schemeClr val="accent1"/>
+                  <a:srgbClr val="7F7F7F"/>
                 </a:solidFill>
               </a:rPr>
               <a:t>st</a:t>
@@ -25192,7 +26246,7 @@
             <a:r>
               <a:rPr lang="en-US" sz="3200" dirty="0">
                 <a:solidFill>
-                  <a:schemeClr val="accent1"/>
+                  <a:srgbClr val="7F7F7F"/>
                 </a:solidFill>
               </a:rPr>
               <a:t>=2016-02-07T19%3A58%3A00Z&amp;se=2016-02-08T19%3A58%3A00Z&amp;sp=</a:t>
@@ -25200,7 +26254,7 @@
             <a:r>
               <a:rPr lang="en-US" sz="3200" dirty="0" err="1">
                 <a:solidFill>
-                  <a:schemeClr val="accent1"/>
+                  <a:srgbClr val="7F7F7F"/>
                 </a:solidFill>
               </a:rPr>
               <a:t>r&amp;sv</a:t>
@@ -25208,7 +26262,7 @@
             <a:r>
               <a:rPr lang="en-US" sz="3200" dirty="0">
                 <a:solidFill>
-                  <a:schemeClr val="accent1"/>
+                  <a:srgbClr val="7F7F7F"/>
                 </a:solidFill>
               </a:rPr>
               <a:t>=2015-02-21&amp;sr=</a:t>
@@ -25216,7 +26270,7 @@
             <a:r>
               <a:rPr lang="en-US" sz="3200" dirty="0" err="1">
                 <a:solidFill>
-                  <a:schemeClr val="accent1"/>
+                  <a:srgbClr val="7F7F7F"/>
                 </a:solidFill>
               </a:rPr>
               <a:t>b&amp;sig</a:t>
@@ -25224,7 +26278,7 @@
             <a:r>
               <a:rPr lang="en-US" sz="3200" dirty="0">
                 <a:solidFill>
-                  <a:schemeClr val="accent1"/>
+                  <a:srgbClr val="7F7F7F"/>
                 </a:solidFill>
               </a:rPr>
               <a:t>=BGebg1eduvPTwQnZWZlBphM8YGP9sRYt2WiPIL70vcw%3D</a:t>
@@ -25313,7 +26367,7 @@
             <a:r>
               <a:rPr lang="en-US" sz="3200" dirty="0" smtClean="0">
                 <a:solidFill>
-                  <a:schemeClr val="accent1"/>
+                  <a:srgbClr val="7F7F7F"/>
                 </a:solidFill>
               </a:rPr>
               <a:t>Query string containing</a:t>
@@ -25332,14 +26386,14 @@
             <a:r>
               <a:rPr lang="en-US" sz="3200" dirty="0" smtClean="0">
                 <a:solidFill>
-                  <a:schemeClr val="accent1"/>
+                  <a:srgbClr val="7F7F7F"/>
                 </a:solidFill>
               </a:rPr>
               <a:t>shared-access signature</a:t>
             </a:r>
             <a:endParaRPr lang="en-US" sz="3200" dirty="0">
               <a:solidFill>
-                <a:schemeClr val="accent1"/>
+                <a:srgbClr val="7F7F7F"/>
               </a:solidFill>
             </a:endParaRPr>
           </a:p>
@@ -25398,7 +26452,7 @@
           </a:prstGeom>
           <a:ln w="28575">
             <a:solidFill>
-              <a:schemeClr val="accent1"/>
+              <a:srgbClr val="7F7F7F"/>
             </a:solidFill>
           </a:ln>
         </p:spPr>
@@ -25542,7 +26596,7 @@
           <p:nvPr/>
         </p:nvPicPr>
         <p:blipFill>
-          <a:blip r:embed="rId2"/>
+          <a:blip r:embed="rId3"/>
           <a:stretch>
             <a:fillRect/>
           </a:stretch>
